--- a/diagrams/phase2/FS1030 - Phase 2 - Abstract SQL.pptx
+++ b/diagrams/phase2/FS1030 - Phase 2 - Abstract SQL.pptx
@@ -18,6 +18,12 @@
     <p:sldId id="263" r:id="rId13"/>
     <p:sldId id="264" r:id="rId14"/>
     <p:sldId id="265" r:id="rId15"/>
+    <p:sldId id="266" r:id="rId16"/>
+    <p:sldId id="267" r:id="rId17"/>
+    <p:sldId id="268" r:id="rId18"/>
+    <p:sldId id="269" r:id="rId19"/>
+    <p:sldId id="270" r:id="rId20"/>
+    <p:sldId id="271" r:id="rId21"/>
   </p:sldIdLst>
   <p:sldSz cy="5143500" cx="9144000"/>
   <p:notesSz cx="6858000" cy="9144000"/>
@@ -799,7 +805,7 @@
   <p:cSld>
     <p:spTree>
       <p:nvGrpSpPr>
-        <p:cNvPr id="98" name="Shape 98"/>
+        <p:cNvPr id="100" name="Shape 100"/>
         <p:cNvGrpSpPr/>
         <p:nvPr/>
       </p:nvGrpSpPr>
@@ -813,7 +819,7 @@
       </p:grpSpPr>
       <p:sp>
         <p:nvSpPr>
-          <p:cNvPr id="99" name="Google Shape;99;g5dbe2cd7cb_0_25:notes"/>
+          <p:cNvPr id="101" name="Google Shape;101;g5e0f051925_0_10:notes"/>
           <p:cNvSpPr/>
           <p:nvPr>
             <p:ph idx="2" type="sldImg"/>
@@ -848,7 +854,601 @@
       </p:sp>
       <p:sp>
         <p:nvSpPr>
-          <p:cNvPr id="100" name="Google Shape;100;g5dbe2cd7cb_0_25:notes"/>
+          <p:cNvPr id="102" name="Google Shape;102;g5e0f051925_0_10:notes"/>
+          <p:cNvSpPr txBox="1"/>
+          <p:nvPr>
+            <p:ph idx="1" type="body"/>
+          </p:nvPr>
+        </p:nvSpPr>
+        <p:spPr>
+          <a:xfrm>
+            <a:off x="685800" y="4343400"/>
+            <a:ext cx="5486400" cy="4114800"/>
+          </a:xfrm>
+          <a:prstGeom prst="rect">
+            <a:avLst/>
+          </a:prstGeom>
+        </p:spPr>
+        <p:txBody>
+          <a:bodyPr anchorCtr="0" anchor="t" bIns="91425" lIns="91425" spcFirstLastPara="1" rIns="91425" wrap="square" tIns="91425">
+            <a:noAutofit/>
+          </a:bodyPr>
+          <a:lstStyle/>
+          <a:p>
+            <a:pPr indent="0" lvl="0" marL="0" rtl="0" algn="l">
+              <a:spcBef>
+                <a:spcPts val="0"/>
+              </a:spcBef>
+              <a:spcAft>
+                <a:spcPts val="0"/>
+              </a:spcAft>
+              <a:buNone/>
+            </a:pPr>
+            <a:r>
+              <a:t/>
+            </a:r>
+            <a:endParaRPr/>
+          </a:p>
+        </p:txBody>
+      </p:sp>
+    </p:spTree>
+  </p:cSld>
+  <p:clrMapOvr>
+    <a:masterClrMapping/>
+  </p:clrMapOvr>
+</p:notes>
+</file>
+
+<file path=ppt/notesSlides/notesSlide11.xml><?xml version="1.0" encoding="utf-8"?>
+<p:notes xmlns:a="http://schemas.openxmlformats.org/drawingml/2006/main" xmlns:r="http://schemas.openxmlformats.org/officeDocument/2006/relationships" xmlns:mc="http://schemas.openxmlformats.org/markup-compatibility/2006" xmlns:mv="urn:schemas-microsoft-com:mac:vml" xmlns:p="http://schemas.openxmlformats.org/presentationml/2006/main" xmlns:c="http://schemas.openxmlformats.org/drawingml/2006/chart" xmlns:dgm="http://schemas.openxmlformats.org/drawingml/2006/diagram" xmlns:o="urn:schemas-microsoft-com:office:office" xmlns:v="urn:schemas-microsoft-com:vml" xmlns:pvml="urn:schemas-microsoft-com:office:powerpoint" xmlns:com="http://schemas.openxmlformats.org/drawingml/2006/compatibility" xmlns:p14="http://schemas.microsoft.com/office/powerpoint/2010/main" xmlns:p15="http://schemas.microsoft.com/office/powerpoint/2012/main" showMasterPhAnim="0" showMasterSp="0">
+  <p:cSld>
+    <p:spTree>
+      <p:nvGrpSpPr>
+        <p:cNvPr id="106" name="Shape 106"/>
+        <p:cNvGrpSpPr/>
+        <p:nvPr/>
+      </p:nvGrpSpPr>
+      <p:grpSpPr>
+        <a:xfrm>
+          <a:off x="0" y="0"/>
+          <a:ext cx="0" cy="0"/>
+          <a:chOff x="0" y="0"/>
+          <a:chExt cx="0" cy="0"/>
+        </a:xfrm>
+      </p:grpSpPr>
+      <p:sp>
+        <p:nvSpPr>
+          <p:cNvPr id="107" name="Google Shape;107;g5e0f051925_0_15:notes"/>
+          <p:cNvSpPr/>
+          <p:nvPr>
+            <p:ph idx="2" type="sldImg"/>
+          </p:nvPr>
+        </p:nvSpPr>
+        <p:spPr>
+          <a:xfrm>
+            <a:off x="381300" y="685800"/>
+            <a:ext cx="6096000" cy="3429000"/>
+          </a:xfrm>
+          <a:custGeom>
+            <a:rect b="b" l="l" r="r" t="t"/>
+            <a:pathLst>
+              <a:path extrusionOk="0" h="120000" w="120000">
+                <a:moveTo>
+                  <a:pt x="0" y="0"/>
+                </a:moveTo>
+                <a:lnTo>
+                  <a:pt x="120000" y="0"/>
+                </a:lnTo>
+                <a:lnTo>
+                  <a:pt x="120000" y="120000"/>
+                </a:lnTo>
+                <a:lnTo>
+                  <a:pt x="0" y="120000"/>
+                </a:lnTo>
+                <a:close/>
+              </a:path>
+            </a:pathLst>
+          </a:custGeom>
+        </p:spPr>
+      </p:sp>
+      <p:sp>
+        <p:nvSpPr>
+          <p:cNvPr id="108" name="Google Shape;108;g5e0f051925_0_15:notes"/>
+          <p:cNvSpPr txBox="1"/>
+          <p:nvPr>
+            <p:ph idx="1" type="body"/>
+          </p:nvPr>
+        </p:nvSpPr>
+        <p:spPr>
+          <a:xfrm>
+            <a:off x="685800" y="4343400"/>
+            <a:ext cx="5486400" cy="4114800"/>
+          </a:xfrm>
+          <a:prstGeom prst="rect">
+            <a:avLst/>
+          </a:prstGeom>
+        </p:spPr>
+        <p:txBody>
+          <a:bodyPr anchorCtr="0" anchor="t" bIns="91425" lIns="91425" spcFirstLastPara="1" rIns="91425" wrap="square" tIns="91425">
+            <a:noAutofit/>
+          </a:bodyPr>
+          <a:lstStyle/>
+          <a:p>
+            <a:pPr indent="0" lvl="0" marL="0" rtl="0" algn="l">
+              <a:spcBef>
+                <a:spcPts val="0"/>
+              </a:spcBef>
+              <a:spcAft>
+                <a:spcPts val="0"/>
+              </a:spcAft>
+              <a:buNone/>
+            </a:pPr>
+            <a:r>
+              <a:t/>
+            </a:r>
+            <a:endParaRPr/>
+          </a:p>
+        </p:txBody>
+      </p:sp>
+    </p:spTree>
+  </p:cSld>
+  <p:clrMapOvr>
+    <a:masterClrMapping/>
+  </p:clrMapOvr>
+</p:notes>
+</file>
+
+<file path=ppt/notesSlides/notesSlide12.xml><?xml version="1.0" encoding="utf-8"?>
+<p:notes xmlns:a="http://schemas.openxmlformats.org/drawingml/2006/main" xmlns:r="http://schemas.openxmlformats.org/officeDocument/2006/relationships" xmlns:mc="http://schemas.openxmlformats.org/markup-compatibility/2006" xmlns:mv="urn:schemas-microsoft-com:mac:vml" xmlns:p="http://schemas.openxmlformats.org/presentationml/2006/main" xmlns:c="http://schemas.openxmlformats.org/drawingml/2006/chart" xmlns:dgm="http://schemas.openxmlformats.org/drawingml/2006/diagram" xmlns:o="urn:schemas-microsoft-com:office:office" xmlns:v="urn:schemas-microsoft-com:vml" xmlns:pvml="urn:schemas-microsoft-com:office:powerpoint" xmlns:com="http://schemas.openxmlformats.org/drawingml/2006/compatibility" xmlns:p14="http://schemas.microsoft.com/office/powerpoint/2010/main" xmlns:p15="http://schemas.microsoft.com/office/powerpoint/2012/main" showMasterPhAnim="0" showMasterSp="0">
+  <p:cSld>
+    <p:spTree>
+      <p:nvGrpSpPr>
+        <p:cNvPr id="112" name="Shape 112"/>
+        <p:cNvGrpSpPr/>
+        <p:nvPr/>
+      </p:nvGrpSpPr>
+      <p:grpSpPr>
+        <a:xfrm>
+          <a:off x="0" y="0"/>
+          <a:ext cx="0" cy="0"/>
+          <a:chOff x="0" y="0"/>
+          <a:chExt cx="0" cy="0"/>
+        </a:xfrm>
+      </p:grpSpPr>
+      <p:sp>
+        <p:nvSpPr>
+          <p:cNvPr id="113" name="Google Shape;113;g5dbe2cd7cb_0_5:notes"/>
+          <p:cNvSpPr/>
+          <p:nvPr>
+            <p:ph idx="2" type="sldImg"/>
+          </p:nvPr>
+        </p:nvSpPr>
+        <p:spPr>
+          <a:xfrm>
+            <a:off x="381300" y="685800"/>
+            <a:ext cx="6096000" cy="3429000"/>
+          </a:xfrm>
+          <a:custGeom>
+            <a:rect b="b" l="l" r="r" t="t"/>
+            <a:pathLst>
+              <a:path extrusionOk="0" h="120000" w="120000">
+                <a:moveTo>
+                  <a:pt x="0" y="0"/>
+                </a:moveTo>
+                <a:lnTo>
+                  <a:pt x="120000" y="0"/>
+                </a:lnTo>
+                <a:lnTo>
+                  <a:pt x="120000" y="120000"/>
+                </a:lnTo>
+                <a:lnTo>
+                  <a:pt x="0" y="120000"/>
+                </a:lnTo>
+                <a:close/>
+              </a:path>
+            </a:pathLst>
+          </a:custGeom>
+        </p:spPr>
+      </p:sp>
+      <p:sp>
+        <p:nvSpPr>
+          <p:cNvPr id="114" name="Google Shape;114;g5dbe2cd7cb_0_5:notes"/>
+          <p:cNvSpPr txBox="1"/>
+          <p:nvPr>
+            <p:ph idx="1" type="body"/>
+          </p:nvPr>
+        </p:nvSpPr>
+        <p:spPr>
+          <a:xfrm>
+            <a:off x="685800" y="4343400"/>
+            <a:ext cx="5486400" cy="4114800"/>
+          </a:xfrm>
+          <a:prstGeom prst="rect">
+            <a:avLst/>
+          </a:prstGeom>
+        </p:spPr>
+        <p:txBody>
+          <a:bodyPr anchorCtr="0" anchor="t" bIns="91425" lIns="91425" spcFirstLastPara="1" rIns="91425" wrap="square" tIns="91425">
+            <a:noAutofit/>
+          </a:bodyPr>
+          <a:lstStyle/>
+          <a:p>
+            <a:pPr indent="0" lvl="0" marL="0" rtl="0" algn="l">
+              <a:spcBef>
+                <a:spcPts val="0"/>
+              </a:spcBef>
+              <a:spcAft>
+                <a:spcPts val="0"/>
+              </a:spcAft>
+              <a:buNone/>
+            </a:pPr>
+            <a:r>
+              <a:t/>
+            </a:r>
+            <a:endParaRPr/>
+          </a:p>
+        </p:txBody>
+      </p:sp>
+    </p:spTree>
+  </p:cSld>
+  <p:clrMapOvr>
+    <a:masterClrMapping/>
+  </p:clrMapOvr>
+</p:notes>
+</file>
+
+<file path=ppt/notesSlides/notesSlide13.xml><?xml version="1.0" encoding="utf-8"?>
+<p:notes xmlns:a="http://schemas.openxmlformats.org/drawingml/2006/main" xmlns:r="http://schemas.openxmlformats.org/officeDocument/2006/relationships" xmlns:mc="http://schemas.openxmlformats.org/markup-compatibility/2006" xmlns:mv="urn:schemas-microsoft-com:mac:vml" xmlns:p="http://schemas.openxmlformats.org/presentationml/2006/main" xmlns:c="http://schemas.openxmlformats.org/drawingml/2006/chart" xmlns:dgm="http://schemas.openxmlformats.org/drawingml/2006/diagram" xmlns:o="urn:schemas-microsoft-com:office:office" xmlns:v="urn:schemas-microsoft-com:vml" xmlns:pvml="urn:schemas-microsoft-com:office:powerpoint" xmlns:com="http://schemas.openxmlformats.org/drawingml/2006/compatibility" xmlns:p14="http://schemas.microsoft.com/office/powerpoint/2010/main" xmlns:p15="http://schemas.microsoft.com/office/powerpoint/2012/main" showMasterPhAnim="0" showMasterSp="0">
+  <p:cSld>
+    <p:spTree>
+      <p:nvGrpSpPr>
+        <p:cNvPr id="117" name="Shape 117"/>
+        <p:cNvGrpSpPr/>
+        <p:nvPr/>
+      </p:nvGrpSpPr>
+      <p:grpSpPr>
+        <a:xfrm>
+          <a:off x="0" y="0"/>
+          <a:ext cx="0" cy="0"/>
+          <a:chOff x="0" y="0"/>
+          <a:chExt cx="0" cy="0"/>
+        </a:xfrm>
+      </p:grpSpPr>
+      <p:sp>
+        <p:nvSpPr>
+          <p:cNvPr id="118" name="Google Shape;118;g5d30299014_0_0:notes"/>
+          <p:cNvSpPr/>
+          <p:nvPr>
+            <p:ph idx="2" type="sldImg"/>
+          </p:nvPr>
+        </p:nvSpPr>
+        <p:spPr>
+          <a:xfrm>
+            <a:off x="381300" y="685800"/>
+            <a:ext cx="6096000" cy="3429000"/>
+          </a:xfrm>
+          <a:custGeom>
+            <a:rect b="b" l="l" r="r" t="t"/>
+            <a:pathLst>
+              <a:path extrusionOk="0" h="120000" w="120000">
+                <a:moveTo>
+                  <a:pt x="0" y="0"/>
+                </a:moveTo>
+                <a:lnTo>
+                  <a:pt x="120000" y="0"/>
+                </a:lnTo>
+                <a:lnTo>
+                  <a:pt x="120000" y="120000"/>
+                </a:lnTo>
+                <a:lnTo>
+                  <a:pt x="0" y="120000"/>
+                </a:lnTo>
+                <a:close/>
+              </a:path>
+            </a:pathLst>
+          </a:custGeom>
+        </p:spPr>
+      </p:sp>
+      <p:sp>
+        <p:nvSpPr>
+          <p:cNvPr id="119" name="Google Shape;119;g5d30299014_0_0:notes"/>
+          <p:cNvSpPr txBox="1"/>
+          <p:nvPr>
+            <p:ph idx="1" type="body"/>
+          </p:nvPr>
+        </p:nvSpPr>
+        <p:spPr>
+          <a:xfrm>
+            <a:off x="685800" y="4343400"/>
+            <a:ext cx="5486400" cy="4114800"/>
+          </a:xfrm>
+          <a:prstGeom prst="rect">
+            <a:avLst/>
+          </a:prstGeom>
+        </p:spPr>
+        <p:txBody>
+          <a:bodyPr anchorCtr="0" anchor="t" bIns="91425" lIns="91425" spcFirstLastPara="1" rIns="91425" wrap="square" tIns="91425">
+            <a:noAutofit/>
+          </a:bodyPr>
+          <a:lstStyle/>
+          <a:p>
+            <a:pPr indent="0" lvl="0" marL="0" rtl="0" algn="l">
+              <a:spcBef>
+                <a:spcPts val="0"/>
+              </a:spcBef>
+              <a:spcAft>
+                <a:spcPts val="0"/>
+              </a:spcAft>
+              <a:buNone/>
+            </a:pPr>
+            <a:r>
+              <a:t/>
+            </a:r>
+            <a:endParaRPr/>
+          </a:p>
+        </p:txBody>
+      </p:sp>
+    </p:spTree>
+  </p:cSld>
+  <p:clrMapOvr>
+    <a:masterClrMapping/>
+  </p:clrMapOvr>
+</p:notes>
+</file>
+
+<file path=ppt/notesSlides/notesSlide14.xml><?xml version="1.0" encoding="utf-8"?>
+<p:notes xmlns:a="http://schemas.openxmlformats.org/drawingml/2006/main" xmlns:r="http://schemas.openxmlformats.org/officeDocument/2006/relationships" xmlns:mc="http://schemas.openxmlformats.org/markup-compatibility/2006" xmlns:mv="urn:schemas-microsoft-com:mac:vml" xmlns:p="http://schemas.openxmlformats.org/presentationml/2006/main" xmlns:c="http://schemas.openxmlformats.org/drawingml/2006/chart" xmlns:dgm="http://schemas.openxmlformats.org/drawingml/2006/diagram" xmlns:o="urn:schemas-microsoft-com:office:office" xmlns:v="urn:schemas-microsoft-com:vml" xmlns:pvml="urn:schemas-microsoft-com:office:powerpoint" xmlns:com="http://schemas.openxmlformats.org/drawingml/2006/compatibility" xmlns:p14="http://schemas.microsoft.com/office/powerpoint/2010/main" xmlns:p15="http://schemas.microsoft.com/office/powerpoint/2012/main" showMasterPhAnim="0" showMasterSp="0">
+  <p:cSld>
+    <p:spTree>
+      <p:nvGrpSpPr>
+        <p:cNvPr id="123" name="Shape 123"/>
+        <p:cNvGrpSpPr/>
+        <p:nvPr/>
+      </p:nvGrpSpPr>
+      <p:grpSpPr>
+        <a:xfrm>
+          <a:off x="0" y="0"/>
+          <a:ext cx="0" cy="0"/>
+          <a:chOff x="0" y="0"/>
+          <a:chExt cx="0" cy="0"/>
+        </a:xfrm>
+      </p:grpSpPr>
+      <p:sp>
+        <p:nvSpPr>
+          <p:cNvPr id="124" name="Google Shape;124;g5d30299014_0_5:notes"/>
+          <p:cNvSpPr/>
+          <p:nvPr>
+            <p:ph idx="2" type="sldImg"/>
+          </p:nvPr>
+        </p:nvSpPr>
+        <p:spPr>
+          <a:xfrm>
+            <a:off x="381300" y="685800"/>
+            <a:ext cx="6096000" cy="3429000"/>
+          </a:xfrm>
+          <a:custGeom>
+            <a:rect b="b" l="l" r="r" t="t"/>
+            <a:pathLst>
+              <a:path extrusionOk="0" h="120000" w="120000">
+                <a:moveTo>
+                  <a:pt x="0" y="0"/>
+                </a:moveTo>
+                <a:lnTo>
+                  <a:pt x="120000" y="0"/>
+                </a:lnTo>
+                <a:lnTo>
+                  <a:pt x="120000" y="120000"/>
+                </a:lnTo>
+                <a:lnTo>
+                  <a:pt x="0" y="120000"/>
+                </a:lnTo>
+                <a:close/>
+              </a:path>
+            </a:pathLst>
+          </a:custGeom>
+        </p:spPr>
+      </p:sp>
+      <p:sp>
+        <p:nvSpPr>
+          <p:cNvPr id="125" name="Google Shape;125;g5d30299014_0_5:notes"/>
+          <p:cNvSpPr txBox="1"/>
+          <p:nvPr>
+            <p:ph idx="1" type="body"/>
+          </p:nvPr>
+        </p:nvSpPr>
+        <p:spPr>
+          <a:xfrm>
+            <a:off x="685800" y="4343400"/>
+            <a:ext cx="5486400" cy="4114800"/>
+          </a:xfrm>
+          <a:prstGeom prst="rect">
+            <a:avLst/>
+          </a:prstGeom>
+        </p:spPr>
+        <p:txBody>
+          <a:bodyPr anchorCtr="0" anchor="t" bIns="91425" lIns="91425" spcFirstLastPara="1" rIns="91425" wrap="square" tIns="91425">
+            <a:noAutofit/>
+          </a:bodyPr>
+          <a:lstStyle/>
+          <a:p>
+            <a:pPr indent="0" lvl="0" marL="0" rtl="0" algn="l">
+              <a:spcBef>
+                <a:spcPts val="0"/>
+              </a:spcBef>
+              <a:spcAft>
+                <a:spcPts val="0"/>
+              </a:spcAft>
+              <a:buNone/>
+            </a:pPr>
+            <a:r>
+              <a:t/>
+            </a:r>
+            <a:endParaRPr/>
+          </a:p>
+        </p:txBody>
+      </p:sp>
+    </p:spTree>
+  </p:cSld>
+  <p:clrMapOvr>
+    <a:masterClrMapping/>
+  </p:clrMapOvr>
+</p:notes>
+</file>
+
+<file path=ppt/notesSlides/notesSlide15.xml><?xml version="1.0" encoding="utf-8"?>
+<p:notes xmlns:a="http://schemas.openxmlformats.org/drawingml/2006/main" xmlns:r="http://schemas.openxmlformats.org/officeDocument/2006/relationships" xmlns:mc="http://schemas.openxmlformats.org/markup-compatibility/2006" xmlns:mv="urn:schemas-microsoft-com:mac:vml" xmlns:p="http://schemas.openxmlformats.org/presentationml/2006/main" xmlns:c="http://schemas.openxmlformats.org/drawingml/2006/chart" xmlns:dgm="http://schemas.openxmlformats.org/drawingml/2006/diagram" xmlns:o="urn:schemas-microsoft-com:office:office" xmlns:v="urn:schemas-microsoft-com:vml" xmlns:pvml="urn:schemas-microsoft-com:office:powerpoint" xmlns:com="http://schemas.openxmlformats.org/drawingml/2006/compatibility" xmlns:p14="http://schemas.microsoft.com/office/powerpoint/2010/main" xmlns:p15="http://schemas.microsoft.com/office/powerpoint/2012/main" showMasterPhAnim="0" showMasterSp="0">
+  <p:cSld>
+    <p:spTree>
+      <p:nvGrpSpPr>
+        <p:cNvPr id="129" name="Shape 129"/>
+        <p:cNvGrpSpPr/>
+        <p:nvPr/>
+      </p:nvGrpSpPr>
+      <p:grpSpPr>
+        <a:xfrm>
+          <a:off x="0" y="0"/>
+          <a:ext cx="0" cy="0"/>
+          <a:chOff x="0" y="0"/>
+          <a:chExt cx="0" cy="0"/>
+        </a:xfrm>
+      </p:grpSpPr>
+      <p:sp>
+        <p:nvSpPr>
+          <p:cNvPr id="130" name="Google Shape;130;g5dbe2cd7cb_0_21:notes"/>
+          <p:cNvSpPr/>
+          <p:nvPr>
+            <p:ph idx="2" type="sldImg"/>
+          </p:nvPr>
+        </p:nvSpPr>
+        <p:spPr>
+          <a:xfrm>
+            <a:off x="381300" y="685800"/>
+            <a:ext cx="6096000" cy="3429000"/>
+          </a:xfrm>
+          <a:custGeom>
+            <a:rect b="b" l="l" r="r" t="t"/>
+            <a:pathLst>
+              <a:path extrusionOk="0" h="120000" w="120000">
+                <a:moveTo>
+                  <a:pt x="0" y="0"/>
+                </a:moveTo>
+                <a:lnTo>
+                  <a:pt x="120000" y="0"/>
+                </a:lnTo>
+                <a:lnTo>
+                  <a:pt x="120000" y="120000"/>
+                </a:lnTo>
+                <a:lnTo>
+                  <a:pt x="0" y="120000"/>
+                </a:lnTo>
+                <a:close/>
+              </a:path>
+            </a:pathLst>
+          </a:custGeom>
+        </p:spPr>
+      </p:sp>
+      <p:sp>
+        <p:nvSpPr>
+          <p:cNvPr id="131" name="Google Shape;131;g5dbe2cd7cb_0_21:notes"/>
+          <p:cNvSpPr txBox="1"/>
+          <p:nvPr>
+            <p:ph idx="1" type="body"/>
+          </p:nvPr>
+        </p:nvSpPr>
+        <p:spPr>
+          <a:xfrm>
+            <a:off x="685800" y="4343400"/>
+            <a:ext cx="5486400" cy="4114800"/>
+          </a:xfrm>
+          <a:prstGeom prst="rect">
+            <a:avLst/>
+          </a:prstGeom>
+        </p:spPr>
+        <p:txBody>
+          <a:bodyPr anchorCtr="0" anchor="t" bIns="91425" lIns="91425" spcFirstLastPara="1" rIns="91425" wrap="square" tIns="91425">
+            <a:noAutofit/>
+          </a:bodyPr>
+          <a:lstStyle/>
+          <a:p>
+            <a:pPr indent="0" lvl="0" marL="0" rtl="0" algn="l">
+              <a:spcBef>
+                <a:spcPts val="0"/>
+              </a:spcBef>
+              <a:spcAft>
+                <a:spcPts val="0"/>
+              </a:spcAft>
+              <a:buNone/>
+            </a:pPr>
+            <a:r>
+              <a:t/>
+            </a:r>
+            <a:endParaRPr/>
+          </a:p>
+        </p:txBody>
+      </p:sp>
+    </p:spTree>
+  </p:cSld>
+  <p:clrMapOvr>
+    <a:masterClrMapping/>
+  </p:clrMapOvr>
+</p:notes>
+</file>
+
+<file path=ppt/notesSlides/notesSlide16.xml><?xml version="1.0" encoding="utf-8"?>
+<p:notes xmlns:a="http://schemas.openxmlformats.org/drawingml/2006/main" xmlns:r="http://schemas.openxmlformats.org/officeDocument/2006/relationships" xmlns:mc="http://schemas.openxmlformats.org/markup-compatibility/2006" xmlns:mv="urn:schemas-microsoft-com:mac:vml" xmlns:p="http://schemas.openxmlformats.org/presentationml/2006/main" xmlns:c="http://schemas.openxmlformats.org/drawingml/2006/chart" xmlns:dgm="http://schemas.openxmlformats.org/drawingml/2006/diagram" xmlns:o="urn:schemas-microsoft-com:office:office" xmlns:v="urn:schemas-microsoft-com:vml" xmlns:pvml="urn:schemas-microsoft-com:office:powerpoint" xmlns:com="http://schemas.openxmlformats.org/drawingml/2006/compatibility" xmlns:p14="http://schemas.microsoft.com/office/powerpoint/2010/main" xmlns:p15="http://schemas.microsoft.com/office/powerpoint/2012/main" showMasterPhAnim="0" showMasterSp="0">
+  <p:cSld>
+    <p:spTree>
+      <p:nvGrpSpPr>
+        <p:cNvPr id="134" name="Shape 134"/>
+        <p:cNvGrpSpPr/>
+        <p:nvPr/>
+      </p:nvGrpSpPr>
+      <p:grpSpPr>
+        <a:xfrm>
+          <a:off x="0" y="0"/>
+          <a:ext cx="0" cy="0"/>
+          <a:chOff x="0" y="0"/>
+          <a:chExt cx="0" cy="0"/>
+        </a:xfrm>
+      </p:grpSpPr>
+      <p:sp>
+        <p:nvSpPr>
+          <p:cNvPr id="135" name="Google Shape;135;g5dbe2cd7cb_0_25:notes"/>
+          <p:cNvSpPr/>
+          <p:nvPr>
+            <p:ph idx="2" type="sldImg"/>
+          </p:nvPr>
+        </p:nvSpPr>
+        <p:spPr>
+          <a:xfrm>
+            <a:off x="381300" y="685800"/>
+            <a:ext cx="6096000" cy="3429000"/>
+          </a:xfrm>
+          <a:custGeom>
+            <a:rect b="b" l="l" r="r" t="t"/>
+            <a:pathLst>
+              <a:path extrusionOk="0" h="120000" w="120000">
+                <a:moveTo>
+                  <a:pt x="0" y="0"/>
+                </a:moveTo>
+                <a:lnTo>
+                  <a:pt x="120000" y="0"/>
+                </a:lnTo>
+                <a:lnTo>
+                  <a:pt x="120000" y="120000"/>
+                </a:lnTo>
+                <a:lnTo>
+                  <a:pt x="0" y="120000"/>
+                </a:lnTo>
+                <a:close/>
+              </a:path>
+            </a:pathLst>
+          </a:custGeom>
+        </p:spPr>
+      </p:sp>
+      <p:sp>
+        <p:nvSpPr>
+          <p:cNvPr id="136" name="Google Shape;136;g5dbe2cd7cb_0_25:notes"/>
           <p:cNvSpPr txBox="1"/>
           <p:nvPr>
             <p:ph idx="1" type="body"/>
@@ -1011,7 +1611,7 @@
       </p:grpSpPr>
       <p:sp>
         <p:nvSpPr>
-          <p:cNvPr id="62" name="Google Shape;62;g5dbe2cd7cb_0_9:notes"/>
+          <p:cNvPr id="62" name="Google Shape;62;g5e0f051925_0_0:notes"/>
           <p:cNvSpPr/>
           <p:nvPr>
             <p:ph idx="2" type="sldImg"/>
@@ -1046,7 +1646,7 @@
       </p:sp>
       <p:sp>
         <p:nvSpPr>
-          <p:cNvPr id="63" name="Google Shape;63;g5dbe2cd7cb_0_9:notes"/>
+          <p:cNvPr id="63" name="Google Shape;63;g5e0f051925_0_0:notes"/>
           <p:cNvSpPr txBox="1"/>
           <p:nvPr>
             <p:ph idx="1" type="body"/>
@@ -1096,7 +1696,7 @@
   <p:cSld>
     <p:spTree>
       <p:nvGrpSpPr>
-        <p:cNvPr id="66" name="Shape 66"/>
+        <p:cNvPr id="67" name="Shape 67"/>
         <p:cNvGrpSpPr/>
         <p:nvPr/>
       </p:nvGrpSpPr>
@@ -1110,7 +1710,7 @@
       </p:grpSpPr>
       <p:sp>
         <p:nvSpPr>
-          <p:cNvPr id="67" name="Google Shape;67;g5dbe2cd7cb_0_13:notes"/>
+          <p:cNvPr id="68" name="Google Shape;68;g5e0f051925_0_5:notes"/>
           <p:cNvSpPr/>
           <p:nvPr>
             <p:ph idx="2" type="sldImg"/>
@@ -1145,7 +1745,7 @@
       </p:sp>
       <p:sp>
         <p:nvSpPr>
-          <p:cNvPr id="68" name="Google Shape;68;g5dbe2cd7cb_0_13:notes"/>
+          <p:cNvPr id="69" name="Google Shape;69;g5e0f051925_0_5:notes"/>
           <p:cNvSpPr txBox="1"/>
           <p:nvPr>
             <p:ph idx="1" type="body"/>
@@ -1195,7 +1795,7 @@
   <p:cSld>
     <p:spTree>
       <p:nvGrpSpPr>
-        <p:cNvPr id="71" name="Shape 71"/>
+        <p:cNvPr id="73" name="Shape 73"/>
         <p:cNvGrpSpPr/>
         <p:nvPr/>
       </p:nvGrpSpPr>
@@ -1209,7 +1809,7 @@
       </p:grpSpPr>
       <p:sp>
         <p:nvSpPr>
-          <p:cNvPr id="72" name="Google Shape;72;g5dbe2cd7cb_0_17:notes"/>
+          <p:cNvPr id="74" name="Google Shape;74;g5dbe2cd7cb_0_9:notes"/>
           <p:cNvSpPr/>
           <p:nvPr>
             <p:ph idx="2" type="sldImg"/>
@@ -1244,7 +1844,7 @@
       </p:sp>
       <p:sp>
         <p:nvSpPr>
-          <p:cNvPr id="73" name="Google Shape;73;g5dbe2cd7cb_0_17:notes"/>
+          <p:cNvPr id="75" name="Google Shape;75;g5dbe2cd7cb_0_9:notes"/>
           <p:cNvSpPr txBox="1"/>
           <p:nvPr>
             <p:ph idx="1" type="body"/>
@@ -1294,7 +1894,7 @@
   <p:cSld>
     <p:spTree>
       <p:nvGrpSpPr>
-        <p:cNvPr id="76" name="Shape 76"/>
+        <p:cNvPr id="78" name="Shape 78"/>
         <p:cNvGrpSpPr/>
         <p:nvPr/>
       </p:nvGrpSpPr>
@@ -1308,7 +1908,7 @@
       </p:grpSpPr>
       <p:sp>
         <p:nvSpPr>
-          <p:cNvPr id="77" name="Google Shape;77;g5dbe2cd7cb_0_5:notes"/>
+          <p:cNvPr id="79" name="Google Shape;79;g5dbe2cd7cb_0_13:notes"/>
           <p:cNvSpPr/>
           <p:nvPr>
             <p:ph idx="2" type="sldImg"/>
@@ -1343,7 +1943,7 @@
       </p:sp>
       <p:sp>
         <p:nvSpPr>
-          <p:cNvPr id="78" name="Google Shape;78;g5dbe2cd7cb_0_5:notes"/>
+          <p:cNvPr id="80" name="Google Shape;80;g5dbe2cd7cb_0_13:notes"/>
           <p:cNvSpPr txBox="1"/>
           <p:nvPr>
             <p:ph idx="1" type="body"/>
@@ -1393,7 +1993,7 @@
   <p:cSld>
     <p:spTree>
       <p:nvGrpSpPr>
-        <p:cNvPr id="81" name="Shape 81"/>
+        <p:cNvPr id="83" name="Shape 83"/>
         <p:cNvGrpSpPr/>
         <p:nvPr/>
       </p:nvGrpSpPr>
@@ -1407,7 +2007,7 @@
       </p:grpSpPr>
       <p:sp>
         <p:nvSpPr>
-          <p:cNvPr id="82" name="Google Shape;82;g5d30299014_0_0:notes"/>
+          <p:cNvPr id="84" name="Google Shape;84;g5e0f051925_0_20:notes"/>
           <p:cNvSpPr/>
           <p:nvPr>
             <p:ph idx="2" type="sldImg"/>
@@ -1442,7 +2042,7 @@
       </p:sp>
       <p:sp>
         <p:nvSpPr>
-          <p:cNvPr id="83" name="Google Shape;83;g5d30299014_0_0:notes"/>
+          <p:cNvPr id="85" name="Google Shape;85;g5e0f051925_0_20:notes"/>
           <p:cNvSpPr txBox="1"/>
           <p:nvPr>
             <p:ph idx="1" type="body"/>
@@ -1492,7 +2092,7 @@
   <p:cSld>
     <p:spTree>
       <p:nvGrpSpPr>
-        <p:cNvPr id="87" name="Shape 87"/>
+        <p:cNvPr id="89" name="Shape 89"/>
         <p:cNvGrpSpPr/>
         <p:nvPr/>
       </p:nvGrpSpPr>
@@ -1506,7 +2106,7 @@
       </p:grpSpPr>
       <p:sp>
         <p:nvSpPr>
-          <p:cNvPr id="88" name="Google Shape;88;g5d30299014_0_5:notes"/>
+          <p:cNvPr id="90" name="Google Shape;90;g5e0f051925_0_25:notes"/>
           <p:cNvSpPr/>
           <p:nvPr>
             <p:ph idx="2" type="sldImg"/>
@@ -1541,7 +2141,7 @@
       </p:sp>
       <p:sp>
         <p:nvSpPr>
-          <p:cNvPr id="89" name="Google Shape;89;g5d30299014_0_5:notes"/>
+          <p:cNvPr id="91" name="Google Shape;91;g5e0f051925_0_25:notes"/>
           <p:cNvSpPr txBox="1"/>
           <p:nvPr>
             <p:ph idx="1" type="body"/>
@@ -1591,7 +2191,7 @@
   <p:cSld>
     <p:spTree>
       <p:nvGrpSpPr>
-        <p:cNvPr id="93" name="Shape 93"/>
+        <p:cNvPr id="95" name="Shape 95"/>
         <p:cNvGrpSpPr/>
         <p:nvPr/>
       </p:nvGrpSpPr>
@@ -1605,7 +2205,7 @@
       </p:grpSpPr>
       <p:sp>
         <p:nvSpPr>
-          <p:cNvPr id="94" name="Google Shape;94;g5dbe2cd7cb_0_21:notes"/>
+          <p:cNvPr id="96" name="Google Shape;96;g5dbe2cd7cb_0_17:notes"/>
           <p:cNvSpPr/>
           <p:nvPr>
             <p:ph idx="2" type="sldImg"/>
@@ -1640,7 +2240,7 @@
       </p:sp>
       <p:sp>
         <p:nvSpPr>
-          <p:cNvPr id="95" name="Google Shape;95;g5dbe2cd7cb_0_21:notes"/>
+          <p:cNvPr id="97" name="Google Shape;97;g5dbe2cd7cb_0_17:notes"/>
           <p:cNvSpPr txBox="1"/>
           <p:nvPr>
             <p:ph idx="1" type="body"/>
@@ -6385,7 +6985,7 @@
             </a:pPr>
             <a:r>
               <a:rPr lang="fr"/>
-              <a:t>FS1030 - EMR Database</a:t>
+              <a:t>FS1030 - Group 3 - EMR Database</a:t>
             </a:r>
             <a:endParaRPr/>
           </a:p>
@@ -6600,7 +7200,7 @@
   <p:cSld>
     <p:spTree>
       <p:nvGrpSpPr>
-        <p:cNvPr id="101" name="Shape 101"/>
+        <p:cNvPr id="103" name="Shape 103"/>
         <p:cNvGrpSpPr/>
         <p:nvPr/>
       </p:nvGrpSpPr>
@@ -6614,7 +7214,1341 @@
       </p:grpSpPr>
       <p:sp>
         <p:nvSpPr>
-          <p:cNvPr id="102" name="Google Shape;102;p22"/>
+          <p:cNvPr id="104" name="Google Shape;104;p22"/>
+          <p:cNvSpPr txBox="1"/>
+          <p:nvPr>
+            <p:ph type="title"/>
+          </p:nvPr>
+        </p:nvSpPr>
+        <p:spPr>
+          <a:xfrm>
+            <a:off x="311700" y="-88375"/>
+            <a:ext cx="8520600" cy="572700"/>
+          </a:xfrm>
+          <a:prstGeom prst="rect">
+            <a:avLst/>
+          </a:prstGeom>
+        </p:spPr>
+        <p:txBody>
+          <a:bodyPr anchorCtr="0" anchor="t" bIns="91425" lIns="91425" spcFirstLastPara="1" rIns="91425" wrap="square" tIns="91425">
+            <a:noAutofit/>
+          </a:bodyPr>
+          <a:lstStyle/>
+          <a:p>
+            <a:pPr indent="0" lvl="0" marL="0" rtl="0" algn="l">
+              <a:spcBef>
+                <a:spcPts val="0"/>
+              </a:spcBef>
+              <a:spcAft>
+                <a:spcPts val="0"/>
+              </a:spcAft>
+              <a:buNone/>
+            </a:pPr>
+            <a:r>
+              <a:rPr lang="fr"/>
+              <a:t>Abstract Code - Care provider login</a:t>
+            </a:r>
+            <a:endParaRPr/>
+          </a:p>
+        </p:txBody>
+      </p:sp>
+      <p:sp>
+        <p:nvSpPr>
+          <p:cNvPr id="105" name="Google Shape;105;p22"/>
+          <p:cNvSpPr txBox="1"/>
+          <p:nvPr>
+            <p:ph idx="1" type="body"/>
+          </p:nvPr>
+        </p:nvSpPr>
+        <p:spPr>
+          <a:xfrm>
+            <a:off x="311700" y="390475"/>
+            <a:ext cx="8520600" cy="4570200"/>
+          </a:xfrm>
+          <a:prstGeom prst="rect">
+            <a:avLst/>
+          </a:prstGeom>
+        </p:spPr>
+        <p:txBody>
+          <a:bodyPr anchorCtr="0" anchor="t" bIns="91425" lIns="91425" spcFirstLastPara="1" rIns="91425" wrap="square" tIns="91425">
+            <a:noAutofit/>
+          </a:bodyPr>
+          <a:lstStyle/>
+          <a:p>
+            <a:pPr indent="0" lvl="0" marL="0" rtl="0" algn="l">
+              <a:spcBef>
+                <a:spcPts val="0"/>
+              </a:spcBef>
+              <a:spcAft>
+                <a:spcPts val="0"/>
+              </a:spcAft>
+              <a:buNone/>
+            </a:pPr>
+            <a:r>
+              <a:rPr b="1" lang="fr" u="sng"/>
+              <a:t>Task decomposition flow</a:t>
+            </a:r>
+            <a:endParaRPr b="1" u="sng"/>
+          </a:p>
+          <a:p>
+            <a:pPr indent="-342900" lvl="0" marL="457200" rtl="0" algn="l">
+              <a:spcBef>
+                <a:spcPts val="1600"/>
+              </a:spcBef>
+              <a:spcAft>
+                <a:spcPts val="0"/>
+              </a:spcAft>
+              <a:buSzPts val="1800"/>
+              <a:buChar char="●"/>
+            </a:pPr>
+            <a:r>
+              <a:rPr lang="fr"/>
+              <a:t>Lookup the database to verify whether username exists (based on </a:t>
+            </a:r>
+            <a:r>
+              <a:rPr b="1" lang="fr"/>
+              <a:t>username</a:t>
+            </a:r>
+            <a:r>
+              <a:rPr lang="fr"/>
+              <a:t>)</a:t>
+            </a:r>
+            <a:endParaRPr/>
+          </a:p>
+          <a:p>
+            <a:pPr indent="-342900" lvl="0" marL="457200" rtl="0" algn="l">
+              <a:spcBef>
+                <a:spcPts val="0"/>
+              </a:spcBef>
+              <a:spcAft>
+                <a:spcPts val="0"/>
+              </a:spcAft>
+              <a:buSzPts val="1800"/>
+              <a:buChar char="●"/>
+            </a:pPr>
+            <a:r>
+              <a:rPr lang="fr"/>
+              <a:t>Requires </a:t>
+            </a:r>
+            <a:r>
+              <a:rPr b="1" lang="fr"/>
+              <a:t>username </a:t>
+            </a:r>
+            <a:r>
+              <a:rPr lang="fr"/>
+              <a:t>/ </a:t>
+            </a:r>
+            <a:r>
+              <a:rPr b="1" lang="fr"/>
+              <a:t>password</a:t>
+            </a:r>
+            <a:endParaRPr b="1"/>
+          </a:p>
+          <a:p>
+            <a:pPr indent="-342900" lvl="0" marL="457200" rtl="0" algn="l">
+              <a:spcBef>
+                <a:spcPts val="0"/>
+              </a:spcBef>
+              <a:spcAft>
+                <a:spcPts val="0"/>
+              </a:spcAft>
+              <a:buSzPts val="1800"/>
+              <a:buChar char="●"/>
+            </a:pPr>
+            <a:r>
+              <a:rPr lang="fr"/>
+              <a:t>Confirm that user has been found in the database</a:t>
+            </a:r>
+            <a:endParaRPr/>
+          </a:p>
+          <a:p>
+            <a:pPr indent="-342900" lvl="0" marL="457200" rtl="0" algn="l">
+              <a:spcBef>
+                <a:spcPts val="0"/>
+              </a:spcBef>
+              <a:spcAft>
+                <a:spcPts val="0"/>
+              </a:spcAft>
+              <a:buSzPts val="1800"/>
+              <a:buChar char="●"/>
+            </a:pPr>
+            <a:r>
+              <a:rPr lang="fr"/>
+              <a:t>Same frequency (1 search at a time)</a:t>
+            </a:r>
+            <a:endParaRPr/>
+          </a:p>
+          <a:p>
+            <a:pPr indent="-342900" lvl="0" marL="457200" rtl="0" algn="l">
+              <a:spcBef>
+                <a:spcPts val="0"/>
+              </a:spcBef>
+              <a:spcAft>
+                <a:spcPts val="0"/>
+              </a:spcAft>
+              <a:buSzPts val="1800"/>
+              <a:buChar char="●"/>
+            </a:pPr>
+            <a:r>
+              <a:rPr lang="fr"/>
+              <a:t>Consistency is key</a:t>
+            </a:r>
+            <a:endParaRPr/>
+          </a:p>
+          <a:p>
+            <a:pPr indent="-342900" lvl="0" marL="457200" rtl="0" algn="l">
+              <a:spcBef>
+                <a:spcPts val="0"/>
+              </a:spcBef>
+              <a:spcAft>
+                <a:spcPts val="0"/>
+              </a:spcAft>
+              <a:buSzPts val="1800"/>
+              <a:buChar char="●"/>
+            </a:pPr>
+            <a:r>
+              <a:rPr lang="fr"/>
+              <a:t>No Mother Task Needed</a:t>
+            </a:r>
+            <a:endParaRPr/>
+          </a:p>
+          <a:p>
+            <a:pPr indent="0" lvl="0" marL="914400" rtl="0" algn="l">
+              <a:spcBef>
+                <a:spcPts val="1600"/>
+              </a:spcBef>
+              <a:spcAft>
+                <a:spcPts val="1600"/>
+              </a:spcAft>
+              <a:buNone/>
+            </a:pPr>
+            <a:r>
+              <a:t/>
+            </a:r>
+            <a:endParaRPr/>
+          </a:p>
+        </p:txBody>
+      </p:sp>
+    </p:spTree>
+  </p:cSld>
+  <p:clrMapOvr>
+    <a:masterClrMapping/>
+  </p:clrMapOvr>
+</p:sld>
+</file>
+
+<file path=ppt/slides/slide11.xml><?xml version="1.0" encoding="utf-8"?>
+<p:sld xmlns:a="http://schemas.openxmlformats.org/drawingml/2006/main" xmlns:r="http://schemas.openxmlformats.org/officeDocument/2006/relationships" xmlns:mc="http://schemas.openxmlformats.org/markup-compatibility/2006" xmlns:mv="urn:schemas-microsoft-com:mac:vml" xmlns:p="http://schemas.openxmlformats.org/presentationml/2006/main" xmlns:c="http://schemas.openxmlformats.org/drawingml/2006/chart" xmlns:dgm="http://schemas.openxmlformats.org/drawingml/2006/diagram" xmlns:o="urn:schemas-microsoft-com:office:office" xmlns:v="urn:schemas-microsoft-com:vml" xmlns:pvml="urn:schemas-microsoft-com:office:powerpoint" xmlns:com="http://schemas.openxmlformats.org/drawingml/2006/compatibility" xmlns:p14="http://schemas.microsoft.com/office/powerpoint/2010/main" xmlns:p15="http://schemas.microsoft.com/office/powerpoint/2012/main">
+  <p:cSld>
+    <p:spTree>
+      <p:nvGrpSpPr>
+        <p:cNvPr id="109" name="Shape 109"/>
+        <p:cNvGrpSpPr/>
+        <p:nvPr/>
+      </p:nvGrpSpPr>
+      <p:grpSpPr>
+        <a:xfrm>
+          <a:off x="0" y="0"/>
+          <a:ext cx="0" cy="0"/>
+          <a:chOff x="0" y="0"/>
+          <a:chExt cx="0" cy="0"/>
+        </a:xfrm>
+      </p:grpSpPr>
+      <p:sp>
+        <p:nvSpPr>
+          <p:cNvPr id="110" name="Google Shape;110;p23"/>
+          <p:cNvSpPr txBox="1"/>
+          <p:nvPr>
+            <p:ph type="title"/>
+          </p:nvPr>
+        </p:nvSpPr>
+        <p:spPr>
+          <a:xfrm>
+            <a:off x="311700" y="-88375"/>
+            <a:ext cx="8520600" cy="572700"/>
+          </a:xfrm>
+          <a:prstGeom prst="rect">
+            <a:avLst/>
+          </a:prstGeom>
+        </p:spPr>
+        <p:txBody>
+          <a:bodyPr anchorCtr="0" anchor="t" bIns="91425" lIns="91425" spcFirstLastPara="1" rIns="91425" wrap="square" tIns="91425">
+            <a:noAutofit/>
+          </a:bodyPr>
+          <a:lstStyle/>
+          <a:p>
+            <a:pPr indent="0" lvl="0" marL="0" rtl="0" algn="l">
+              <a:spcBef>
+                <a:spcPts val="0"/>
+              </a:spcBef>
+              <a:spcAft>
+                <a:spcPts val="0"/>
+              </a:spcAft>
+              <a:buClr>
+                <a:schemeClr val="dk1"/>
+              </a:buClr>
+              <a:buSzPts val="1100"/>
+              <a:buFont typeface="Arial"/>
+              <a:buNone/>
+            </a:pPr>
+            <a:r>
+              <a:rPr lang="fr"/>
+              <a:t>Abstract Code - </a:t>
+            </a:r>
+            <a:r>
+              <a:rPr lang="fr"/>
+              <a:t>Care provider </a:t>
+            </a:r>
+            <a:r>
+              <a:rPr lang="fr"/>
+              <a:t>login</a:t>
+            </a:r>
+            <a:endParaRPr/>
+          </a:p>
+          <a:p>
+            <a:pPr indent="0" lvl="0" marL="0" rtl="0" algn="l">
+              <a:spcBef>
+                <a:spcPts val="0"/>
+              </a:spcBef>
+              <a:spcAft>
+                <a:spcPts val="0"/>
+              </a:spcAft>
+              <a:buNone/>
+            </a:pPr>
+            <a:r>
+              <a:t/>
+            </a:r>
+            <a:endParaRPr/>
+          </a:p>
+        </p:txBody>
+      </p:sp>
+      <p:sp>
+        <p:nvSpPr>
+          <p:cNvPr id="111" name="Google Shape;111;p23"/>
+          <p:cNvSpPr txBox="1"/>
+          <p:nvPr>
+            <p:ph idx="1" type="body"/>
+          </p:nvPr>
+        </p:nvSpPr>
+        <p:spPr>
+          <a:xfrm>
+            <a:off x="311700" y="390475"/>
+            <a:ext cx="8520600" cy="4570200"/>
+          </a:xfrm>
+          <a:prstGeom prst="rect">
+            <a:avLst/>
+          </a:prstGeom>
+        </p:spPr>
+        <p:txBody>
+          <a:bodyPr anchorCtr="0" anchor="t" bIns="91425" lIns="91425" spcFirstLastPara="1" rIns="91425" wrap="square" tIns="91425">
+            <a:noAutofit/>
+          </a:bodyPr>
+          <a:lstStyle/>
+          <a:p>
+            <a:pPr indent="0" lvl="0" marL="0" rtl="0" algn="l">
+              <a:spcBef>
+                <a:spcPts val="0"/>
+              </a:spcBef>
+              <a:spcAft>
+                <a:spcPts val="0"/>
+              </a:spcAft>
+              <a:buNone/>
+            </a:pPr>
+            <a:r>
+              <a:rPr b="1" lang="fr" u="sng"/>
+              <a:t>Abstract Code</a:t>
+            </a:r>
+            <a:endParaRPr b="1" u="sng"/>
+          </a:p>
+          <a:p>
+            <a:pPr indent="-342900" lvl="0" marL="457200" rtl="0" algn="l">
+              <a:spcBef>
+                <a:spcPts val="1600"/>
+              </a:spcBef>
+              <a:spcAft>
+                <a:spcPts val="0"/>
+              </a:spcAft>
+              <a:buSzPts val="1800"/>
+              <a:buChar char="●"/>
+            </a:pPr>
+            <a:r>
+              <a:rPr lang="fr"/>
+              <a:t>User enters </a:t>
+            </a:r>
+            <a:r>
+              <a:rPr b="1" lang="fr"/>
+              <a:t>username </a:t>
+            </a:r>
+            <a:r>
+              <a:rPr lang="fr"/>
+              <a:t>/ </a:t>
+            </a:r>
+            <a:r>
+              <a:rPr b="1" lang="fr"/>
+              <a:t>password </a:t>
+            </a:r>
+            <a:r>
+              <a:rPr lang="fr"/>
+              <a:t>input fields. </a:t>
+            </a:r>
+            <a:endParaRPr/>
+          </a:p>
+          <a:p>
+            <a:pPr indent="-342900" lvl="0" marL="457200" rtl="0" algn="l">
+              <a:spcBef>
+                <a:spcPts val="0"/>
+              </a:spcBef>
+              <a:spcAft>
+                <a:spcPts val="0"/>
+              </a:spcAft>
+              <a:buSzPts val="1800"/>
+              <a:buChar char="●"/>
+            </a:pPr>
+            <a:r>
+              <a:rPr lang="fr"/>
+              <a:t>IF input field NOT empty AND do not contain any invalid characters THEN:</a:t>
+            </a:r>
+            <a:endParaRPr/>
+          </a:p>
+          <a:p>
+            <a:pPr indent="-342900" lvl="1" marL="914400" rtl="0" algn="l">
+              <a:spcBef>
+                <a:spcPts val="0"/>
+              </a:spcBef>
+              <a:spcAft>
+                <a:spcPts val="0"/>
+              </a:spcAft>
+              <a:buSzPts val="1800"/>
+              <a:buChar char="○"/>
+            </a:pPr>
+            <a:r>
+              <a:rPr lang="fr" sz="1800"/>
+              <a:t>When </a:t>
+            </a:r>
+            <a:r>
+              <a:rPr b="1" lang="fr" sz="1800"/>
+              <a:t>LOGIN </a:t>
+            </a:r>
+            <a:r>
+              <a:rPr lang="fr" sz="1800"/>
+              <a:t>button is clicked:</a:t>
+            </a:r>
+            <a:endParaRPr sz="1800"/>
+          </a:p>
+          <a:p>
+            <a:pPr indent="-342900" lvl="2" marL="1371600" rtl="0" algn="l">
+              <a:spcBef>
+                <a:spcPts val="0"/>
+              </a:spcBef>
+              <a:spcAft>
+                <a:spcPts val="0"/>
+              </a:spcAft>
+              <a:buSzPts val="1800"/>
+              <a:buChar char="■"/>
+            </a:pPr>
+            <a:r>
+              <a:rPr lang="fr" sz="1800"/>
+              <a:t>IF </a:t>
+            </a:r>
+            <a:r>
+              <a:rPr b="1" lang="fr" sz="1800"/>
+              <a:t>username </a:t>
+            </a:r>
+            <a:r>
+              <a:rPr lang="fr" sz="1800"/>
+              <a:t>/ hashed </a:t>
+            </a:r>
+            <a:r>
+              <a:rPr b="1" lang="fr" sz="1800"/>
+              <a:t>password </a:t>
+            </a:r>
+            <a:r>
+              <a:rPr lang="fr" sz="1800"/>
+              <a:t>found then:</a:t>
+            </a:r>
+            <a:endParaRPr sz="1800"/>
+          </a:p>
+          <a:p>
+            <a:pPr indent="-342900" lvl="3" marL="1828800" rtl="0" algn="l">
+              <a:spcBef>
+                <a:spcPts val="0"/>
+              </a:spcBef>
+              <a:spcAft>
+                <a:spcPts val="0"/>
+              </a:spcAft>
+              <a:buSzPts val="1800"/>
+              <a:buChar char="●"/>
+            </a:pPr>
+            <a:r>
+              <a:rPr lang="fr" sz="1800"/>
+              <a:t>Redirect to </a:t>
+            </a:r>
+            <a:r>
+              <a:rPr b="1" lang="fr" sz="1800"/>
+              <a:t>home </a:t>
+            </a:r>
+            <a:r>
+              <a:rPr lang="fr" sz="1800"/>
+              <a:t>page</a:t>
+            </a:r>
+            <a:endParaRPr sz="1800"/>
+          </a:p>
+          <a:p>
+            <a:pPr indent="-342900" lvl="2" marL="1371600" rtl="0" algn="l">
+              <a:spcBef>
+                <a:spcPts val="0"/>
+              </a:spcBef>
+              <a:spcAft>
+                <a:spcPts val="0"/>
+              </a:spcAft>
+              <a:buSzPts val="1800"/>
+              <a:buChar char="■"/>
+            </a:pPr>
+            <a:r>
+              <a:rPr lang="fr" sz="1800"/>
+              <a:t>ELSE </a:t>
+            </a:r>
+            <a:endParaRPr sz="1800"/>
+          </a:p>
+          <a:p>
+            <a:pPr indent="-342900" lvl="3" marL="1828800" rtl="0" algn="l">
+              <a:spcBef>
+                <a:spcPts val="0"/>
+              </a:spcBef>
+              <a:spcAft>
+                <a:spcPts val="0"/>
+              </a:spcAft>
+              <a:buSzPts val="1800"/>
+              <a:buChar char="●"/>
+            </a:pPr>
+            <a:r>
+              <a:rPr lang="fr" sz="1800"/>
+              <a:t>Go back to login form with error message</a:t>
+            </a:r>
+            <a:endParaRPr sz="1800"/>
+          </a:p>
+          <a:p>
+            <a:pPr indent="-342900" lvl="1" marL="914400" rtl="0" algn="l">
+              <a:spcBef>
+                <a:spcPts val="0"/>
+              </a:spcBef>
+              <a:spcAft>
+                <a:spcPts val="0"/>
+              </a:spcAft>
+              <a:buSzPts val="1800"/>
+              <a:buChar char="○"/>
+            </a:pPr>
+            <a:r>
+              <a:rPr lang="fr" sz="1800"/>
+              <a:t>Go to </a:t>
+            </a:r>
+            <a:r>
+              <a:rPr b="1" lang="fr" sz="1800"/>
+              <a:t>home </a:t>
+            </a:r>
+            <a:r>
+              <a:rPr lang="fr" sz="1800"/>
+              <a:t>page</a:t>
+            </a:r>
+            <a:endParaRPr sz="1800"/>
+          </a:p>
+          <a:p>
+            <a:pPr indent="-342900" lvl="0" marL="457200" rtl="0" algn="l">
+              <a:spcBef>
+                <a:spcPts val="0"/>
+              </a:spcBef>
+              <a:spcAft>
+                <a:spcPts val="0"/>
+              </a:spcAft>
+              <a:buSzPts val="1800"/>
+              <a:buChar char="●"/>
+            </a:pPr>
+            <a:r>
+              <a:rPr lang="fr"/>
+              <a:t>ELSE field values are invalid, display </a:t>
+            </a:r>
+            <a:r>
+              <a:rPr b="1" lang="fr"/>
+              <a:t>login </a:t>
+            </a:r>
+            <a:r>
+              <a:rPr lang="fr"/>
+              <a:t>form with error message</a:t>
+            </a:r>
+            <a:endParaRPr sz="1800"/>
+          </a:p>
+          <a:p>
+            <a:pPr indent="0" lvl="0" marL="1371600" rtl="0" algn="l">
+              <a:spcBef>
+                <a:spcPts val="1600"/>
+              </a:spcBef>
+              <a:spcAft>
+                <a:spcPts val="0"/>
+              </a:spcAft>
+              <a:buNone/>
+            </a:pPr>
+            <a:r>
+              <a:t/>
+            </a:r>
+            <a:endParaRPr sz="1800"/>
+          </a:p>
+          <a:p>
+            <a:pPr indent="0" lvl="0" marL="457200" rtl="0" algn="l">
+              <a:spcBef>
+                <a:spcPts val="1600"/>
+              </a:spcBef>
+              <a:spcAft>
+                <a:spcPts val="0"/>
+              </a:spcAft>
+              <a:buNone/>
+            </a:pPr>
+            <a:r>
+              <a:t/>
+            </a:r>
+            <a:endParaRPr b="1" u="sng"/>
+          </a:p>
+          <a:p>
+            <a:pPr indent="0" lvl="0" marL="914400" rtl="0" algn="l">
+              <a:spcBef>
+                <a:spcPts val="1600"/>
+              </a:spcBef>
+              <a:spcAft>
+                <a:spcPts val="1600"/>
+              </a:spcAft>
+              <a:buNone/>
+            </a:pPr>
+            <a:r>
+              <a:t/>
+            </a:r>
+            <a:endParaRPr/>
+          </a:p>
+        </p:txBody>
+      </p:sp>
+    </p:spTree>
+  </p:cSld>
+  <p:clrMapOvr>
+    <a:masterClrMapping/>
+  </p:clrMapOvr>
+</p:sld>
+</file>
+
+<file path=ppt/slides/slide12.xml><?xml version="1.0" encoding="utf-8"?>
+<p:sld xmlns:a="http://schemas.openxmlformats.org/drawingml/2006/main" xmlns:r="http://schemas.openxmlformats.org/officeDocument/2006/relationships" xmlns:mc="http://schemas.openxmlformats.org/markup-compatibility/2006" xmlns:mv="urn:schemas-microsoft-com:mac:vml" xmlns:p="http://schemas.openxmlformats.org/presentationml/2006/main" xmlns:c="http://schemas.openxmlformats.org/drawingml/2006/chart" xmlns:dgm="http://schemas.openxmlformats.org/drawingml/2006/diagram" xmlns:o="urn:schemas-microsoft-com:office:office" xmlns:v="urn:schemas-microsoft-com:vml" xmlns:pvml="urn:schemas-microsoft-com:office:powerpoint" xmlns:com="http://schemas.openxmlformats.org/drawingml/2006/compatibility" xmlns:p14="http://schemas.microsoft.com/office/powerpoint/2010/main" xmlns:p15="http://schemas.microsoft.com/office/powerpoint/2012/main">
+  <p:cSld>
+    <p:spTree>
+      <p:nvGrpSpPr>
+        <p:cNvPr id="115" name="Shape 115"/>
+        <p:cNvGrpSpPr/>
+        <p:nvPr/>
+      </p:nvGrpSpPr>
+      <p:grpSpPr>
+        <a:xfrm>
+          <a:off x="0" y="0"/>
+          <a:ext cx="0" cy="0"/>
+          <a:chOff x="0" y="0"/>
+          <a:chExt cx="0" cy="0"/>
+        </a:xfrm>
+      </p:grpSpPr>
+      <p:sp>
+        <p:nvSpPr>
+          <p:cNvPr id="116" name="Google Shape;116;p24"/>
+          <p:cNvSpPr txBox="1"/>
+          <p:nvPr>
+            <p:ph idx="1" type="body"/>
+          </p:nvPr>
+        </p:nvSpPr>
+        <p:spPr>
+          <a:xfrm>
+            <a:off x="311700" y="619075"/>
+            <a:ext cx="8520600" cy="3416400"/>
+          </a:xfrm>
+          <a:prstGeom prst="rect">
+            <a:avLst/>
+          </a:prstGeom>
+        </p:spPr>
+        <p:txBody>
+          <a:bodyPr anchorCtr="0" anchor="ctr" bIns="91425" lIns="91425" spcFirstLastPara="1" rIns="91425" wrap="square" tIns="91425">
+            <a:noAutofit/>
+          </a:bodyPr>
+          <a:lstStyle/>
+          <a:p>
+            <a:pPr indent="-381000" lvl="0" marL="457200" rtl="0" algn="ctr">
+              <a:spcBef>
+                <a:spcPts val="0"/>
+              </a:spcBef>
+              <a:spcAft>
+                <a:spcPts val="0"/>
+              </a:spcAft>
+              <a:buSzPts val="2400"/>
+              <a:buAutoNum type="arabicPeriod" startAt="5"/>
+            </a:pPr>
+            <a:r>
+              <a:rPr b="1" lang="fr" sz="2400"/>
+              <a:t>Patient profile lookup</a:t>
+            </a:r>
+            <a:endParaRPr b="1" sz="2400"/>
+          </a:p>
+        </p:txBody>
+      </p:sp>
+    </p:spTree>
+  </p:cSld>
+  <p:clrMapOvr>
+    <a:masterClrMapping/>
+  </p:clrMapOvr>
+</p:sld>
+</file>
+
+<file path=ppt/slides/slide13.xml><?xml version="1.0" encoding="utf-8"?>
+<p:sld xmlns:a="http://schemas.openxmlformats.org/drawingml/2006/main" xmlns:r="http://schemas.openxmlformats.org/officeDocument/2006/relationships" xmlns:mc="http://schemas.openxmlformats.org/markup-compatibility/2006" xmlns:mv="urn:schemas-microsoft-com:mac:vml" xmlns:p="http://schemas.openxmlformats.org/presentationml/2006/main" xmlns:c="http://schemas.openxmlformats.org/drawingml/2006/chart" xmlns:dgm="http://schemas.openxmlformats.org/drawingml/2006/diagram" xmlns:o="urn:schemas-microsoft-com:office:office" xmlns:v="urn:schemas-microsoft-com:vml" xmlns:pvml="urn:schemas-microsoft-com:office:powerpoint" xmlns:com="http://schemas.openxmlformats.org/drawingml/2006/compatibility" xmlns:p14="http://schemas.microsoft.com/office/powerpoint/2010/main" xmlns:p15="http://schemas.microsoft.com/office/powerpoint/2012/main">
+  <p:cSld>
+    <p:spTree>
+      <p:nvGrpSpPr>
+        <p:cNvPr id="120" name="Shape 120"/>
+        <p:cNvGrpSpPr/>
+        <p:nvPr/>
+      </p:nvGrpSpPr>
+      <p:grpSpPr>
+        <a:xfrm>
+          <a:off x="0" y="0"/>
+          <a:ext cx="0" cy="0"/>
+          <a:chOff x="0" y="0"/>
+          <a:chExt cx="0" cy="0"/>
+        </a:xfrm>
+      </p:grpSpPr>
+      <p:sp>
+        <p:nvSpPr>
+          <p:cNvPr id="121" name="Google Shape;121;p25"/>
+          <p:cNvSpPr txBox="1"/>
+          <p:nvPr>
+            <p:ph type="title"/>
+          </p:nvPr>
+        </p:nvSpPr>
+        <p:spPr>
+          <a:xfrm>
+            <a:off x="311700" y="-88375"/>
+            <a:ext cx="8520600" cy="572700"/>
+          </a:xfrm>
+          <a:prstGeom prst="rect">
+            <a:avLst/>
+          </a:prstGeom>
+        </p:spPr>
+        <p:txBody>
+          <a:bodyPr anchorCtr="0" anchor="t" bIns="91425" lIns="91425" spcFirstLastPara="1" rIns="91425" wrap="square" tIns="91425">
+            <a:noAutofit/>
+          </a:bodyPr>
+          <a:lstStyle/>
+          <a:p>
+            <a:pPr indent="0" lvl="0" marL="0" rtl="0" algn="l">
+              <a:spcBef>
+                <a:spcPts val="0"/>
+              </a:spcBef>
+              <a:spcAft>
+                <a:spcPts val="0"/>
+              </a:spcAft>
+              <a:buNone/>
+            </a:pPr>
+            <a:r>
+              <a:rPr lang="fr"/>
+              <a:t>Abstract Code - </a:t>
+            </a:r>
+            <a:r>
+              <a:rPr lang="fr"/>
+              <a:t>Patient profile lookup</a:t>
+            </a:r>
+            <a:endParaRPr/>
+          </a:p>
+        </p:txBody>
+      </p:sp>
+      <p:sp>
+        <p:nvSpPr>
+          <p:cNvPr id="122" name="Google Shape;122;p25"/>
+          <p:cNvSpPr txBox="1"/>
+          <p:nvPr>
+            <p:ph idx="1" type="body"/>
+          </p:nvPr>
+        </p:nvSpPr>
+        <p:spPr>
+          <a:xfrm>
+            <a:off x="311700" y="390475"/>
+            <a:ext cx="8520600" cy="4570200"/>
+          </a:xfrm>
+          <a:prstGeom prst="rect">
+            <a:avLst/>
+          </a:prstGeom>
+        </p:spPr>
+        <p:txBody>
+          <a:bodyPr anchorCtr="0" anchor="t" bIns="91425" lIns="91425" spcFirstLastPara="1" rIns="91425" wrap="square" tIns="91425">
+            <a:noAutofit/>
+          </a:bodyPr>
+          <a:lstStyle/>
+          <a:p>
+            <a:pPr indent="0" lvl="0" marL="0" rtl="0" algn="l">
+              <a:spcBef>
+                <a:spcPts val="0"/>
+              </a:spcBef>
+              <a:spcAft>
+                <a:spcPts val="0"/>
+              </a:spcAft>
+              <a:buNone/>
+            </a:pPr>
+            <a:r>
+              <a:rPr b="1" lang="fr" u="sng"/>
+              <a:t>Task d</a:t>
+            </a:r>
+            <a:r>
+              <a:rPr b="1" lang="fr" u="sng"/>
+              <a:t>ecomposition flow</a:t>
+            </a:r>
+            <a:endParaRPr b="1" u="sng"/>
+          </a:p>
+          <a:p>
+            <a:pPr indent="-342900" lvl="0" marL="457200" rtl="0" algn="l">
+              <a:spcBef>
+                <a:spcPts val="1600"/>
+              </a:spcBef>
+              <a:spcAft>
+                <a:spcPts val="0"/>
+              </a:spcAft>
+              <a:buSzPts val="1800"/>
+              <a:buChar char="●"/>
+            </a:pPr>
+            <a:r>
+              <a:rPr lang="fr"/>
+              <a:t>Lookup the database to verify whether patient exists (based on </a:t>
+            </a:r>
+            <a:r>
+              <a:rPr lang="fr"/>
+              <a:t>HealthCardNr</a:t>
+            </a:r>
+            <a:r>
+              <a:rPr lang="fr"/>
+              <a:t>)</a:t>
+            </a:r>
+            <a:endParaRPr/>
+          </a:p>
+          <a:p>
+            <a:pPr indent="-342900" lvl="0" marL="457200" rtl="0" algn="l">
+              <a:spcBef>
+                <a:spcPts val="0"/>
+              </a:spcBef>
+              <a:spcAft>
+                <a:spcPts val="0"/>
+              </a:spcAft>
+              <a:buSzPts val="1800"/>
+              <a:buChar char="●"/>
+            </a:pPr>
+            <a:r>
+              <a:rPr lang="fr"/>
+              <a:t>Requires HealthCardNr</a:t>
+            </a:r>
+            <a:endParaRPr/>
+          </a:p>
+          <a:p>
+            <a:pPr indent="-342900" lvl="0" marL="457200" rtl="0" algn="l">
+              <a:spcBef>
+                <a:spcPts val="0"/>
+              </a:spcBef>
+              <a:spcAft>
+                <a:spcPts val="0"/>
+              </a:spcAft>
+              <a:buSzPts val="1800"/>
+              <a:buChar char="●"/>
+            </a:pPr>
+            <a:r>
+              <a:rPr lang="fr"/>
+              <a:t>Confirm that user has been found in the database</a:t>
+            </a:r>
+            <a:endParaRPr/>
+          </a:p>
+          <a:p>
+            <a:pPr indent="-342900" lvl="0" marL="457200" rtl="0" algn="l">
+              <a:spcBef>
+                <a:spcPts val="0"/>
+              </a:spcBef>
+              <a:spcAft>
+                <a:spcPts val="0"/>
+              </a:spcAft>
+              <a:buSzPts val="1800"/>
+              <a:buChar char="●"/>
+            </a:pPr>
+            <a:r>
+              <a:rPr lang="fr"/>
+              <a:t>Same frequency (1 search at a time)</a:t>
+            </a:r>
+            <a:endParaRPr/>
+          </a:p>
+          <a:p>
+            <a:pPr indent="-342900" lvl="0" marL="457200" rtl="0" algn="l">
+              <a:spcBef>
+                <a:spcPts val="0"/>
+              </a:spcBef>
+              <a:spcAft>
+                <a:spcPts val="0"/>
+              </a:spcAft>
+              <a:buSzPts val="1800"/>
+              <a:buChar char="●"/>
+            </a:pPr>
+            <a:r>
+              <a:rPr lang="fr"/>
+              <a:t>Consistency is key</a:t>
+            </a:r>
+            <a:endParaRPr/>
+          </a:p>
+          <a:p>
+            <a:pPr indent="-342900" lvl="0" marL="457200" rtl="0" algn="l">
+              <a:spcBef>
+                <a:spcPts val="0"/>
+              </a:spcBef>
+              <a:spcAft>
+                <a:spcPts val="0"/>
+              </a:spcAft>
+              <a:buSzPts val="1800"/>
+              <a:buChar char="●"/>
+            </a:pPr>
+            <a:r>
+              <a:rPr lang="fr"/>
+              <a:t>No Mother Task Needed</a:t>
+            </a:r>
+            <a:endParaRPr/>
+          </a:p>
+          <a:p>
+            <a:pPr indent="0" lvl="0" marL="914400" rtl="0" algn="l">
+              <a:spcBef>
+                <a:spcPts val="1600"/>
+              </a:spcBef>
+              <a:spcAft>
+                <a:spcPts val="1600"/>
+              </a:spcAft>
+              <a:buNone/>
+            </a:pPr>
+            <a:r>
+              <a:t/>
+            </a:r>
+            <a:endParaRPr/>
+          </a:p>
+        </p:txBody>
+      </p:sp>
+    </p:spTree>
+  </p:cSld>
+  <p:clrMapOvr>
+    <a:masterClrMapping/>
+  </p:clrMapOvr>
+</p:sld>
+</file>
+
+<file path=ppt/slides/slide14.xml><?xml version="1.0" encoding="utf-8"?>
+<p:sld xmlns:a="http://schemas.openxmlformats.org/drawingml/2006/main" xmlns:r="http://schemas.openxmlformats.org/officeDocument/2006/relationships" xmlns:mc="http://schemas.openxmlformats.org/markup-compatibility/2006" xmlns:mv="urn:schemas-microsoft-com:mac:vml" xmlns:p="http://schemas.openxmlformats.org/presentationml/2006/main" xmlns:c="http://schemas.openxmlformats.org/drawingml/2006/chart" xmlns:dgm="http://schemas.openxmlformats.org/drawingml/2006/diagram" xmlns:o="urn:schemas-microsoft-com:office:office" xmlns:v="urn:schemas-microsoft-com:vml" xmlns:pvml="urn:schemas-microsoft-com:office:powerpoint" xmlns:com="http://schemas.openxmlformats.org/drawingml/2006/compatibility" xmlns:p14="http://schemas.microsoft.com/office/powerpoint/2010/main" xmlns:p15="http://schemas.microsoft.com/office/powerpoint/2012/main">
+  <p:cSld>
+    <p:spTree>
+      <p:nvGrpSpPr>
+        <p:cNvPr id="126" name="Shape 126"/>
+        <p:cNvGrpSpPr/>
+        <p:nvPr/>
+      </p:nvGrpSpPr>
+      <p:grpSpPr>
+        <a:xfrm>
+          <a:off x="0" y="0"/>
+          <a:ext cx="0" cy="0"/>
+          <a:chOff x="0" y="0"/>
+          <a:chExt cx="0" cy="0"/>
+        </a:xfrm>
+      </p:grpSpPr>
+      <p:sp>
+        <p:nvSpPr>
+          <p:cNvPr id="127" name="Google Shape;127;p26"/>
+          <p:cNvSpPr txBox="1"/>
+          <p:nvPr>
+            <p:ph type="title"/>
+          </p:nvPr>
+        </p:nvSpPr>
+        <p:spPr>
+          <a:xfrm>
+            <a:off x="311700" y="-88375"/>
+            <a:ext cx="8520600" cy="572700"/>
+          </a:xfrm>
+          <a:prstGeom prst="rect">
+            <a:avLst/>
+          </a:prstGeom>
+        </p:spPr>
+        <p:txBody>
+          <a:bodyPr anchorCtr="0" anchor="t" bIns="91425" lIns="91425" spcFirstLastPara="1" rIns="91425" wrap="square" tIns="91425">
+            <a:noAutofit/>
+          </a:bodyPr>
+          <a:lstStyle/>
+          <a:p>
+            <a:pPr indent="0" lvl="0" marL="0" rtl="0" algn="l">
+              <a:spcBef>
+                <a:spcPts val="0"/>
+              </a:spcBef>
+              <a:spcAft>
+                <a:spcPts val="0"/>
+              </a:spcAft>
+              <a:buClr>
+                <a:schemeClr val="dk1"/>
+              </a:buClr>
+              <a:buSzPts val="1100"/>
+              <a:buFont typeface="Arial"/>
+              <a:buNone/>
+            </a:pPr>
+            <a:r>
+              <a:rPr lang="fr"/>
+              <a:t>Abstract Code - Patient profile lookup</a:t>
+            </a:r>
+            <a:endParaRPr/>
+          </a:p>
+          <a:p>
+            <a:pPr indent="0" lvl="0" marL="0" rtl="0" algn="l">
+              <a:spcBef>
+                <a:spcPts val="0"/>
+              </a:spcBef>
+              <a:spcAft>
+                <a:spcPts val="0"/>
+              </a:spcAft>
+              <a:buNone/>
+            </a:pPr>
+            <a:r>
+              <a:t/>
+            </a:r>
+            <a:endParaRPr/>
+          </a:p>
+        </p:txBody>
+      </p:sp>
+      <p:sp>
+        <p:nvSpPr>
+          <p:cNvPr id="128" name="Google Shape;128;p26"/>
+          <p:cNvSpPr txBox="1"/>
+          <p:nvPr>
+            <p:ph idx="1" type="body"/>
+          </p:nvPr>
+        </p:nvSpPr>
+        <p:spPr>
+          <a:xfrm>
+            <a:off x="311700" y="390475"/>
+            <a:ext cx="8520600" cy="4570200"/>
+          </a:xfrm>
+          <a:prstGeom prst="rect">
+            <a:avLst/>
+          </a:prstGeom>
+        </p:spPr>
+        <p:txBody>
+          <a:bodyPr anchorCtr="0" anchor="t" bIns="91425" lIns="91425" spcFirstLastPara="1" rIns="91425" wrap="square" tIns="91425">
+            <a:noAutofit/>
+          </a:bodyPr>
+          <a:lstStyle/>
+          <a:p>
+            <a:pPr indent="0" lvl="0" marL="0" rtl="0" algn="l">
+              <a:spcBef>
+                <a:spcPts val="0"/>
+              </a:spcBef>
+              <a:spcAft>
+                <a:spcPts val="0"/>
+              </a:spcAft>
+              <a:buNone/>
+            </a:pPr>
+            <a:r>
+              <a:rPr b="1" lang="fr" u="sng"/>
+              <a:t>Abstract Code</a:t>
+            </a:r>
+            <a:endParaRPr b="1" u="sng"/>
+          </a:p>
+          <a:p>
+            <a:pPr indent="-342900" lvl="0" marL="457200" rtl="0" algn="l">
+              <a:spcBef>
+                <a:spcPts val="1600"/>
+              </a:spcBef>
+              <a:spcAft>
+                <a:spcPts val="0"/>
+              </a:spcAft>
+              <a:buSzPts val="1800"/>
+              <a:buChar char="●"/>
+            </a:pPr>
+            <a:r>
+              <a:rPr lang="fr"/>
+              <a:t>User enters HealthCardNr input field. </a:t>
+            </a:r>
+            <a:endParaRPr/>
+          </a:p>
+          <a:p>
+            <a:pPr indent="-342900" lvl="0" marL="457200" rtl="0" algn="l">
+              <a:spcBef>
+                <a:spcPts val="0"/>
+              </a:spcBef>
+              <a:spcAft>
+                <a:spcPts val="0"/>
+              </a:spcAft>
+              <a:buSzPts val="1800"/>
+              <a:buChar char="●"/>
+            </a:pPr>
+            <a:r>
+              <a:rPr lang="fr"/>
+              <a:t>IF input field NOT empty AND do not contain any invalid characters THEN:</a:t>
+            </a:r>
+            <a:endParaRPr/>
+          </a:p>
+          <a:p>
+            <a:pPr indent="-342900" lvl="1" marL="914400" rtl="0" algn="l">
+              <a:spcBef>
+                <a:spcPts val="0"/>
+              </a:spcBef>
+              <a:spcAft>
+                <a:spcPts val="0"/>
+              </a:spcAft>
+              <a:buSzPts val="1800"/>
+              <a:buChar char="○"/>
+            </a:pPr>
+            <a:r>
+              <a:rPr lang="fr" sz="1800"/>
+              <a:t>When SEARCH button is clicked:</a:t>
+            </a:r>
+            <a:endParaRPr sz="1800"/>
+          </a:p>
+          <a:p>
+            <a:pPr indent="-342900" lvl="2" marL="1371600" rtl="0" algn="l">
+              <a:spcBef>
+                <a:spcPts val="0"/>
+              </a:spcBef>
+              <a:spcAft>
+                <a:spcPts val="0"/>
+              </a:spcAft>
+              <a:buSzPts val="1800"/>
+              <a:buChar char="■"/>
+            </a:pPr>
+            <a:r>
+              <a:rPr lang="fr" sz="1800"/>
+              <a:t>IF HealthCardNr is found then:</a:t>
+            </a:r>
+            <a:endParaRPr sz="1800"/>
+          </a:p>
+          <a:p>
+            <a:pPr indent="-342900" lvl="3" marL="1828800" rtl="0" algn="l">
+              <a:spcBef>
+                <a:spcPts val="0"/>
+              </a:spcBef>
+              <a:spcAft>
+                <a:spcPts val="0"/>
+              </a:spcAft>
+              <a:buSzPts val="1800"/>
+              <a:buChar char="●"/>
+            </a:pPr>
+            <a:r>
+              <a:rPr lang="fr" sz="1800"/>
+              <a:t>Redirect to patient profile page</a:t>
+            </a:r>
+            <a:endParaRPr sz="1800"/>
+          </a:p>
+          <a:p>
+            <a:pPr indent="-342900" lvl="2" marL="1371600" rtl="0" algn="l">
+              <a:spcBef>
+                <a:spcPts val="0"/>
+              </a:spcBef>
+              <a:spcAft>
+                <a:spcPts val="0"/>
+              </a:spcAft>
+              <a:buSzPts val="1800"/>
+              <a:buChar char="■"/>
+            </a:pPr>
+            <a:r>
+              <a:rPr lang="fr" sz="1800"/>
+              <a:t>ELSE </a:t>
+            </a:r>
+            <a:endParaRPr sz="1800"/>
+          </a:p>
+          <a:p>
+            <a:pPr indent="-342900" lvl="3" marL="1828800" rtl="0" algn="l">
+              <a:spcBef>
+                <a:spcPts val="0"/>
+              </a:spcBef>
+              <a:spcAft>
+                <a:spcPts val="0"/>
+              </a:spcAft>
+              <a:buSzPts val="1800"/>
+              <a:buChar char="●"/>
+            </a:pPr>
+            <a:r>
+              <a:rPr lang="fr" sz="1800"/>
+              <a:t>G</a:t>
+            </a:r>
+            <a:r>
+              <a:rPr lang="fr" sz="1800"/>
+              <a:t>o back to search form with error message</a:t>
+            </a:r>
+            <a:endParaRPr sz="1800"/>
+          </a:p>
+          <a:p>
+            <a:pPr indent="-342900" lvl="1" marL="914400" rtl="0" algn="l">
+              <a:spcBef>
+                <a:spcPts val="0"/>
+              </a:spcBef>
+              <a:spcAft>
+                <a:spcPts val="0"/>
+              </a:spcAft>
+              <a:buSzPts val="1800"/>
+              <a:buChar char="○"/>
+            </a:pPr>
+            <a:r>
+              <a:rPr lang="fr" sz="1800"/>
+              <a:t>Go to profile page</a:t>
+            </a:r>
+            <a:endParaRPr sz="1800"/>
+          </a:p>
+          <a:p>
+            <a:pPr indent="-342900" lvl="0" marL="457200" rtl="0" algn="l">
+              <a:spcBef>
+                <a:spcPts val="0"/>
+              </a:spcBef>
+              <a:spcAft>
+                <a:spcPts val="0"/>
+              </a:spcAft>
+              <a:buSzPts val="1800"/>
+              <a:buChar char="●"/>
+            </a:pPr>
+            <a:r>
+              <a:rPr lang="fr"/>
+              <a:t>ELSE field values are invalid, display search form with error message</a:t>
+            </a:r>
+            <a:endParaRPr sz="1800"/>
+          </a:p>
+          <a:p>
+            <a:pPr indent="0" lvl="0" marL="1371600" rtl="0" algn="l">
+              <a:spcBef>
+                <a:spcPts val="1600"/>
+              </a:spcBef>
+              <a:spcAft>
+                <a:spcPts val="0"/>
+              </a:spcAft>
+              <a:buNone/>
+            </a:pPr>
+            <a:r>
+              <a:t/>
+            </a:r>
+            <a:endParaRPr sz="1800"/>
+          </a:p>
+          <a:p>
+            <a:pPr indent="0" lvl="0" marL="457200" rtl="0" algn="l">
+              <a:spcBef>
+                <a:spcPts val="1600"/>
+              </a:spcBef>
+              <a:spcAft>
+                <a:spcPts val="0"/>
+              </a:spcAft>
+              <a:buNone/>
+            </a:pPr>
+            <a:r>
+              <a:t/>
+            </a:r>
+            <a:endParaRPr b="1" u="sng"/>
+          </a:p>
+          <a:p>
+            <a:pPr indent="0" lvl="0" marL="914400" rtl="0" algn="l">
+              <a:spcBef>
+                <a:spcPts val="1600"/>
+              </a:spcBef>
+              <a:spcAft>
+                <a:spcPts val="1600"/>
+              </a:spcAft>
+              <a:buNone/>
+            </a:pPr>
+            <a:r>
+              <a:t/>
+            </a:r>
+            <a:endParaRPr/>
+          </a:p>
+        </p:txBody>
+      </p:sp>
+    </p:spTree>
+  </p:cSld>
+  <p:clrMapOvr>
+    <a:masterClrMapping/>
+  </p:clrMapOvr>
+</p:sld>
+</file>
+
+<file path=ppt/slides/slide15.xml><?xml version="1.0" encoding="utf-8"?>
+<p:sld xmlns:a="http://schemas.openxmlformats.org/drawingml/2006/main" xmlns:r="http://schemas.openxmlformats.org/officeDocument/2006/relationships" xmlns:mc="http://schemas.openxmlformats.org/markup-compatibility/2006" xmlns:mv="urn:schemas-microsoft-com:mac:vml" xmlns:p="http://schemas.openxmlformats.org/presentationml/2006/main" xmlns:c="http://schemas.openxmlformats.org/drawingml/2006/chart" xmlns:dgm="http://schemas.openxmlformats.org/drawingml/2006/diagram" xmlns:o="urn:schemas-microsoft-com:office:office" xmlns:v="urn:schemas-microsoft-com:vml" xmlns:pvml="urn:schemas-microsoft-com:office:powerpoint" xmlns:com="http://schemas.openxmlformats.org/drawingml/2006/compatibility" xmlns:p14="http://schemas.microsoft.com/office/powerpoint/2010/main" xmlns:p15="http://schemas.microsoft.com/office/powerpoint/2012/main">
+  <p:cSld>
+    <p:spTree>
+      <p:nvGrpSpPr>
+        <p:cNvPr id="132" name="Shape 132"/>
+        <p:cNvGrpSpPr/>
+        <p:nvPr/>
+      </p:nvGrpSpPr>
+      <p:grpSpPr>
+        <a:xfrm>
+          <a:off x="0" y="0"/>
+          <a:ext cx="0" cy="0"/>
+          <a:chOff x="0" y="0"/>
+          <a:chExt cx="0" cy="0"/>
+        </a:xfrm>
+      </p:grpSpPr>
+      <p:sp>
+        <p:nvSpPr>
+          <p:cNvPr id="133" name="Google Shape;133;p27"/>
+          <p:cNvSpPr txBox="1"/>
+          <p:nvPr>
+            <p:ph idx="1" type="body"/>
+          </p:nvPr>
+        </p:nvSpPr>
+        <p:spPr>
+          <a:xfrm>
+            <a:off x="311700" y="619075"/>
+            <a:ext cx="8520600" cy="3416400"/>
+          </a:xfrm>
+          <a:prstGeom prst="rect">
+            <a:avLst/>
+          </a:prstGeom>
+        </p:spPr>
+        <p:txBody>
+          <a:bodyPr anchorCtr="0" anchor="ctr" bIns="91425" lIns="91425" spcFirstLastPara="1" rIns="91425" wrap="square" tIns="91425">
+            <a:noAutofit/>
+          </a:bodyPr>
+          <a:lstStyle/>
+          <a:p>
+            <a:pPr indent="-381000" lvl="0" marL="457200" rtl="0" algn="ctr">
+              <a:spcBef>
+                <a:spcPts val="0"/>
+              </a:spcBef>
+              <a:spcAft>
+                <a:spcPts val="0"/>
+              </a:spcAft>
+              <a:buSzPts val="2400"/>
+              <a:buAutoNum type="arabicPeriod" startAt="6"/>
+            </a:pPr>
+            <a:r>
+              <a:rPr b="1" lang="fr" sz="2400"/>
+              <a:t>Patient detail entry</a:t>
+            </a:r>
+            <a:endParaRPr b="1" sz="2400"/>
+          </a:p>
+        </p:txBody>
+      </p:sp>
+    </p:spTree>
+  </p:cSld>
+  <p:clrMapOvr>
+    <a:masterClrMapping/>
+  </p:clrMapOvr>
+</p:sld>
+</file>
+
+<file path=ppt/slides/slide16.xml><?xml version="1.0" encoding="utf-8"?>
+<p:sld xmlns:a="http://schemas.openxmlformats.org/drawingml/2006/main" xmlns:r="http://schemas.openxmlformats.org/officeDocument/2006/relationships" xmlns:mc="http://schemas.openxmlformats.org/markup-compatibility/2006" xmlns:mv="urn:schemas-microsoft-com:mac:vml" xmlns:p="http://schemas.openxmlformats.org/presentationml/2006/main" xmlns:c="http://schemas.openxmlformats.org/drawingml/2006/chart" xmlns:dgm="http://schemas.openxmlformats.org/drawingml/2006/diagram" xmlns:o="urn:schemas-microsoft-com:office:office" xmlns:v="urn:schemas-microsoft-com:vml" xmlns:pvml="urn:schemas-microsoft-com:office:powerpoint" xmlns:com="http://schemas.openxmlformats.org/drawingml/2006/compatibility" xmlns:p14="http://schemas.microsoft.com/office/powerpoint/2010/main" xmlns:p15="http://schemas.microsoft.com/office/powerpoint/2012/main">
+  <p:cSld>
+    <p:spTree>
+      <p:nvGrpSpPr>
+        <p:cNvPr id="137" name="Shape 137"/>
+        <p:cNvGrpSpPr/>
+        <p:nvPr/>
+      </p:nvGrpSpPr>
+      <p:grpSpPr>
+        <a:xfrm>
+          <a:off x="0" y="0"/>
+          <a:ext cx="0" cy="0"/>
+          <a:chOff x="0" y="0"/>
+          <a:chExt cx="0" cy="0"/>
+        </a:xfrm>
+      </p:grpSpPr>
+      <p:sp>
+        <p:nvSpPr>
+          <p:cNvPr id="138" name="Google Shape;138;p28"/>
           <p:cNvSpPr txBox="1"/>
           <p:nvPr>
             <p:ph idx="1" type="body"/>
@@ -6749,39 +8683,215 @@
           <p:cNvPr id="65" name="Google Shape;65;p15"/>
           <p:cNvSpPr txBox="1"/>
           <p:nvPr>
-            <p:ph idx="1" type="body"/>
+            <p:ph type="title"/>
           </p:nvPr>
         </p:nvSpPr>
         <p:spPr>
           <a:xfrm>
-            <a:off x="311700" y="619075"/>
-            <a:ext cx="8520600" cy="3416400"/>
+            <a:off x="311700" y="-88375"/>
+            <a:ext cx="8520600" cy="572700"/>
           </a:xfrm>
           <a:prstGeom prst="rect">
             <a:avLst/>
           </a:prstGeom>
         </p:spPr>
         <p:txBody>
-          <a:bodyPr anchorCtr="0" anchor="ctr" bIns="91425" lIns="91425" spcFirstLastPara="1" rIns="91425" wrap="square" tIns="91425">
+          <a:bodyPr anchorCtr="0" anchor="t" bIns="91425" lIns="91425" spcFirstLastPara="1" rIns="91425" wrap="square" tIns="91425">
             <a:noAutofit/>
           </a:bodyPr>
           <a:lstStyle/>
           <a:p>
-            <a:pPr indent="-381000" lvl="0" marL="457200" rtl="0" algn="ctr">
-              <a:spcBef>
-                <a:spcPts val="0"/>
-              </a:spcBef>
-              <a:spcAft>
-                <a:spcPts val="0"/>
-              </a:spcAft>
-              <a:buSzPts val="2400"/>
-              <a:buAutoNum type="arabicPeriod" startAt="2"/>
-            </a:pPr>
-            <a:r>
-              <a:rPr b="1" lang="fr" sz="2400"/>
-              <a:t>Superuser patient / care provider CRUD operation</a:t>
-            </a:r>
-            <a:endParaRPr b="1" sz="2400"/>
+            <a:pPr indent="0" lvl="0" marL="0" rtl="0" algn="l">
+              <a:spcBef>
+                <a:spcPts val="0"/>
+              </a:spcBef>
+              <a:spcAft>
+                <a:spcPts val="0"/>
+              </a:spcAft>
+              <a:buNone/>
+            </a:pPr>
+            <a:r>
+              <a:rPr lang="fr"/>
+              <a:t>Abstract Code - Superuser login</a:t>
+            </a:r>
+            <a:endParaRPr/>
+          </a:p>
+        </p:txBody>
+      </p:sp>
+      <p:sp>
+        <p:nvSpPr>
+          <p:cNvPr id="66" name="Google Shape;66;p15"/>
+          <p:cNvSpPr txBox="1"/>
+          <p:nvPr>
+            <p:ph idx="1" type="body"/>
+          </p:nvPr>
+        </p:nvSpPr>
+        <p:spPr>
+          <a:xfrm>
+            <a:off x="311700" y="390475"/>
+            <a:ext cx="8520600" cy="4570200"/>
+          </a:xfrm>
+          <a:prstGeom prst="rect">
+            <a:avLst/>
+          </a:prstGeom>
+        </p:spPr>
+        <p:txBody>
+          <a:bodyPr anchorCtr="0" anchor="t" bIns="91425" lIns="91425" spcFirstLastPara="1" rIns="91425" wrap="square" tIns="91425">
+            <a:noAutofit/>
+          </a:bodyPr>
+          <a:lstStyle/>
+          <a:p>
+            <a:pPr indent="0" lvl="0" marL="0" rtl="0" algn="l">
+              <a:spcBef>
+                <a:spcPts val="0"/>
+              </a:spcBef>
+              <a:spcAft>
+                <a:spcPts val="0"/>
+              </a:spcAft>
+              <a:buNone/>
+            </a:pPr>
+            <a:r>
+              <a:rPr b="1" lang="fr" u="sng"/>
+              <a:t>Task decomposition flow</a:t>
+            </a:r>
+            <a:endParaRPr b="1" u="sng"/>
+          </a:p>
+          <a:p>
+            <a:pPr indent="-342900" lvl="0" marL="457200" rtl="0" algn="l">
+              <a:spcBef>
+                <a:spcPts val="1600"/>
+              </a:spcBef>
+              <a:spcAft>
+                <a:spcPts val="0"/>
+              </a:spcAft>
+              <a:buSzPts val="1800"/>
+              <a:buChar char="●"/>
+            </a:pPr>
+            <a:r>
+              <a:rPr lang="fr"/>
+              <a:t>Lookup the database to verify whether username exists (based on </a:t>
+            </a:r>
+            <a:r>
+              <a:rPr b="1" lang="fr"/>
+              <a:t>username</a:t>
+            </a:r>
+            <a:r>
+              <a:rPr lang="fr"/>
+              <a:t>)</a:t>
+            </a:r>
+            <a:endParaRPr/>
+          </a:p>
+          <a:p>
+            <a:pPr indent="-342900" lvl="0" marL="457200" rtl="0" algn="l">
+              <a:spcBef>
+                <a:spcPts val="0"/>
+              </a:spcBef>
+              <a:spcAft>
+                <a:spcPts val="0"/>
+              </a:spcAft>
+              <a:buSzPts val="1800"/>
+              <a:buChar char="●"/>
+            </a:pPr>
+            <a:r>
+              <a:rPr lang="fr"/>
+              <a:t>Requires </a:t>
+            </a:r>
+            <a:r>
+              <a:rPr b="1" lang="fr"/>
+              <a:t>username </a:t>
+            </a:r>
+            <a:r>
+              <a:rPr lang="fr"/>
+              <a:t>/ </a:t>
+            </a:r>
+            <a:r>
+              <a:rPr b="1" lang="fr"/>
+              <a:t>password</a:t>
+            </a:r>
+            <a:endParaRPr b="1"/>
+          </a:p>
+          <a:p>
+            <a:pPr indent="-342900" lvl="0" marL="457200" rtl="0" algn="l">
+              <a:spcBef>
+                <a:spcPts val="0"/>
+              </a:spcBef>
+              <a:spcAft>
+                <a:spcPts val="0"/>
+              </a:spcAft>
+              <a:buSzPts val="1800"/>
+              <a:buChar char="●"/>
+            </a:pPr>
+            <a:r>
+              <a:rPr lang="fr"/>
+              <a:t>Confirm that user has been found in the database</a:t>
+            </a:r>
+            <a:endParaRPr/>
+          </a:p>
+          <a:p>
+            <a:pPr indent="-342900" lvl="0" marL="457200" rtl="0" algn="l">
+              <a:spcBef>
+                <a:spcPts val="0"/>
+              </a:spcBef>
+              <a:spcAft>
+                <a:spcPts val="0"/>
+              </a:spcAft>
+              <a:buSzPts val="1800"/>
+              <a:buChar char="●"/>
+            </a:pPr>
+            <a:r>
+              <a:rPr lang="fr"/>
+              <a:t>Same frequency (1 search at a time)</a:t>
+            </a:r>
+            <a:endParaRPr/>
+          </a:p>
+          <a:p>
+            <a:pPr indent="-342900" lvl="0" marL="457200" rtl="0" algn="l">
+              <a:spcBef>
+                <a:spcPts val="0"/>
+              </a:spcBef>
+              <a:spcAft>
+                <a:spcPts val="0"/>
+              </a:spcAft>
+              <a:buSzPts val="1800"/>
+              <a:buChar char="●"/>
+            </a:pPr>
+            <a:r>
+              <a:rPr lang="fr"/>
+              <a:t>Consistency is key</a:t>
+            </a:r>
+            <a:endParaRPr/>
+          </a:p>
+          <a:p>
+            <a:pPr indent="-342900" lvl="0" marL="457200" rtl="0" algn="l">
+              <a:spcBef>
+                <a:spcPts val="0"/>
+              </a:spcBef>
+              <a:spcAft>
+                <a:spcPts val="0"/>
+              </a:spcAft>
+              <a:buSzPts val="1800"/>
+              <a:buChar char="●"/>
+            </a:pPr>
+            <a:r>
+              <a:rPr lang="fr"/>
+              <a:t>No Mother Task Needed</a:t>
+            </a:r>
+            <a:endParaRPr/>
+          </a:p>
+          <a:p>
+            <a:pPr indent="0" lvl="0" marL="914400" rtl="0" algn="l">
+              <a:spcBef>
+                <a:spcPts val="1600"/>
+              </a:spcBef>
+              <a:spcAft>
+                <a:spcPts val="1600"/>
+              </a:spcAft>
+              <a:buNone/>
+            </a:pPr>
+            <a:r>
+              <a:t/>
+            </a:r>
+            <a:endParaRPr/>
           </a:p>
         </p:txBody>
       </p:sp>
@@ -6798,7 +8908,7 @@
   <p:cSld>
     <p:spTree>
       <p:nvGrpSpPr>
-        <p:cNvPr id="69" name="Shape 69"/>
+        <p:cNvPr id="70" name="Shape 70"/>
         <p:cNvGrpSpPr/>
         <p:nvPr/>
       </p:nvGrpSpPr>
@@ -6812,7 +8922,398 @@
       </p:grpSpPr>
       <p:sp>
         <p:nvSpPr>
-          <p:cNvPr id="70" name="Google Shape;70;p16"/>
+          <p:cNvPr id="71" name="Google Shape;71;p16"/>
+          <p:cNvSpPr txBox="1"/>
+          <p:nvPr>
+            <p:ph type="title"/>
+          </p:nvPr>
+        </p:nvSpPr>
+        <p:spPr>
+          <a:xfrm>
+            <a:off x="311700" y="-88375"/>
+            <a:ext cx="8520600" cy="572700"/>
+          </a:xfrm>
+          <a:prstGeom prst="rect">
+            <a:avLst/>
+          </a:prstGeom>
+        </p:spPr>
+        <p:txBody>
+          <a:bodyPr anchorCtr="0" anchor="t" bIns="91425" lIns="91425" spcFirstLastPara="1" rIns="91425" wrap="square" tIns="91425">
+            <a:noAutofit/>
+          </a:bodyPr>
+          <a:lstStyle/>
+          <a:p>
+            <a:pPr indent="0" lvl="0" marL="0" rtl="0" algn="l">
+              <a:spcBef>
+                <a:spcPts val="0"/>
+              </a:spcBef>
+              <a:spcAft>
+                <a:spcPts val="0"/>
+              </a:spcAft>
+              <a:buClr>
+                <a:schemeClr val="dk1"/>
+              </a:buClr>
+              <a:buSzPts val="1100"/>
+              <a:buFont typeface="Arial"/>
+              <a:buNone/>
+            </a:pPr>
+            <a:r>
+              <a:rPr lang="fr"/>
+              <a:t>Abstract Code - </a:t>
+            </a:r>
+            <a:r>
+              <a:rPr lang="fr"/>
+              <a:t>Superuser login</a:t>
+            </a:r>
+            <a:endParaRPr/>
+          </a:p>
+          <a:p>
+            <a:pPr indent="0" lvl="0" marL="0" rtl="0" algn="l">
+              <a:spcBef>
+                <a:spcPts val="0"/>
+              </a:spcBef>
+              <a:spcAft>
+                <a:spcPts val="0"/>
+              </a:spcAft>
+              <a:buNone/>
+            </a:pPr>
+            <a:r>
+              <a:t/>
+            </a:r>
+            <a:endParaRPr/>
+          </a:p>
+        </p:txBody>
+      </p:sp>
+      <p:sp>
+        <p:nvSpPr>
+          <p:cNvPr id="72" name="Google Shape;72;p16"/>
+          <p:cNvSpPr txBox="1"/>
+          <p:nvPr>
+            <p:ph idx="1" type="body"/>
+          </p:nvPr>
+        </p:nvSpPr>
+        <p:spPr>
+          <a:xfrm>
+            <a:off x="311700" y="390475"/>
+            <a:ext cx="8520600" cy="4570200"/>
+          </a:xfrm>
+          <a:prstGeom prst="rect">
+            <a:avLst/>
+          </a:prstGeom>
+        </p:spPr>
+        <p:txBody>
+          <a:bodyPr anchorCtr="0" anchor="t" bIns="91425" lIns="91425" spcFirstLastPara="1" rIns="91425" wrap="square" tIns="91425">
+            <a:noAutofit/>
+          </a:bodyPr>
+          <a:lstStyle/>
+          <a:p>
+            <a:pPr indent="0" lvl="0" marL="0" rtl="0" algn="l">
+              <a:spcBef>
+                <a:spcPts val="0"/>
+              </a:spcBef>
+              <a:spcAft>
+                <a:spcPts val="0"/>
+              </a:spcAft>
+              <a:buNone/>
+            </a:pPr>
+            <a:r>
+              <a:rPr b="1" lang="fr" u="sng"/>
+              <a:t>Abstract Code</a:t>
+            </a:r>
+            <a:endParaRPr b="1" u="sng"/>
+          </a:p>
+          <a:p>
+            <a:pPr indent="-342900" lvl="0" marL="457200" rtl="0" algn="l">
+              <a:spcBef>
+                <a:spcPts val="1600"/>
+              </a:spcBef>
+              <a:spcAft>
+                <a:spcPts val="0"/>
+              </a:spcAft>
+              <a:buSzPts val="1800"/>
+              <a:buChar char="●"/>
+            </a:pPr>
+            <a:r>
+              <a:rPr lang="fr"/>
+              <a:t>User enters </a:t>
+            </a:r>
+            <a:r>
+              <a:rPr b="1" lang="fr"/>
+              <a:t>username </a:t>
+            </a:r>
+            <a:r>
+              <a:rPr lang="fr"/>
+              <a:t>/ </a:t>
+            </a:r>
+            <a:r>
+              <a:rPr b="1" lang="fr"/>
+              <a:t>password </a:t>
+            </a:r>
+            <a:r>
+              <a:rPr lang="fr"/>
+              <a:t>input fields. </a:t>
+            </a:r>
+            <a:endParaRPr/>
+          </a:p>
+          <a:p>
+            <a:pPr indent="-342900" lvl="0" marL="457200" rtl="0" algn="l">
+              <a:spcBef>
+                <a:spcPts val="0"/>
+              </a:spcBef>
+              <a:spcAft>
+                <a:spcPts val="0"/>
+              </a:spcAft>
+              <a:buSzPts val="1800"/>
+              <a:buChar char="●"/>
+            </a:pPr>
+            <a:r>
+              <a:rPr lang="fr"/>
+              <a:t>IF input field NOT empty AND do not contain any invalid characters THEN:</a:t>
+            </a:r>
+            <a:endParaRPr/>
+          </a:p>
+          <a:p>
+            <a:pPr indent="-342900" lvl="1" marL="914400" rtl="0" algn="l">
+              <a:spcBef>
+                <a:spcPts val="0"/>
+              </a:spcBef>
+              <a:spcAft>
+                <a:spcPts val="0"/>
+              </a:spcAft>
+              <a:buSzPts val="1800"/>
+              <a:buChar char="○"/>
+            </a:pPr>
+            <a:r>
+              <a:rPr lang="fr" sz="1800"/>
+              <a:t>When </a:t>
+            </a:r>
+            <a:r>
+              <a:rPr b="1" lang="fr" sz="1800"/>
+              <a:t>LOGIN </a:t>
+            </a:r>
+            <a:r>
+              <a:rPr lang="fr" sz="1800"/>
+              <a:t>button is clicked:</a:t>
+            </a:r>
+            <a:endParaRPr sz="1800"/>
+          </a:p>
+          <a:p>
+            <a:pPr indent="-342900" lvl="2" marL="1371600" rtl="0" algn="l">
+              <a:spcBef>
+                <a:spcPts val="0"/>
+              </a:spcBef>
+              <a:spcAft>
+                <a:spcPts val="0"/>
+              </a:spcAft>
+              <a:buSzPts val="1800"/>
+              <a:buChar char="■"/>
+            </a:pPr>
+            <a:r>
+              <a:rPr lang="fr" sz="1800"/>
+              <a:t>IF </a:t>
+            </a:r>
+            <a:r>
+              <a:rPr b="1" lang="fr" sz="1800"/>
+              <a:t>username </a:t>
+            </a:r>
+            <a:r>
+              <a:rPr lang="fr" sz="1800"/>
+              <a:t>/ hashed </a:t>
+            </a:r>
+            <a:r>
+              <a:rPr b="1" lang="fr" sz="1800"/>
+              <a:t>password </a:t>
+            </a:r>
+            <a:r>
+              <a:rPr lang="fr" sz="1800"/>
+              <a:t>found in database then:</a:t>
+            </a:r>
+            <a:endParaRPr sz="1800"/>
+          </a:p>
+          <a:p>
+            <a:pPr indent="-342900" lvl="3" marL="1828800" rtl="0" algn="l">
+              <a:spcBef>
+                <a:spcPts val="0"/>
+              </a:spcBef>
+              <a:spcAft>
+                <a:spcPts val="0"/>
+              </a:spcAft>
+              <a:buSzPts val="1800"/>
+              <a:buChar char="●"/>
+            </a:pPr>
+            <a:r>
+              <a:rPr lang="fr" sz="1800"/>
+              <a:t>Redirect to </a:t>
+            </a:r>
+            <a:r>
+              <a:rPr b="1" lang="fr" sz="1800"/>
+              <a:t>home </a:t>
+            </a:r>
+            <a:r>
+              <a:rPr lang="fr" sz="1800"/>
+              <a:t>page</a:t>
+            </a:r>
+            <a:endParaRPr sz="1800"/>
+          </a:p>
+          <a:p>
+            <a:pPr indent="-342900" lvl="2" marL="1371600" rtl="0" algn="l">
+              <a:spcBef>
+                <a:spcPts val="0"/>
+              </a:spcBef>
+              <a:spcAft>
+                <a:spcPts val="0"/>
+              </a:spcAft>
+              <a:buSzPts val="1800"/>
+              <a:buChar char="■"/>
+            </a:pPr>
+            <a:r>
+              <a:rPr lang="fr" sz="1800"/>
+              <a:t>ELSE </a:t>
+            </a:r>
+            <a:endParaRPr sz="1800"/>
+          </a:p>
+          <a:p>
+            <a:pPr indent="-342900" lvl="3" marL="1828800" rtl="0" algn="l">
+              <a:spcBef>
+                <a:spcPts val="0"/>
+              </a:spcBef>
+              <a:spcAft>
+                <a:spcPts val="0"/>
+              </a:spcAft>
+              <a:buSzPts val="1800"/>
+              <a:buChar char="●"/>
+            </a:pPr>
+            <a:r>
+              <a:rPr lang="fr" sz="1800"/>
+              <a:t>Go back to login form with error message</a:t>
+            </a:r>
+            <a:endParaRPr sz="1800"/>
+          </a:p>
+          <a:p>
+            <a:pPr indent="-342900" lvl="1" marL="914400" rtl="0" algn="l">
+              <a:spcBef>
+                <a:spcPts val="0"/>
+              </a:spcBef>
+              <a:spcAft>
+                <a:spcPts val="0"/>
+              </a:spcAft>
+              <a:buSzPts val="1800"/>
+              <a:buChar char="○"/>
+            </a:pPr>
+            <a:r>
+              <a:rPr lang="fr" sz="1800"/>
+              <a:t>Go to </a:t>
+            </a:r>
+            <a:r>
+              <a:rPr b="1" lang="fr" sz="1800"/>
+              <a:t>home </a:t>
+            </a:r>
+            <a:r>
+              <a:rPr lang="fr" sz="1800"/>
+              <a:t>page</a:t>
+            </a:r>
+            <a:endParaRPr sz="1800"/>
+          </a:p>
+          <a:p>
+            <a:pPr indent="-342900" lvl="0" marL="457200" rtl="0" algn="l">
+              <a:spcBef>
+                <a:spcPts val="0"/>
+              </a:spcBef>
+              <a:spcAft>
+                <a:spcPts val="0"/>
+              </a:spcAft>
+              <a:buSzPts val="1800"/>
+              <a:buChar char="●"/>
+            </a:pPr>
+            <a:r>
+              <a:rPr lang="fr"/>
+              <a:t>ELSE field values are invalid, display </a:t>
+            </a:r>
+            <a:r>
+              <a:rPr b="1" lang="fr"/>
+              <a:t>login </a:t>
+            </a:r>
+            <a:r>
+              <a:rPr lang="fr"/>
+              <a:t>form with error message</a:t>
+            </a:r>
+            <a:endParaRPr sz="1800"/>
+          </a:p>
+          <a:p>
+            <a:pPr indent="0" lvl="0" marL="1371600" rtl="0" algn="l">
+              <a:spcBef>
+                <a:spcPts val="1600"/>
+              </a:spcBef>
+              <a:spcAft>
+                <a:spcPts val="0"/>
+              </a:spcAft>
+              <a:buNone/>
+            </a:pPr>
+            <a:r>
+              <a:t/>
+            </a:r>
+            <a:endParaRPr sz="1800"/>
+          </a:p>
+          <a:p>
+            <a:pPr indent="0" lvl="0" marL="457200" rtl="0" algn="l">
+              <a:spcBef>
+                <a:spcPts val="1600"/>
+              </a:spcBef>
+              <a:spcAft>
+                <a:spcPts val="0"/>
+              </a:spcAft>
+              <a:buNone/>
+            </a:pPr>
+            <a:r>
+              <a:t/>
+            </a:r>
+            <a:endParaRPr b="1" u="sng"/>
+          </a:p>
+          <a:p>
+            <a:pPr indent="0" lvl="0" marL="914400" rtl="0" algn="l">
+              <a:spcBef>
+                <a:spcPts val="1600"/>
+              </a:spcBef>
+              <a:spcAft>
+                <a:spcPts val="1600"/>
+              </a:spcAft>
+              <a:buNone/>
+            </a:pPr>
+            <a:r>
+              <a:t/>
+            </a:r>
+            <a:endParaRPr/>
+          </a:p>
+        </p:txBody>
+      </p:sp>
+    </p:spTree>
+  </p:cSld>
+  <p:clrMapOvr>
+    <a:masterClrMapping/>
+  </p:clrMapOvr>
+</p:sld>
+</file>
+
+<file path=ppt/slides/slide5.xml><?xml version="1.0" encoding="utf-8"?>
+<p:sld xmlns:a="http://schemas.openxmlformats.org/drawingml/2006/main" xmlns:r="http://schemas.openxmlformats.org/officeDocument/2006/relationships" xmlns:mc="http://schemas.openxmlformats.org/markup-compatibility/2006" xmlns:mv="urn:schemas-microsoft-com:mac:vml" xmlns:p="http://schemas.openxmlformats.org/presentationml/2006/main" xmlns:c="http://schemas.openxmlformats.org/drawingml/2006/chart" xmlns:dgm="http://schemas.openxmlformats.org/drawingml/2006/diagram" xmlns:o="urn:schemas-microsoft-com:office:office" xmlns:v="urn:schemas-microsoft-com:vml" xmlns:pvml="urn:schemas-microsoft-com:office:powerpoint" xmlns:com="http://schemas.openxmlformats.org/drawingml/2006/compatibility" xmlns:p14="http://schemas.microsoft.com/office/powerpoint/2010/main" xmlns:p15="http://schemas.microsoft.com/office/powerpoint/2012/main">
+  <p:cSld>
+    <p:spTree>
+      <p:nvGrpSpPr>
+        <p:cNvPr id="76" name="Shape 76"/>
+        <p:cNvGrpSpPr/>
+        <p:nvPr/>
+      </p:nvGrpSpPr>
+      <p:grpSpPr>
+        <a:xfrm>
+          <a:off x="0" y="0"/>
+          <a:ext cx="0" cy="0"/>
+          <a:chOff x="0" y="0"/>
+          <a:chExt cx="0" cy="0"/>
+        </a:xfrm>
+      </p:grpSpPr>
+      <p:sp>
+        <p:nvSpPr>
+          <p:cNvPr id="77" name="Google Shape;77;p17"/>
           <p:cNvSpPr txBox="1"/>
           <p:nvPr>
             <p:ph idx="1" type="body"/>
@@ -6841,11 +9342,11 @@
                 <a:spcPts val="0"/>
               </a:spcAft>
               <a:buSzPts val="2400"/>
-              <a:buAutoNum type="arabicPeriod" startAt="3"/>
+              <a:buAutoNum type="arabicPeriod" startAt="2"/>
             </a:pPr>
             <a:r>
               <a:rPr b="1" lang="fr" sz="2400"/>
-              <a:t>Care provider registration</a:t>
+              <a:t>Superuser patient / care provider CRUD operation</a:t>
             </a:r>
             <a:endParaRPr b="1" sz="2400"/>
           </a:p>
@@ -6859,12 +9360,12 @@
 </p:sld>
 </file>
 
-<file path=ppt/slides/slide5.xml><?xml version="1.0" encoding="utf-8"?>
+<file path=ppt/slides/slide6.xml><?xml version="1.0" encoding="utf-8"?>
 <p:sld xmlns:a="http://schemas.openxmlformats.org/drawingml/2006/main" xmlns:r="http://schemas.openxmlformats.org/officeDocument/2006/relationships" xmlns:mc="http://schemas.openxmlformats.org/markup-compatibility/2006" xmlns:mv="urn:schemas-microsoft-com:mac:vml" xmlns:p="http://schemas.openxmlformats.org/presentationml/2006/main" xmlns:c="http://schemas.openxmlformats.org/drawingml/2006/chart" xmlns:dgm="http://schemas.openxmlformats.org/drawingml/2006/diagram" xmlns:o="urn:schemas-microsoft-com:office:office" xmlns:v="urn:schemas-microsoft-com:vml" xmlns:pvml="urn:schemas-microsoft-com:office:powerpoint" xmlns:com="http://schemas.openxmlformats.org/drawingml/2006/compatibility" xmlns:p14="http://schemas.microsoft.com/office/powerpoint/2010/main" xmlns:p15="http://schemas.microsoft.com/office/powerpoint/2012/main">
   <p:cSld>
     <p:spTree>
       <p:nvGrpSpPr>
-        <p:cNvPr id="74" name="Shape 74"/>
+        <p:cNvPr id="81" name="Shape 81"/>
         <p:cNvGrpSpPr/>
         <p:nvPr/>
       </p:nvGrpSpPr>
@@ -6878,7 +9379,7 @@
       </p:grpSpPr>
       <p:sp>
         <p:nvSpPr>
-          <p:cNvPr id="75" name="Google Shape;75;p17"/>
+          <p:cNvPr id="82" name="Google Shape;82;p18"/>
           <p:cNvSpPr txBox="1"/>
           <p:nvPr>
             <p:ph idx="1" type="body"/>
@@ -6907,11 +9408,11 @@
                 <a:spcPts val="0"/>
               </a:spcAft>
               <a:buSzPts val="2400"/>
-              <a:buAutoNum type="arabicPeriod" startAt="4"/>
+              <a:buAutoNum type="arabicPeriod" startAt="3"/>
             </a:pPr>
             <a:r>
               <a:rPr b="1" lang="fr" sz="2400"/>
-              <a:t>Care provider login</a:t>
+              <a:t>Care provider registration</a:t>
             </a:r>
             <a:endParaRPr b="1" sz="2400"/>
           </a:p>
@@ -6925,12 +9426,12 @@
 </p:sld>
 </file>
 
-<file path=ppt/slides/slide6.xml><?xml version="1.0" encoding="utf-8"?>
+<file path=ppt/slides/slide7.xml><?xml version="1.0" encoding="utf-8"?>
 <p:sld xmlns:a="http://schemas.openxmlformats.org/drawingml/2006/main" xmlns:r="http://schemas.openxmlformats.org/officeDocument/2006/relationships" xmlns:mc="http://schemas.openxmlformats.org/markup-compatibility/2006" xmlns:mv="urn:schemas-microsoft-com:mac:vml" xmlns:p="http://schemas.openxmlformats.org/presentationml/2006/main" xmlns:c="http://schemas.openxmlformats.org/drawingml/2006/chart" xmlns:dgm="http://schemas.openxmlformats.org/drawingml/2006/diagram" xmlns:o="urn:schemas-microsoft-com:office:office" xmlns:v="urn:schemas-microsoft-com:vml" xmlns:pvml="urn:schemas-microsoft-com:office:powerpoint" xmlns:com="http://schemas.openxmlformats.org/drawingml/2006/compatibility" xmlns:p14="http://schemas.microsoft.com/office/powerpoint/2010/main" xmlns:p15="http://schemas.microsoft.com/office/powerpoint/2012/main">
   <p:cSld>
     <p:spTree>
       <p:nvGrpSpPr>
-        <p:cNvPr id="79" name="Shape 79"/>
+        <p:cNvPr id="86" name="Shape 86"/>
         <p:cNvGrpSpPr/>
         <p:nvPr/>
       </p:nvGrpSpPr>
@@ -6944,7 +9445,660 @@
       </p:grpSpPr>
       <p:sp>
         <p:nvSpPr>
-          <p:cNvPr id="80" name="Google Shape;80;p18"/>
+          <p:cNvPr id="87" name="Google Shape;87;p19"/>
+          <p:cNvSpPr txBox="1"/>
+          <p:nvPr>
+            <p:ph type="title"/>
+          </p:nvPr>
+        </p:nvSpPr>
+        <p:spPr>
+          <a:xfrm>
+            <a:off x="311700" y="-88375"/>
+            <a:ext cx="8520600" cy="572700"/>
+          </a:xfrm>
+          <a:prstGeom prst="rect">
+            <a:avLst/>
+          </a:prstGeom>
+        </p:spPr>
+        <p:txBody>
+          <a:bodyPr anchorCtr="0" anchor="t" bIns="91425" lIns="91425" spcFirstLastPara="1" rIns="91425" wrap="square" tIns="91425">
+            <a:noAutofit/>
+          </a:bodyPr>
+          <a:lstStyle/>
+          <a:p>
+            <a:pPr indent="0" lvl="0" marL="0" rtl="0" algn="l">
+              <a:spcBef>
+                <a:spcPts val="0"/>
+              </a:spcBef>
+              <a:spcAft>
+                <a:spcPts val="0"/>
+              </a:spcAft>
+              <a:buNone/>
+            </a:pPr>
+            <a:r>
+              <a:rPr lang="fr"/>
+              <a:t>Abstract Code - </a:t>
+            </a:r>
+            <a:r>
+              <a:rPr lang="fr"/>
+              <a:t>Care provider </a:t>
+            </a:r>
+            <a:r>
+              <a:rPr lang="fr"/>
+              <a:t>registration</a:t>
+            </a:r>
+            <a:endParaRPr/>
+          </a:p>
+        </p:txBody>
+      </p:sp>
+      <p:sp>
+        <p:nvSpPr>
+          <p:cNvPr id="88" name="Google Shape;88;p19"/>
+          <p:cNvSpPr txBox="1"/>
+          <p:nvPr>
+            <p:ph idx="1" type="body"/>
+          </p:nvPr>
+        </p:nvSpPr>
+        <p:spPr>
+          <a:xfrm>
+            <a:off x="311700" y="390475"/>
+            <a:ext cx="8520600" cy="4570200"/>
+          </a:xfrm>
+          <a:prstGeom prst="rect">
+            <a:avLst/>
+          </a:prstGeom>
+        </p:spPr>
+        <p:txBody>
+          <a:bodyPr anchorCtr="0" anchor="t" bIns="91425" lIns="91425" spcFirstLastPara="1" rIns="91425" wrap="square" tIns="91425">
+            <a:noAutofit/>
+          </a:bodyPr>
+          <a:lstStyle/>
+          <a:p>
+            <a:pPr indent="0" lvl="0" marL="0" rtl="0" algn="l">
+              <a:spcBef>
+                <a:spcPts val="0"/>
+              </a:spcBef>
+              <a:spcAft>
+                <a:spcPts val="0"/>
+              </a:spcAft>
+              <a:buNone/>
+            </a:pPr>
+            <a:r>
+              <a:rPr b="1" lang="fr" u="sng"/>
+              <a:t>Task decomposition flow</a:t>
+            </a:r>
+            <a:endParaRPr b="1" u="sng"/>
+          </a:p>
+          <a:p>
+            <a:pPr indent="-342900" lvl="0" marL="457200" rtl="0" algn="l">
+              <a:spcBef>
+                <a:spcPts val="1600"/>
+              </a:spcBef>
+              <a:spcAft>
+                <a:spcPts val="0"/>
+              </a:spcAft>
+              <a:buSzPts val="1800"/>
+              <a:buChar char="●"/>
+            </a:pPr>
+            <a:r>
+              <a:rPr lang="fr"/>
+              <a:t>Lookup the database to verify whether </a:t>
+            </a:r>
+            <a:r>
+              <a:rPr b="1" lang="fr"/>
+              <a:t>username </a:t>
+            </a:r>
+            <a:r>
+              <a:rPr lang="fr"/>
+              <a:t>(care provider) </a:t>
+            </a:r>
+            <a:r>
+              <a:rPr lang="fr"/>
+              <a:t>exists (based on </a:t>
+            </a:r>
+            <a:r>
+              <a:rPr b="1" lang="fr"/>
+              <a:t>username</a:t>
+            </a:r>
+            <a:r>
+              <a:rPr lang="fr"/>
+              <a:t>)</a:t>
+            </a:r>
+            <a:endParaRPr/>
+          </a:p>
+          <a:p>
+            <a:pPr indent="-342900" lvl="0" marL="457200" rtl="0" algn="l">
+              <a:spcBef>
+                <a:spcPts val="0"/>
+              </a:spcBef>
+              <a:spcAft>
+                <a:spcPts val="0"/>
+              </a:spcAft>
+              <a:buSzPts val="1800"/>
+              <a:buChar char="●"/>
+            </a:pPr>
+            <a:r>
+              <a:rPr lang="fr"/>
+              <a:t>Requires </a:t>
+            </a:r>
+            <a:r>
+              <a:rPr b="1" lang="fr"/>
+              <a:t>username </a:t>
+            </a:r>
+            <a:r>
+              <a:rPr lang="fr"/>
+              <a:t>/ </a:t>
+            </a:r>
+            <a:r>
+              <a:rPr b="1" lang="fr"/>
+              <a:t>password</a:t>
+            </a:r>
+            <a:endParaRPr b="1"/>
+          </a:p>
+          <a:p>
+            <a:pPr indent="-342900" lvl="0" marL="457200" rtl="0" algn="l">
+              <a:spcBef>
+                <a:spcPts val="0"/>
+              </a:spcBef>
+              <a:spcAft>
+                <a:spcPts val="0"/>
+              </a:spcAft>
+              <a:buSzPts val="1800"/>
+              <a:buChar char="●"/>
+            </a:pPr>
+            <a:r>
+              <a:rPr lang="fr"/>
+              <a:t>Confirm that user has been registered in the database</a:t>
+            </a:r>
+            <a:endParaRPr/>
+          </a:p>
+          <a:p>
+            <a:pPr indent="-342900" lvl="0" marL="457200" rtl="0" algn="l">
+              <a:spcBef>
+                <a:spcPts val="0"/>
+              </a:spcBef>
+              <a:spcAft>
+                <a:spcPts val="0"/>
+              </a:spcAft>
+              <a:buSzPts val="1800"/>
+              <a:buChar char="●"/>
+            </a:pPr>
+            <a:r>
+              <a:rPr lang="fr"/>
+              <a:t>Same frequency (1 search at a time)</a:t>
+            </a:r>
+            <a:endParaRPr/>
+          </a:p>
+          <a:p>
+            <a:pPr indent="-342900" lvl="0" marL="457200" rtl="0" algn="l">
+              <a:spcBef>
+                <a:spcPts val="0"/>
+              </a:spcBef>
+              <a:spcAft>
+                <a:spcPts val="0"/>
+              </a:spcAft>
+              <a:buSzPts val="1800"/>
+              <a:buChar char="●"/>
+            </a:pPr>
+            <a:r>
+              <a:rPr lang="fr"/>
+              <a:t>Consistency is key</a:t>
+            </a:r>
+            <a:endParaRPr/>
+          </a:p>
+          <a:p>
+            <a:pPr indent="-342900" lvl="0" marL="457200" rtl="0" algn="l">
+              <a:spcBef>
+                <a:spcPts val="0"/>
+              </a:spcBef>
+              <a:spcAft>
+                <a:spcPts val="0"/>
+              </a:spcAft>
+              <a:buSzPts val="1800"/>
+              <a:buChar char="●"/>
+            </a:pPr>
+            <a:r>
+              <a:rPr lang="fr"/>
+              <a:t>No Mother Task Needed</a:t>
+            </a:r>
+            <a:endParaRPr/>
+          </a:p>
+          <a:p>
+            <a:pPr indent="0" lvl="0" marL="914400" rtl="0" algn="l">
+              <a:spcBef>
+                <a:spcPts val="1600"/>
+              </a:spcBef>
+              <a:spcAft>
+                <a:spcPts val="1600"/>
+              </a:spcAft>
+              <a:buNone/>
+            </a:pPr>
+            <a:r>
+              <a:t/>
+            </a:r>
+            <a:endParaRPr/>
+          </a:p>
+        </p:txBody>
+      </p:sp>
+    </p:spTree>
+  </p:cSld>
+  <p:clrMapOvr>
+    <a:masterClrMapping/>
+  </p:clrMapOvr>
+</p:sld>
+</file>
+
+<file path=ppt/slides/slide8.xml><?xml version="1.0" encoding="utf-8"?>
+<p:sld xmlns:a="http://schemas.openxmlformats.org/drawingml/2006/main" xmlns:r="http://schemas.openxmlformats.org/officeDocument/2006/relationships" xmlns:mc="http://schemas.openxmlformats.org/markup-compatibility/2006" xmlns:mv="urn:schemas-microsoft-com:mac:vml" xmlns:p="http://schemas.openxmlformats.org/presentationml/2006/main" xmlns:c="http://schemas.openxmlformats.org/drawingml/2006/chart" xmlns:dgm="http://schemas.openxmlformats.org/drawingml/2006/diagram" xmlns:o="urn:schemas-microsoft-com:office:office" xmlns:v="urn:schemas-microsoft-com:vml" xmlns:pvml="urn:schemas-microsoft-com:office:powerpoint" xmlns:com="http://schemas.openxmlformats.org/drawingml/2006/compatibility" xmlns:p14="http://schemas.microsoft.com/office/powerpoint/2010/main" xmlns:p15="http://schemas.microsoft.com/office/powerpoint/2012/main">
+  <p:cSld>
+    <p:spTree>
+      <p:nvGrpSpPr>
+        <p:cNvPr id="92" name="Shape 92"/>
+        <p:cNvGrpSpPr/>
+        <p:nvPr/>
+      </p:nvGrpSpPr>
+      <p:grpSpPr>
+        <a:xfrm>
+          <a:off x="0" y="0"/>
+          <a:ext cx="0" cy="0"/>
+          <a:chOff x="0" y="0"/>
+          <a:chExt cx="0" cy="0"/>
+        </a:xfrm>
+      </p:grpSpPr>
+      <p:sp>
+        <p:nvSpPr>
+          <p:cNvPr id="93" name="Google Shape;93;p20"/>
+          <p:cNvSpPr txBox="1"/>
+          <p:nvPr>
+            <p:ph type="title"/>
+          </p:nvPr>
+        </p:nvSpPr>
+        <p:spPr>
+          <a:xfrm>
+            <a:off x="311700" y="-88375"/>
+            <a:ext cx="8520600" cy="572700"/>
+          </a:xfrm>
+          <a:prstGeom prst="rect">
+            <a:avLst/>
+          </a:prstGeom>
+        </p:spPr>
+        <p:txBody>
+          <a:bodyPr anchorCtr="0" anchor="t" bIns="91425" lIns="91425" spcFirstLastPara="1" rIns="91425" wrap="square" tIns="91425">
+            <a:noAutofit/>
+          </a:bodyPr>
+          <a:lstStyle/>
+          <a:p>
+            <a:pPr indent="0" lvl="0" marL="0" rtl="0" algn="l">
+              <a:spcBef>
+                <a:spcPts val="0"/>
+              </a:spcBef>
+              <a:spcAft>
+                <a:spcPts val="0"/>
+              </a:spcAft>
+              <a:buClr>
+                <a:schemeClr val="dk1"/>
+              </a:buClr>
+              <a:buSzPts val="1100"/>
+              <a:buFont typeface="Arial"/>
+              <a:buNone/>
+            </a:pPr>
+            <a:r>
+              <a:rPr lang="fr"/>
+              <a:t>Abstract Code - Care provider registration</a:t>
+            </a:r>
+            <a:endParaRPr/>
+          </a:p>
+          <a:p>
+            <a:pPr indent="0" lvl="0" marL="0" rtl="0" algn="l">
+              <a:spcBef>
+                <a:spcPts val="0"/>
+              </a:spcBef>
+              <a:spcAft>
+                <a:spcPts val="0"/>
+              </a:spcAft>
+              <a:buNone/>
+            </a:pPr>
+            <a:r>
+              <a:t/>
+            </a:r>
+            <a:endParaRPr/>
+          </a:p>
+        </p:txBody>
+      </p:sp>
+      <p:sp>
+        <p:nvSpPr>
+          <p:cNvPr id="94" name="Google Shape;94;p20"/>
+          <p:cNvSpPr txBox="1"/>
+          <p:nvPr>
+            <p:ph idx="1" type="body"/>
+          </p:nvPr>
+        </p:nvSpPr>
+        <p:spPr>
+          <a:xfrm>
+            <a:off x="311700" y="390475"/>
+            <a:ext cx="8520600" cy="4570200"/>
+          </a:xfrm>
+          <a:prstGeom prst="rect">
+            <a:avLst/>
+          </a:prstGeom>
+        </p:spPr>
+        <p:txBody>
+          <a:bodyPr anchorCtr="0" anchor="t" bIns="91425" lIns="91425" spcFirstLastPara="1" rIns="91425" wrap="square" tIns="91425">
+            <a:noAutofit/>
+          </a:bodyPr>
+          <a:lstStyle/>
+          <a:p>
+            <a:pPr indent="0" lvl="0" marL="0" rtl="0" algn="l">
+              <a:spcBef>
+                <a:spcPts val="0"/>
+              </a:spcBef>
+              <a:spcAft>
+                <a:spcPts val="0"/>
+              </a:spcAft>
+              <a:buNone/>
+            </a:pPr>
+            <a:r>
+              <a:rPr b="1" lang="fr" u="sng"/>
+              <a:t>Abstract Code</a:t>
+            </a:r>
+            <a:endParaRPr b="1" u="sng"/>
+          </a:p>
+          <a:p>
+            <a:pPr indent="-342900" lvl="0" marL="457200" rtl="0" algn="l">
+              <a:spcBef>
+                <a:spcPts val="1600"/>
+              </a:spcBef>
+              <a:spcAft>
+                <a:spcPts val="0"/>
+              </a:spcAft>
+              <a:buSzPts val="1800"/>
+              <a:buChar char="●"/>
+            </a:pPr>
+            <a:r>
+              <a:rPr lang="fr"/>
+              <a:t>User enters </a:t>
+            </a:r>
+            <a:r>
+              <a:rPr b="1" lang="fr"/>
+              <a:t>username </a:t>
+            </a:r>
+            <a:r>
+              <a:rPr lang="fr"/>
+              <a:t>/ </a:t>
+            </a:r>
+            <a:r>
+              <a:rPr b="1" lang="fr"/>
+              <a:t>password </a:t>
+            </a:r>
+            <a:r>
+              <a:rPr lang="fr"/>
+              <a:t>input fields. </a:t>
+            </a:r>
+            <a:endParaRPr/>
+          </a:p>
+          <a:p>
+            <a:pPr indent="-342900" lvl="0" marL="457200" rtl="0" algn="l">
+              <a:spcBef>
+                <a:spcPts val="0"/>
+              </a:spcBef>
+              <a:spcAft>
+                <a:spcPts val="0"/>
+              </a:spcAft>
+              <a:buSzPts val="1800"/>
+              <a:buChar char="●"/>
+            </a:pPr>
+            <a:r>
+              <a:rPr lang="fr"/>
+              <a:t>IF input field NOT empty AND do not contain any invalid characters THEN:</a:t>
+            </a:r>
+            <a:endParaRPr/>
+          </a:p>
+          <a:p>
+            <a:pPr indent="-342900" lvl="1" marL="914400" rtl="0" algn="l">
+              <a:spcBef>
+                <a:spcPts val="0"/>
+              </a:spcBef>
+              <a:spcAft>
+                <a:spcPts val="0"/>
+              </a:spcAft>
+              <a:buSzPts val="1800"/>
+              <a:buChar char="○"/>
+            </a:pPr>
+            <a:r>
+              <a:rPr lang="fr" sz="1800"/>
+              <a:t>When </a:t>
+            </a:r>
+            <a:r>
+              <a:rPr b="1" lang="fr" sz="1800"/>
+              <a:t>REGISTER </a:t>
+            </a:r>
+            <a:r>
+              <a:rPr lang="fr" sz="1800"/>
+              <a:t>button is clicked:</a:t>
+            </a:r>
+            <a:endParaRPr sz="1800"/>
+          </a:p>
+          <a:p>
+            <a:pPr indent="-342900" lvl="2" marL="1371600" rtl="0" algn="l">
+              <a:spcBef>
+                <a:spcPts val="0"/>
+              </a:spcBef>
+              <a:spcAft>
+                <a:spcPts val="0"/>
+              </a:spcAft>
+              <a:buSzPts val="1800"/>
+              <a:buChar char="■"/>
+            </a:pPr>
+            <a:r>
+              <a:rPr lang="fr" sz="1800"/>
+              <a:t>IF </a:t>
+            </a:r>
+            <a:r>
+              <a:rPr b="1" lang="fr" sz="1800"/>
+              <a:t>username </a:t>
+            </a:r>
+            <a:r>
+              <a:rPr lang="fr" sz="1800"/>
+              <a:t>/ hashed </a:t>
+            </a:r>
+            <a:r>
+              <a:rPr b="1" lang="fr" sz="1800"/>
+              <a:t>password </a:t>
+            </a:r>
+            <a:r>
+              <a:rPr lang="fr" sz="1800"/>
+              <a:t>added to database </a:t>
+            </a:r>
+            <a:r>
+              <a:rPr lang="fr" sz="1800"/>
+              <a:t>then:</a:t>
+            </a:r>
+            <a:endParaRPr sz="1800"/>
+          </a:p>
+          <a:p>
+            <a:pPr indent="-342900" lvl="3" marL="1828800" rtl="0" algn="l">
+              <a:spcBef>
+                <a:spcPts val="0"/>
+              </a:spcBef>
+              <a:spcAft>
+                <a:spcPts val="0"/>
+              </a:spcAft>
+              <a:buSzPts val="1800"/>
+              <a:buChar char="●"/>
+            </a:pPr>
+            <a:r>
+              <a:rPr lang="fr" sz="1800"/>
+              <a:t>Redirect to </a:t>
+            </a:r>
+            <a:r>
+              <a:rPr b="1" lang="fr" sz="1800"/>
+              <a:t>login </a:t>
+            </a:r>
+            <a:r>
+              <a:rPr lang="fr" sz="1800"/>
+              <a:t>page</a:t>
+            </a:r>
+            <a:endParaRPr sz="1800"/>
+          </a:p>
+          <a:p>
+            <a:pPr indent="-342900" lvl="2" marL="1371600" rtl="0" algn="l">
+              <a:spcBef>
+                <a:spcPts val="0"/>
+              </a:spcBef>
+              <a:spcAft>
+                <a:spcPts val="0"/>
+              </a:spcAft>
+              <a:buSzPts val="1800"/>
+              <a:buChar char="■"/>
+            </a:pPr>
+            <a:r>
+              <a:rPr lang="fr" sz="1800"/>
+              <a:t>ELSE </a:t>
+            </a:r>
+            <a:endParaRPr sz="1800"/>
+          </a:p>
+          <a:p>
+            <a:pPr indent="-342900" lvl="3" marL="1828800" rtl="0" algn="l">
+              <a:spcBef>
+                <a:spcPts val="0"/>
+              </a:spcBef>
+              <a:spcAft>
+                <a:spcPts val="0"/>
+              </a:spcAft>
+              <a:buSzPts val="1800"/>
+              <a:buChar char="●"/>
+            </a:pPr>
+            <a:r>
+              <a:rPr lang="fr" sz="1800"/>
+              <a:t>Go back to register form with error message</a:t>
+            </a:r>
+            <a:endParaRPr sz="1800"/>
+          </a:p>
+          <a:p>
+            <a:pPr indent="-342900" lvl="1" marL="914400" rtl="0" algn="l">
+              <a:spcBef>
+                <a:spcPts val="0"/>
+              </a:spcBef>
+              <a:spcAft>
+                <a:spcPts val="0"/>
+              </a:spcAft>
+              <a:buSzPts val="1800"/>
+              <a:buChar char="○"/>
+            </a:pPr>
+            <a:r>
+              <a:rPr lang="fr" sz="1800"/>
+              <a:t>Go to </a:t>
+            </a:r>
+            <a:r>
+              <a:rPr b="1" lang="fr" sz="1800"/>
+              <a:t>register </a:t>
+            </a:r>
+            <a:r>
+              <a:rPr lang="fr" sz="1800"/>
+              <a:t>page</a:t>
+            </a:r>
+            <a:endParaRPr sz="1800"/>
+          </a:p>
+          <a:p>
+            <a:pPr indent="-342900" lvl="0" marL="457200" rtl="0" algn="l">
+              <a:spcBef>
+                <a:spcPts val="0"/>
+              </a:spcBef>
+              <a:spcAft>
+                <a:spcPts val="0"/>
+              </a:spcAft>
+              <a:buSzPts val="1800"/>
+              <a:buChar char="●"/>
+            </a:pPr>
+            <a:r>
+              <a:rPr lang="fr"/>
+              <a:t>ELSE field values are invalid, display </a:t>
+            </a:r>
+            <a:r>
+              <a:rPr b="1" lang="fr"/>
+              <a:t>register </a:t>
+            </a:r>
+            <a:r>
+              <a:rPr lang="fr"/>
+              <a:t>form with error message</a:t>
+            </a:r>
+            <a:endParaRPr sz="1800"/>
+          </a:p>
+          <a:p>
+            <a:pPr indent="0" lvl="0" marL="1371600" rtl="0" algn="l">
+              <a:spcBef>
+                <a:spcPts val="1600"/>
+              </a:spcBef>
+              <a:spcAft>
+                <a:spcPts val="0"/>
+              </a:spcAft>
+              <a:buNone/>
+            </a:pPr>
+            <a:r>
+              <a:t/>
+            </a:r>
+            <a:endParaRPr sz="1800"/>
+          </a:p>
+          <a:p>
+            <a:pPr indent="0" lvl="0" marL="457200" rtl="0" algn="l">
+              <a:spcBef>
+                <a:spcPts val="1600"/>
+              </a:spcBef>
+              <a:spcAft>
+                <a:spcPts val="0"/>
+              </a:spcAft>
+              <a:buNone/>
+            </a:pPr>
+            <a:r>
+              <a:t/>
+            </a:r>
+            <a:endParaRPr b="1" u="sng"/>
+          </a:p>
+          <a:p>
+            <a:pPr indent="0" lvl="0" marL="914400" rtl="0" algn="l">
+              <a:spcBef>
+                <a:spcPts val="1600"/>
+              </a:spcBef>
+              <a:spcAft>
+                <a:spcPts val="1600"/>
+              </a:spcAft>
+              <a:buNone/>
+            </a:pPr>
+            <a:r>
+              <a:t/>
+            </a:r>
+            <a:endParaRPr/>
+          </a:p>
+        </p:txBody>
+      </p:sp>
+    </p:spTree>
+  </p:cSld>
+  <p:clrMapOvr>
+    <a:masterClrMapping/>
+  </p:clrMapOvr>
+</p:sld>
+</file>
+
+<file path=ppt/slides/slide9.xml><?xml version="1.0" encoding="utf-8"?>
+<p:sld xmlns:a="http://schemas.openxmlformats.org/drawingml/2006/main" xmlns:r="http://schemas.openxmlformats.org/officeDocument/2006/relationships" xmlns:mc="http://schemas.openxmlformats.org/markup-compatibility/2006" xmlns:mv="urn:schemas-microsoft-com:mac:vml" xmlns:p="http://schemas.openxmlformats.org/presentationml/2006/main" xmlns:c="http://schemas.openxmlformats.org/drawingml/2006/chart" xmlns:dgm="http://schemas.openxmlformats.org/drawingml/2006/diagram" xmlns:o="urn:schemas-microsoft-com:office:office" xmlns:v="urn:schemas-microsoft-com:vml" xmlns:pvml="urn:schemas-microsoft-com:office:powerpoint" xmlns:com="http://schemas.openxmlformats.org/drawingml/2006/compatibility" xmlns:p14="http://schemas.microsoft.com/office/powerpoint/2010/main" xmlns:p15="http://schemas.microsoft.com/office/powerpoint/2012/main">
+  <p:cSld>
+    <p:spTree>
+      <p:nvGrpSpPr>
+        <p:cNvPr id="98" name="Shape 98"/>
+        <p:cNvGrpSpPr/>
+        <p:nvPr/>
+      </p:nvGrpSpPr>
+      <p:grpSpPr>
+        <a:xfrm>
+          <a:off x="0" y="0"/>
+          <a:ext cx="0" cy="0"/>
+          <a:chOff x="0" y="0"/>
+          <a:chExt cx="0" cy="0"/>
+        </a:xfrm>
+      </p:grpSpPr>
+      <p:sp>
+        <p:nvSpPr>
+          <p:cNvPr id="99" name="Google Shape;99;p21"/>
           <p:cNvSpPr txBox="1"/>
           <p:nvPr>
             <p:ph idx="1" type="body"/>
@@ -6973,642 +10127,11 @@
                 <a:spcPts val="0"/>
               </a:spcAft>
               <a:buSzPts val="2400"/>
-              <a:buAutoNum type="arabicPeriod" startAt="5"/>
+              <a:buAutoNum type="arabicPeriod" startAt="4"/>
             </a:pPr>
             <a:r>
               <a:rPr b="1" lang="fr" sz="2400"/>
-              <a:t>Patient profile lookup</a:t>
-            </a:r>
-            <a:endParaRPr b="1" sz="2400"/>
-          </a:p>
-        </p:txBody>
-      </p:sp>
-    </p:spTree>
-  </p:cSld>
-  <p:clrMapOvr>
-    <a:masterClrMapping/>
-  </p:clrMapOvr>
-</p:sld>
-</file>
-
-<file path=ppt/slides/slide7.xml><?xml version="1.0" encoding="utf-8"?>
-<p:sld xmlns:a="http://schemas.openxmlformats.org/drawingml/2006/main" xmlns:r="http://schemas.openxmlformats.org/officeDocument/2006/relationships" xmlns:mc="http://schemas.openxmlformats.org/markup-compatibility/2006" xmlns:mv="urn:schemas-microsoft-com:mac:vml" xmlns:p="http://schemas.openxmlformats.org/presentationml/2006/main" xmlns:c="http://schemas.openxmlformats.org/drawingml/2006/chart" xmlns:dgm="http://schemas.openxmlformats.org/drawingml/2006/diagram" xmlns:o="urn:schemas-microsoft-com:office:office" xmlns:v="urn:schemas-microsoft-com:vml" xmlns:pvml="urn:schemas-microsoft-com:office:powerpoint" xmlns:com="http://schemas.openxmlformats.org/drawingml/2006/compatibility" xmlns:p14="http://schemas.microsoft.com/office/powerpoint/2010/main" xmlns:p15="http://schemas.microsoft.com/office/powerpoint/2012/main">
-  <p:cSld>
-    <p:spTree>
-      <p:nvGrpSpPr>
-        <p:cNvPr id="84" name="Shape 84"/>
-        <p:cNvGrpSpPr/>
-        <p:nvPr/>
-      </p:nvGrpSpPr>
-      <p:grpSpPr>
-        <a:xfrm>
-          <a:off x="0" y="0"/>
-          <a:ext cx="0" cy="0"/>
-          <a:chOff x="0" y="0"/>
-          <a:chExt cx="0" cy="0"/>
-        </a:xfrm>
-      </p:grpSpPr>
-      <p:sp>
-        <p:nvSpPr>
-          <p:cNvPr id="85" name="Google Shape;85;p19"/>
-          <p:cNvSpPr txBox="1"/>
-          <p:nvPr>
-            <p:ph type="title"/>
-          </p:nvPr>
-        </p:nvSpPr>
-        <p:spPr>
-          <a:xfrm>
-            <a:off x="311700" y="-88375"/>
-            <a:ext cx="8520600" cy="572700"/>
-          </a:xfrm>
-          <a:prstGeom prst="rect">
-            <a:avLst/>
-          </a:prstGeom>
-        </p:spPr>
-        <p:txBody>
-          <a:bodyPr anchorCtr="0" anchor="t" bIns="91425" lIns="91425" spcFirstLastPara="1" rIns="91425" wrap="square" tIns="91425">
-            <a:noAutofit/>
-          </a:bodyPr>
-          <a:lstStyle/>
-          <a:p>
-            <a:pPr indent="0" lvl="0" marL="0" rtl="0" algn="l">
-              <a:spcBef>
-                <a:spcPts val="0"/>
-              </a:spcBef>
-              <a:spcAft>
-                <a:spcPts val="0"/>
-              </a:spcAft>
-              <a:buNone/>
-            </a:pPr>
-            <a:r>
-              <a:rPr lang="fr"/>
-              <a:t>Abstract Code - </a:t>
-            </a:r>
-            <a:r>
-              <a:rPr lang="fr"/>
-              <a:t>Patient profile lookup</a:t>
-            </a:r>
-            <a:endParaRPr/>
-          </a:p>
-        </p:txBody>
-      </p:sp>
-      <p:sp>
-        <p:nvSpPr>
-          <p:cNvPr id="86" name="Google Shape;86;p19"/>
-          <p:cNvSpPr txBox="1"/>
-          <p:nvPr>
-            <p:ph idx="1" type="body"/>
-          </p:nvPr>
-        </p:nvSpPr>
-        <p:spPr>
-          <a:xfrm>
-            <a:off x="311700" y="390475"/>
-            <a:ext cx="8520600" cy="4570200"/>
-          </a:xfrm>
-          <a:prstGeom prst="rect">
-            <a:avLst/>
-          </a:prstGeom>
-        </p:spPr>
-        <p:txBody>
-          <a:bodyPr anchorCtr="0" anchor="t" bIns="91425" lIns="91425" spcFirstLastPara="1" rIns="91425" wrap="square" tIns="91425">
-            <a:noAutofit/>
-          </a:bodyPr>
-          <a:lstStyle/>
-          <a:p>
-            <a:pPr indent="0" lvl="0" marL="0" rtl="0" algn="l">
-              <a:spcBef>
-                <a:spcPts val="0"/>
-              </a:spcBef>
-              <a:spcAft>
-                <a:spcPts val="0"/>
-              </a:spcAft>
-              <a:buNone/>
-            </a:pPr>
-            <a:r>
-              <a:rPr b="1" lang="fr" u="sng"/>
-              <a:t>Task d</a:t>
-            </a:r>
-            <a:r>
-              <a:rPr b="1" lang="fr" u="sng"/>
-              <a:t>ecomposition flow</a:t>
-            </a:r>
-            <a:endParaRPr b="1" u="sng"/>
-          </a:p>
-          <a:p>
-            <a:pPr indent="-342900" lvl="0" marL="457200" rtl="0" algn="l">
-              <a:spcBef>
-                <a:spcPts val="1600"/>
-              </a:spcBef>
-              <a:spcAft>
-                <a:spcPts val="0"/>
-              </a:spcAft>
-              <a:buSzPts val="1800"/>
-              <a:buChar char="●"/>
-            </a:pPr>
-            <a:r>
-              <a:rPr lang="fr"/>
-              <a:t>Lookup the database to verify whether patient exists (based on </a:t>
-            </a:r>
-            <a:r>
-              <a:rPr lang="fr"/>
-              <a:t>HealthCardNr</a:t>
-            </a:r>
-            <a:r>
-              <a:rPr lang="fr"/>
-              <a:t>)</a:t>
-            </a:r>
-            <a:endParaRPr/>
-          </a:p>
-          <a:p>
-            <a:pPr indent="-342900" lvl="0" marL="457200" rtl="0" algn="l">
-              <a:spcBef>
-                <a:spcPts val="0"/>
-              </a:spcBef>
-              <a:spcAft>
-                <a:spcPts val="0"/>
-              </a:spcAft>
-              <a:buSzPts val="1800"/>
-              <a:buChar char="●"/>
-            </a:pPr>
-            <a:r>
-              <a:rPr lang="fr"/>
-              <a:t>Requires HealthCardNr</a:t>
-            </a:r>
-            <a:endParaRPr/>
-          </a:p>
-          <a:p>
-            <a:pPr indent="-342900" lvl="0" marL="457200" rtl="0" algn="l">
-              <a:spcBef>
-                <a:spcPts val="0"/>
-              </a:spcBef>
-              <a:spcAft>
-                <a:spcPts val="0"/>
-              </a:spcAft>
-              <a:buSzPts val="1800"/>
-              <a:buChar char="●"/>
-            </a:pPr>
-            <a:r>
-              <a:rPr lang="fr"/>
-              <a:t>Confirm that user has been found in the database</a:t>
-            </a:r>
-            <a:endParaRPr/>
-          </a:p>
-          <a:p>
-            <a:pPr indent="-342900" lvl="0" marL="457200" rtl="0" algn="l">
-              <a:spcBef>
-                <a:spcPts val="0"/>
-              </a:spcBef>
-              <a:spcAft>
-                <a:spcPts val="0"/>
-              </a:spcAft>
-              <a:buSzPts val="1800"/>
-              <a:buChar char="●"/>
-            </a:pPr>
-            <a:r>
-              <a:rPr lang="fr"/>
-              <a:t>Same frequency (1 search at a time)</a:t>
-            </a:r>
-            <a:endParaRPr/>
-          </a:p>
-          <a:p>
-            <a:pPr indent="-342900" lvl="0" marL="457200" rtl="0" algn="l">
-              <a:spcBef>
-                <a:spcPts val="0"/>
-              </a:spcBef>
-              <a:spcAft>
-                <a:spcPts val="0"/>
-              </a:spcAft>
-              <a:buSzPts val="1800"/>
-              <a:buChar char="●"/>
-            </a:pPr>
-            <a:r>
-              <a:rPr lang="fr"/>
-              <a:t>Consistency is key</a:t>
-            </a:r>
-            <a:endParaRPr/>
-          </a:p>
-          <a:p>
-            <a:pPr indent="-342900" lvl="0" marL="457200" rtl="0" algn="l">
-              <a:spcBef>
-                <a:spcPts val="0"/>
-              </a:spcBef>
-              <a:spcAft>
-                <a:spcPts val="0"/>
-              </a:spcAft>
-              <a:buSzPts val="1800"/>
-              <a:buChar char="●"/>
-            </a:pPr>
-            <a:r>
-              <a:rPr lang="fr"/>
-              <a:t>No Mother Task Needed</a:t>
-            </a:r>
-            <a:endParaRPr/>
-          </a:p>
-          <a:p>
-            <a:pPr indent="0" lvl="0" marL="914400" rtl="0" algn="l">
-              <a:spcBef>
-                <a:spcPts val="1600"/>
-              </a:spcBef>
-              <a:spcAft>
-                <a:spcPts val="1600"/>
-              </a:spcAft>
-              <a:buNone/>
-            </a:pPr>
-            <a:r>
-              <a:t/>
-            </a:r>
-            <a:endParaRPr/>
-          </a:p>
-        </p:txBody>
-      </p:sp>
-    </p:spTree>
-  </p:cSld>
-  <p:clrMapOvr>
-    <a:masterClrMapping/>
-  </p:clrMapOvr>
-</p:sld>
-</file>
-
-<file path=ppt/slides/slide8.xml><?xml version="1.0" encoding="utf-8"?>
-<p:sld xmlns:a="http://schemas.openxmlformats.org/drawingml/2006/main" xmlns:r="http://schemas.openxmlformats.org/officeDocument/2006/relationships" xmlns:mc="http://schemas.openxmlformats.org/markup-compatibility/2006" xmlns:mv="urn:schemas-microsoft-com:mac:vml" xmlns:p="http://schemas.openxmlformats.org/presentationml/2006/main" xmlns:c="http://schemas.openxmlformats.org/drawingml/2006/chart" xmlns:dgm="http://schemas.openxmlformats.org/drawingml/2006/diagram" xmlns:o="urn:schemas-microsoft-com:office:office" xmlns:v="urn:schemas-microsoft-com:vml" xmlns:pvml="urn:schemas-microsoft-com:office:powerpoint" xmlns:com="http://schemas.openxmlformats.org/drawingml/2006/compatibility" xmlns:p14="http://schemas.microsoft.com/office/powerpoint/2010/main" xmlns:p15="http://schemas.microsoft.com/office/powerpoint/2012/main">
-  <p:cSld>
-    <p:spTree>
-      <p:nvGrpSpPr>
-        <p:cNvPr id="90" name="Shape 90"/>
-        <p:cNvGrpSpPr/>
-        <p:nvPr/>
-      </p:nvGrpSpPr>
-      <p:grpSpPr>
-        <a:xfrm>
-          <a:off x="0" y="0"/>
-          <a:ext cx="0" cy="0"/>
-          <a:chOff x="0" y="0"/>
-          <a:chExt cx="0" cy="0"/>
-        </a:xfrm>
-      </p:grpSpPr>
-      <p:sp>
-        <p:nvSpPr>
-          <p:cNvPr id="91" name="Google Shape;91;p20"/>
-          <p:cNvSpPr txBox="1"/>
-          <p:nvPr>
-            <p:ph type="title"/>
-          </p:nvPr>
-        </p:nvSpPr>
-        <p:spPr>
-          <a:xfrm>
-            <a:off x="311700" y="-88375"/>
-            <a:ext cx="8520600" cy="572700"/>
-          </a:xfrm>
-          <a:prstGeom prst="rect">
-            <a:avLst/>
-          </a:prstGeom>
-        </p:spPr>
-        <p:txBody>
-          <a:bodyPr anchorCtr="0" anchor="t" bIns="91425" lIns="91425" spcFirstLastPara="1" rIns="91425" wrap="square" tIns="91425">
-            <a:noAutofit/>
-          </a:bodyPr>
-          <a:lstStyle/>
-          <a:p>
-            <a:pPr indent="0" lvl="0" marL="0" rtl="0" algn="l">
-              <a:spcBef>
-                <a:spcPts val="0"/>
-              </a:spcBef>
-              <a:spcAft>
-                <a:spcPts val="0"/>
-              </a:spcAft>
-              <a:buClr>
-                <a:schemeClr val="dk1"/>
-              </a:buClr>
-              <a:buSzPts val="1100"/>
-              <a:buFont typeface="Arial"/>
-              <a:buNone/>
-            </a:pPr>
-            <a:r>
-              <a:rPr lang="fr"/>
-              <a:t>Abstract Code - Patient profile lookup</a:t>
-            </a:r>
-            <a:endParaRPr/>
-          </a:p>
-          <a:p>
-            <a:pPr indent="0" lvl="0" marL="0" rtl="0" algn="l">
-              <a:spcBef>
-                <a:spcPts val="0"/>
-              </a:spcBef>
-              <a:spcAft>
-                <a:spcPts val="0"/>
-              </a:spcAft>
-              <a:buNone/>
-            </a:pPr>
-            <a:r>
-              <a:t/>
-            </a:r>
-            <a:endParaRPr/>
-          </a:p>
-        </p:txBody>
-      </p:sp>
-      <p:sp>
-        <p:nvSpPr>
-          <p:cNvPr id="92" name="Google Shape;92;p20"/>
-          <p:cNvSpPr txBox="1"/>
-          <p:nvPr>
-            <p:ph idx="1" type="body"/>
-          </p:nvPr>
-        </p:nvSpPr>
-        <p:spPr>
-          <a:xfrm>
-            <a:off x="311700" y="390475"/>
-            <a:ext cx="8520600" cy="4570200"/>
-          </a:xfrm>
-          <a:prstGeom prst="rect">
-            <a:avLst/>
-          </a:prstGeom>
-        </p:spPr>
-        <p:txBody>
-          <a:bodyPr anchorCtr="0" anchor="t" bIns="91425" lIns="91425" spcFirstLastPara="1" rIns="91425" wrap="square" tIns="91425">
-            <a:noAutofit/>
-          </a:bodyPr>
-          <a:lstStyle/>
-          <a:p>
-            <a:pPr indent="0" lvl="0" marL="0" rtl="0" algn="l">
-              <a:spcBef>
-                <a:spcPts val="0"/>
-              </a:spcBef>
-              <a:spcAft>
-                <a:spcPts val="0"/>
-              </a:spcAft>
-              <a:buNone/>
-            </a:pPr>
-            <a:r>
-              <a:rPr b="1" lang="fr" u="sng"/>
-              <a:t>Abstract Code</a:t>
-            </a:r>
-            <a:endParaRPr b="1" u="sng"/>
-          </a:p>
-          <a:p>
-            <a:pPr indent="-342900" lvl="0" marL="457200" rtl="0" algn="l">
-              <a:spcBef>
-                <a:spcPts val="1600"/>
-              </a:spcBef>
-              <a:spcAft>
-                <a:spcPts val="0"/>
-              </a:spcAft>
-              <a:buSzPts val="1800"/>
-              <a:buChar char="●"/>
-            </a:pPr>
-            <a:r>
-              <a:rPr lang="fr"/>
-              <a:t>User enters HealthCardNr input field. </a:t>
-            </a:r>
-            <a:endParaRPr/>
-          </a:p>
-          <a:p>
-            <a:pPr indent="-342900" lvl="0" marL="457200" rtl="0" algn="l">
-              <a:spcBef>
-                <a:spcPts val="0"/>
-              </a:spcBef>
-              <a:spcAft>
-                <a:spcPts val="0"/>
-              </a:spcAft>
-              <a:buSzPts val="1800"/>
-              <a:buChar char="●"/>
-            </a:pPr>
-            <a:r>
-              <a:rPr lang="fr"/>
-              <a:t>IF input field NOT empty AND do not contain any invalid characters THEN:</a:t>
-            </a:r>
-            <a:endParaRPr/>
-          </a:p>
-          <a:p>
-            <a:pPr indent="-342900" lvl="1" marL="914400" rtl="0" algn="l">
-              <a:spcBef>
-                <a:spcPts val="0"/>
-              </a:spcBef>
-              <a:spcAft>
-                <a:spcPts val="0"/>
-              </a:spcAft>
-              <a:buSzPts val="1800"/>
-              <a:buChar char="○"/>
-            </a:pPr>
-            <a:r>
-              <a:rPr lang="fr" sz="1800"/>
-              <a:t>When SEARCH button is clicked:</a:t>
-            </a:r>
-            <a:endParaRPr sz="1800"/>
-          </a:p>
-          <a:p>
-            <a:pPr indent="-342900" lvl="2" marL="1371600" rtl="0" algn="l">
-              <a:spcBef>
-                <a:spcPts val="0"/>
-              </a:spcBef>
-              <a:spcAft>
-                <a:spcPts val="0"/>
-              </a:spcAft>
-              <a:buSzPts val="1800"/>
-              <a:buChar char="■"/>
-            </a:pPr>
-            <a:r>
-              <a:rPr lang="fr" sz="1800"/>
-              <a:t>IF HealthCardNr is found then:</a:t>
-            </a:r>
-            <a:endParaRPr sz="1800"/>
-          </a:p>
-          <a:p>
-            <a:pPr indent="-342900" lvl="3" marL="1828800" rtl="0" algn="l">
-              <a:spcBef>
-                <a:spcPts val="0"/>
-              </a:spcBef>
-              <a:spcAft>
-                <a:spcPts val="0"/>
-              </a:spcAft>
-              <a:buSzPts val="1800"/>
-              <a:buChar char="●"/>
-            </a:pPr>
-            <a:r>
-              <a:rPr lang="fr" sz="1800"/>
-              <a:t>Redirect to patient profile page</a:t>
-            </a:r>
-            <a:endParaRPr sz="1800"/>
-          </a:p>
-          <a:p>
-            <a:pPr indent="-342900" lvl="2" marL="1371600" rtl="0" algn="l">
-              <a:spcBef>
-                <a:spcPts val="0"/>
-              </a:spcBef>
-              <a:spcAft>
-                <a:spcPts val="0"/>
-              </a:spcAft>
-              <a:buSzPts val="1800"/>
-              <a:buChar char="■"/>
-            </a:pPr>
-            <a:r>
-              <a:rPr lang="fr" sz="1800"/>
-              <a:t>ELSE </a:t>
-            </a:r>
-            <a:endParaRPr sz="1800"/>
-          </a:p>
-          <a:p>
-            <a:pPr indent="-342900" lvl="3" marL="1828800" rtl="0" algn="l">
-              <a:spcBef>
-                <a:spcPts val="0"/>
-              </a:spcBef>
-              <a:spcAft>
-                <a:spcPts val="0"/>
-              </a:spcAft>
-              <a:buSzPts val="1800"/>
-              <a:buChar char="●"/>
-            </a:pPr>
-            <a:r>
-              <a:rPr lang="fr" sz="1800"/>
-              <a:t>G</a:t>
-            </a:r>
-            <a:r>
-              <a:rPr lang="fr" sz="1800"/>
-              <a:t>o back to search form with error message</a:t>
-            </a:r>
-            <a:endParaRPr sz="1800"/>
-          </a:p>
-          <a:p>
-            <a:pPr indent="-342900" lvl="1" marL="914400" rtl="0" algn="l">
-              <a:spcBef>
-                <a:spcPts val="0"/>
-              </a:spcBef>
-              <a:spcAft>
-                <a:spcPts val="0"/>
-              </a:spcAft>
-              <a:buSzPts val="1800"/>
-              <a:buChar char="○"/>
-            </a:pPr>
-            <a:r>
-              <a:rPr lang="fr" sz="1800"/>
-              <a:t>Go to profile page</a:t>
-            </a:r>
-            <a:endParaRPr sz="1800"/>
-          </a:p>
-          <a:p>
-            <a:pPr indent="-342900" lvl="0" marL="457200" rtl="0" algn="l">
-              <a:spcBef>
-                <a:spcPts val="0"/>
-              </a:spcBef>
-              <a:spcAft>
-                <a:spcPts val="0"/>
-              </a:spcAft>
-              <a:buSzPts val="1800"/>
-              <a:buChar char="●"/>
-            </a:pPr>
-            <a:r>
-              <a:rPr lang="fr"/>
-              <a:t>ELSE field values are invalid, display search form with error message</a:t>
-            </a:r>
-            <a:endParaRPr sz="1800"/>
-          </a:p>
-          <a:p>
-            <a:pPr indent="0" lvl="0" marL="1371600" rtl="0" algn="l">
-              <a:spcBef>
-                <a:spcPts val="1600"/>
-              </a:spcBef>
-              <a:spcAft>
-                <a:spcPts val="0"/>
-              </a:spcAft>
-              <a:buNone/>
-            </a:pPr>
-            <a:r>
-              <a:t/>
-            </a:r>
-            <a:endParaRPr sz="1800"/>
-          </a:p>
-          <a:p>
-            <a:pPr indent="0" lvl="0" marL="457200" rtl="0" algn="l">
-              <a:spcBef>
-                <a:spcPts val="1600"/>
-              </a:spcBef>
-              <a:spcAft>
-                <a:spcPts val="0"/>
-              </a:spcAft>
-              <a:buNone/>
-            </a:pPr>
-            <a:r>
-              <a:t/>
-            </a:r>
-            <a:endParaRPr b="1" u="sng"/>
-          </a:p>
-          <a:p>
-            <a:pPr indent="0" lvl="0" marL="914400" rtl="0" algn="l">
-              <a:spcBef>
-                <a:spcPts val="1600"/>
-              </a:spcBef>
-              <a:spcAft>
-                <a:spcPts val="1600"/>
-              </a:spcAft>
-              <a:buNone/>
-            </a:pPr>
-            <a:r>
-              <a:t/>
-            </a:r>
-            <a:endParaRPr/>
-          </a:p>
-        </p:txBody>
-      </p:sp>
-    </p:spTree>
-  </p:cSld>
-  <p:clrMapOvr>
-    <a:masterClrMapping/>
-  </p:clrMapOvr>
-</p:sld>
-</file>
-
-<file path=ppt/slides/slide9.xml><?xml version="1.0" encoding="utf-8"?>
-<p:sld xmlns:a="http://schemas.openxmlformats.org/drawingml/2006/main" xmlns:r="http://schemas.openxmlformats.org/officeDocument/2006/relationships" xmlns:mc="http://schemas.openxmlformats.org/markup-compatibility/2006" xmlns:mv="urn:schemas-microsoft-com:mac:vml" xmlns:p="http://schemas.openxmlformats.org/presentationml/2006/main" xmlns:c="http://schemas.openxmlformats.org/drawingml/2006/chart" xmlns:dgm="http://schemas.openxmlformats.org/drawingml/2006/diagram" xmlns:o="urn:schemas-microsoft-com:office:office" xmlns:v="urn:schemas-microsoft-com:vml" xmlns:pvml="urn:schemas-microsoft-com:office:powerpoint" xmlns:com="http://schemas.openxmlformats.org/drawingml/2006/compatibility" xmlns:p14="http://schemas.microsoft.com/office/powerpoint/2010/main" xmlns:p15="http://schemas.microsoft.com/office/powerpoint/2012/main">
-  <p:cSld>
-    <p:spTree>
-      <p:nvGrpSpPr>
-        <p:cNvPr id="96" name="Shape 96"/>
-        <p:cNvGrpSpPr/>
-        <p:nvPr/>
-      </p:nvGrpSpPr>
-      <p:grpSpPr>
-        <a:xfrm>
-          <a:off x="0" y="0"/>
-          <a:ext cx="0" cy="0"/>
-          <a:chOff x="0" y="0"/>
-          <a:chExt cx="0" cy="0"/>
-        </a:xfrm>
-      </p:grpSpPr>
-      <p:sp>
-        <p:nvSpPr>
-          <p:cNvPr id="97" name="Google Shape;97;p21"/>
-          <p:cNvSpPr txBox="1"/>
-          <p:nvPr>
-            <p:ph idx="1" type="body"/>
-          </p:nvPr>
-        </p:nvSpPr>
-        <p:spPr>
-          <a:xfrm>
-            <a:off x="311700" y="619075"/>
-            <a:ext cx="8520600" cy="3416400"/>
-          </a:xfrm>
-          <a:prstGeom prst="rect">
-            <a:avLst/>
-          </a:prstGeom>
-        </p:spPr>
-        <p:txBody>
-          <a:bodyPr anchorCtr="0" anchor="ctr" bIns="91425" lIns="91425" spcFirstLastPara="1" rIns="91425" wrap="square" tIns="91425">
-            <a:noAutofit/>
-          </a:bodyPr>
-          <a:lstStyle/>
-          <a:p>
-            <a:pPr indent="-381000" lvl="0" marL="457200" rtl="0" algn="ctr">
-              <a:spcBef>
-                <a:spcPts val="0"/>
-              </a:spcBef>
-              <a:spcAft>
-                <a:spcPts val="0"/>
-              </a:spcAft>
-              <a:buSzPts val="2400"/>
-              <a:buAutoNum type="arabicPeriod" startAt="6"/>
-            </a:pPr>
-            <a:r>
-              <a:rPr b="1" lang="fr" sz="2400"/>
-              <a:t>Patient detail entry</a:t>
+              <a:t>Care provider login</a:t>
             </a:r>
             <a:endParaRPr b="1" sz="2400"/>
           </a:p>

--- a/diagrams/phase2/FS1030 - Phase 2 - Abstract SQL.pptx
+++ b/diagrams/phase2/FS1030 - Phase 2 - Abstract SQL.pptx
@@ -1,34 +1,36 @@
 
 <file path=ppt/presentation.xml><?xml version="1.0" encoding="utf-8"?>
-<p:presentation xmlns:a="http://schemas.openxmlformats.org/drawingml/2006/main" xmlns:r="http://schemas.openxmlformats.org/officeDocument/2006/relationships" xmlns:mc="http://schemas.openxmlformats.org/markup-compatibility/2006" xmlns:mv="urn:schemas-microsoft-com:mac:vml" xmlns:p="http://schemas.openxmlformats.org/presentationml/2006/main" xmlns:c="http://schemas.openxmlformats.org/drawingml/2006/chart" xmlns:dgm="http://schemas.openxmlformats.org/drawingml/2006/diagram" xmlns:o="urn:schemas-microsoft-com:office:office" xmlns:v="urn:schemas-microsoft-com:vml" xmlns:pvml="urn:schemas-microsoft-com:office:powerpoint" xmlns:com="http://schemas.openxmlformats.org/drawingml/2006/compatibility" xmlns:p14="http://schemas.microsoft.com/office/powerpoint/2010/main" xmlns:p15="http://schemas.microsoft.com/office/powerpoint/2012/main" autoCompressPictures="0" strictFirstAndLastChars="0" saveSubsetFonts="1">
+<p:presentation xmlns:a="http://schemas.openxmlformats.org/drawingml/2006/main" xmlns:r="http://schemas.openxmlformats.org/officeDocument/2006/relationships" xmlns:p="http://schemas.openxmlformats.org/presentationml/2006/main" strictFirstAndLastChars="0" saveSubsetFonts="1" autoCompressPictures="0">
   <p:sldMasterIdLst>
-    <p:sldMasterId id="2147483659" r:id="rId4"/>
+    <p:sldMasterId id="2147483659" r:id="rId1"/>
   </p:sldMasterIdLst>
   <p:notesMasterIdLst>
-    <p:notesMasterId r:id="rId5"/>
+    <p:notesMasterId r:id="rId20"/>
   </p:notesMasterIdLst>
   <p:sldIdLst>
-    <p:sldId id="256" r:id="rId6"/>
-    <p:sldId id="257" r:id="rId7"/>
-    <p:sldId id="258" r:id="rId8"/>
-    <p:sldId id="259" r:id="rId9"/>
-    <p:sldId id="260" r:id="rId10"/>
-    <p:sldId id="261" r:id="rId11"/>
-    <p:sldId id="262" r:id="rId12"/>
-    <p:sldId id="263" r:id="rId13"/>
-    <p:sldId id="264" r:id="rId14"/>
-    <p:sldId id="265" r:id="rId15"/>
-    <p:sldId id="266" r:id="rId16"/>
-    <p:sldId id="267" r:id="rId17"/>
-    <p:sldId id="268" r:id="rId18"/>
-    <p:sldId id="269" r:id="rId19"/>
-    <p:sldId id="270" r:id="rId20"/>
-    <p:sldId id="271" r:id="rId21"/>
+    <p:sldId id="256" r:id="rId2"/>
+    <p:sldId id="257" r:id="rId3"/>
+    <p:sldId id="258" r:id="rId4"/>
+    <p:sldId id="259" r:id="rId5"/>
+    <p:sldId id="260" r:id="rId6"/>
+    <p:sldId id="261" r:id="rId7"/>
+    <p:sldId id="262" r:id="rId8"/>
+    <p:sldId id="263" r:id="rId9"/>
+    <p:sldId id="264" r:id="rId10"/>
+    <p:sldId id="265" r:id="rId11"/>
+    <p:sldId id="266" r:id="rId12"/>
+    <p:sldId id="267" r:id="rId13"/>
+    <p:sldId id="268" r:id="rId14"/>
+    <p:sldId id="269" r:id="rId15"/>
+    <p:sldId id="270" r:id="rId16"/>
+    <p:sldId id="273" r:id="rId17"/>
+    <p:sldId id="271" r:id="rId18"/>
+    <p:sldId id="272" r:id="rId19"/>
   </p:sldIdLst>
-  <p:sldSz cy="5143500" cx="9144000"/>
+  <p:sldSz cx="9144000" cy="5143500" type="screen16x9"/>
   <p:notesSz cx="6858000" cy="9144000"/>
   <p:defaultTextStyle>
-    <a:defPPr lvl="0" marR="0" rtl="0" algn="l">
+    <a:defPPr marR="0" lvl="0" algn="l" rtl="0">
       <a:lnSpc>
         <a:spcPct val="100000"/>
       </a:lnSpc>
@@ -39,7 +41,7 @@
         <a:spcPts val="0"/>
       </a:spcAft>
     </a:defPPr>
-    <a:lvl1pPr lvl="0" marR="0" rtl="0" algn="l">
+    <a:lvl1pPr marR="0" lvl="0" algn="l" rtl="0">
       <a:lnSpc>
         <a:spcPct val="100000"/>
       </a:lnSpc>
@@ -53,7 +55,7 @@
         <a:srgbClr val="000000"/>
       </a:buClr>
       <a:buFont typeface="Arial"/>
-      <a:defRPr b="0" i="0" sz="1400" u="none" cap="none" strike="noStrike">
+      <a:defRPr sz="1400" b="0" i="0" u="none" strike="noStrike" cap="none">
         <a:solidFill>
           <a:srgbClr val="000000"/>
         </a:solidFill>
@@ -63,7 +65,7 @@
         <a:sym typeface="Arial"/>
       </a:defRPr>
     </a:lvl1pPr>
-    <a:lvl2pPr lvl="1" marR="0" rtl="0" algn="l">
+    <a:lvl2pPr marR="0" lvl="1" algn="l" rtl="0">
       <a:lnSpc>
         <a:spcPct val="100000"/>
       </a:lnSpc>
@@ -77,7 +79,7 @@
         <a:srgbClr val="000000"/>
       </a:buClr>
       <a:buFont typeface="Arial"/>
-      <a:defRPr b="0" i="0" sz="1400" u="none" cap="none" strike="noStrike">
+      <a:defRPr sz="1400" b="0" i="0" u="none" strike="noStrike" cap="none">
         <a:solidFill>
           <a:srgbClr val="000000"/>
         </a:solidFill>
@@ -87,7 +89,7 @@
         <a:sym typeface="Arial"/>
       </a:defRPr>
     </a:lvl2pPr>
-    <a:lvl3pPr lvl="2" marR="0" rtl="0" algn="l">
+    <a:lvl3pPr marR="0" lvl="2" algn="l" rtl="0">
       <a:lnSpc>
         <a:spcPct val="100000"/>
       </a:lnSpc>
@@ -101,7 +103,7 @@
         <a:srgbClr val="000000"/>
       </a:buClr>
       <a:buFont typeface="Arial"/>
-      <a:defRPr b="0" i="0" sz="1400" u="none" cap="none" strike="noStrike">
+      <a:defRPr sz="1400" b="0" i="0" u="none" strike="noStrike" cap="none">
         <a:solidFill>
           <a:srgbClr val="000000"/>
         </a:solidFill>
@@ -111,7 +113,7 @@
         <a:sym typeface="Arial"/>
       </a:defRPr>
     </a:lvl3pPr>
-    <a:lvl4pPr lvl="3" marR="0" rtl="0" algn="l">
+    <a:lvl4pPr marR="0" lvl="3" algn="l" rtl="0">
       <a:lnSpc>
         <a:spcPct val="100000"/>
       </a:lnSpc>
@@ -125,7 +127,7 @@
         <a:srgbClr val="000000"/>
       </a:buClr>
       <a:buFont typeface="Arial"/>
-      <a:defRPr b="0" i="0" sz="1400" u="none" cap="none" strike="noStrike">
+      <a:defRPr sz="1400" b="0" i="0" u="none" strike="noStrike" cap="none">
         <a:solidFill>
           <a:srgbClr val="000000"/>
         </a:solidFill>
@@ -135,7 +137,7 @@
         <a:sym typeface="Arial"/>
       </a:defRPr>
     </a:lvl4pPr>
-    <a:lvl5pPr lvl="4" marR="0" rtl="0" algn="l">
+    <a:lvl5pPr marR="0" lvl="4" algn="l" rtl="0">
       <a:lnSpc>
         <a:spcPct val="100000"/>
       </a:lnSpc>
@@ -149,7 +151,7 @@
         <a:srgbClr val="000000"/>
       </a:buClr>
       <a:buFont typeface="Arial"/>
-      <a:defRPr b="0" i="0" sz="1400" u="none" cap="none" strike="noStrike">
+      <a:defRPr sz="1400" b="0" i="0" u="none" strike="noStrike" cap="none">
         <a:solidFill>
           <a:srgbClr val="000000"/>
         </a:solidFill>
@@ -159,7 +161,7 @@
         <a:sym typeface="Arial"/>
       </a:defRPr>
     </a:lvl5pPr>
-    <a:lvl6pPr lvl="5" marR="0" rtl="0" algn="l">
+    <a:lvl6pPr marR="0" lvl="5" algn="l" rtl="0">
       <a:lnSpc>
         <a:spcPct val="100000"/>
       </a:lnSpc>
@@ -173,7 +175,7 @@
         <a:srgbClr val="000000"/>
       </a:buClr>
       <a:buFont typeface="Arial"/>
-      <a:defRPr b="0" i="0" sz="1400" u="none" cap="none" strike="noStrike">
+      <a:defRPr sz="1400" b="0" i="0" u="none" strike="noStrike" cap="none">
         <a:solidFill>
           <a:srgbClr val="000000"/>
         </a:solidFill>
@@ -183,7 +185,7 @@
         <a:sym typeface="Arial"/>
       </a:defRPr>
     </a:lvl6pPr>
-    <a:lvl7pPr lvl="6" marR="0" rtl="0" algn="l">
+    <a:lvl7pPr marR="0" lvl="6" algn="l" rtl="0">
       <a:lnSpc>
         <a:spcPct val="100000"/>
       </a:lnSpc>
@@ -197,7 +199,7 @@
         <a:srgbClr val="000000"/>
       </a:buClr>
       <a:buFont typeface="Arial"/>
-      <a:defRPr b="0" i="0" sz="1400" u="none" cap="none" strike="noStrike">
+      <a:defRPr sz="1400" b="0" i="0" u="none" strike="noStrike" cap="none">
         <a:solidFill>
           <a:srgbClr val="000000"/>
         </a:solidFill>
@@ -207,7 +209,7 @@
         <a:sym typeface="Arial"/>
       </a:defRPr>
     </a:lvl7pPr>
-    <a:lvl8pPr lvl="7" marR="0" rtl="0" algn="l">
+    <a:lvl8pPr marR="0" lvl="7" algn="l" rtl="0">
       <a:lnSpc>
         <a:spcPct val="100000"/>
       </a:lnSpc>
@@ -221,7 +223,7 @@
         <a:srgbClr val="000000"/>
       </a:buClr>
       <a:buFont typeface="Arial"/>
-      <a:defRPr b="0" i="0" sz="1400" u="none" cap="none" strike="noStrike">
+      <a:defRPr sz="1400" b="0" i="0" u="none" strike="noStrike" cap="none">
         <a:solidFill>
           <a:srgbClr val="000000"/>
         </a:solidFill>
@@ -231,7 +233,7 @@
         <a:sym typeface="Arial"/>
       </a:defRPr>
     </a:lvl8pPr>
-    <a:lvl9pPr lvl="8" marR="0" rtl="0" algn="l">
+    <a:lvl9pPr marR="0" lvl="8" algn="l" rtl="0">
       <a:lnSpc>
         <a:spcPct val="100000"/>
       </a:lnSpc>
@@ -245,7 +247,7 @@
         <a:srgbClr val="000000"/>
       </a:buClr>
       <a:buFont typeface="Arial"/>
-      <a:defRPr b="0" i="0" sz="1400" u="none" cap="none" strike="noStrike">
+      <a:defRPr sz="1400" b="0" i="0" u="none" strike="noStrike" cap="none">
         <a:solidFill>
           <a:srgbClr val="000000"/>
         </a:solidFill>
@@ -258,7 +260,7 @@
   </p:defaultTextStyle>
   <p:extLst>
     <p:ext uri="{EFAFB233-063F-42B5-8137-9DF3F51BA10A}">
-      <p15:sldGuideLst>
+      <p15:sldGuideLst xmlns:p15="http://schemas.microsoft.com/office/powerpoint/2012/main">
         <p15:guide id="1" orient="horz" pos="1620">
           <p15:clr>
             <a:srgbClr val="A4A3A4"/>
@@ -276,11 +278,16 @@
 </file>
 
 <file path=ppt/notesMasters/notesMaster1.xml><?xml version="1.0" encoding="utf-8"?>
-<p:notesMaster xmlns:a="http://schemas.openxmlformats.org/drawingml/2006/main" xmlns:r="http://schemas.openxmlformats.org/officeDocument/2006/relationships" xmlns:mc="http://schemas.openxmlformats.org/markup-compatibility/2006" xmlns:mv="urn:schemas-microsoft-com:mac:vml" xmlns:p="http://schemas.openxmlformats.org/presentationml/2006/main" xmlns:c="http://schemas.openxmlformats.org/drawingml/2006/chart" xmlns:dgm="http://schemas.openxmlformats.org/drawingml/2006/diagram" xmlns:o="urn:schemas-microsoft-com:office:office" xmlns:v="urn:schemas-microsoft-com:vml" xmlns:pvml="urn:schemas-microsoft-com:office:powerpoint" xmlns:com="http://schemas.openxmlformats.org/drawingml/2006/compatibility" xmlns:p14="http://schemas.microsoft.com/office/powerpoint/2010/main" xmlns:p15="http://schemas.microsoft.com/office/powerpoint/2012/main">
+<p:notesMaster xmlns:a="http://schemas.openxmlformats.org/drawingml/2006/main" xmlns:r="http://schemas.openxmlformats.org/officeDocument/2006/relationships" xmlns:p="http://schemas.openxmlformats.org/presentationml/2006/main">
   <p:cSld>
+    <p:bg>
+      <p:bgRef idx="1001">
+        <a:schemeClr val="bg1"/>
+      </p:bgRef>
+    </p:bg>
     <p:spTree>
       <p:nvGrpSpPr>
-        <p:cNvPr id="2" name="Shape 2"/>
+        <p:cNvPr id="1" name="Shape 2"/>
         <p:cNvGrpSpPr/>
         <p:nvPr/>
       </p:nvGrpSpPr>
@@ -295,9 +302,11 @@
       <p:sp>
         <p:nvSpPr>
           <p:cNvPr id="3" name="Google Shape;3;n"/>
-          <p:cNvSpPr/>
+          <p:cNvSpPr>
+            <a:spLocks noGrp="1" noRot="1" noChangeAspect="1"/>
+          </p:cNvSpPr>
           <p:nvPr>
-            <p:ph idx="2" type="sldImg"/>
+            <p:ph type="sldImg" idx="2"/>
           </p:nvPr>
         </p:nvSpPr>
         <p:spPr>
@@ -306,9 +315,13 @@
             <a:ext cx="6096075" cy="3429000"/>
           </a:xfrm>
           <a:custGeom>
-            <a:rect b="b" l="l" r="r" t="t"/>
+            <a:avLst/>
+            <a:gdLst/>
+            <a:ahLst/>
+            <a:cxnLst/>
+            <a:rect l="l" t="t" r="r" b="b"/>
             <a:pathLst>
-              <a:path extrusionOk="0" h="120000" w="120000">
+              <a:path w="120000" h="120000" extrusionOk="0">
                 <a:moveTo>
                   <a:pt x="0" y="0"/>
                 </a:moveTo>
@@ -326,23 +339,25 @@
             </a:pathLst>
           </a:custGeom>
           <a:noFill/>
-          <a:ln cap="flat" cmpd="sng" w="9525">
+          <a:ln w="9525" cap="flat" cmpd="sng">
             <a:solidFill>
               <a:srgbClr val="000000"/>
             </a:solidFill>
             <a:prstDash val="solid"/>
             <a:round/>
-            <a:headEnd len="sm" w="sm" type="none"/>
-            <a:tailEnd len="sm" w="sm" type="none"/>
+            <a:headEnd type="none" w="sm" len="sm"/>
+            <a:tailEnd type="none" w="sm" len="sm"/>
           </a:ln>
         </p:spPr>
       </p:sp>
       <p:sp>
         <p:nvSpPr>
           <p:cNvPr id="4" name="Google Shape;4;n"/>
-          <p:cNvSpPr txBox="1"/>
+          <p:cNvSpPr txBox="1">
+            <a:spLocks noGrp="1"/>
+          </p:cNvSpPr>
           <p:nvPr>
-            <p:ph idx="1" type="body"/>
+            <p:ph type="body" idx="1"/>
           </p:nvPr>
         </p:nvSpPr>
         <p:spPr>
@@ -359,11 +374,11 @@
           </a:ln>
         </p:spPr>
         <p:txBody>
-          <a:bodyPr anchorCtr="0" anchor="t" bIns="91425" lIns="91425" spcFirstLastPara="1" rIns="91425" wrap="square" tIns="91425">
+          <a:bodyPr spcFirstLastPara="1" wrap="square" lIns="91425" tIns="91425" rIns="91425" bIns="91425" anchor="t" anchorCtr="0">
             <a:noAutofit/>
           </a:bodyPr>
           <a:lstStyle>
-            <a:lvl1pPr indent="-298450" lvl="0" marL="457200">
+            <a:lvl1pPr marL="457200" lvl="0" indent="-298450">
               <a:spcBef>
                 <a:spcPts val="0"/>
               </a:spcBef>
@@ -374,7 +389,7 @@
               <a:buChar char="●"/>
               <a:defRPr sz="1100"/>
             </a:lvl1pPr>
-            <a:lvl2pPr indent="-298450" lvl="1" marL="914400">
+            <a:lvl2pPr marL="914400" lvl="1" indent="-298450">
               <a:spcBef>
                 <a:spcPts val="0"/>
               </a:spcBef>
@@ -385,7 +400,7 @@
               <a:buChar char="○"/>
               <a:defRPr sz="1100"/>
             </a:lvl2pPr>
-            <a:lvl3pPr indent="-298450" lvl="2" marL="1371600">
+            <a:lvl3pPr marL="1371600" lvl="2" indent="-298450">
               <a:spcBef>
                 <a:spcPts val="0"/>
               </a:spcBef>
@@ -396,7 +411,7 @@
               <a:buChar char="■"/>
               <a:defRPr sz="1100"/>
             </a:lvl3pPr>
-            <a:lvl4pPr indent="-298450" lvl="3" marL="1828800">
+            <a:lvl4pPr marL="1828800" lvl="3" indent="-298450">
               <a:spcBef>
                 <a:spcPts val="0"/>
               </a:spcBef>
@@ -407,7 +422,7 @@
               <a:buChar char="●"/>
               <a:defRPr sz="1100"/>
             </a:lvl4pPr>
-            <a:lvl5pPr indent="-298450" lvl="4" marL="2286000">
+            <a:lvl5pPr marL="2286000" lvl="4" indent="-298450">
               <a:spcBef>
                 <a:spcPts val="0"/>
               </a:spcBef>
@@ -418,7 +433,7 @@
               <a:buChar char="○"/>
               <a:defRPr sz="1100"/>
             </a:lvl5pPr>
-            <a:lvl6pPr indent="-298450" lvl="5" marL="2743200">
+            <a:lvl6pPr marL="2743200" lvl="5" indent="-298450">
               <a:spcBef>
                 <a:spcPts val="0"/>
               </a:spcBef>
@@ -429,7 +444,7 @@
               <a:buChar char="■"/>
               <a:defRPr sz="1100"/>
             </a:lvl6pPr>
-            <a:lvl7pPr indent="-298450" lvl="6" marL="3200400">
+            <a:lvl7pPr marL="3200400" lvl="6" indent="-298450">
               <a:spcBef>
                 <a:spcPts val="0"/>
               </a:spcBef>
@@ -440,7 +455,7 @@
               <a:buChar char="●"/>
               <a:defRPr sz="1100"/>
             </a:lvl7pPr>
-            <a:lvl8pPr indent="-298450" lvl="7" marL="3657600">
+            <a:lvl8pPr marL="3657600" lvl="7" indent="-298450">
               <a:spcBef>
                 <a:spcPts val="0"/>
               </a:spcBef>
@@ -451,7 +466,7 @@
               <a:buChar char="○"/>
               <a:defRPr sz="1100"/>
             </a:lvl8pPr>
-            <a:lvl9pPr indent="-298450" lvl="8" marL="4114800">
+            <a:lvl9pPr marL="4114800" lvl="8" indent="-298450">
               <a:spcBef>
                 <a:spcPts val="0"/>
               </a:spcBef>
@@ -463,14 +478,16 @@
               <a:defRPr sz="1100"/>
             </a:lvl9pPr>
           </a:lstStyle>
-          <a:p/>
+          <a:p>
+            <a:endParaRPr/>
+          </a:p>
         </p:txBody>
       </p:sp>
     </p:spTree>
   </p:cSld>
-  <p:clrMap accent1="accent1" accent2="accent2" accent3="accent3" accent4="accent4" accent5="accent5" accent6="accent6" bg1="lt1" bg2="dk2" tx1="dk1" tx2="lt2" folHlink="folHlink" hlink="hlink"/>
+  <p:clrMap bg1="lt1" tx1="dk1" bg2="dk2" tx2="lt2" accent1="accent1" accent2="accent2" accent3="accent3" accent4="accent4" accent5="accent5" accent6="accent6" hlink="hlink" folHlink="folHlink"/>
   <p:notesStyle>
-    <a:defPPr lvl="0" marR="0" rtl="0" algn="l">
+    <a:defPPr marR="0" lvl="0" algn="l" rtl="0">
       <a:lnSpc>
         <a:spcPct val="100000"/>
       </a:lnSpc>
@@ -481,7 +498,7 @@
         <a:spcPts val="0"/>
       </a:spcAft>
     </a:defPPr>
-    <a:lvl1pPr lvl="0" marR="0" rtl="0" algn="l">
+    <a:lvl1pPr marR="0" lvl="0" algn="l" rtl="0">
       <a:lnSpc>
         <a:spcPct val="100000"/>
       </a:lnSpc>
@@ -495,7 +512,7 @@
         <a:srgbClr val="000000"/>
       </a:buClr>
       <a:buFont typeface="Arial"/>
-      <a:defRPr b="0" i="0" sz="1400" u="none" cap="none" strike="noStrike">
+      <a:defRPr sz="1400" b="0" i="0" u="none" strike="noStrike" cap="none">
         <a:solidFill>
           <a:srgbClr val="000000"/>
         </a:solidFill>
@@ -505,7 +522,7 @@
         <a:sym typeface="Arial"/>
       </a:defRPr>
     </a:lvl1pPr>
-    <a:lvl2pPr lvl="1" marR="0" rtl="0" algn="l">
+    <a:lvl2pPr marR="0" lvl="1" algn="l" rtl="0">
       <a:lnSpc>
         <a:spcPct val="100000"/>
       </a:lnSpc>
@@ -519,7 +536,7 @@
         <a:srgbClr val="000000"/>
       </a:buClr>
       <a:buFont typeface="Arial"/>
-      <a:defRPr b="0" i="0" sz="1400" u="none" cap="none" strike="noStrike">
+      <a:defRPr sz="1400" b="0" i="0" u="none" strike="noStrike" cap="none">
         <a:solidFill>
           <a:srgbClr val="000000"/>
         </a:solidFill>
@@ -529,7 +546,7 @@
         <a:sym typeface="Arial"/>
       </a:defRPr>
     </a:lvl2pPr>
-    <a:lvl3pPr lvl="2" marR="0" rtl="0" algn="l">
+    <a:lvl3pPr marR="0" lvl="2" algn="l" rtl="0">
       <a:lnSpc>
         <a:spcPct val="100000"/>
       </a:lnSpc>
@@ -543,7 +560,7 @@
         <a:srgbClr val="000000"/>
       </a:buClr>
       <a:buFont typeface="Arial"/>
-      <a:defRPr b="0" i="0" sz="1400" u="none" cap="none" strike="noStrike">
+      <a:defRPr sz="1400" b="0" i="0" u="none" strike="noStrike" cap="none">
         <a:solidFill>
           <a:srgbClr val="000000"/>
         </a:solidFill>
@@ -553,7 +570,7 @@
         <a:sym typeface="Arial"/>
       </a:defRPr>
     </a:lvl3pPr>
-    <a:lvl4pPr lvl="3" marR="0" rtl="0" algn="l">
+    <a:lvl4pPr marR="0" lvl="3" algn="l" rtl="0">
       <a:lnSpc>
         <a:spcPct val="100000"/>
       </a:lnSpc>
@@ -567,7 +584,7 @@
         <a:srgbClr val="000000"/>
       </a:buClr>
       <a:buFont typeface="Arial"/>
-      <a:defRPr b="0" i="0" sz="1400" u="none" cap="none" strike="noStrike">
+      <a:defRPr sz="1400" b="0" i="0" u="none" strike="noStrike" cap="none">
         <a:solidFill>
           <a:srgbClr val="000000"/>
         </a:solidFill>
@@ -577,7 +594,7 @@
         <a:sym typeface="Arial"/>
       </a:defRPr>
     </a:lvl4pPr>
-    <a:lvl5pPr lvl="4" marR="0" rtl="0" algn="l">
+    <a:lvl5pPr marR="0" lvl="4" algn="l" rtl="0">
       <a:lnSpc>
         <a:spcPct val="100000"/>
       </a:lnSpc>
@@ -591,7 +608,7 @@
         <a:srgbClr val="000000"/>
       </a:buClr>
       <a:buFont typeface="Arial"/>
-      <a:defRPr b="0" i="0" sz="1400" u="none" cap="none" strike="noStrike">
+      <a:defRPr sz="1400" b="0" i="0" u="none" strike="noStrike" cap="none">
         <a:solidFill>
           <a:srgbClr val="000000"/>
         </a:solidFill>
@@ -601,7 +618,7 @@
         <a:sym typeface="Arial"/>
       </a:defRPr>
     </a:lvl5pPr>
-    <a:lvl6pPr lvl="5" marR="0" rtl="0" algn="l">
+    <a:lvl6pPr marR="0" lvl="5" algn="l" rtl="0">
       <a:lnSpc>
         <a:spcPct val="100000"/>
       </a:lnSpc>
@@ -615,7 +632,7 @@
         <a:srgbClr val="000000"/>
       </a:buClr>
       <a:buFont typeface="Arial"/>
-      <a:defRPr b="0" i="0" sz="1400" u="none" cap="none" strike="noStrike">
+      <a:defRPr sz="1400" b="0" i="0" u="none" strike="noStrike" cap="none">
         <a:solidFill>
           <a:srgbClr val="000000"/>
         </a:solidFill>
@@ -625,7 +642,7 @@
         <a:sym typeface="Arial"/>
       </a:defRPr>
     </a:lvl6pPr>
-    <a:lvl7pPr lvl="6" marR="0" rtl="0" algn="l">
+    <a:lvl7pPr marR="0" lvl="6" algn="l" rtl="0">
       <a:lnSpc>
         <a:spcPct val="100000"/>
       </a:lnSpc>
@@ -639,7 +656,7 @@
         <a:srgbClr val="000000"/>
       </a:buClr>
       <a:buFont typeface="Arial"/>
-      <a:defRPr b="0" i="0" sz="1400" u="none" cap="none" strike="noStrike">
+      <a:defRPr sz="1400" b="0" i="0" u="none" strike="noStrike" cap="none">
         <a:solidFill>
           <a:srgbClr val="000000"/>
         </a:solidFill>
@@ -649,7 +666,7 @@
         <a:sym typeface="Arial"/>
       </a:defRPr>
     </a:lvl7pPr>
-    <a:lvl8pPr lvl="7" marR="0" rtl="0" algn="l">
+    <a:lvl8pPr marR="0" lvl="7" algn="l" rtl="0">
       <a:lnSpc>
         <a:spcPct val="100000"/>
       </a:lnSpc>
@@ -663,7 +680,7 @@
         <a:srgbClr val="000000"/>
       </a:buClr>
       <a:buFont typeface="Arial"/>
-      <a:defRPr b="0" i="0" sz="1400" u="none" cap="none" strike="noStrike">
+      <a:defRPr sz="1400" b="0" i="0" u="none" strike="noStrike" cap="none">
         <a:solidFill>
           <a:srgbClr val="000000"/>
         </a:solidFill>
@@ -673,7 +690,7 @@
         <a:sym typeface="Arial"/>
       </a:defRPr>
     </a:lvl8pPr>
-    <a:lvl9pPr lvl="8" marR="0" rtl="0" algn="l">
+    <a:lvl9pPr marR="0" lvl="8" algn="l" rtl="0">
       <a:lnSpc>
         <a:spcPct val="100000"/>
       </a:lnSpc>
@@ -687,7 +704,7 @@
         <a:srgbClr val="000000"/>
       </a:buClr>
       <a:buFont typeface="Arial"/>
-      <a:defRPr b="0" i="0" sz="1400" u="none" cap="none" strike="noStrike">
+      <a:defRPr sz="1400" b="0" i="0" u="none" strike="noStrike" cap="none">
         <a:solidFill>
           <a:srgbClr val="000000"/>
         </a:solidFill>
@@ -702,11 +719,11 @@
 </file>
 
 <file path=ppt/notesSlides/notesSlide1.xml><?xml version="1.0" encoding="utf-8"?>
-<p:notes xmlns:a="http://schemas.openxmlformats.org/drawingml/2006/main" xmlns:r="http://schemas.openxmlformats.org/officeDocument/2006/relationships" xmlns:mc="http://schemas.openxmlformats.org/markup-compatibility/2006" xmlns:mv="urn:schemas-microsoft-com:mac:vml" xmlns:p="http://schemas.openxmlformats.org/presentationml/2006/main" xmlns:c="http://schemas.openxmlformats.org/drawingml/2006/chart" xmlns:dgm="http://schemas.openxmlformats.org/drawingml/2006/diagram" xmlns:o="urn:schemas-microsoft-com:office:office" xmlns:v="urn:schemas-microsoft-com:vml" xmlns:pvml="urn:schemas-microsoft-com:office:powerpoint" xmlns:com="http://schemas.openxmlformats.org/drawingml/2006/compatibility" xmlns:p14="http://schemas.microsoft.com/office/powerpoint/2010/main" xmlns:p15="http://schemas.microsoft.com/office/powerpoint/2012/main" showMasterPhAnim="0" showMasterSp="0">
+<p:notes xmlns:a="http://schemas.openxmlformats.org/drawingml/2006/main" xmlns:r="http://schemas.openxmlformats.org/officeDocument/2006/relationships" xmlns:p="http://schemas.openxmlformats.org/presentationml/2006/main" showMasterSp="0" showMasterPhAnim="0">
   <p:cSld>
     <p:spTree>
       <p:nvGrpSpPr>
-        <p:cNvPr id="50" name="Shape 50"/>
+        <p:cNvPr id="1" name="Shape 50"/>
         <p:cNvGrpSpPr/>
         <p:nvPr/>
       </p:nvGrpSpPr>
@@ -721,9 +738,11 @@
       <p:sp>
         <p:nvSpPr>
           <p:cNvPr id="51" name="Google Shape;51;g5d30299014_0_55:notes"/>
-          <p:cNvSpPr/>
+          <p:cNvSpPr>
+            <a:spLocks noGrp="1" noRot="1" noChangeAspect="1"/>
+          </p:cNvSpPr>
           <p:nvPr>
-            <p:ph idx="2" type="sldImg"/>
+            <p:ph type="sldImg" idx="2"/>
           </p:nvPr>
         </p:nvSpPr>
         <p:spPr>
@@ -732,9 +751,13 @@
             <a:ext cx="6096000" cy="3429000"/>
           </a:xfrm>
           <a:custGeom>
-            <a:rect b="b" l="l" r="r" t="t"/>
+            <a:avLst/>
+            <a:gdLst/>
+            <a:ahLst/>
+            <a:cxnLst/>
+            <a:rect l="l" t="t" r="r" b="b"/>
             <a:pathLst>
-              <a:path extrusionOk="0" h="120000" w="120000">
+              <a:path w="120000" h="120000" extrusionOk="0">
                 <a:moveTo>
                   <a:pt x="0" y="0"/>
                 </a:moveTo>
@@ -756,9 +779,11 @@
       <p:sp>
         <p:nvSpPr>
           <p:cNvPr id="52" name="Google Shape;52;g5d30299014_0_55:notes"/>
-          <p:cNvSpPr txBox="1"/>
+          <p:cNvSpPr txBox="1">
+            <a:spLocks noGrp="1"/>
+          </p:cNvSpPr>
           <p:nvPr>
-            <p:ph idx="1" type="body"/>
+            <p:ph type="body" idx="1"/>
           </p:nvPr>
         </p:nvSpPr>
         <p:spPr>
@@ -771,23 +796,20 @@
           </a:prstGeom>
         </p:spPr>
         <p:txBody>
-          <a:bodyPr anchorCtr="0" anchor="t" bIns="91425" lIns="91425" spcFirstLastPara="1" rIns="91425" wrap="square" tIns="91425">
+          <a:bodyPr spcFirstLastPara="1" wrap="square" lIns="91425" tIns="91425" rIns="91425" bIns="91425" anchor="t" anchorCtr="0">
             <a:noAutofit/>
           </a:bodyPr>
           <a:lstStyle/>
           <a:p>
-            <a:pPr indent="0" lvl="0" marL="0" rtl="0" algn="l">
-              <a:spcBef>
-                <a:spcPts val="0"/>
-              </a:spcBef>
-              <a:spcAft>
-                <a:spcPts val="0"/>
-              </a:spcAft>
-              <a:buNone/>
-            </a:pPr>
-            <a:r>
-              <a:t/>
-            </a:r>
+            <a:pPr marL="0" lvl="0" indent="0" algn="l" rtl="0">
+              <a:spcBef>
+                <a:spcPts val="0"/>
+              </a:spcBef>
+              <a:spcAft>
+                <a:spcPts val="0"/>
+              </a:spcAft>
+              <a:buNone/>
+            </a:pPr>
             <a:endParaRPr/>
           </a:p>
         </p:txBody>
@@ -801,11 +823,11 @@
 </file>
 
 <file path=ppt/notesSlides/notesSlide10.xml><?xml version="1.0" encoding="utf-8"?>
-<p:notes xmlns:a="http://schemas.openxmlformats.org/drawingml/2006/main" xmlns:r="http://schemas.openxmlformats.org/officeDocument/2006/relationships" xmlns:mc="http://schemas.openxmlformats.org/markup-compatibility/2006" xmlns:mv="urn:schemas-microsoft-com:mac:vml" xmlns:p="http://schemas.openxmlformats.org/presentationml/2006/main" xmlns:c="http://schemas.openxmlformats.org/drawingml/2006/chart" xmlns:dgm="http://schemas.openxmlformats.org/drawingml/2006/diagram" xmlns:o="urn:schemas-microsoft-com:office:office" xmlns:v="urn:schemas-microsoft-com:vml" xmlns:pvml="urn:schemas-microsoft-com:office:powerpoint" xmlns:com="http://schemas.openxmlformats.org/drawingml/2006/compatibility" xmlns:p14="http://schemas.microsoft.com/office/powerpoint/2010/main" xmlns:p15="http://schemas.microsoft.com/office/powerpoint/2012/main" showMasterPhAnim="0" showMasterSp="0">
+<p:notes xmlns:a="http://schemas.openxmlformats.org/drawingml/2006/main" xmlns:r="http://schemas.openxmlformats.org/officeDocument/2006/relationships" xmlns:p="http://schemas.openxmlformats.org/presentationml/2006/main" showMasterSp="0" showMasterPhAnim="0">
   <p:cSld>
     <p:spTree>
       <p:nvGrpSpPr>
-        <p:cNvPr id="100" name="Shape 100"/>
+        <p:cNvPr id="1" name="Shape 100"/>
         <p:cNvGrpSpPr/>
         <p:nvPr/>
       </p:nvGrpSpPr>
@@ -820,9 +842,11 @@
       <p:sp>
         <p:nvSpPr>
           <p:cNvPr id="101" name="Google Shape;101;g5e0f051925_0_10:notes"/>
-          <p:cNvSpPr/>
+          <p:cNvSpPr>
+            <a:spLocks noGrp="1" noRot="1" noChangeAspect="1"/>
+          </p:cNvSpPr>
           <p:nvPr>
-            <p:ph idx="2" type="sldImg"/>
+            <p:ph type="sldImg" idx="2"/>
           </p:nvPr>
         </p:nvSpPr>
         <p:spPr>
@@ -831,9 +855,13 @@
             <a:ext cx="6096000" cy="3429000"/>
           </a:xfrm>
           <a:custGeom>
-            <a:rect b="b" l="l" r="r" t="t"/>
+            <a:avLst/>
+            <a:gdLst/>
+            <a:ahLst/>
+            <a:cxnLst/>
+            <a:rect l="l" t="t" r="r" b="b"/>
             <a:pathLst>
-              <a:path extrusionOk="0" h="120000" w="120000">
+              <a:path w="120000" h="120000" extrusionOk="0">
                 <a:moveTo>
                   <a:pt x="0" y="0"/>
                 </a:moveTo>
@@ -855,9 +883,11 @@
       <p:sp>
         <p:nvSpPr>
           <p:cNvPr id="102" name="Google Shape;102;g5e0f051925_0_10:notes"/>
-          <p:cNvSpPr txBox="1"/>
+          <p:cNvSpPr txBox="1">
+            <a:spLocks noGrp="1"/>
+          </p:cNvSpPr>
           <p:nvPr>
-            <p:ph idx="1" type="body"/>
+            <p:ph type="body" idx="1"/>
           </p:nvPr>
         </p:nvSpPr>
         <p:spPr>
@@ -870,23 +900,20 @@
           </a:prstGeom>
         </p:spPr>
         <p:txBody>
-          <a:bodyPr anchorCtr="0" anchor="t" bIns="91425" lIns="91425" spcFirstLastPara="1" rIns="91425" wrap="square" tIns="91425">
+          <a:bodyPr spcFirstLastPara="1" wrap="square" lIns="91425" tIns="91425" rIns="91425" bIns="91425" anchor="t" anchorCtr="0">
             <a:noAutofit/>
           </a:bodyPr>
           <a:lstStyle/>
           <a:p>
-            <a:pPr indent="0" lvl="0" marL="0" rtl="0" algn="l">
-              <a:spcBef>
-                <a:spcPts val="0"/>
-              </a:spcBef>
-              <a:spcAft>
-                <a:spcPts val="0"/>
-              </a:spcAft>
-              <a:buNone/>
-            </a:pPr>
-            <a:r>
-              <a:t/>
-            </a:r>
+            <a:pPr marL="0" lvl="0" indent="0" algn="l" rtl="0">
+              <a:spcBef>
+                <a:spcPts val="0"/>
+              </a:spcBef>
+              <a:spcAft>
+                <a:spcPts val="0"/>
+              </a:spcAft>
+              <a:buNone/>
+            </a:pPr>
             <a:endParaRPr/>
           </a:p>
         </p:txBody>
@@ -900,11 +927,11 @@
 </file>
 
 <file path=ppt/notesSlides/notesSlide11.xml><?xml version="1.0" encoding="utf-8"?>
-<p:notes xmlns:a="http://schemas.openxmlformats.org/drawingml/2006/main" xmlns:r="http://schemas.openxmlformats.org/officeDocument/2006/relationships" xmlns:mc="http://schemas.openxmlformats.org/markup-compatibility/2006" xmlns:mv="urn:schemas-microsoft-com:mac:vml" xmlns:p="http://schemas.openxmlformats.org/presentationml/2006/main" xmlns:c="http://schemas.openxmlformats.org/drawingml/2006/chart" xmlns:dgm="http://schemas.openxmlformats.org/drawingml/2006/diagram" xmlns:o="urn:schemas-microsoft-com:office:office" xmlns:v="urn:schemas-microsoft-com:vml" xmlns:pvml="urn:schemas-microsoft-com:office:powerpoint" xmlns:com="http://schemas.openxmlformats.org/drawingml/2006/compatibility" xmlns:p14="http://schemas.microsoft.com/office/powerpoint/2010/main" xmlns:p15="http://schemas.microsoft.com/office/powerpoint/2012/main" showMasterPhAnim="0" showMasterSp="0">
+<p:notes xmlns:a="http://schemas.openxmlformats.org/drawingml/2006/main" xmlns:r="http://schemas.openxmlformats.org/officeDocument/2006/relationships" xmlns:p="http://schemas.openxmlformats.org/presentationml/2006/main" showMasterSp="0" showMasterPhAnim="0">
   <p:cSld>
     <p:spTree>
       <p:nvGrpSpPr>
-        <p:cNvPr id="106" name="Shape 106"/>
+        <p:cNvPr id="1" name="Shape 106"/>
         <p:cNvGrpSpPr/>
         <p:nvPr/>
       </p:nvGrpSpPr>
@@ -919,9 +946,11 @@
       <p:sp>
         <p:nvSpPr>
           <p:cNvPr id="107" name="Google Shape;107;g5e0f051925_0_15:notes"/>
-          <p:cNvSpPr/>
+          <p:cNvSpPr>
+            <a:spLocks noGrp="1" noRot="1" noChangeAspect="1"/>
+          </p:cNvSpPr>
           <p:nvPr>
-            <p:ph idx="2" type="sldImg"/>
+            <p:ph type="sldImg" idx="2"/>
           </p:nvPr>
         </p:nvSpPr>
         <p:spPr>
@@ -930,9 +959,13 @@
             <a:ext cx="6096000" cy="3429000"/>
           </a:xfrm>
           <a:custGeom>
-            <a:rect b="b" l="l" r="r" t="t"/>
+            <a:avLst/>
+            <a:gdLst/>
+            <a:ahLst/>
+            <a:cxnLst/>
+            <a:rect l="l" t="t" r="r" b="b"/>
             <a:pathLst>
-              <a:path extrusionOk="0" h="120000" w="120000">
+              <a:path w="120000" h="120000" extrusionOk="0">
                 <a:moveTo>
                   <a:pt x="0" y="0"/>
                 </a:moveTo>
@@ -954,9 +987,11 @@
       <p:sp>
         <p:nvSpPr>
           <p:cNvPr id="108" name="Google Shape;108;g5e0f051925_0_15:notes"/>
-          <p:cNvSpPr txBox="1"/>
+          <p:cNvSpPr txBox="1">
+            <a:spLocks noGrp="1"/>
+          </p:cNvSpPr>
           <p:nvPr>
-            <p:ph idx="1" type="body"/>
+            <p:ph type="body" idx="1"/>
           </p:nvPr>
         </p:nvSpPr>
         <p:spPr>
@@ -969,23 +1004,20 @@
           </a:prstGeom>
         </p:spPr>
         <p:txBody>
-          <a:bodyPr anchorCtr="0" anchor="t" bIns="91425" lIns="91425" spcFirstLastPara="1" rIns="91425" wrap="square" tIns="91425">
+          <a:bodyPr spcFirstLastPara="1" wrap="square" lIns="91425" tIns="91425" rIns="91425" bIns="91425" anchor="t" anchorCtr="0">
             <a:noAutofit/>
           </a:bodyPr>
           <a:lstStyle/>
           <a:p>
-            <a:pPr indent="0" lvl="0" marL="0" rtl="0" algn="l">
-              <a:spcBef>
-                <a:spcPts val="0"/>
-              </a:spcBef>
-              <a:spcAft>
-                <a:spcPts val="0"/>
-              </a:spcAft>
-              <a:buNone/>
-            </a:pPr>
-            <a:r>
-              <a:t/>
-            </a:r>
+            <a:pPr marL="0" lvl="0" indent="0" algn="l" rtl="0">
+              <a:spcBef>
+                <a:spcPts val="0"/>
+              </a:spcBef>
+              <a:spcAft>
+                <a:spcPts val="0"/>
+              </a:spcAft>
+              <a:buNone/>
+            </a:pPr>
             <a:endParaRPr/>
           </a:p>
         </p:txBody>
@@ -999,11 +1031,11 @@
 </file>
 
 <file path=ppt/notesSlides/notesSlide12.xml><?xml version="1.0" encoding="utf-8"?>
-<p:notes xmlns:a="http://schemas.openxmlformats.org/drawingml/2006/main" xmlns:r="http://schemas.openxmlformats.org/officeDocument/2006/relationships" xmlns:mc="http://schemas.openxmlformats.org/markup-compatibility/2006" xmlns:mv="urn:schemas-microsoft-com:mac:vml" xmlns:p="http://schemas.openxmlformats.org/presentationml/2006/main" xmlns:c="http://schemas.openxmlformats.org/drawingml/2006/chart" xmlns:dgm="http://schemas.openxmlformats.org/drawingml/2006/diagram" xmlns:o="urn:schemas-microsoft-com:office:office" xmlns:v="urn:schemas-microsoft-com:vml" xmlns:pvml="urn:schemas-microsoft-com:office:powerpoint" xmlns:com="http://schemas.openxmlformats.org/drawingml/2006/compatibility" xmlns:p14="http://schemas.microsoft.com/office/powerpoint/2010/main" xmlns:p15="http://schemas.microsoft.com/office/powerpoint/2012/main" showMasterPhAnim="0" showMasterSp="0">
+<p:notes xmlns:a="http://schemas.openxmlformats.org/drawingml/2006/main" xmlns:r="http://schemas.openxmlformats.org/officeDocument/2006/relationships" xmlns:p="http://schemas.openxmlformats.org/presentationml/2006/main" showMasterSp="0" showMasterPhAnim="0">
   <p:cSld>
     <p:spTree>
       <p:nvGrpSpPr>
-        <p:cNvPr id="112" name="Shape 112"/>
+        <p:cNvPr id="1" name="Shape 112"/>
         <p:cNvGrpSpPr/>
         <p:nvPr/>
       </p:nvGrpSpPr>
@@ -1018,9 +1050,11 @@
       <p:sp>
         <p:nvSpPr>
           <p:cNvPr id="113" name="Google Shape;113;g5dbe2cd7cb_0_5:notes"/>
-          <p:cNvSpPr/>
+          <p:cNvSpPr>
+            <a:spLocks noGrp="1" noRot="1" noChangeAspect="1"/>
+          </p:cNvSpPr>
           <p:nvPr>
-            <p:ph idx="2" type="sldImg"/>
+            <p:ph type="sldImg" idx="2"/>
           </p:nvPr>
         </p:nvSpPr>
         <p:spPr>
@@ -1029,9 +1063,13 @@
             <a:ext cx="6096000" cy="3429000"/>
           </a:xfrm>
           <a:custGeom>
-            <a:rect b="b" l="l" r="r" t="t"/>
+            <a:avLst/>
+            <a:gdLst/>
+            <a:ahLst/>
+            <a:cxnLst/>
+            <a:rect l="l" t="t" r="r" b="b"/>
             <a:pathLst>
-              <a:path extrusionOk="0" h="120000" w="120000">
+              <a:path w="120000" h="120000" extrusionOk="0">
                 <a:moveTo>
                   <a:pt x="0" y="0"/>
                 </a:moveTo>
@@ -1053,9 +1091,11 @@
       <p:sp>
         <p:nvSpPr>
           <p:cNvPr id="114" name="Google Shape;114;g5dbe2cd7cb_0_5:notes"/>
-          <p:cNvSpPr txBox="1"/>
+          <p:cNvSpPr txBox="1">
+            <a:spLocks noGrp="1"/>
+          </p:cNvSpPr>
           <p:nvPr>
-            <p:ph idx="1" type="body"/>
+            <p:ph type="body" idx="1"/>
           </p:nvPr>
         </p:nvSpPr>
         <p:spPr>
@@ -1068,23 +1108,20 @@
           </a:prstGeom>
         </p:spPr>
         <p:txBody>
-          <a:bodyPr anchorCtr="0" anchor="t" bIns="91425" lIns="91425" spcFirstLastPara="1" rIns="91425" wrap="square" tIns="91425">
+          <a:bodyPr spcFirstLastPara="1" wrap="square" lIns="91425" tIns="91425" rIns="91425" bIns="91425" anchor="t" anchorCtr="0">
             <a:noAutofit/>
           </a:bodyPr>
           <a:lstStyle/>
           <a:p>
-            <a:pPr indent="0" lvl="0" marL="0" rtl="0" algn="l">
-              <a:spcBef>
-                <a:spcPts val="0"/>
-              </a:spcBef>
-              <a:spcAft>
-                <a:spcPts val="0"/>
-              </a:spcAft>
-              <a:buNone/>
-            </a:pPr>
-            <a:r>
-              <a:t/>
-            </a:r>
+            <a:pPr marL="0" lvl="0" indent="0" algn="l" rtl="0">
+              <a:spcBef>
+                <a:spcPts val="0"/>
+              </a:spcBef>
+              <a:spcAft>
+                <a:spcPts val="0"/>
+              </a:spcAft>
+              <a:buNone/>
+            </a:pPr>
             <a:endParaRPr/>
           </a:p>
         </p:txBody>
@@ -1098,11 +1135,11 @@
 </file>
 
 <file path=ppt/notesSlides/notesSlide13.xml><?xml version="1.0" encoding="utf-8"?>
-<p:notes xmlns:a="http://schemas.openxmlformats.org/drawingml/2006/main" xmlns:r="http://schemas.openxmlformats.org/officeDocument/2006/relationships" xmlns:mc="http://schemas.openxmlformats.org/markup-compatibility/2006" xmlns:mv="urn:schemas-microsoft-com:mac:vml" xmlns:p="http://schemas.openxmlformats.org/presentationml/2006/main" xmlns:c="http://schemas.openxmlformats.org/drawingml/2006/chart" xmlns:dgm="http://schemas.openxmlformats.org/drawingml/2006/diagram" xmlns:o="urn:schemas-microsoft-com:office:office" xmlns:v="urn:schemas-microsoft-com:vml" xmlns:pvml="urn:schemas-microsoft-com:office:powerpoint" xmlns:com="http://schemas.openxmlformats.org/drawingml/2006/compatibility" xmlns:p14="http://schemas.microsoft.com/office/powerpoint/2010/main" xmlns:p15="http://schemas.microsoft.com/office/powerpoint/2012/main" showMasterPhAnim="0" showMasterSp="0">
+<p:notes xmlns:a="http://schemas.openxmlformats.org/drawingml/2006/main" xmlns:r="http://schemas.openxmlformats.org/officeDocument/2006/relationships" xmlns:p="http://schemas.openxmlformats.org/presentationml/2006/main" showMasterSp="0" showMasterPhAnim="0">
   <p:cSld>
     <p:spTree>
       <p:nvGrpSpPr>
-        <p:cNvPr id="117" name="Shape 117"/>
+        <p:cNvPr id="1" name="Shape 117"/>
         <p:cNvGrpSpPr/>
         <p:nvPr/>
       </p:nvGrpSpPr>
@@ -1117,9 +1154,11 @@
       <p:sp>
         <p:nvSpPr>
           <p:cNvPr id="118" name="Google Shape;118;g5d30299014_0_0:notes"/>
-          <p:cNvSpPr/>
+          <p:cNvSpPr>
+            <a:spLocks noGrp="1" noRot="1" noChangeAspect="1"/>
+          </p:cNvSpPr>
           <p:nvPr>
-            <p:ph idx="2" type="sldImg"/>
+            <p:ph type="sldImg" idx="2"/>
           </p:nvPr>
         </p:nvSpPr>
         <p:spPr>
@@ -1128,9 +1167,13 @@
             <a:ext cx="6096000" cy="3429000"/>
           </a:xfrm>
           <a:custGeom>
-            <a:rect b="b" l="l" r="r" t="t"/>
+            <a:avLst/>
+            <a:gdLst/>
+            <a:ahLst/>
+            <a:cxnLst/>
+            <a:rect l="l" t="t" r="r" b="b"/>
             <a:pathLst>
-              <a:path extrusionOk="0" h="120000" w="120000">
+              <a:path w="120000" h="120000" extrusionOk="0">
                 <a:moveTo>
                   <a:pt x="0" y="0"/>
                 </a:moveTo>
@@ -1152,9 +1195,11 @@
       <p:sp>
         <p:nvSpPr>
           <p:cNvPr id="119" name="Google Shape;119;g5d30299014_0_0:notes"/>
-          <p:cNvSpPr txBox="1"/>
+          <p:cNvSpPr txBox="1">
+            <a:spLocks noGrp="1"/>
+          </p:cNvSpPr>
           <p:nvPr>
-            <p:ph idx="1" type="body"/>
+            <p:ph type="body" idx="1"/>
           </p:nvPr>
         </p:nvSpPr>
         <p:spPr>
@@ -1167,23 +1212,20 @@
           </a:prstGeom>
         </p:spPr>
         <p:txBody>
-          <a:bodyPr anchorCtr="0" anchor="t" bIns="91425" lIns="91425" spcFirstLastPara="1" rIns="91425" wrap="square" tIns="91425">
+          <a:bodyPr spcFirstLastPara="1" wrap="square" lIns="91425" tIns="91425" rIns="91425" bIns="91425" anchor="t" anchorCtr="0">
             <a:noAutofit/>
           </a:bodyPr>
           <a:lstStyle/>
           <a:p>
-            <a:pPr indent="0" lvl="0" marL="0" rtl="0" algn="l">
-              <a:spcBef>
-                <a:spcPts val="0"/>
-              </a:spcBef>
-              <a:spcAft>
-                <a:spcPts val="0"/>
-              </a:spcAft>
-              <a:buNone/>
-            </a:pPr>
-            <a:r>
-              <a:t/>
-            </a:r>
+            <a:pPr marL="0" lvl="0" indent="0" algn="l" rtl="0">
+              <a:spcBef>
+                <a:spcPts val="0"/>
+              </a:spcBef>
+              <a:spcAft>
+                <a:spcPts val="0"/>
+              </a:spcAft>
+              <a:buNone/>
+            </a:pPr>
             <a:endParaRPr/>
           </a:p>
         </p:txBody>
@@ -1197,11 +1239,11 @@
 </file>
 
 <file path=ppt/notesSlides/notesSlide14.xml><?xml version="1.0" encoding="utf-8"?>
-<p:notes xmlns:a="http://schemas.openxmlformats.org/drawingml/2006/main" xmlns:r="http://schemas.openxmlformats.org/officeDocument/2006/relationships" xmlns:mc="http://schemas.openxmlformats.org/markup-compatibility/2006" xmlns:mv="urn:schemas-microsoft-com:mac:vml" xmlns:p="http://schemas.openxmlformats.org/presentationml/2006/main" xmlns:c="http://schemas.openxmlformats.org/drawingml/2006/chart" xmlns:dgm="http://schemas.openxmlformats.org/drawingml/2006/diagram" xmlns:o="urn:schemas-microsoft-com:office:office" xmlns:v="urn:schemas-microsoft-com:vml" xmlns:pvml="urn:schemas-microsoft-com:office:powerpoint" xmlns:com="http://schemas.openxmlformats.org/drawingml/2006/compatibility" xmlns:p14="http://schemas.microsoft.com/office/powerpoint/2010/main" xmlns:p15="http://schemas.microsoft.com/office/powerpoint/2012/main" showMasterPhAnim="0" showMasterSp="0">
+<p:notes xmlns:a="http://schemas.openxmlformats.org/drawingml/2006/main" xmlns:r="http://schemas.openxmlformats.org/officeDocument/2006/relationships" xmlns:p="http://schemas.openxmlformats.org/presentationml/2006/main" showMasterSp="0" showMasterPhAnim="0">
   <p:cSld>
     <p:spTree>
       <p:nvGrpSpPr>
-        <p:cNvPr id="123" name="Shape 123"/>
+        <p:cNvPr id="1" name="Shape 123"/>
         <p:cNvGrpSpPr/>
         <p:nvPr/>
       </p:nvGrpSpPr>
@@ -1216,9 +1258,11 @@
       <p:sp>
         <p:nvSpPr>
           <p:cNvPr id="124" name="Google Shape;124;g5d30299014_0_5:notes"/>
-          <p:cNvSpPr/>
+          <p:cNvSpPr>
+            <a:spLocks noGrp="1" noRot="1" noChangeAspect="1"/>
+          </p:cNvSpPr>
           <p:nvPr>
-            <p:ph idx="2" type="sldImg"/>
+            <p:ph type="sldImg" idx="2"/>
           </p:nvPr>
         </p:nvSpPr>
         <p:spPr>
@@ -1227,9 +1271,13 @@
             <a:ext cx="6096000" cy="3429000"/>
           </a:xfrm>
           <a:custGeom>
-            <a:rect b="b" l="l" r="r" t="t"/>
+            <a:avLst/>
+            <a:gdLst/>
+            <a:ahLst/>
+            <a:cxnLst/>
+            <a:rect l="l" t="t" r="r" b="b"/>
             <a:pathLst>
-              <a:path extrusionOk="0" h="120000" w="120000">
+              <a:path w="120000" h="120000" extrusionOk="0">
                 <a:moveTo>
                   <a:pt x="0" y="0"/>
                 </a:moveTo>
@@ -1251,9 +1299,11 @@
       <p:sp>
         <p:nvSpPr>
           <p:cNvPr id="125" name="Google Shape;125;g5d30299014_0_5:notes"/>
-          <p:cNvSpPr txBox="1"/>
+          <p:cNvSpPr txBox="1">
+            <a:spLocks noGrp="1"/>
+          </p:cNvSpPr>
           <p:nvPr>
-            <p:ph idx="1" type="body"/>
+            <p:ph type="body" idx="1"/>
           </p:nvPr>
         </p:nvSpPr>
         <p:spPr>
@@ -1266,23 +1316,20 @@
           </a:prstGeom>
         </p:spPr>
         <p:txBody>
-          <a:bodyPr anchorCtr="0" anchor="t" bIns="91425" lIns="91425" spcFirstLastPara="1" rIns="91425" wrap="square" tIns="91425">
+          <a:bodyPr spcFirstLastPara="1" wrap="square" lIns="91425" tIns="91425" rIns="91425" bIns="91425" anchor="t" anchorCtr="0">
             <a:noAutofit/>
           </a:bodyPr>
           <a:lstStyle/>
           <a:p>
-            <a:pPr indent="0" lvl="0" marL="0" rtl="0" algn="l">
-              <a:spcBef>
-                <a:spcPts val="0"/>
-              </a:spcBef>
-              <a:spcAft>
-                <a:spcPts val="0"/>
-              </a:spcAft>
-              <a:buNone/>
-            </a:pPr>
-            <a:r>
-              <a:t/>
-            </a:r>
+            <a:pPr marL="0" lvl="0" indent="0" algn="l" rtl="0">
+              <a:spcBef>
+                <a:spcPts val="0"/>
+              </a:spcBef>
+              <a:spcAft>
+                <a:spcPts val="0"/>
+              </a:spcAft>
+              <a:buNone/>
+            </a:pPr>
             <a:endParaRPr/>
           </a:p>
         </p:txBody>
@@ -1296,11 +1343,11 @@
 </file>
 
 <file path=ppt/notesSlides/notesSlide15.xml><?xml version="1.0" encoding="utf-8"?>
-<p:notes xmlns:a="http://schemas.openxmlformats.org/drawingml/2006/main" xmlns:r="http://schemas.openxmlformats.org/officeDocument/2006/relationships" xmlns:mc="http://schemas.openxmlformats.org/markup-compatibility/2006" xmlns:mv="urn:schemas-microsoft-com:mac:vml" xmlns:p="http://schemas.openxmlformats.org/presentationml/2006/main" xmlns:c="http://schemas.openxmlformats.org/drawingml/2006/chart" xmlns:dgm="http://schemas.openxmlformats.org/drawingml/2006/diagram" xmlns:o="urn:schemas-microsoft-com:office:office" xmlns:v="urn:schemas-microsoft-com:vml" xmlns:pvml="urn:schemas-microsoft-com:office:powerpoint" xmlns:com="http://schemas.openxmlformats.org/drawingml/2006/compatibility" xmlns:p14="http://schemas.microsoft.com/office/powerpoint/2010/main" xmlns:p15="http://schemas.microsoft.com/office/powerpoint/2012/main" showMasterPhAnim="0" showMasterSp="0">
+<p:notes xmlns:a="http://schemas.openxmlformats.org/drawingml/2006/main" xmlns:r="http://schemas.openxmlformats.org/officeDocument/2006/relationships" xmlns:p="http://schemas.openxmlformats.org/presentationml/2006/main" showMasterSp="0" showMasterPhAnim="0">
   <p:cSld>
     <p:spTree>
       <p:nvGrpSpPr>
-        <p:cNvPr id="129" name="Shape 129"/>
+        <p:cNvPr id="1" name="Shape 129"/>
         <p:cNvGrpSpPr/>
         <p:nvPr/>
       </p:nvGrpSpPr>
@@ -1315,9 +1362,11 @@
       <p:sp>
         <p:nvSpPr>
           <p:cNvPr id="130" name="Google Shape;130;g5dbe2cd7cb_0_21:notes"/>
-          <p:cNvSpPr/>
+          <p:cNvSpPr>
+            <a:spLocks noGrp="1" noRot="1" noChangeAspect="1"/>
+          </p:cNvSpPr>
           <p:nvPr>
-            <p:ph idx="2" type="sldImg"/>
+            <p:ph type="sldImg" idx="2"/>
           </p:nvPr>
         </p:nvSpPr>
         <p:spPr>
@@ -1326,9 +1375,13 @@
             <a:ext cx="6096000" cy="3429000"/>
           </a:xfrm>
           <a:custGeom>
-            <a:rect b="b" l="l" r="r" t="t"/>
+            <a:avLst/>
+            <a:gdLst/>
+            <a:ahLst/>
+            <a:cxnLst/>
+            <a:rect l="l" t="t" r="r" b="b"/>
             <a:pathLst>
-              <a:path extrusionOk="0" h="120000" w="120000">
+              <a:path w="120000" h="120000" extrusionOk="0">
                 <a:moveTo>
                   <a:pt x="0" y="0"/>
                 </a:moveTo>
@@ -1350,9 +1403,11 @@
       <p:sp>
         <p:nvSpPr>
           <p:cNvPr id="131" name="Google Shape;131;g5dbe2cd7cb_0_21:notes"/>
-          <p:cNvSpPr txBox="1"/>
+          <p:cNvSpPr txBox="1">
+            <a:spLocks noGrp="1"/>
+          </p:cNvSpPr>
           <p:nvPr>
-            <p:ph idx="1" type="body"/>
+            <p:ph type="body" idx="1"/>
           </p:nvPr>
         </p:nvSpPr>
         <p:spPr>
@@ -1365,23 +1420,20 @@
           </a:prstGeom>
         </p:spPr>
         <p:txBody>
-          <a:bodyPr anchorCtr="0" anchor="t" bIns="91425" lIns="91425" spcFirstLastPara="1" rIns="91425" wrap="square" tIns="91425">
+          <a:bodyPr spcFirstLastPara="1" wrap="square" lIns="91425" tIns="91425" rIns="91425" bIns="91425" anchor="t" anchorCtr="0">
             <a:noAutofit/>
           </a:bodyPr>
           <a:lstStyle/>
           <a:p>
-            <a:pPr indent="0" lvl="0" marL="0" rtl="0" algn="l">
-              <a:spcBef>
-                <a:spcPts val="0"/>
-              </a:spcBef>
-              <a:spcAft>
-                <a:spcPts val="0"/>
-              </a:spcAft>
-              <a:buNone/>
-            </a:pPr>
-            <a:r>
-              <a:t/>
-            </a:r>
+            <a:pPr marL="0" lvl="0" indent="0" algn="l" rtl="0">
+              <a:spcBef>
+                <a:spcPts val="0"/>
+              </a:spcBef>
+              <a:spcAft>
+                <a:spcPts val="0"/>
+              </a:spcAft>
+              <a:buNone/>
+            </a:pPr>
             <a:endParaRPr/>
           </a:p>
         </p:txBody>
@@ -1395,11 +1447,120 @@
 </file>
 
 <file path=ppt/notesSlides/notesSlide16.xml><?xml version="1.0" encoding="utf-8"?>
-<p:notes xmlns:a="http://schemas.openxmlformats.org/drawingml/2006/main" xmlns:r="http://schemas.openxmlformats.org/officeDocument/2006/relationships" xmlns:mc="http://schemas.openxmlformats.org/markup-compatibility/2006" xmlns:mv="urn:schemas-microsoft-com:mac:vml" xmlns:p="http://schemas.openxmlformats.org/presentationml/2006/main" xmlns:c="http://schemas.openxmlformats.org/drawingml/2006/chart" xmlns:dgm="http://schemas.openxmlformats.org/drawingml/2006/diagram" xmlns:o="urn:schemas-microsoft-com:office:office" xmlns:v="urn:schemas-microsoft-com:vml" xmlns:pvml="urn:schemas-microsoft-com:office:powerpoint" xmlns:com="http://schemas.openxmlformats.org/drawingml/2006/compatibility" xmlns:p14="http://schemas.microsoft.com/office/powerpoint/2010/main" xmlns:p15="http://schemas.microsoft.com/office/powerpoint/2012/main" showMasterPhAnim="0" showMasterSp="0">
+<p:notes xmlns:a="http://schemas.openxmlformats.org/drawingml/2006/main" xmlns:r="http://schemas.openxmlformats.org/officeDocument/2006/relationships" xmlns:p="http://schemas.openxmlformats.org/presentationml/2006/main" showMasterSp="0" showMasterPhAnim="0">
   <p:cSld>
     <p:spTree>
       <p:nvGrpSpPr>
-        <p:cNvPr id="134" name="Shape 134"/>
+        <p:cNvPr id="1" name="Shape 89"/>
+        <p:cNvGrpSpPr/>
+        <p:nvPr/>
+      </p:nvGrpSpPr>
+      <p:grpSpPr>
+        <a:xfrm>
+          <a:off x="0" y="0"/>
+          <a:ext cx="0" cy="0"/>
+          <a:chOff x="0" y="0"/>
+          <a:chExt cx="0" cy="0"/>
+        </a:xfrm>
+      </p:grpSpPr>
+      <p:sp>
+        <p:nvSpPr>
+          <p:cNvPr id="90" name="Google Shape;90;g5e0f051925_0_25:notes"/>
+          <p:cNvSpPr>
+            <a:spLocks noGrp="1" noRot="1" noChangeAspect="1"/>
+          </p:cNvSpPr>
+          <p:nvPr>
+            <p:ph type="sldImg" idx="2"/>
+          </p:nvPr>
+        </p:nvSpPr>
+        <p:spPr>
+          <a:xfrm>
+            <a:off x="381000" y="685800"/>
+            <a:ext cx="6096000" cy="3429000"/>
+          </a:xfrm>
+          <a:custGeom>
+            <a:avLst/>
+            <a:gdLst/>
+            <a:ahLst/>
+            <a:cxnLst/>
+            <a:rect l="l" t="t" r="r" b="b"/>
+            <a:pathLst>
+              <a:path w="120000" h="120000" extrusionOk="0">
+                <a:moveTo>
+                  <a:pt x="0" y="0"/>
+                </a:moveTo>
+                <a:lnTo>
+                  <a:pt x="120000" y="0"/>
+                </a:lnTo>
+                <a:lnTo>
+                  <a:pt x="120000" y="120000"/>
+                </a:lnTo>
+                <a:lnTo>
+                  <a:pt x="0" y="120000"/>
+                </a:lnTo>
+                <a:close/>
+              </a:path>
+            </a:pathLst>
+          </a:custGeom>
+        </p:spPr>
+      </p:sp>
+      <p:sp>
+        <p:nvSpPr>
+          <p:cNvPr id="91" name="Google Shape;91;g5e0f051925_0_25:notes"/>
+          <p:cNvSpPr txBox="1">
+            <a:spLocks noGrp="1"/>
+          </p:cNvSpPr>
+          <p:nvPr>
+            <p:ph type="body" idx="1"/>
+          </p:nvPr>
+        </p:nvSpPr>
+        <p:spPr>
+          <a:xfrm>
+            <a:off x="685800" y="4343400"/>
+            <a:ext cx="5486400" cy="4114800"/>
+          </a:xfrm>
+          <a:prstGeom prst="rect">
+            <a:avLst/>
+          </a:prstGeom>
+        </p:spPr>
+        <p:txBody>
+          <a:bodyPr spcFirstLastPara="1" wrap="square" lIns="91425" tIns="91425" rIns="91425" bIns="91425" anchor="t" anchorCtr="0">
+            <a:noAutofit/>
+          </a:bodyPr>
+          <a:lstStyle/>
+          <a:p>
+            <a:pPr marL="0" lvl="0" indent="0" algn="l" rtl="0">
+              <a:spcBef>
+                <a:spcPts val="0"/>
+              </a:spcBef>
+              <a:spcAft>
+                <a:spcPts val="0"/>
+              </a:spcAft>
+              <a:buNone/>
+            </a:pPr>
+            <a:endParaRPr/>
+          </a:p>
+        </p:txBody>
+      </p:sp>
+    </p:spTree>
+    <p:extLst>
+      <p:ext uri="{BB962C8B-B14F-4D97-AF65-F5344CB8AC3E}">
+        <p14:creationId xmlns:p14="http://schemas.microsoft.com/office/powerpoint/2010/main" val="1490631040"/>
+      </p:ext>
+    </p:extLst>
+  </p:cSld>
+  <p:clrMapOvr>
+    <a:masterClrMapping/>
+  </p:clrMapOvr>
+</p:notes>
+</file>
+
+<file path=ppt/notesSlides/notesSlide17.xml><?xml version="1.0" encoding="utf-8"?>
+<p:notes xmlns:a="http://schemas.openxmlformats.org/drawingml/2006/main" xmlns:r="http://schemas.openxmlformats.org/officeDocument/2006/relationships" xmlns:p="http://schemas.openxmlformats.org/presentationml/2006/main" showMasterSp="0" showMasterPhAnim="0">
+  <p:cSld>
+    <p:spTree>
+      <p:nvGrpSpPr>
+        <p:cNvPr id="1" name="Shape 134"/>
         <p:cNvGrpSpPr/>
         <p:nvPr/>
       </p:nvGrpSpPr>
@@ -1414,9 +1575,11 @@
       <p:sp>
         <p:nvSpPr>
           <p:cNvPr id="135" name="Google Shape;135;g5dbe2cd7cb_0_25:notes"/>
-          <p:cNvSpPr/>
+          <p:cNvSpPr>
+            <a:spLocks noGrp="1" noRot="1" noChangeAspect="1"/>
+          </p:cNvSpPr>
           <p:nvPr>
-            <p:ph idx="2" type="sldImg"/>
+            <p:ph type="sldImg" idx="2"/>
           </p:nvPr>
         </p:nvSpPr>
         <p:spPr>
@@ -1425,9 +1588,13 @@
             <a:ext cx="6096000" cy="3429000"/>
           </a:xfrm>
           <a:custGeom>
-            <a:rect b="b" l="l" r="r" t="t"/>
+            <a:avLst/>
+            <a:gdLst/>
+            <a:ahLst/>
+            <a:cxnLst/>
+            <a:rect l="l" t="t" r="r" b="b"/>
             <a:pathLst>
-              <a:path extrusionOk="0" h="120000" w="120000">
+              <a:path w="120000" h="120000" extrusionOk="0">
                 <a:moveTo>
                   <a:pt x="0" y="0"/>
                 </a:moveTo>
@@ -1449,9 +1616,11 @@
       <p:sp>
         <p:nvSpPr>
           <p:cNvPr id="136" name="Google Shape;136;g5dbe2cd7cb_0_25:notes"/>
-          <p:cNvSpPr txBox="1"/>
+          <p:cNvSpPr txBox="1">
+            <a:spLocks noGrp="1"/>
+          </p:cNvSpPr>
           <p:nvPr>
-            <p:ph idx="1" type="body"/>
+            <p:ph type="body" idx="1"/>
           </p:nvPr>
         </p:nvSpPr>
         <p:spPr>
@@ -1464,23 +1633,20 @@
           </a:prstGeom>
         </p:spPr>
         <p:txBody>
-          <a:bodyPr anchorCtr="0" anchor="t" bIns="91425" lIns="91425" spcFirstLastPara="1" rIns="91425" wrap="square" tIns="91425">
+          <a:bodyPr spcFirstLastPara="1" wrap="square" lIns="91425" tIns="91425" rIns="91425" bIns="91425" anchor="t" anchorCtr="0">
             <a:noAutofit/>
           </a:bodyPr>
           <a:lstStyle/>
           <a:p>
-            <a:pPr indent="0" lvl="0" marL="0" rtl="0" algn="l">
-              <a:spcBef>
-                <a:spcPts val="0"/>
-              </a:spcBef>
-              <a:spcAft>
-                <a:spcPts val="0"/>
-              </a:spcAft>
-              <a:buNone/>
-            </a:pPr>
-            <a:r>
-              <a:t/>
-            </a:r>
+            <a:pPr marL="0" lvl="0" indent="0" algn="l" rtl="0">
+              <a:spcBef>
+                <a:spcPts val="0"/>
+              </a:spcBef>
+              <a:spcAft>
+                <a:spcPts val="0"/>
+              </a:spcAft>
+              <a:buNone/>
+            </a:pPr>
             <a:endParaRPr/>
           </a:p>
         </p:txBody>
@@ -1493,12 +1659,121 @@
 </p:notes>
 </file>
 
-<file path=ppt/notesSlides/notesSlide2.xml><?xml version="1.0" encoding="utf-8"?>
-<p:notes xmlns:a="http://schemas.openxmlformats.org/drawingml/2006/main" xmlns:r="http://schemas.openxmlformats.org/officeDocument/2006/relationships" xmlns:mc="http://schemas.openxmlformats.org/markup-compatibility/2006" xmlns:mv="urn:schemas-microsoft-com:mac:vml" xmlns:p="http://schemas.openxmlformats.org/presentationml/2006/main" xmlns:c="http://schemas.openxmlformats.org/drawingml/2006/chart" xmlns:dgm="http://schemas.openxmlformats.org/drawingml/2006/diagram" xmlns:o="urn:schemas-microsoft-com:office:office" xmlns:v="urn:schemas-microsoft-com:vml" xmlns:pvml="urn:schemas-microsoft-com:office:powerpoint" xmlns:com="http://schemas.openxmlformats.org/drawingml/2006/compatibility" xmlns:p14="http://schemas.microsoft.com/office/powerpoint/2010/main" xmlns:p15="http://schemas.microsoft.com/office/powerpoint/2012/main" showMasterPhAnim="0" showMasterSp="0">
+<file path=ppt/notesSlides/notesSlide18.xml><?xml version="1.0" encoding="utf-8"?>
+<p:notes xmlns:a="http://schemas.openxmlformats.org/drawingml/2006/main" xmlns:r="http://schemas.openxmlformats.org/officeDocument/2006/relationships" xmlns:p="http://schemas.openxmlformats.org/presentationml/2006/main" showMasterSp="0" showMasterPhAnim="0">
   <p:cSld>
     <p:spTree>
       <p:nvGrpSpPr>
-        <p:cNvPr id="56" name="Shape 56"/>
+        <p:cNvPr id="1" name="Shape 123"/>
+        <p:cNvGrpSpPr/>
+        <p:nvPr/>
+      </p:nvGrpSpPr>
+      <p:grpSpPr>
+        <a:xfrm>
+          <a:off x="0" y="0"/>
+          <a:ext cx="0" cy="0"/>
+          <a:chOff x="0" y="0"/>
+          <a:chExt cx="0" cy="0"/>
+        </a:xfrm>
+      </p:grpSpPr>
+      <p:sp>
+        <p:nvSpPr>
+          <p:cNvPr id="124" name="Google Shape;124;g5d30299014_0_5:notes"/>
+          <p:cNvSpPr>
+            <a:spLocks noGrp="1" noRot="1" noChangeAspect="1"/>
+          </p:cNvSpPr>
+          <p:nvPr>
+            <p:ph type="sldImg" idx="2"/>
+          </p:nvPr>
+        </p:nvSpPr>
+        <p:spPr>
+          <a:xfrm>
+            <a:off x="381000" y="685800"/>
+            <a:ext cx="6096000" cy="3429000"/>
+          </a:xfrm>
+          <a:custGeom>
+            <a:avLst/>
+            <a:gdLst/>
+            <a:ahLst/>
+            <a:cxnLst/>
+            <a:rect l="l" t="t" r="r" b="b"/>
+            <a:pathLst>
+              <a:path w="120000" h="120000" extrusionOk="0">
+                <a:moveTo>
+                  <a:pt x="0" y="0"/>
+                </a:moveTo>
+                <a:lnTo>
+                  <a:pt x="120000" y="0"/>
+                </a:lnTo>
+                <a:lnTo>
+                  <a:pt x="120000" y="120000"/>
+                </a:lnTo>
+                <a:lnTo>
+                  <a:pt x="0" y="120000"/>
+                </a:lnTo>
+                <a:close/>
+              </a:path>
+            </a:pathLst>
+          </a:custGeom>
+        </p:spPr>
+      </p:sp>
+      <p:sp>
+        <p:nvSpPr>
+          <p:cNvPr id="125" name="Google Shape;125;g5d30299014_0_5:notes"/>
+          <p:cNvSpPr txBox="1">
+            <a:spLocks noGrp="1"/>
+          </p:cNvSpPr>
+          <p:nvPr>
+            <p:ph type="body" idx="1"/>
+          </p:nvPr>
+        </p:nvSpPr>
+        <p:spPr>
+          <a:xfrm>
+            <a:off x="685800" y="4343400"/>
+            <a:ext cx="5486400" cy="4114800"/>
+          </a:xfrm>
+          <a:prstGeom prst="rect">
+            <a:avLst/>
+          </a:prstGeom>
+        </p:spPr>
+        <p:txBody>
+          <a:bodyPr spcFirstLastPara="1" wrap="square" lIns="91425" tIns="91425" rIns="91425" bIns="91425" anchor="t" anchorCtr="0">
+            <a:noAutofit/>
+          </a:bodyPr>
+          <a:lstStyle/>
+          <a:p>
+            <a:pPr marL="0" lvl="0" indent="0" algn="l" rtl="0">
+              <a:spcBef>
+                <a:spcPts val="0"/>
+              </a:spcBef>
+              <a:spcAft>
+                <a:spcPts val="0"/>
+              </a:spcAft>
+              <a:buNone/>
+            </a:pPr>
+            <a:endParaRPr/>
+          </a:p>
+        </p:txBody>
+      </p:sp>
+    </p:spTree>
+    <p:extLst>
+      <p:ext uri="{BB962C8B-B14F-4D97-AF65-F5344CB8AC3E}">
+        <p14:creationId xmlns:p14="http://schemas.microsoft.com/office/powerpoint/2010/main" val="325060622"/>
+      </p:ext>
+    </p:extLst>
+  </p:cSld>
+  <p:clrMapOvr>
+    <a:masterClrMapping/>
+  </p:clrMapOvr>
+</p:notes>
+</file>
+
+<file path=ppt/notesSlides/notesSlide2.xml><?xml version="1.0" encoding="utf-8"?>
+<p:notes xmlns:a="http://schemas.openxmlformats.org/drawingml/2006/main" xmlns:r="http://schemas.openxmlformats.org/officeDocument/2006/relationships" xmlns:p="http://schemas.openxmlformats.org/presentationml/2006/main" showMasterSp="0" showMasterPhAnim="0">
+  <p:cSld>
+    <p:spTree>
+      <p:nvGrpSpPr>
+        <p:cNvPr id="1" name="Shape 56"/>
         <p:cNvGrpSpPr/>
         <p:nvPr/>
       </p:nvGrpSpPr>
@@ -1513,9 +1788,11 @@
       <p:sp>
         <p:nvSpPr>
           <p:cNvPr id="57" name="Google Shape;57;g5dbe2cd7cb_0_0:notes"/>
-          <p:cNvSpPr/>
+          <p:cNvSpPr>
+            <a:spLocks noGrp="1" noRot="1" noChangeAspect="1"/>
+          </p:cNvSpPr>
           <p:nvPr>
-            <p:ph idx="2" type="sldImg"/>
+            <p:ph type="sldImg" idx="2"/>
           </p:nvPr>
         </p:nvSpPr>
         <p:spPr>
@@ -1524,9 +1801,13 @@
             <a:ext cx="6096000" cy="3429000"/>
           </a:xfrm>
           <a:custGeom>
-            <a:rect b="b" l="l" r="r" t="t"/>
+            <a:avLst/>
+            <a:gdLst/>
+            <a:ahLst/>
+            <a:cxnLst/>
+            <a:rect l="l" t="t" r="r" b="b"/>
             <a:pathLst>
-              <a:path extrusionOk="0" h="120000" w="120000">
+              <a:path w="120000" h="120000" extrusionOk="0">
                 <a:moveTo>
                   <a:pt x="0" y="0"/>
                 </a:moveTo>
@@ -1548,9 +1829,11 @@
       <p:sp>
         <p:nvSpPr>
           <p:cNvPr id="58" name="Google Shape;58;g5dbe2cd7cb_0_0:notes"/>
-          <p:cNvSpPr txBox="1"/>
+          <p:cNvSpPr txBox="1">
+            <a:spLocks noGrp="1"/>
+          </p:cNvSpPr>
           <p:nvPr>
-            <p:ph idx="1" type="body"/>
+            <p:ph type="body" idx="1"/>
           </p:nvPr>
         </p:nvSpPr>
         <p:spPr>
@@ -1563,23 +1846,20 @@
           </a:prstGeom>
         </p:spPr>
         <p:txBody>
-          <a:bodyPr anchorCtr="0" anchor="t" bIns="91425" lIns="91425" spcFirstLastPara="1" rIns="91425" wrap="square" tIns="91425">
+          <a:bodyPr spcFirstLastPara="1" wrap="square" lIns="91425" tIns="91425" rIns="91425" bIns="91425" anchor="t" anchorCtr="0">
             <a:noAutofit/>
           </a:bodyPr>
           <a:lstStyle/>
           <a:p>
-            <a:pPr indent="0" lvl="0" marL="0" rtl="0" algn="l">
-              <a:spcBef>
-                <a:spcPts val="0"/>
-              </a:spcBef>
-              <a:spcAft>
-                <a:spcPts val="0"/>
-              </a:spcAft>
-              <a:buNone/>
-            </a:pPr>
-            <a:r>
-              <a:t/>
-            </a:r>
+            <a:pPr marL="0" lvl="0" indent="0" algn="l" rtl="0">
+              <a:spcBef>
+                <a:spcPts val="0"/>
+              </a:spcBef>
+              <a:spcAft>
+                <a:spcPts val="0"/>
+              </a:spcAft>
+              <a:buNone/>
+            </a:pPr>
             <a:endParaRPr/>
           </a:p>
         </p:txBody>
@@ -1593,11 +1873,11 @@
 </file>
 
 <file path=ppt/notesSlides/notesSlide3.xml><?xml version="1.0" encoding="utf-8"?>
-<p:notes xmlns:a="http://schemas.openxmlformats.org/drawingml/2006/main" xmlns:r="http://schemas.openxmlformats.org/officeDocument/2006/relationships" xmlns:mc="http://schemas.openxmlformats.org/markup-compatibility/2006" xmlns:mv="urn:schemas-microsoft-com:mac:vml" xmlns:p="http://schemas.openxmlformats.org/presentationml/2006/main" xmlns:c="http://schemas.openxmlformats.org/drawingml/2006/chart" xmlns:dgm="http://schemas.openxmlformats.org/drawingml/2006/diagram" xmlns:o="urn:schemas-microsoft-com:office:office" xmlns:v="urn:schemas-microsoft-com:vml" xmlns:pvml="urn:schemas-microsoft-com:office:powerpoint" xmlns:com="http://schemas.openxmlformats.org/drawingml/2006/compatibility" xmlns:p14="http://schemas.microsoft.com/office/powerpoint/2010/main" xmlns:p15="http://schemas.microsoft.com/office/powerpoint/2012/main" showMasterPhAnim="0" showMasterSp="0">
+<p:notes xmlns:a="http://schemas.openxmlformats.org/drawingml/2006/main" xmlns:r="http://schemas.openxmlformats.org/officeDocument/2006/relationships" xmlns:p="http://schemas.openxmlformats.org/presentationml/2006/main" showMasterSp="0" showMasterPhAnim="0">
   <p:cSld>
     <p:spTree>
       <p:nvGrpSpPr>
-        <p:cNvPr id="61" name="Shape 61"/>
+        <p:cNvPr id="1" name="Shape 61"/>
         <p:cNvGrpSpPr/>
         <p:nvPr/>
       </p:nvGrpSpPr>
@@ -1612,9 +1892,11 @@
       <p:sp>
         <p:nvSpPr>
           <p:cNvPr id="62" name="Google Shape;62;g5e0f051925_0_0:notes"/>
-          <p:cNvSpPr/>
+          <p:cNvSpPr>
+            <a:spLocks noGrp="1" noRot="1" noChangeAspect="1"/>
+          </p:cNvSpPr>
           <p:nvPr>
-            <p:ph idx="2" type="sldImg"/>
+            <p:ph type="sldImg" idx="2"/>
           </p:nvPr>
         </p:nvSpPr>
         <p:spPr>
@@ -1623,9 +1905,13 @@
             <a:ext cx="6096000" cy="3429000"/>
           </a:xfrm>
           <a:custGeom>
-            <a:rect b="b" l="l" r="r" t="t"/>
+            <a:avLst/>
+            <a:gdLst/>
+            <a:ahLst/>
+            <a:cxnLst/>
+            <a:rect l="l" t="t" r="r" b="b"/>
             <a:pathLst>
-              <a:path extrusionOk="0" h="120000" w="120000">
+              <a:path w="120000" h="120000" extrusionOk="0">
                 <a:moveTo>
                   <a:pt x="0" y="0"/>
                 </a:moveTo>
@@ -1647,9 +1933,11 @@
       <p:sp>
         <p:nvSpPr>
           <p:cNvPr id="63" name="Google Shape;63;g5e0f051925_0_0:notes"/>
-          <p:cNvSpPr txBox="1"/>
+          <p:cNvSpPr txBox="1">
+            <a:spLocks noGrp="1"/>
+          </p:cNvSpPr>
           <p:nvPr>
-            <p:ph idx="1" type="body"/>
+            <p:ph type="body" idx="1"/>
           </p:nvPr>
         </p:nvSpPr>
         <p:spPr>
@@ -1662,23 +1950,20 @@
           </a:prstGeom>
         </p:spPr>
         <p:txBody>
-          <a:bodyPr anchorCtr="0" anchor="t" bIns="91425" lIns="91425" spcFirstLastPara="1" rIns="91425" wrap="square" tIns="91425">
+          <a:bodyPr spcFirstLastPara="1" wrap="square" lIns="91425" tIns="91425" rIns="91425" bIns="91425" anchor="t" anchorCtr="0">
             <a:noAutofit/>
           </a:bodyPr>
           <a:lstStyle/>
           <a:p>
-            <a:pPr indent="0" lvl="0" marL="0" rtl="0" algn="l">
-              <a:spcBef>
-                <a:spcPts val="0"/>
-              </a:spcBef>
-              <a:spcAft>
-                <a:spcPts val="0"/>
-              </a:spcAft>
-              <a:buNone/>
-            </a:pPr>
-            <a:r>
-              <a:t/>
-            </a:r>
+            <a:pPr marL="0" lvl="0" indent="0" algn="l" rtl="0">
+              <a:spcBef>
+                <a:spcPts val="0"/>
+              </a:spcBef>
+              <a:spcAft>
+                <a:spcPts val="0"/>
+              </a:spcAft>
+              <a:buNone/>
+            </a:pPr>
             <a:endParaRPr/>
           </a:p>
         </p:txBody>
@@ -1692,11 +1977,11 @@
 </file>
 
 <file path=ppt/notesSlides/notesSlide4.xml><?xml version="1.0" encoding="utf-8"?>
-<p:notes xmlns:a="http://schemas.openxmlformats.org/drawingml/2006/main" xmlns:r="http://schemas.openxmlformats.org/officeDocument/2006/relationships" xmlns:mc="http://schemas.openxmlformats.org/markup-compatibility/2006" xmlns:mv="urn:schemas-microsoft-com:mac:vml" xmlns:p="http://schemas.openxmlformats.org/presentationml/2006/main" xmlns:c="http://schemas.openxmlformats.org/drawingml/2006/chart" xmlns:dgm="http://schemas.openxmlformats.org/drawingml/2006/diagram" xmlns:o="urn:schemas-microsoft-com:office:office" xmlns:v="urn:schemas-microsoft-com:vml" xmlns:pvml="urn:schemas-microsoft-com:office:powerpoint" xmlns:com="http://schemas.openxmlformats.org/drawingml/2006/compatibility" xmlns:p14="http://schemas.microsoft.com/office/powerpoint/2010/main" xmlns:p15="http://schemas.microsoft.com/office/powerpoint/2012/main" showMasterPhAnim="0" showMasterSp="0">
+<p:notes xmlns:a="http://schemas.openxmlformats.org/drawingml/2006/main" xmlns:r="http://schemas.openxmlformats.org/officeDocument/2006/relationships" xmlns:p="http://schemas.openxmlformats.org/presentationml/2006/main" showMasterSp="0" showMasterPhAnim="0">
   <p:cSld>
     <p:spTree>
       <p:nvGrpSpPr>
-        <p:cNvPr id="67" name="Shape 67"/>
+        <p:cNvPr id="1" name="Shape 67"/>
         <p:cNvGrpSpPr/>
         <p:nvPr/>
       </p:nvGrpSpPr>
@@ -1711,9 +1996,11 @@
       <p:sp>
         <p:nvSpPr>
           <p:cNvPr id="68" name="Google Shape;68;g5e0f051925_0_5:notes"/>
-          <p:cNvSpPr/>
+          <p:cNvSpPr>
+            <a:spLocks noGrp="1" noRot="1" noChangeAspect="1"/>
+          </p:cNvSpPr>
           <p:nvPr>
-            <p:ph idx="2" type="sldImg"/>
+            <p:ph type="sldImg" idx="2"/>
           </p:nvPr>
         </p:nvSpPr>
         <p:spPr>
@@ -1722,9 +2009,13 @@
             <a:ext cx="6096000" cy="3429000"/>
           </a:xfrm>
           <a:custGeom>
-            <a:rect b="b" l="l" r="r" t="t"/>
+            <a:avLst/>
+            <a:gdLst/>
+            <a:ahLst/>
+            <a:cxnLst/>
+            <a:rect l="l" t="t" r="r" b="b"/>
             <a:pathLst>
-              <a:path extrusionOk="0" h="120000" w="120000">
+              <a:path w="120000" h="120000" extrusionOk="0">
                 <a:moveTo>
                   <a:pt x="0" y="0"/>
                 </a:moveTo>
@@ -1746,9 +2037,11 @@
       <p:sp>
         <p:nvSpPr>
           <p:cNvPr id="69" name="Google Shape;69;g5e0f051925_0_5:notes"/>
-          <p:cNvSpPr txBox="1"/>
+          <p:cNvSpPr txBox="1">
+            <a:spLocks noGrp="1"/>
+          </p:cNvSpPr>
           <p:nvPr>
-            <p:ph idx="1" type="body"/>
+            <p:ph type="body" idx="1"/>
           </p:nvPr>
         </p:nvSpPr>
         <p:spPr>
@@ -1761,23 +2054,20 @@
           </a:prstGeom>
         </p:spPr>
         <p:txBody>
-          <a:bodyPr anchorCtr="0" anchor="t" bIns="91425" lIns="91425" spcFirstLastPara="1" rIns="91425" wrap="square" tIns="91425">
+          <a:bodyPr spcFirstLastPara="1" wrap="square" lIns="91425" tIns="91425" rIns="91425" bIns="91425" anchor="t" anchorCtr="0">
             <a:noAutofit/>
           </a:bodyPr>
           <a:lstStyle/>
           <a:p>
-            <a:pPr indent="0" lvl="0" marL="0" rtl="0" algn="l">
-              <a:spcBef>
-                <a:spcPts val="0"/>
-              </a:spcBef>
-              <a:spcAft>
-                <a:spcPts val="0"/>
-              </a:spcAft>
-              <a:buNone/>
-            </a:pPr>
-            <a:r>
-              <a:t/>
-            </a:r>
+            <a:pPr marL="0" lvl="0" indent="0" algn="l" rtl="0">
+              <a:spcBef>
+                <a:spcPts val="0"/>
+              </a:spcBef>
+              <a:spcAft>
+                <a:spcPts val="0"/>
+              </a:spcAft>
+              <a:buNone/>
+            </a:pPr>
             <a:endParaRPr/>
           </a:p>
         </p:txBody>
@@ -1791,11 +2081,11 @@
 </file>
 
 <file path=ppt/notesSlides/notesSlide5.xml><?xml version="1.0" encoding="utf-8"?>
-<p:notes xmlns:a="http://schemas.openxmlformats.org/drawingml/2006/main" xmlns:r="http://schemas.openxmlformats.org/officeDocument/2006/relationships" xmlns:mc="http://schemas.openxmlformats.org/markup-compatibility/2006" xmlns:mv="urn:schemas-microsoft-com:mac:vml" xmlns:p="http://schemas.openxmlformats.org/presentationml/2006/main" xmlns:c="http://schemas.openxmlformats.org/drawingml/2006/chart" xmlns:dgm="http://schemas.openxmlformats.org/drawingml/2006/diagram" xmlns:o="urn:schemas-microsoft-com:office:office" xmlns:v="urn:schemas-microsoft-com:vml" xmlns:pvml="urn:schemas-microsoft-com:office:powerpoint" xmlns:com="http://schemas.openxmlformats.org/drawingml/2006/compatibility" xmlns:p14="http://schemas.microsoft.com/office/powerpoint/2010/main" xmlns:p15="http://schemas.microsoft.com/office/powerpoint/2012/main" showMasterPhAnim="0" showMasterSp="0">
+<p:notes xmlns:a="http://schemas.openxmlformats.org/drawingml/2006/main" xmlns:r="http://schemas.openxmlformats.org/officeDocument/2006/relationships" xmlns:p="http://schemas.openxmlformats.org/presentationml/2006/main" showMasterSp="0" showMasterPhAnim="0">
   <p:cSld>
     <p:spTree>
       <p:nvGrpSpPr>
-        <p:cNvPr id="73" name="Shape 73"/>
+        <p:cNvPr id="1" name="Shape 73"/>
         <p:cNvGrpSpPr/>
         <p:nvPr/>
       </p:nvGrpSpPr>
@@ -1810,9 +2100,11 @@
       <p:sp>
         <p:nvSpPr>
           <p:cNvPr id="74" name="Google Shape;74;g5dbe2cd7cb_0_9:notes"/>
-          <p:cNvSpPr/>
+          <p:cNvSpPr>
+            <a:spLocks noGrp="1" noRot="1" noChangeAspect="1"/>
+          </p:cNvSpPr>
           <p:nvPr>
-            <p:ph idx="2" type="sldImg"/>
+            <p:ph type="sldImg" idx="2"/>
           </p:nvPr>
         </p:nvSpPr>
         <p:spPr>
@@ -1821,9 +2113,13 @@
             <a:ext cx="6096000" cy="3429000"/>
           </a:xfrm>
           <a:custGeom>
-            <a:rect b="b" l="l" r="r" t="t"/>
+            <a:avLst/>
+            <a:gdLst/>
+            <a:ahLst/>
+            <a:cxnLst/>
+            <a:rect l="l" t="t" r="r" b="b"/>
             <a:pathLst>
-              <a:path extrusionOk="0" h="120000" w="120000">
+              <a:path w="120000" h="120000" extrusionOk="0">
                 <a:moveTo>
                   <a:pt x="0" y="0"/>
                 </a:moveTo>
@@ -1845,9 +2141,11 @@
       <p:sp>
         <p:nvSpPr>
           <p:cNvPr id="75" name="Google Shape;75;g5dbe2cd7cb_0_9:notes"/>
-          <p:cNvSpPr txBox="1"/>
+          <p:cNvSpPr txBox="1">
+            <a:spLocks noGrp="1"/>
+          </p:cNvSpPr>
           <p:nvPr>
-            <p:ph idx="1" type="body"/>
+            <p:ph type="body" idx="1"/>
           </p:nvPr>
         </p:nvSpPr>
         <p:spPr>
@@ -1860,23 +2158,20 @@
           </a:prstGeom>
         </p:spPr>
         <p:txBody>
-          <a:bodyPr anchorCtr="0" anchor="t" bIns="91425" lIns="91425" spcFirstLastPara="1" rIns="91425" wrap="square" tIns="91425">
+          <a:bodyPr spcFirstLastPara="1" wrap="square" lIns="91425" tIns="91425" rIns="91425" bIns="91425" anchor="t" anchorCtr="0">
             <a:noAutofit/>
           </a:bodyPr>
           <a:lstStyle/>
           <a:p>
-            <a:pPr indent="0" lvl="0" marL="0" rtl="0" algn="l">
-              <a:spcBef>
-                <a:spcPts val="0"/>
-              </a:spcBef>
-              <a:spcAft>
-                <a:spcPts val="0"/>
-              </a:spcAft>
-              <a:buNone/>
-            </a:pPr>
-            <a:r>
-              <a:t/>
-            </a:r>
+            <a:pPr marL="0" lvl="0" indent="0" algn="l" rtl="0">
+              <a:spcBef>
+                <a:spcPts val="0"/>
+              </a:spcBef>
+              <a:spcAft>
+                <a:spcPts val="0"/>
+              </a:spcAft>
+              <a:buNone/>
+            </a:pPr>
             <a:endParaRPr/>
           </a:p>
         </p:txBody>
@@ -1890,11 +2185,11 @@
 </file>
 
 <file path=ppt/notesSlides/notesSlide6.xml><?xml version="1.0" encoding="utf-8"?>
-<p:notes xmlns:a="http://schemas.openxmlformats.org/drawingml/2006/main" xmlns:r="http://schemas.openxmlformats.org/officeDocument/2006/relationships" xmlns:mc="http://schemas.openxmlformats.org/markup-compatibility/2006" xmlns:mv="urn:schemas-microsoft-com:mac:vml" xmlns:p="http://schemas.openxmlformats.org/presentationml/2006/main" xmlns:c="http://schemas.openxmlformats.org/drawingml/2006/chart" xmlns:dgm="http://schemas.openxmlformats.org/drawingml/2006/diagram" xmlns:o="urn:schemas-microsoft-com:office:office" xmlns:v="urn:schemas-microsoft-com:vml" xmlns:pvml="urn:schemas-microsoft-com:office:powerpoint" xmlns:com="http://schemas.openxmlformats.org/drawingml/2006/compatibility" xmlns:p14="http://schemas.microsoft.com/office/powerpoint/2010/main" xmlns:p15="http://schemas.microsoft.com/office/powerpoint/2012/main" showMasterPhAnim="0" showMasterSp="0">
+<p:notes xmlns:a="http://schemas.openxmlformats.org/drawingml/2006/main" xmlns:r="http://schemas.openxmlformats.org/officeDocument/2006/relationships" xmlns:p="http://schemas.openxmlformats.org/presentationml/2006/main" showMasterSp="0" showMasterPhAnim="0">
   <p:cSld>
     <p:spTree>
       <p:nvGrpSpPr>
-        <p:cNvPr id="78" name="Shape 78"/>
+        <p:cNvPr id="1" name="Shape 78"/>
         <p:cNvGrpSpPr/>
         <p:nvPr/>
       </p:nvGrpSpPr>
@@ -1909,9 +2204,11 @@
       <p:sp>
         <p:nvSpPr>
           <p:cNvPr id="79" name="Google Shape;79;g5dbe2cd7cb_0_13:notes"/>
-          <p:cNvSpPr/>
+          <p:cNvSpPr>
+            <a:spLocks noGrp="1" noRot="1" noChangeAspect="1"/>
+          </p:cNvSpPr>
           <p:nvPr>
-            <p:ph idx="2" type="sldImg"/>
+            <p:ph type="sldImg" idx="2"/>
           </p:nvPr>
         </p:nvSpPr>
         <p:spPr>
@@ -1920,9 +2217,13 @@
             <a:ext cx="6096000" cy="3429000"/>
           </a:xfrm>
           <a:custGeom>
-            <a:rect b="b" l="l" r="r" t="t"/>
+            <a:avLst/>
+            <a:gdLst/>
+            <a:ahLst/>
+            <a:cxnLst/>
+            <a:rect l="l" t="t" r="r" b="b"/>
             <a:pathLst>
-              <a:path extrusionOk="0" h="120000" w="120000">
+              <a:path w="120000" h="120000" extrusionOk="0">
                 <a:moveTo>
                   <a:pt x="0" y="0"/>
                 </a:moveTo>
@@ -1944,9 +2245,11 @@
       <p:sp>
         <p:nvSpPr>
           <p:cNvPr id="80" name="Google Shape;80;g5dbe2cd7cb_0_13:notes"/>
-          <p:cNvSpPr txBox="1"/>
+          <p:cNvSpPr txBox="1">
+            <a:spLocks noGrp="1"/>
+          </p:cNvSpPr>
           <p:nvPr>
-            <p:ph idx="1" type="body"/>
+            <p:ph type="body" idx="1"/>
           </p:nvPr>
         </p:nvSpPr>
         <p:spPr>
@@ -1959,23 +2262,20 @@
           </a:prstGeom>
         </p:spPr>
         <p:txBody>
-          <a:bodyPr anchorCtr="0" anchor="t" bIns="91425" lIns="91425" spcFirstLastPara="1" rIns="91425" wrap="square" tIns="91425">
+          <a:bodyPr spcFirstLastPara="1" wrap="square" lIns="91425" tIns="91425" rIns="91425" bIns="91425" anchor="t" anchorCtr="0">
             <a:noAutofit/>
           </a:bodyPr>
           <a:lstStyle/>
           <a:p>
-            <a:pPr indent="0" lvl="0" marL="0" rtl="0" algn="l">
-              <a:spcBef>
-                <a:spcPts val="0"/>
-              </a:spcBef>
-              <a:spcAft>
-                <a:spcPts val="0"/>
-              </a:spcAft>
-              <a:buNone/>
-            </a:pPr>
-            <a:r>
-              <a:t/>
-            </a:r>
+            <a:pPr marL="0" lvl="0" indent="0" algn="l" rtl="0">
+              <a:spcBef>
+                <a:spcPts val="0"/>
+              </a:spcBef>
+              <a:spcAft>
+                <a:spcPts val="0"/>
+              </a:spcAft>
+              <a:buNone/>
+            </a:pPr>
             <a:endParaRPr/>
           </a:p>
         </p:txBody>
@@ -1989,11 +2289,11 @@
 </file>
 
 <file path=ppt/notesSlides/notesSlide7.xml><?xml version="1.0" encoding="utf-8"?>
-<p:notes xmlns:a="http://schemas.openxmlformats.org/drawingml/2006/main" xmlns:r="http://schemas.openxmlformats.org/officeDocument/2006/relationships" xmlns:mc="http://schemas.openxmlformats.org/markup-compatibility/2006" xmlns:mv="urn:schemas-microsoft-com:mac:vml" xmlns:p="http://schemas.openxmlformats.org/presentationml/2006/main" xmlns:c="http://schemas.openxmlformats.org/drawingml/2006/chart" xmlns:dgm="http://schemas.openxmlformats.org/drawingml/2006/diagram" xmlns:o="urn:schemas-microsoft-com:office:office" xmlns:v="urn:schemas-microsoft-com:vml" xmlns:pvml="urn:schemas-microsoft-com:office:powerpoint" xmlns:com="http://schemas.openxmlformats.org/drawingml/2006/compatibility" xmlns:p14="http://schemas.microsoft.com/office/powerpoint/2010/main" xmlns:p15="http://schemas.microsoft.com/office/powerpoint/2012/main" showMasterPhAnim="0" showMasterSp="0">
+<p:notes xmlns:a="http://schemas.openxmlformats.org/drawingml/2006/main" xmlns:r="http://schemas.openxmlformats.org/officeDocument/2006/relationships" xmlns:p="http://schemas.openxmlformats.org/presentationml/2006/main" showMasterSp="0" showMasterPhAnim="0">
   <p:cSld>
     <p:spTree>
       <p:nvGrpSpPr>
-        <p:cNvPr id="83" name="Shape 83"/>
+        <p:cNvPr id="1" name="Shape 83"/>
         <p:cNvGrpSpPr/>
         <p:nvPr/>
       </p:nvGrpSpPr>
@@ -2008,9 +2308,11 @@
       <p:sp>
         <p:nvSpPr>
           <p:cNvPr id="84" name="Google Shape;84;g5e0f051925_0_20:notes"/>
-          <p:cNvSpPr/>
+          <p:cNvSpPr>
+            <a:spLocks noGrp="1" noRot="1" noChangeAspect="1"/>
+          </p:cNvSpPr>
           <p:nvPr>
-            <p:ph idx="2" type="sldImg"/>
+            <p:ph type="sldImg" idx="2"/>
           </p:nvPr>
         </p:nvSpPr>
         <p:spPr>
@@ -2019,9 +2321,13 @@
             <a:ext cx="6096000" cy="3429000"/>
           </a:xfrm>
           <a:custGeom>
-            <a:rect b="b" l="l" r="r" t="t"/>
+            <a:avLst/>
+            <a:gdLst/>
+            <a:ahLst/>
+            <a:cxnLst/>
+            <a:rect l="l" t="t" r="r" b="b"/>
             <a:pathLst>
-              <a:path extrusionOk="0" h="120000" w="120000">
+              <a:path w="120000" h="120000" extrusionOk="0">
                 <a:moveTo>
                   <a:pt x="0" y="0"/>
                 </a:moveTo>
@@ -2043,9 +2349,11 @@
       <p:sp>
         <p:nvSpPr>
           <p:cNvPr id="85" name="Google Shape;85;g5e0f051925_0_20:notes"/>
-          <p:cNvSpPr txBox="1"/>
+          <p:cNvSpPr txBox="1">
+            <a:spLocks noGrp="1"/>
+          </p:cNvSpPr>
           <p:nvPr>
-            <p:ph idx="1" type="body"/>
+            <p:ph type="body" idx="1"/>
           </p:nvPr>
         </p:nvSpPr>
         <p:spPr>
@@ -2058,23 +2366,20 @@
           </a:prstGeom>
         </p:spPr>
         <p:txBody>
-          <a:bodyPr anchorCtr="0" anchor="t" bIns="91425" lIns="91425" spcFirstLastPara="1" rIns="91425" wrap="square" tIns="91425">
+          <a:bodyPr spcFirstLastPara="1" wrap="square" lIns="91425" tIns="91425" rIns="91425" bIns="91425" anchor="t" anchorCtr="0">
             <a:noAutofit/>
           </a:bodyPr>
           <a:lstStyle/>
           <a:p>
-            <a:pPr indent="0" lvl="0" marL="0" rtl="0" algn="l">
-              <a:spcBef>
-                <a:spcPts val="0"/>
-              </a:spcBef>
-              <a:spcAft>
-                <a:spcPts val="0"/>
-              </a:spcAft>
-              <a:buNone/>
-            </a:pPr>
-            <a:r>
-              <a:t/>
-            </a:r>
+            <a:pPr marL="0" lvl="0" indent="0" algn="l" rtl="0">
+              <a:spcBef>
+                <a:spcPts val="0"/>
+              </a:spcBef>
+              <a:spcAft>
+                <a:spcPts val="0"/>
+              </a:spcAft>
+              <a:buNone/>
+            </a:pPr>
             <a:endParaRPr/>
           </a:p>
         </p:txBody>
@@ -2088,11 +2393,11 @@
 </file>
 
 <file path=ppt/notesSlides/notesSlide8.xml><?xml version="1.0" encoding="utf-8"?>
-<p:notes xmlns:a="http://schemas.openxmlformats.org/drawingml/2006/main" xmlns:r="http://schemas.openxmlformats.org/officeDocument/2006/relationships" xmlns:mc="http://schemas.openxmlformats.org/markup-compatibility/2006" xmlns:mv="urn:schemas-microsoft-com:mac:vml" xmlns:p="http://schemas.openxmlformats.org/presentationml/2006/main" xmlns:c="http://schemas.openxmlformats.org/drawingml/2006/chart" xmlns:dgm="http://schemas.openxmlformats.org/drawingml/2006/diagram" xmlns:o="urn:schemas-microsoft-com:office:office" xmlns:v="urn:schemas-microsoft-com:vml" xmlns:pvml="urn:schemas-microsoft-com:office:powerpoint" xmlns:com="http://schemas.openxmlformats.org/drawingml/2006/compatibility" xmlns:p14="http://schemas.microsoft.com/office/powerpoint/2010/main" xmlns:p15="http://schemas.microsoft.com/office/powerpoint/2012/main" showMasterPhAnim="0" showMasterSp="0">
+<p:notes xmlns:a="http://schemas.openxmlformats.org/drawingml/2006/main" xmlns:r="http://schemas.openxmlformats.org/officeDocument/2006/relationships" xmlns:p="http://schemas.openxmlformats.org/presentationml/2006/main" showMasterSp="0" showMasterPhAnim="0">
   <p:cSld>
     <p:spTree>
       <p:nvGrpSpPr>
-        <p:cNvPr id="89" name="Shape 89"/>
+        <p:cNvPr id="1" name="Shape 89"/>
         <p:cNvGrpSpPr/>
         <p:nvPr/>
       </p:nvGrpSpPr>
@@ -2107,9 +2412,11 @@
       <p:sp>
         <p:nvSpPr>
           <p:cNvPr id="90" name="Google Shape;90;g5e0f051925_0_25:notes"/>
-          <p:cNvSpPr/>
+          <p:cNvSpPr>
+            <a:spLocks noGrp="1" noRot="1" noChangeAspect="1"/>
+          </p:cNvSpPr>
           <p:nvPr>
-            <p:ph idx="2" type="sldImg"/>
+            <p:ph type="sldImg" idx="2"/>
           </p:nvPr>
         </p:nvSpPr>
         <p:spPr>
@@ -2118,9 +2425,13 @@
             <a:ext cx="6096000" cy="3429000"/>
           </a:xfrm>
           <a:custGeom>
-            <a:rect b="b" l="l" r="r" t="t"/>
+            <a:avLst/>
+            <a:gdLst/>
+            <a:ahLst/>
+            <a:cxnLst/>
+            <a:rect l="l" t="t" r="r" b="b"/>
             <a:pathLst>
-              <a:path extrusionOk="0" h="120000" w="120000">
+              <a:path w="120000" h="120000" extrusionOk="0">
                 <a:moveTo>
                   <a:pt x="0" y="0"/>
                 </a:moveTo>
@@ -2142,9 +2453,11 @@
       <p:sp>
         <p:nvSpPr>
           <p:cNvPr id="91" name="Google Shape;91;g5e0f051925_0_25:notes"/>
-          <p:cNvSpPr txBox="1"/>
+          <p:cNvSpPr txBox="1">
+            <a:spLocks noGrp="1"/>
+          </p:cNvSpPr>
           <p:nvPr>
-            <p:ph idx="1" type="body"/>
+            <p:ph type="body" idx="1"/>
           </p:nvPr>
         </p:nvSpPr>
         <p:spPr>
@@ -2157,23 +2470,20 @@
           </a:prstGeom>
         </p:spPr>
         <p:txBody>
-          <a:bodyPr anchorCtr="0" anchor="t" bIns="91425" lIns="91425" spcFirstLastPara="1" rIns="91425" wrap="square" tIns="91425">
+          <a:bodyPr spcFirstLastPara="1" wrap="square" lIns="91425" tIns="91425" rIns="91425" bIns="91425" anchor="t" anchorCtr="0">
             <a:noAutofit/>
           </a:bodyPr>
           <a:lstStyle/>
           <a:p>
-            <a:pPr indent="0" lvl="0" marL="0" rtl="0" algn="l">
-              <a:spcBef>
-                <a:spcPts val="0"/>
-              </a:spcBef>
-              <a:spcAft>
-                <a:spcPts val="0"/>
-              </a:spcAft>
-              <a:buNone/>
-            </a:pPr>
-            <a:r>
-              <a:t/>
-            </a:r>
+            <a:pPr marL="0" lvl="0" indent="0" algn="l" rtl="0">
+              <a:spcBef>
+                <a:spcPts val="0"/>
+              </a:spcBef>
+              <a:spcAft>
+                <a:spcPts val="0"/>
+              </a:spcAft>
+              <a:buNone/>
+            </a:pPr>
             <a:endParaRPr/>
           </a:p>
         </p:txBody>
@@ -2187,11 +2497,11 @@
 </file>
 
 <file path=ppt/notesSlides/notesSlide9.xml><?xml version="1.0" encoding="utf-8"?>
-<p:notes xmlns:a="http://schemas.openxmlformats.org/drawingml/2006/main" xmlns:r="http://schemas.openxmlformats.org/officeDocument/2006/relationships" xmlns:mc="http://schemas.openxmlformats.org/markup-compatibility/2006" xmlns:mv="urn:schemas-microsoft-com:mac:vml" xmlns:p="http://schemas.openxmlformats.org/presentationml/2006/main" xmlns:c="http://schemas.openxmlformats.org/drawingml/2006/chart" xmlns:dgm="http://schemas.openxmlformats.org/drawingml/2006/diagram" xmlns:o="urn:schemas-microsoft-com:office:office" xmlns:v="urn:schemas-microsoft-com:vml" xmlns:pvml="urn:schemas-microsoft-com:office:powerpoint" xmlns:com="http://schemas.openxmlformats.org/drawingml/2006/compatibility" xmlns:p14="http://schemas.microsoft.com/office/powerpoint/2010/main" xmlns:p15="http://schemas.microsoft.com/office/powerpoint/2012/main" showMasterPhAnim="0" showMasterSp="0">
+<p:notes xmlns:a="http://schemas.openxmlformats.org/drawingml/2006/main" xmlns:r="http://schemas.openxmlformats.org/officeDocument/2006/relationships" xmlns:p="http://schemas.openxmlformats.org/presentationml/2006/main" showMasterSp="0" showMasterPhAnim="0">
   <p:cSld>
     <p:spTree>
       <p:nvGrpSpPr>
-        <p:cNvPr id="95" name="Shape 95"/>
+        <p:cNvPr id="1" name="Shape 95"/>
         <p:cNvGrpSpPr/>
         <p:nvPr/>
       </p:nvGrpSpPr>
@@ -2206,9 +2516,11 @@
       <p:sp>
         <p:nvSpPr>
           <p:cNvPr id="96" name="Google Shape;96;g5dbe2cd7cb_0_17:notes"/>
-          <p:cNvSpPr/>
+          <p:cNvSpPr>
+            <a:spLocks noGrp="1" noRot="1" noChangeAspect="1"/>
+          </p:cNvSpPr>
           <p:nvPr>
-            <p:ph idx="2" type="sldImg"/>
+            <p:ph type="sldImg" idx="2"/>
           </p:nvPr>
         </p:nvSpPr>
         <p:spPr>
@@ -2217,9 +2529,13 @@
             <a:ext cx="6096000" cy="3429000"/>
           </a:xfrm>
           <a:custGeom>
-            <a:rect b="b" l="l" r="r" t="t"/>
+            <a:avLst/>
+            <a:gdLst/>
+            <a:ahLst/>
+            <a:cxnLst/>
+            <a:rect l="l" t="t" r="r" b="b"/>
             <a:pathLst>
-              <a:path extrusionOk="0" h="120000" w="120000">
+              <a:path w="120000" h="120000" extrusionOk="0">
                 <a:moveTo>
                   <a:pt x="0" y="0"/>
                 </a:moveTo>
@@ -2241,9 +2557,11 @@
       <p:sp>
         <p:nvSpPr>
           <p:cNvPr id="97" name="Google Shape;97;g5dbe2cd7cb_0_17:notes"/>
-          <p:cNvSpPr txBox="1"/>
+          <p:cNvSpPr txBox="1">
+            <a:spLocks noGrp="1"/>
+          </p:cNvSpPr>
           <p:nvPr>
-            <p:ph idx="1" type="body"/>
+            <p:ph type="body" idx="1"/>
           </p:nvPr>
         </p:nvSpPr>
         <p:spPr>
@@ -2256,23 +2574,20 @@
           </a:prstGeom>
         </p:spPr>
         <p:txBody>
-          <a:bodyPr anchorCtr="0" anchor="t" bIns="91425" lIns="91425" spcFirstLastPara="1" rIns="91425" wrap="square" tIns="91425">
+          <a:bodyPr spcFirstLastPara="1" wrap="square" lIns="91425" tIns="91425" rIns="91425" bIns="91425" anchor="t" anchorCtr="0">
             <a:noAutofit/>
           </a:bodyPr>
           <a:lstStyle/>
           <a:p>
-            <a:pPr indent="0" lvl="0" marL="0" rtl="0" algn="l">
-              <a:spcBef>
-                <a:spcPts val="0"/>
-              </a:spcBef>
-              <a:spcAft>
-                <a:spcPts val="0"/>
-              </a:spcAft>
-              <a:buNone/>
-            </a:pPr>
-            <a:r>
-              <a:t/>
-            </a:r>
+            <a:pPr marL="0" lvl="0" indent="0" algn="l" rtl="0">
+              <a:spcBef>
+                <a:spcPts val="0"/>
+              </a:spcBef>
+              <a:spcAft>
+                <a:spcPts val="0"/>
+              </a:spcAft>
+              <a:buNone/>
+            </a:pPr>
             <a:endParaRPr/>
           </a:p>
         </p:txBody>
@@ -2286,11 +2601,11 @@
 </file>
 
 <file path=ppt/slideLayouts/slideLayout1.xml><?xml version="1.0" encoding="utf-8"?>
-<p:sldLayout xmlns:a="http://schemas.openxmlformats.org/drawingml/2006/main" xmlns:r="http://schemas.openxmlformats.org/officeDocument/2006/relationships" xmlns:mc="http://schemas.openxmlformats.org/markup-compatibility/2006" xmlns:mv="urn:schemas-microsoft-com:mac:vml" xmlns:p="http://schemas.openxmlformats.org/presentationml/2006/main" xmlns:c="http://schemas.openxmlformats.org/drawingml/2006/chart" xmlns:dgm="http://schemas.openxmlformats.org/drawingml/2006/diagram" xmlns:o="urn:schemas-microsoft-com:office:office" xmlns:v="urn:schemas-microsoft-com:vml" xmlns:pvml="urn:schemas-microsoft-com:office:powerpoint" xmlns:com="http://schemas.openxmlformats.org/drawingml/2006/compatibility" xmlns:p14="http://schemas.microsoft.com/office/powerpoint/2010/main" xmlns:p15="http://schemas.microsoft.com/office/powerpoint/2012/main" matchingName="Title slide" type="title">
+<p:sldLayout xmlns:a="http://schemas.openxmlformats.org/drawingml/2006/main" xmlns:r="http://schemas.openxmlformats.org/officeDocument/2006/relationships" xmlns:p="http://schemas.openxmlformats.org/presentationml/2006/main" matchingName="Title slide" type="title">
   <p:cSld name="TITLE">
     <p:spTree>
       <p:nvGrpSpPr>
-        <p:cNvPr id="9" name="Shape 9"/>
+        <p:cNvPr id="1" name="Shape 9"/>
         <p:cNvGrpSpPr/>
         <p:nvPr/>
       </p:nvGrpSpPr>
@@ -2305,7 +2620,9 @@
       <p:sp>
         <p:nvSpPr>
           <p:cNvPr id="10" name="Google Shape;10;p2"/>
-          <p:cNvSpPr txBox="1"/>
+          <p:cNvSpPr txBox="1">
+            <a:spLocks noGrp="1"/>
+          </p:cNvSpPr>
           <p:nvPr>
             <p:ph type="ctrTitle"/>
           </p:nvPr>
@@ -2320,7 +2637,7 @@
           </a:prstGeom>
         </p:spPr>
         <p:txBody>
-          <a:bodyPr anchorCtr="0" anchor="b" bIns="91425" lIns="91425" spcFirstLastPara="1" rIns="91425" wrap="square" tIns="91425">
+          <a:bodyPr spcFirstLastPara="1" wrap="square" lIns="91425" tIns="91425" rIns="91425" bIns="91425" anchor="b" anchorCtr="0">
             <a:noAutofit/>
           </a:bodyPr>
           <a:lstStyle>
@@ -2424,15 +2741,19 @@
               <a:defRPr sz="5200"/>
             </a:lvl9pPr>
           </a:lstStyle>
-          <a:p/>
+          <a:p>
+            <a:endParaRPr/>
+          </a:p>
         </p:txBody>
       </p:sp>
       <p:sp>
         <p:nvSpPr>
           <p:cNvPr id="11" name="Google Shape;11;p2"/>
-          <p:cNvSpPr txBox="1"/>
+          <p:cNvSpPr txBox="1">
+            <a:spLocks noGrp="1"/>
+          </p:cNvSpPr>
           <p:nvPr>
-            <p:ph idx="1" type="subTitle"/>
+            <p:ph type="subTitle" idx="1"/>
           </p:nvPr>
         </p:nvSpPr>
         <p:spPr>
@@ -2445,7 +2766,7 @@
           </a:prstGeom>
         </p:spPr>
         <p:txBody>
-          <a:bodyPr anchorCtr="0" anchor="t" bIns="91425" lIns="91425" spcFirstLastPara="1" rIns="91425" wrap="square" tIns="91425">
+          <a:bodyPr spcFirstLastPara="1" wrap="square" lIns="91425" tIns="91425" rIns="91425" bIns="91425" anchor="t" anchorCtr="0">
             <a:noAutofit/>
           </a:bodyPr>
           <a:lstStyle>
@@ -2576,15 +2897,19 @@
               <a:defRPr sz="2800"/>
             </a:lvl9pPr>
           </a:lstStyle>
-          <a:p/>
+          <a:p>
+            <a:endParaRPr/>
+          </a:p>
         </p:txBody>
       </p:sp>
       <p:sp>
         <p:nvSpPr>
           <p:cNvPr id="12" name="Google Shape;12;p2"/>
-          <p:cNvSpPr txBox="1"/>
+          <p:cNvSpPr txBox="1">
+            <a:spLocks noGrp="1"/>
+          </p:cNvSpPr>
           <p:nvPr>
-            <p:ph idx="12" type="sldNum"/>
+            <p:ph type="sldNum" idx="12"/>
           </p:nvPr>
         </p:nvSpPr>
         <p:spPr>
@@ -2597,7 +2922,7 @@
           </a:prstGeom>
         </p:spPr>
         <p:txBody>
-          <a:bodyPr anchorCtr="0" anchor="ctr" bIns="91425" lIns="91425" spcFirstLastPara="1" rIns="91425" wrap="square" tIns="91425">
+          <a:bodyPr spcFirstLastPara="1" wrap="square" lIns="91425" tIns="91425" rIns="91425" bIns="91425" anchor="ctr" anchorCtr="0">
             <a:noAutofit/>
           </a:bodyPr>
           <a:lstStyle>
@@ -2639,7 +2964,7 @@
             </a:lvl9pPr>
           </a:lstStyle>
           <a:p>
-            <a:pPr indent="0" lvl="0" marL="0" rtl="0" algn="r">
+            <a:pPr marL="0" lvl="0" indent="0" algn="r" rtl="0">
               <a:spcBef>
                 <a:spcPts val="0"/>
               </a:spcBef>
@@ -2665,11 +2990,11 @@
 </file>
 
 <file path=ppt/slideLayouts/slideLayout10.xml><?xml version="1.0" encoding="utf-8"?>
-<p:sldLayout xmlns:a="http://schemas.openxmlformats.org/drawingml/2006/main" xmlns:r="http://schemas.openxmlformats.org/officeDocument/2006/relationships" xmlns:mc="http://schemas.openxmlformats.org/markup-compatibility/2006" xmlns:mv="urn:schemas-microsoft-com:mac:vml" xmlns:p="http://schemas.openxmlformats.org/presentationml/2006/main" xmlns:c="http://schemas.openxmlformats.org/drawingml/2006/chart" xmlns:dgm="http://schemas.openxmlformats.org/drawingml/2006/diagram" xmlns:o="urn:schemas-microsoft-com:office:office" xmlns:v="urn:schemas-microsoft-com:vml" xmlns:pvml="urn:schemas-microsoft-com:office:powerpoint" xmlns:com="http://schemas.openxmlformats.org/drawingml/2006/compatibility" xmlns:p14="http://schemas.microsoft.com/office/powerpoint/2010/main" xmlns:p15="http://schemas.microsoft.com/office/powerpoint/2012/main" matchingName="Big number">
+<p:sldLayout xmlns:a="http://schemas.openxmlformats.org/drawingml/2006/main" xmlns:r="http://schemas.openxmlformats.org/officeDocument/2006/relationships" xmlns:p="http://schemas.openxmlformats.org/presentationml/2006/main" matchingName="Big number">
   <p:cSld name="BIG_NUMBER">
     <p:spTree>
       <p:nvGrpSpPr>
-        <p:cNvPr id="44" name="Shape 44"/>
+        <p:cNvPr id="1" name="Shape 44"/>
         <p:cNvGrpSpPr/>
         <p:nvPr/>
       </p:nvGrpSpPr>
@@ -2684,9 +3009,11 @@
       <p:sp>
         <p:nvSpPr>
           <p:cNvPr id="45" name="Google Shape;45;p11"/>
-          <p:cNvSpPr txBox="1"/>
+          <p:cNvSpPr txBox="1">
+            <a:spLocks noGrp="1"/>
+          </p:cNvSpPr>
           <p:nvPr>
-            <p:ph hasCustomPrompt="1" type="title"/>
+            <p:ph type="title" hasCustomPrompt="1"/>
           </p:nvPr>
         </p:nvSpPr>
         <p:spPr>
@@ -2699,7 +3026,7 @@
           </a:prstGeom>
         </p:spPr>
         <p:txBody>
-          <a:bodyPr anchorCtr="0" anchor="b" bIns="91425" lIns="91425" spcFirstLastPara="1" rIns="91425" wrap="square" tIns="91425">
+          <a:bodyPr spcFirstLastPara="1" wrap="square" lIns="91425" tIns="91425" rIns="91425" bIns="91425" anchor="b" anchorCtr="0">
             <a:noAutofit/>
           </a:bodyPr>
           <a:lstStyle>
@@ -2813,9 +3140,11 @@
       <p:sp>
         <p:nvSpPr>
           <p:cNvPr id="46" name="Google Shape;46;p11"/>
-          <p:cNvSpPr txBox="1"/>
+          <p:cNvSpPr txBox="1">
+            <a:spLocks noGrp="1"/>
+          </p:cNvSpPr>
           <p:nvPr>
-            <p:ph idx="1" type="body"/>
+            <p:ph type="body" idx="1"/>
           </p:nvPr>
         </p:nvSpPr>
         <p:spPr>
@@ -2828,11 +3157,11 @@
           </a:prstGeom>
         </p:spPr>
         <p:txBody>
-          <a:bodyPr anchorCtr="0" anchor="t" bIns="91425" lIns="91425" spcFirstLastPara="1" rIns="91425" wrap="square" tIns="91425">
+          <a:bodyPr spcFirstLastPara="1" wrap="square" lIns="91425" tIns="91425" rIns="91425" bIns="91425" anchor="t" anchorCtr="0">
             <a:noAutofit/>
           </a:bodyPr>
           <a:lstStyle>
-            <a:lvl1pPr indent="-342900" lvl="0" marL="457200" algn="ctr">
+            <a:lvl1pPr marL="457200" lvl="0" indent="-342900" algn="ctr">
               <a:spcBef>
                 <a:spcPts val="0"/>
               </a:spcBef>
@@ -2843,7 +3172,7 @@
               <a:buChar char="●"/>
               <a:defRPr/>
             </a:lvl1pPr>
-            <a:lvl2pPr indent="-317500" lvl="1" marL="914400" algn="ctr">
+            <a:lvl2pPr marL="914400" lvl="1" indent="-317500" algn="ctr">
               <a:spcBef>
                 <a:spcPts val="1600"/>
               </a:spcBef>
@@ -2854,7 +3183,7 @@
               <a:buChar char="○"/>
               <a:defRPr/>
             </a:lvl2pPr>
-            <a:lvl3pPr indent="-317500" lvl="2" marL="1371600" algn="ctr">
+            <a:lvl3pPr marL="1371600" lvl="2" indent="-317500" algn="ctr">
               <a:spcBef>
                 <a:spcPts val="1600"/>
               </a:spcBef>
@@ -2865,7 +3194,7 @@
               <a:buChar char="■"/>
               <a:defRPr/>
             </a:lvl3pPr>
-            <a:lvl4pPr indent="-317500" lvl="3" marL="1828800" algn="ctr">
+            <a:lvl4pPr marL="1828800" lvl="3" indent="-317500" algn="ctr">
               <a:spcBef>
                 <a:spcPts val="1600"/>
               </a:spcBef>
@@ -2876,7 +3205,7 @@
               <a:buChar char="●"/>
               <a:defRPr/>
             </a:lvl4pPr>
-            <a:lvl5pPr indent="-317500" lvl="4" marL="2286000" algn="ctr">
+            <a:lvl5pPr marL="2286000" lvl="4" indent="-317500" algn="ctr">
               <a:spcBef>
                 <a:spcPts val="1600"/>
               </a:spcBef>
@@ -2887,7 +3216,7 @@
               <a:buChar char="○"/>
               <a:defRPr/>
             </a:lvl5pPr>
-            <a:lvl6pPr indent="-317500" lvl="5" marL="2743200" algn="ctr">
+            <a:lvl6pPr marL="2743200" lvl="5" indent="-317500" algn="ctr">
               <a:spcBef>
                 <a:spcPts val="1600"/>
               </a:spcBef>
@@ -2898,7 +3227,7 @@
               <a:buChar char="■"/>
               <a:defRPr/>
             </a:lvl6pPr>
-            <a:lvl7pPr indent="-317500" lvl="6" marL="3200400" algn="ctr">
+            <a:lvl7pPr marL="3200400" lvl="6" indent="-317500" algn="ctr">
               <a:spcBef>
                 <a:spcPts val="1600"/>
               </a:spcBef>
@@ -2909,7 +3238,7 @@
               <a:buChar char="●"/>
               <a:defRPr/>
             </a:lvl7pPr>
-            <a:lvl8pPr indent="-317500" lvl="7" marL="3657600" algn="ctr">
+            <a:lvl8pPr marL="3657600" lvl="7" indent="-317500" algn="ctr">
               <a:spcBef>
                 <a:spcPts val="1600"/>
               </a:spcBef>
@@ -2920,7 +3249,7 @@
               <a:buChar char="○"/>
               <a:defRPr/>
             </a:lvl8pPr>
-            <a:lvl9pPr indent="-317500" lvl="8" marL="4114800" algn="ctr">
+            <a:lvl9pPr marL="4114800" lvl="8" indent="-317500" algn="ctr">
               <a:spcBef>
                 <a:spcPts val="1600"/>
               </a:spcBef>
@@ -2932,15 +3261,19 @@
               <a:defRPr/>
             </a:lvl9pPr>
           </a:lstStyle>
-          <a:p/>
+          <a:p>
+            <a:endParaRPr/>
+          </a:p>
         </p:txBody>
       </p:sp>
       <p:sp>
         <p:nvSpPr>
           <p:cNvPr id="47" name="Google Shape;47;p11"/>
-          <p:cNvSpPr txBox="1"/>
+          <p:cNvSpPr txBox="1">
+            <a:spLocks noGrp="1"/>
+          </p:cNvSpPr>
           <p:nvPr>
-            <p:ph idx="12" type="sldNum"/>
+            <p:ph type="sldNum" idx="12"/>
           </p:nvPr>
         </p:nvSpPr>
         <p:spPr>
@@ -2953,7 +3286,7 @@
           </a:prstGeom>
         </p:spPr>
         <p:txBody>
-          <a:bodyPr anchorCtr="0" anchor="ctr" bIns="91425" lIns="91425" spcFirstLastPara="1" rIns="91425" wrap="square" tIns="91425">
+          <a:bodyPr spcFirstLastPara="1" wrap="square" lIns="91425" tIns="91425" rIns="91425" bIns="91425" anchor="ctr" anchorCtr="0">
             <a:noAutofit/>
           </a:bodyPr>
           <a:lstStyle>
@@ -2995,7 +3328,7 @@
             </a:lvl9pPr>
           </a:lstStyle>
           <a:p>
-            <a:pPr indent="0" lvl="0" marL="0" rtl="0" algn="r">
+            <a:pPr marL="0" lvl="0" indent="0" algn="r" rtl="0">
               <a:spcBef>
                 <a:spcPts val="0"/>
               </a:spcBef>
@@ -3021,11 +3354,11 @@
 </file>
 
 <file path=ppt/slideLayouts/slideLayout11.xml><?xml version="1.0" encoding="utf-8"?>
-<p:sldLayout xmlns:a="http://schemas.openxmlformats.org/drawingml/2006/main" xmlns:r="http://schemas.openxmlformats.org/officeDocument/2006/relationships" xmlns:mc="http://schemas.openxmlformats.org/markup-compatibility/2006" xmlns:mv="urn:schemas-microsoft-com:mac:vml" xmlns:p="http://schemas.openxmlformats.org/presentationml/2006/main" xmlns:c="http://schemas.openxmlformats.org/drawingml/2006/chart" xmlns:dgm="http://schemas.openxmlformats.org/drawingml/2006/diagram" xmlns:o="urn:schemas-microsoft-com:office:office" xmlns:v="urn:schemas-microsoft-com:vml" xmlns:pvml="urn:schemas-microsoft-com:office:powerpoint" xmlns:com="http://schemas.openxmlformats.org/drawingml/2006/compatibility" xmlns:p14="http://schemas.microsoft.com/office/powerpoint/2010/main" xmlns:p15="http://schemas.microsoft.com/office/powerpoint/2012/main" matchingName="Blank" type="blank">
+<p:sldLayout xmlns:a="http://schemas.openxmlformats.org/drawingml/2006/main" xmlns:r="http://schemas.openxmlformats.org/officeDocument/2006/relationships" xmlns:p="http://schemas.openxmlformats.org/presentationml/2006/main" matchingName="Blank" type="blank">
   <p:cSld name="BLANK">
     <p:spTree>
       <p:nvGrpSpPr>
-        <p:cNvPr id="48" name="Shape 48"/>
+        <p:cNvPr id="1" name="Shape 48"/>
         <p:cNvGrpSpPr/>
         <p:nvPr/>
       </p:nvGrpSpPr>
@@ -3040,9 +3373,11 @@
       <p:sp>
         <p:nvSpPr>
           <p:cNvPr id="49" name="Google Shape;49;p12"/>
-          <p:cNvSpPr txBox="1"/>
+          <p:cNvSpPr txBox="1">
+            <a:spLocks noGrp="1"/>
+          </p:cNvSpPr>
           <p:nvPr>
-            <p:ph idx="12" type="sldNum"/>
+            <p:ph type="sldNum" idx="12"/>
           </p:nvPr>
         </p:nvSpPr>
         <p:spPr>
@@ -3055,7 +3390,7 @@
           </a:prstGeom>
         </p:spPr>
         <p:txBody>
-          <a:bodyPr anchorCtr="0" anchor="ctr" bIns="91425" lIns="91425" spcFirstLastPara="1" rIns="91425" wrap="square" tIns="91425">
+          <a:bodyPr spcFirstLastPara="1" wrap="square" lIns="91425" tIns="91425" rIns="91425" bIns="91425" anchor="ctr" anchorCtr="0">
             <a:noAutofit/>
           </a:bodyPr>
           <a:lstStyle>
@@ -3097,7 +3432,7 @@
             </a:lvl9pPr>
           </a:lstStyle>
           <a:p>
-            <a:pPr indent="0" lvl="0" marL="0" rtl="0" algn="r">
+            <a:pPr marL="0" lvl="0" indent="0" algn="r" rtl="0">
               <a:spcBef>
                 <a:spcPts val="0"/>
               </a:spcBef>
@@ -3123,11 +3458,11 @@
 </file>
 
 <file path=ppt/slideLayouts/slideLayout2.xml><?xml version="1.0" encoding="utf-8"?>
-<p:sldLayout xmlns:a="http://schemas.openxmlformats.org/drawingml/2006/main" xmlns:r="http://schemas.openxmlformats.org/officeDocument/2006/relationships" xmlns:mc="http://schemas.openxmlformats.org/markup-compatibility/2006" xmlns:mv="urn:schemas-microsoft-com:mac:vml" xmlns:p="http://schemas.openxmlformats.org/presentationml/2006/main" xmlns:c="http://schemas.openxmlformats.org/drawingml/2006/chart" xmlns:dgm="http://schemas.openxmlformats.org/drawingml/2006/diagram" xmlns:o="urn:schemas-microsoft-com:office:office" xmlns:v="urn:schemas-microsoft-com:vml" xmlns:pvml="urn:schemas-microsoft-com:office:powerpoint" xmlns:com="http://schemas.openxmlformats.org/drawingml/2006/compatibility" xmlns:p14="http://schemas.microsoft.com/office/powerpoint/2010/main" xmlns:p15="http://schemas.microsoft.com/office/powerpoint/2012/main" matchingName="Section header" type="secHead">
+<p:sldLayout xmlns:a="http://schemas.openxmlformats.org/drawingml/2006/main" xmlns:r="http://schemas.openxmlformats.org/officeDocument/2006/relationships" xmlns:p="http://schemas.openxmlformats.org/presentationml/2006/main" matchingName="Section header" type="secHead">
   <p:cSld name="SECTION_HEADER">
     <p:spTree>
       <p:nvGrpSpPr>
-        <p:cNvPr id="13" name="Shape 13"/>
+        <p:cNvPr id="1" name="Shape 13"/>
         <p:cNvGrpSpPr/>
         <p:nvPr/>
       </p:nvGrpSpPr>
@@ -3142,7 +3477,9 @@
       <p:sp>
         <p:nvSpPr>
           <p:cNvPr id="14" name="Google Shape;14;p3"/>
-          <p:cNvSpPr txBox="1"/>
+          <p:cNvSpPr txBox="1">
+            <a:spLocks noGrp="1"/>
+          </p:cNvSpPr>
           <p:nvPr>
             <p:ph type="title"/>
           </p:nvPr>
@@ -3157,7 +3494,7 @@
           </a:prstGeom>
         </p:spPr>
         <p:txBody>
-          <a:bodyPr anchorCtr="0" anchor="ctr" bIns="91425" lIns="91425" spcFirstLastPara="1" rIns="91425" wrap="square" tIns="91425">
+          <a:bodyPr spcFirstLastPara="1" wrap="square" lIns="91425" tIns="91425" rIns="91425" bIns="91425" anchor="ctr" anchorCtr="0">
             <a:noAutofit/>
           </a:bodyPr>
           <a:lstStyle>
@@ -3261,15 +3598,19 @@
               <a:defRPr sz="3600"/>
             </a:lvl9pPr>
           </a:lstStyle>
-          <a:p/>
+          <a:p>
+            <a:endParaRPr/>
+          </a:p>
         </p:txBody>
       </p:sp>
       <p:sp>
         <p:nvSpPr>
           <p:cNvPr id="15" name="Google Shape;15;p3"/>
-          <p:cNvSpPr txBox="1"/>
+          <p:cNvSpPr txBox="1">
+            <a:spLocks noGrp="1"/>
+          </p:cNvSpPr>
           <p:nvPr>
-            <p:ph idx="12" type="sldNum"/>
+            <p:ph type="sldNum" idx="12"/>
           </p:nvPr>
         </p:nvSpPr>
         <p:spPr>
@@ -3282,7 +3623,7 @@
           </a:prstGeom>
         </p:spPr>
         <p:txBody>
-          <a:bodyPr anchorCtr="0" anchor="ctr" bIns="91425" lIns="91425" spcFirstLastPara="1" rIns="91425" wrap="square" tIns="91425">
+          <a:bodyPr spcFirstLastPara="1" wrap="square" lIns="91425" tIns="91425" rIns="91425" bIns="91425" anchor="ctr" anchorCtr="0">
             <a:noAutofit/>
           </a:bodyPr>
           <a:lstStyle>
@@ -3324,7 +3665,7 @@
             </a:lvl9pPr>
           </a:lstStyle>
           <a:p>
-            <a:pPr indent="0" lvl="0" marL="0" rtl="0" algn="r">
+            <a:pPr marL="0" lvl="0" indent="0" algn="r" rtl="0">
               <a:spcBef>
                 <a:spcPts val="0"/>
               </a:spcBef>
@@ -3350,11 +3691,11 @@
 </file>
 
 <file path=ppt/slideLayouts/slideLayout3.xml><?xml version="1.0" encoding="utf-8"?>
-<p:sldLayout xmlns:a="http://schemas.openxmlformats.org/drawingml/2006/main" xmlns:r="http://schemas.openxmlformats.org/officeDocument/2006/relationships" xmlns:mc="http://schemas.openxmlformats.org/markup-compatibility/2006" xmlns:mv="urn:schemas-microsoft-com:mac:vml" xmlns:p="http://schemas.openxmlformats.org/presentationml/2006/main" xmlns:c="http://schemas.openxmlformats.org/drawingml/2006/chart" xmlns:dgm="http://schemas.openxmlformats.org/drawingml/2006/diagram" xmlns:o="urn:schemas-microsoft-com:office:office" xmlns:v="urn:schemas-microsoft-com:vml" xmlns:pvml="urn:schemas-microsoft-com:office:powerpoint" xmlns:com="http://schemas.openxmlformats.org/drawingml/2006/compatibility" xmlns:p14="http://schemas.microsoft.com/office/powerpoint/2010/main" xmlns:p15="http://schemas.microsoft.com/office/powerpoint/2012/main" matchingName="Title and body" type="tx">
+<p:sldLayout xmlns:a="http://schemas.openxmlformats.org/drawingml/2006/main" xmlns:r="http://schemas.openxmlformats.org/officeDocument/2006/relationships" xmlns:p="http://schemas.openxmlformats.org/presentationml/2006/main" matchingName="Title and body" type="tx">
   <p:cSld name="TITLE_AND_BODY">
     <p:spTree>
       <p:nvGrpSpPr>
-        <p:cNvPr id="16" name="Shape 16"/>
+        <p:cNvPr id="1" name="Shape 16"/>
         <p:cNvGrpSpPr/>
         <p:nvPr/>
       </p:nvGrpSpPr>
@@ -3369,7 +3710,9 @@
       <p:sp>
         <p:nvSpPr>
           <p:cNvPr id="17" name="Google Shape;17;p4"/>
-          <p:cNvSpPr txBox="1"/>
+          <p:cNvSpPr txBox="1">
+            <a:spLocks noGrp="1"/>
+          </p:cNvSpPr>
           <p:nvPr>
             <p:ph type="title"/>
           </p:nvPr>
@@ -3384,7 +3727,7 @@
           </a:prstGeom>
         </p:spPr>
         <p:txBody>
-          <a:bodyPr anchorCtr="0" anchor="t" bIns="91425" lIns="91425" spcFirstLastPara="1" rIns="91425" wrap="square" tIns="91425">
+          <a:bodyPr spcFirstLastPara="1" wrap="square" lIns="91425" tIns="91425" rIns="91425" bIns="91425" anchor="t" anchorCtr="0">
             <a:noAutofit/>
           </a:bodyPr>
           <a:lstStyle>
@@ -3488,15 +3831,19 @@
               <a:defRPr/>
             </a:lvl9pPr>
           </a:lstStyle>
-          <a:p/>
+          <a:p>
+            <a:endParaRPr/>
+          </a:p>
         </p:txBody>
       </p:sp>
       <p:sp>
         <p:nvSpPr>
           <p:cNvPr id="18" name="Google Shape;18;p4"/>
-          <p:cNvSpPr txBox="1"/>
+          <p:cNvSpPr txBox="1">
+            <a:spLocks noGrp="1"/>
+          </p:cNvSpPr>
           <p:nvPr>
-            <p:ph idx="1" type="body"/>
+            <p:ph type="body" idx="1"/>
           </p:nvPr>
         </p:nvSpPr>
         <p:spPr>
@@ -3509,11 +3856,11 @@
           </a:prstGeom>
         </p:spPr>
         <p:txBody>
-          <a:bodyPr anchorCtr="0" anchor="t" bIns="91425" lIns="91425" spcFirstLastPara="1" rIns="91425" wrap="square" tIns="91425">
+          <a:bodyPr spcFirstLastPara="1" wrap="square" lIns="91425" tIns="91425" rIns="91425" bIns="91425" anchor="t" anchorCtr="0">
             <a:noAutofit/>
           </a:bodyPr>
           <a:lstStyle>
-            <a:lvl1pPr indent="-342900" lvl="0" marL="457200">
+            <a:lvl1pPr marL="457200" lvl="0" indent="-342900">
               <a:spcBef>
                 <a:spcPts val="0"/>
               </a:spcBef>
@@ -3524,7 +3871,7 @@
               <a:buChar char="●"/>
               <a:defRPr/>
             </a:lvl1pPr>
-            <a:lvl2pPr indent="-317500" lvl="1" marL="914400">
+            <a:lvl2pPr marL="914400" lvl="1" indent="-317500">
               <a:spcBef>
                 <a:spcPts val="1600"/>
               </a:spcBef>
@@ -3535,7 +3882,7 @@
               <a:buChar char="○"/>
               <a:defRPr/>
             </a:lvl2pPr>
-            <a:lvl3pPr indent="-317500" lvl="2" marL="1371600">
+            <a:lvl3pPr marL="1371600" lvl="2" indent="-317500">
               <a:spcBef>
                 <a:spcPts val="1600"/>
               </a:spcBef>
@@ -3546,7 +3893,7 @@
               <a:buChar char="■"/>
               <a:defRPr/>
             </a:lvl3pPr>
-            <a:lvl4pPr indent="-317500" lvl="3" marL="1828800">
+            <a:lvl4pPr marL="1828800" lvl="3" indent="-317500">
               <a:spcBef>
                 <a:spcPts val="1600"/>
               </a:spcBef>
@@ -3557,7 +3904,7 @@
               <a:buChar char="●"/>
               <a:defRPr/>
             </a:lvl4pPr>
-            <a:lvl5pPr indent="-317500" lvl="4" marL="2286000">
+            <a:lvl5pPr marL="2286000" lvl="4" indent="-317500">
               <a:spcBef>
                 <a:spcPts val="1600"/>
               </a:spcBef>
@@ -3568,7 +3915,7 @@
               <a:buChar char="○"/>
               <a:defRPr/>
             </a:lvl5pPr>
-            <a:lvl6pPr indent="-317500" lvl="5" marL="2743200">
+            <a:lvl6pPr marL="2743200" lvl="5" indent="-317500">
               <a:spcBef>
                 <a:spcPts val="1600"/>
               </a:spcBef>
@@ -3579,7 +3926,7 @@
               <a:buChar char="■"/>
               <a:defRPr/>
             </a:lvl6pPr>
-            <a:lvl7pPr indent="-317500" lvl="6" marL="3200400">
+            <a:lvl7pPr marL="3200400" lvl="6" indent="-317500">
               <a:spcBef>
                 <a:spcPts val="1600"/>
               </a:spcBef>
@@ -3590,7 +3937,7 @@
               <a:buChar char="●"/>
               <a:defRPr/>
             </a:lvl7pPr>
-            <a:lvl8pPr indent="-317500" lvl="7" marL="3657600">
+            <a:lvl8pPr marL="3657600" lvl="7" indent="-317500">
               <a:spcBef>
                 <a:spcPts val="1600"/>
               </a:spcBef>
@@ -3601,7 +3948,7 @@
               <a:buChar char="○"/>
               <a:defRPr/>
             </a:lvl8pPr>
-            <a:lvl9pPr indent="-317500" lvl="8" marL="4114800">
+            <a:lvl9pPr marL="4114800" lvl="8" indent="-317500">
               <a:spcBef>
                 <a:spcPts val="1600"/>
               </a:spcBef>
@@ -3613,15 +3960,19 @@
               <a:defRPr/>
             </a:lvl9pPr>
           </a:lstStyle>
-          <a:p/>
+          <a:p>
+            <a:endParaRPr/>
+          </a:p>
         </p:txBody>
       </p:sp>
       <p:sp>
         <p:nvSpPr>
           <p:cNvPr id="19" name="Google Shape;19;p4"/>
-          <p:cNvSpPr txBox="1"/>
+          <p:cNvSpPr txBox="1">
+            <a:spLocks noGrp="1"/>
+          </p:cNvSpPr>
           <p:nvPr>
-            <p:ph idx="12" type="sldNum"/>
+            <p:ph type="sldNum" idx="12"/>
           </p:nvPr>
         </p:nvSpPr>
         <p:spPr>
@@ -3634,7 +3985,7 @@
           </a:prstGeom>
         </p:spPr>
         <p:txBody>
-          <a:bodyPr anchorCtr="0" anchor="ctr" bIns="91425" lIns="91425" spcFirstLastPara="1" rIns="91425" wrap="square" tIns="91425">
+          <a:bodyPr spcFirstLastPara="1" wrap="square" lIns="91425" tIns="91425" rIns="91425" bIns="91425" anchor="ctr" anchorCtr="0">
             <a:noAutofit/>
           </a:bodyPr>
           <a:lstStyle>
@@ -3676,7 +4027,7 @@
             </a:lvl9pPr>
           </a:lstStyle>
           <a:p>
-            <a:pPr indent="0" lvl="0" marL="0" rtl="0" algn="r">
+            <a:pPr marL="0" lvl="0" indent="0" algn="r" rtl="0">
               <a:spcBef>
                 <a:spcPts val="0"/>
               </a:spcBef>
@@ -3702,11 +4053,11 @@
 </file>
 
 <file path=ppt/slideLayouts/slideLayout4.xml><?xml version="1.0" encoding="utf-8"?>
-<p:sldLayout xmlns:a="http://schemas.openxmlformats.org/drawingml/2006/main" xmlns:r="http://schemas.openxmlformats.org/officeDocument/2006/relationships" xmlns:mc="http://schemas.openxmlformats.org/markup-compatibility/2006" xmlns:mv="urn:schemas-microsoft-com:mac:vml" xmlns:p="http://schemas.openxmlformats.org/presentationml/2006/main" xmlns:c="http://schemas.openxmlformats.org/drawingml/2006/chart" xmlns:dgm="http://schemas.openxmlformats.org/drawingml/2006/diagram" xmlns:o="urn:schemas-microsoft-com:office:office" xmlns:v="urn:schemas-microsoft-com:vml" xmlns:pvml="urn:schemas-microsoft-com:office:powerpoint" xmlns:com="http://schemas.openxmlformats.org/drawingml/2006/compatibility" xmlns:p14="http://schemas.microsoft.com/office/powerpoint/2010/main" xmlns:p15="http://schemas.microsoft.com/office/powerpoint/2012/main" matchingName="Title and two columns" type="twoColTx">
+<p:sldLayout xmlns:a="http://schemas.openxmlformats.org/drawingml/2006/main" xmlns:r="http://schemas.openxmlformats.org/officeDocument/2006/relationships" xmlns:p="http://schemas.openxmlformats.org/presentationml/2006/main" matchingName="Title and two columns" type="twoColTx">
   <p:cSld name="TITLE_AND_TWO_COLUMNS">
     <p:spTree>
       <p:nvGrpSpPr>
-        <p:cNvPr id="20" name="Shape 20"/>
+        <p:cNvPr id="1" name="Shape 20"/>
         <p:cNvGrpSpPr/>
         <p:nvPr/>
       </p:nvGrpSpPr>
@@ -3721,7 +4072,9 @@
       <p:sp>
         <p:nvSpPr>
           <p:cNvPr id="21" name="Google Shape;21;p5"/>
-          <p:cNvSpPr txBox="1"/>
+          <p:cNvSpPr txBox="1">
+            <a:spLocks noGrp="1"/>
+          </p:cNvSpPr>
           <p:nvPr>
             <p:ph type="title"/>
           </p:nvPr>
@@ -3736,7 +4089,7 @@
           </a:prstGeom>
         </p:spPr>
         <p:txBody>
-          <a:bodyPr anchorCtr="0" anchor="t" bIns="91425" lIns="91425" spcFirstLastPara="1" rIns="91425" wrap="square" tIns="91425">
+          <a:bodyPr spcFirstLastPara="1" wrap="square" lIns="91425" tIns="91425" rIns="91425" bIns="91425" anchor="t" anchorCtr="0">
             <a:noAutofit/>
           </a:bodyPr>
           <a:lstStyle>
@@ -3840,15 +4193,19 @@
               <a:defRPr/>
             </a:lvl9pPr>
           </a:lstStyle>
-          <a:p/>
+          <a:p>
+            <a:endParaRPr/>
+          </a:p>
         </p:txBody>
       </p:sp>
       <p:sp>
         <p:nvSpPr>
           <p:cNvPr id="22" name="Google Shape;22;p5"/>
-          <p:cNvSpPr txBox="1"/>
+          <p:cNvSpPr txBox="1">
+            <a:spLocks noGrp="1"/>
+          </p:cNvSpPr>
           <p:nvPr>
-            <p:ph idx="1" type="body"/>
+            <p:ph type="body" idx="1"/>
           </p:nvPr>
         </p:nvSpPr>
         <p:spPr>
@@ -3861,11 +4218,11 @@
           </a:prstGeom>
         </p:spPr>
         <p:txBody>
-          <a:bodyPr anchorCtr="0" anchor="t" bIns="91425" lIns="91425" spcFirstLastPara="1" rIns="91425" wrap="square" tIns="91425">
+          <a:bodyPr spcFirstLastPara="1" wrap="square" lIns="91425" tIns="91425" rIns="91425" bIns="91425" anchor="t" anchorCtr="0">
             <a:noAutofit/>
           </a:bodyPr>
           <a:lstStyle>
-            <a:lvl1pPr indent="-317500" lvl="0" marL="457200">
+            <a:lvl1pPr marL="457200" lvl="0" indent="-317500">
               <a:spcBef>
                 <a:spcPts val="0"/>
               </a:spcBef>
@@ -3876,7 +4233,7 @@
               <a:buChar char="●"/>
               <a:defRPr sz="1400"/>
             </a:lvl1pPr>
-            <a:lvl2pPr indent="-304800" lvl="1" marL="914400">
+            <a:lvl2pPr marL="914400" lvl="1" indent="-304800">
               <a:spcBef>
                 <a:spcPts val="1600"/>
               </a:spcBef>
@@ -3887,7 +4244,7 @@
               <a:buChar char="○"/>
               <a:defRPr sz="1200"/>
             </a:lvl2pPr>
-            <a:lvl3pPr indent="-304800" lvl="2" marL="1371600">
+            <a:lvl3pPr marL="1371600" lvl="2" indent="-304800">
               <a:spcBef>
                 <a:spcPts val="1600"/>
               </a:spcBef>
@@ -3898,7 +4255,7 @@
               <a:buChar char="■"/>
               <a:defRPr sz="1200"/>
             </a:lvl3pPr>
-            <a:lvl4pPr indent="-304800" lvl="3" marL="1828800">
+            <a:lvl4pPr marL="1828800" lvl="3" indent="-304800">
               <a:spcBef>
                 <a:spcPts val="1600"/>
               </a:spcBef>
@@ -3909,7 +4266,7 @@
               <a:buChar char="●"/>
               <a:defRPr sz="1200"/>
             </a:lvl4pPr>
-            <a:lvl5pPr indent="-304800" lvl="4" marL="2286000">
+            <a:lvl5pPr marL="2286000" lvl="4" indent="-304800">
               <a:spcBef>
                 <a:spcPts val="1600"/>
               </a:spcBef>
@@ -3920,7 +4277,7 @@
               <a:buChar char="○"/>
               <a:defRPr sz="1200"/>
             </a:lvl5pPr>
-            <a:lvl6pPr indent="-304800" lvl="5" marL="2743200">
+            <a:lvl6pPr marL="2743200" lvl="5" indent="-304800">
               <a:spcBef>
                 <a:spcPts val="1600"/>
               </a:spcBef>
@@ -3931,7 +4288,7 @@
               <a:buChar char="■"/>
               <a:defRPr sz="1200"/>
             </a:lvl6pPr>
-            <a:lvl7pPr indent="-304800" lvl="6" marL="3200400">
+            <a:lvl7pPr marL="3200400" lvl="6" indent="-304800">
               <a:spcBef>
                 <a:spcPts val="1600"/>
               </a:spcBef>
@@ -3942,7 +4299,7 @@
               <a:buChar char="●"/>
               <a:defRPr sz="1200"/>
             </a:lvl7pPr>
-            <a:lvl8pPr indent="-304800" lvl="7" marL="3657600">
+            <a:lvl8pPr marL="3657600" lvl="7" indent="-304800">
               <a:spcBef>
                 <a:spcPts val="1600"/>
               </a:spcBef>
@@ -3953,7 +4310,7 @@
               <a:buChar char="○"/>
               <a:defRPr sz="1200"/>
             </a:lvl8pPr>
-            <a:lvl9pPr indent="-304800" lvl="8" marL="4114800">
+            <a:lvl9pPr marL="4114800" lvl="8" indent="-304800">
               <a:spcBef>
                 <a:spcPts val="1600"/>
               </a:spcBef>
@@ -3965,15 +4322,19 @@
               <a:defRPr sz="1200"/>
             </a:lvl9pPr>
           </a:lstStyle>
-          <a:p/>
+          <a:p>
+            <a:endParaRPr/>
+          </a:p>
         </p:txBody>
       </p:sp>
       <p:sp>
         <p:nvSpPr>
           <p:cNvPr id="23" name="Google Shape;23;p5"/>
-          <p:cNvSpPr txBox="1"/>
+          <p:cNvSpPr txBox="1">
+            <a:spLocks noGrp="1"/>
+          </p:cNvSpPr>
           <p:nvPr>
-            <p:ph idx="2" type="body"/>
+            <p:ph type="body" idx="2"/>
           </p:nvPr>
         </p:nvSpPr>
         <p:spPr>
@@ -3986,11 +4347,11 @@
           </a:prstGeom>
         </p:spPr>
         <p:txBody>
-          <a:bodyPr anchorCtr="0" anchor="t" bIns="91425" lIns="91425" spcFirstLastPara="1" rIns="91425" wrap="square" tIns="91425">
+          <a:bodyPr spcFirstLastPara="1" wrap="square" lIns="91425" tIns="91425" rIns="91425" bIns="91425" anchor="t" anchorCtr="0">
             <a:noAutofit/>
           </a:bodyPr>
           <a:lstStyle>
-            <a:lvl1pPr indent="-317500" lvl="0" marL="457200">
+            <a:lvl1pPr marL="457200" lvl="0" indent="-317500">
               <a:spcBef>
                 <a:spcPts val="0"/>
               </a:spcBef>
@@ -4001,7 +4362,7 @@
               <a:buChar char="●"/>
               <a:defRPr sz="1400"/>
             </a:lvl1pPr>
-            <a:lvl2pPr indent="-304800" lvl="1" marL="914400">
+            <a:lvl2pPr marL="914400" lvl="1" indent="-304800">
               <a:spcBef>
                 <a:spcPts val="1600"/>
               </a:spcBef>
@@ -4012,7 +4373,7 @@
               <a:buChar char="○"/>
               <a:defRPr sz="1200"/>
             </a:lvl2pPr>
-            <a:lvl3pPr indent="-304800" lvl="2" marL="1371600">
+            <a:lvl3pPr marL="1371600" lvl="2" indent="-304800">
               <a:spcBef>
                 <a:spcPts val="1600"/>
               </a:spcBef>
@@ -4023,7 +4384,7 @@
               <a:buChar char="■"/>
               <a:defRPr sz="1200"/>
             </a:lvl3pPr>
-            <a:lvl4pPr indent="-304800" lvl="3" marL="1828800">
+            <a:lvl4pPr marL="1828800" lvl="3" indent="-304800">
               <a:spcBef>
                 <a:spcPts val="1600"/>
               </a:spcBef>
@@ -4034,7 +4395,7 @@
               <a:buChar char="●"/>
               <a:defRPr sz="1200"/>
             </a:lvl4pPr>
-            <a:lvl5pPr indent="-304800" lvl="4" marL="2286000">
+            <a:lvl5pPr marL="2286000" lvl="4" indent="-304800">
               <a:spcBef>
                 <a:spcPts val="1600"/>
               </a:spcBef>
@@ -4045,7 +4406,7 @@
               <a:buChar char="○"/>
               <a:defRPr sz="1200"/>
             </a:lvl5pPr>
-            <a:lvl6pPr indent="-304800" lvl="5" marL="2743200">
+            <a:lvl6pPr marL="2743200" lvl="5" indent="-304800">
               <a:spcBef>
                 <a:spcPts val="1600"/>
               </a:spcBef>
@@ -4056,7 +4417,7 @@
               <a:buChar char="■"/>
               <a:defRPr sz="1200"/>
             </a:lvl6pPr>
-            <a:lvl7pPr indent="-304800" lvl="6" marL="3200400">
+            <a:lvl7pPr marL="3200400" lvl="6" indent="-304800">
               <a:spcBef>
                 <a:spcPts val="1600"/>
               </a:spcBef>
@@ -4067,7 +4428,7 @@
               <a:buChar char="●"/>
               <a:defRPr sz="1200"/>
             </a:lvl7pPr>
-            <a:lvl8pPr indent="-304800" lvl="7" marL="3657600">
+            <a:lvl8pPr marL="3657600" lvl="7" indent="-304800">
               <a:spcBef>
                 <a:spcPts val="1600"/>
               </a:spcBef>
@@ -4078,7 +4439,7 @@
               <a:buChar char="○"/>
               <a:defRPr sz="1200"/>
             </a:lvl8pPr>
-            <a:lvl9pPr indent="-304800" lvl="8" marL="4114800">
+            <a:lvl9pPr marL="4114800" lvl="8" indent="-304800">
               <a:spcBef>
                 <a:spcPts val="1600"/>
               </a:spcBef>
@@ -4090,15 +4451,19 @@
               <a:defRPr sz="1200"/>
             </a:lvl9pPr>
           </a:lstStyle>
-          <a:p/>
+          <a:p>
+            <a:endParaRPr/>
+          </a:p>
         </p:txBody>
       </p:sp>
       <p:sp>
         <p:nvSpPr>
           <p:cNvPr id="24" name="Google Shape;24;p5"/>
-          <p:cNvSpPr txBox="1"/>
+          <p:cNvSpPr txBox="1">
+            <a:spLocks noGrp="1"/>
+          </p:cNvSpPr>
           <p:nvPr>
-            <p:ph idx="12" type="sldNum"/>
+            <p:ph type="sldNum" idx="12"/>
           </p:nvPr>
         </p:nvSpPr>
         <p:spPr>
@@ -4111,7 +4476,7 @@
           </a:prstGeom>
         </p:spPr>
         <p:txBody>
-          <a:bodyPr anchorCtr="0" anchor="ctr" bIns="91425" lIns="91425" spcFirstLastPara="1" rIns="91425" wrap="square" tIns="91425">
+          <a:bodyPr spcFirstLastPara="1" wrap="square" lIns="91425" tIns="91425" rIns="91425" bIns="91425" anchor="ctr" anchorCtr="0">
             <a:noAutofit/>
           </a:bodyPr>
           <a:lstStyle>
@@ -4153,7 +4518,7 @@
             </a:lvl9pPr>
           </a:lstStyle>
           <a:p>
-            <a:pPr indent="0" lvl="0" marL="0" rtl="0" algn="r">
+            <a:pPr marL="0" lvl="0" indent="0" algn="r" rtl="0">
               <a:spcBef>
                 <a:spcPts val="0"/>
               </a:spcBef>
@@ -4179,11 +4544,11 @@
 </file>
 
 <file path=ppt/slideLayouts/slideLayout5.xml><?xml version="1.0" encoding="utf-8"?>
-<p:sldLayout xmlns:a="http://schemas.openxmlformats.org/drawingml/2006/main" xmlns:r="http://schemas.openxmlformats.org/officeDocument/2006/relationships" xmlns:mc="http://schemas.openxmlformats.org/markup-compatibility/2006" xmlns:mv="urn:schemas-microsoft-com:mac:vml" xmlns:p="http://schemas.openxmlformats.org/presentationml/2006/main" xmlns:c="http://schemas.openxmlformats.org/drawingml/2006/chart" xmlns:dgm="http://schemas.openxmlformats.org/drawingml/2006/diagram" xmlns:o="urn:schemas-microsoft-com:office:office" xmlns:v="urn:schemas-microsoft-com:vml" xmlns:pvml="urn:schemas-microsoft-com:office:powerpoint" xmlns:com="http://schemas.openxmlformats.org/drawingml/2006/compatibility" xmlns:p14="http://schemas.microsoft.com/office/powerpoint/2010/main" xmlns:p15="http://schemas.microsoft.com/office/powerpoint/2012/main" matchingName="Title only" type="titleOnly">
+<p:sldLayout xmlns:a="http://schemas.openxmlformats.org/drawingml/2006/main" xmlns:r="http://schemas.openxmlformats.org/officeDocument/2006/relationships" xmlns:p="http://schemas.openxmlformats.org/presentationml/2006/main" matchingName="Title only" type="titleOnly">
   <p:cSld name="TITLE_ONLY">
     <p:spTree>
       <p:nvGrpSpPr>
-        <p:cNvPr id="25" name="Shape 25"/>
+        <p:cNvPr id="1" name="Shape 25"/>
         <p:cNvGrpSpPr/>
         <p:nvPr/>
       </p:nvGrpSpPr>
@@ -4198,7 +4563,9 @@
       <p:sp>
         <p:nvSpPr>
           <p:cNvPr id="26" name="Google Shape;26;p6"/>
-          <p:cNvSpPr txBox="1"/>
+          <p:cNvSpPr txBox="1">
+            <a:spLocks noGrp="1"/>
+          </p:cNvSpPr>
           <p:nvPr>
             <p:ph type="title"/>
           </p:nvPr>
@@ -4213,7 +4580,7 @@
           </a:prstGeom>
         </p:spPr>
         <p:txBody>
-          <a:bodyPr anchorCtr="0" anchor="t" bIns="91425" lIns="91425" spcFirstLastPara="1" rIns="91425" wrap="square" tIns="91425">
+          <a:bodyPr spcFirstLastPara="1" wrap="square" lIns="91425" tIns="91425" rIns="91425" bIns="91425" anchor="t" anchorCtr="0">
             <a:noAutofit/>
           </a:bodyPr>
           <a:lstStyle>
@@ -4317,15 +4684,19 @@
               <a:defRPr/>
             </a:lvl9pPr>
           </a:lstStyle>
-          <a:p/>
+          <a:p>
+            <a:endParaRPr/>
+          </a:p>
         </p:txBody>
       </p:sp>
       <p:sp>
         <p:nvSpPr>
           <p:cNvPr id="27" name="Google Shape;27;p6"/>
-          <p:cNvSpPr txBox="1"/>
+          <p:cNvSpPr txBox="1">
+            <a:spLocks noGrp="1"/>
+          </p:cNvSpPr>
           <p:nvPr>
-            <p:ph idx="12" type="sldNum"/>
+            <p:ph type="sldNum" idx="12"/>
           </p:nvPr>
         </p:nvSpPr>
         <p:spPr>
@@ -4338,7 +4709,7 @@
           </a:prstGeom>
         </p:spPr>
         <p:txBody>
-          <a:bodyPr anchorCtr="0" anchor="ctr" bIns="91425" lIns="91425" spcFirstLastPara="1" rIns="91425" wrap="square" tIns="91425">
+          <a:bodyPr spcFirstLastPara="1" wrap="square" lIns="91425" tIns="91425" rIns="91425" bIns="91425" anchor="ctr" anchorCtr="0">
             <a:noAutofit/>
           </a:bodyPr>
           <a:lstStyle>
@@ -4380,7 +4751,7 @@
             </a:lvl9pPr>
           </a:lstStyle>
           <a:p>
-            <a:pPr indent="0" lvl="0" marL="0" rtl="0" algn="r">
+            <a:pPr marL="0" lvl="0" indent="0" algn="r" rtl="0">
               <a:spcBef>
                 <a:spcPts val="0"/>
               </a:spcBef>
@@ -4406,11 +4777,11 @@
 </file>
 
 <file path=ppt/slideLayouts/slideLayout6.xml><?xml version="1.0" encoding="utf-8"?>
-<p:sldLayout xmlns:a="http://schemas.openxmlformats.org/drawingml/2006/main" xmlns:r="http://schemas.openxmlformats.org/officeDocument/2006/relationships" xmlns:mc="http://schemas.openxmlformats.org/markup-compatibility/2006" xmlns:mv="urn:schemas-microsoft-com:mac:vml" xmlns:p="http://schemas.openxmlformats.org/presentationml/2006/main" xmlns:c="http://schemas.openxmlformats.org/drawingml/2006/chart" xmlns:dgm="http://schemas.openxmlformats.org/drawingml/2006/diagram" xmlns:o="urn:schemas-microsoft-com:office:office" xmlns:v="urn:schemas-microsoft-com:vml" xmlns:pvml="urn:schemas-microsoft-com:office:powerpoint" xmlns:com="http://schemas.openxmlformats.org/drawingml/2006/compatibility" xmlns:p14="http://schemas.microsoft.com/office/powerpoint/2010/main" xmlns:p15="http://schemas.microsoft.com/office/powerpoint/2012/main" matchingName="One column text">
+<p:sldLayout xmlns:a="http://schemas.openxmlformats.org/drawingml/2006/main" xmlns:r="http://schemas.openxmlformats.org/officeDocument/2006/relationships" xmlns:p="http://schemas.openxmlformats.org/presentationml/2006/main" matchingName="One column text">
   <p:cSld name="ONE_COLUMN_TEXT">
     <p:spTree>
       <p:nvGrpSpPr>
-        <p:cNvPr id="28" name="Shape 28"/>
+        <p:cNvPr id="1" name="Shape 28"/>
         <p:cNvGrpSpPr/>
         <p:nvPr/>
       </p:nvGrpSpPr>
@@ -4425,7 +4796,9 @@
       <p:sp>
         <p:nvSpPr>
           <p:cNvPr id="29" name="Google Shape;29;p7"/>
-          <p:cNvSpPr txBox="1"/>
+          <p:cNvSpPr txBox="1">
+            <a:spLocks noGrp="1"/>
+          </p:cNvSpPr>
           <p:nvPr>
             <p:ph type="title"/>
           </p:nvPr>
@@ -4440,7 +4813,7 @@
           </a:prstGeom>
         </p:spPr>
         <p:txBody>
-          <a:bodyPr anchorCtr="0" anchor="b" bIns="91425" lIns="91425" spcFirstLastPara="1" rIns="91425" wrap="square" tIns="91425">
+          <a:bodyPr spcFirstLastPara="1" wrap="square" lIns="91425" tIns="91425" rIns="91425" bIns="91425" anchor="b" anchorCtr="0">
             <a:noAutofit/>
           </a:bodyPr>
           <a:lstStyle>
@@ -4544,15 +4917,19 @@
               <a:defRPr sz="2400"/>
             </a:lvl9pPr>
           </a:lstStyle>
-          <a:p/>
+          <a:p>
+            <a:endParaRPr/>
+          </a:p>
         </p:txBody>
       </p:sp>
       <p:sp>
         <p:nvSpPr>
           <p:cNvPr id="30" name="Google Shape;30;p7"/>
-          <p:cNvSpPr txBox="1"/>
+          <p:cNvSpPr txBox="1">
+            <a:spLocks noGrp="1"/>
+          </p:cNvSpPr>
           <p:nvPr>
-            <p:ph idx="1" type="body"/>
+            <p:ph type="body" idx="1"/>
           </p:nvPr>
         </p:nvSpPr>
         <p:spPr>
@@ -4565,11 +4942,11 @@
           </a:prstGeom>
         </p:spPr>
         <p:txBody>
-          <a:bodyPr anchorCtr="0" anchor="t" bIns="91425" lIns="91425" spcFirstLastPara="1" rIns="91425" wrap="square" tIns="91425">
+          <a:bodyPr spcFirstLastPara="1" wrap="square" lIns="91425" tIns="91425" rIns="91425" bIns="91425" anchor="t" anchorCtr="0">
             <a:noAutofit/>
           </a:bodyPr>
           <a:lstStyle>
-            <a:lvl1pPr indent="-304800" lvl="0" marL="457200">
+            <a:lvl1pPr marL="457200" lvl="0" indent="-304800">
               <a:spcBef>
                 <a:spcPts val="0"/>
               </a:spcBef>
@@ -4580,7 +4957,7 @@
               <a:buChar char="●"/>
               <a:defRPr sz="1200"/>
             </a:lvl1pPr>
-            <a:lvl2pPr indent="-304800" lvl="1" marL="914400">
+            <a:lvl2pPr marL="914400" lvl="1" indent="-304800">
               <a:spcBef>
                 <a:spcPts val="1600"/>
               </a:spcBef>
@@ -4591,7 +4968,7 @@
               <a:buChar char="○"/>
               <a:defRPr sz="1200"/>
             </a:lvl2pPr>
-            <a:lvl3pPr indent="-304800" lvl="2" marL="1371600">
+            <a:lvl3pPr marL="1371600" lvl="2" indent="-304800">
               <a:spcBef>
                 <a:spcPts val="1600"/>
               </a:spcBef>
@@ -4602,7 +4979,7 @@
               <a:buChar char="■"/>
               <a:defRPr sz="1200"/>
             </a:lvl3pPr>
-            <a:lvl4pPr indent="-304800" lvl="3" marL="1828800">
+            <a:lvl4pPr marL="1828800" lvl="3" indent="-304800">
               <a:spcBef>
                 <a:spcPts val="1600"/>
               </a:spcBef>
@@ -4613,7 +4990,7 @@
               <a:buChar char="●"/>
               <a:defRPr sz="1200"/>
             </a:lvl4pPr>
-            <a:lvl5pPr indent="-304800" lvl="4" marL="2286000">
+            <a:lvl5pPr marL="2286000" lvl="4" indent="-304800">
               <a:spcBef>
                 <a:spcPts val="1600"/>
               </a:spcBef>
@@ -4624,7 +5001,7 @@
               <a:buChar char="○"/>
               <a:defRPr sz="1200"/>
             </a:lvl5pPr>
-            <a:lvl6pPr indent="-304800" lvl="5" marL="2743200">
+            <a:lvl6pPr marL="2743200" lvl="5" indent="-304800">
               <a:spcBef>
                 <a:spcPts val="1600"/>
               </a:spcBef>
@@ -4635,7 +5012,7 @@
               <a:buChar char="■"/>
               <a:defRPr sz="1200"/>
             </a:lvl6pPr>
-            <a:lvl7pPr indent="-304800" lvl="6" marL="3200400">
+            <a:lvl7pPr marL="3200400" lvl="6" indent="-304800">
               <a:spcBef>
                 <a:spcPts val="1600"/>
               </a:spcBef>
@@ -4646,7 +5023,7 @@
               <a:buChar char="●"/>
               <a:defRPr sz="1200"/>
             </a:lvl7pPr>
-            <a:lvl8pPr indent="-304800" lvl="7" marL="3657600">
+            <a:lvl8pPr marL="3657600" lvl="7" indent="-304800">
               <a:spcBef>
                 <a:spcPts val="1600"/>
               </a:spcBef>
@@ -4657,7 +5034,7 @@
               <a:buChar char="○"/>
               <a:defRPr sz="1200"/>
             </a:lvl8pPr>
-            <a:lvl9pPr indent="-304800" lvl="8" marL="4114800">
+            <a:lvl9pPr marL="4114800" lvl="8" indent="-304800">
               <a:spcBef>
                 <a:spcPts val="1600"/>
               </a:spcBef>
@@ -4669,15 +5046,19 @@
               <a:defRPr sz="1200"/>
             </a:lvl9pPr>
           </a:lstStyle>
-          <a:p/>
+          <a:p>
+            <a:endParaRPr/>
+          </a:p>
         </p:txBody>
       </p:sp>
       <p:sp>
         <p:nvSpPr>
           <p:cNvPr id="31" name="Google Shape;31;p7"/>
-          <p:cNvSpPr txBox="1"/>
+          <p:cNvSpPr txBox="1">
+            <a:spLocks noGrp="1"/>
+          </p:cNvSpPr>
           <p:nvPr>
-            <p:ph idx="12" type="sldNum"/>
+            <p:ph type="sldNum" idx="12"/>
           </p:nvPr>
         </p:nvSpPr>
         <p:spPr>
@@ -4690,7 +5071,7 @@
           </a:prstGeom>
         </p:spPr>
         <p:txBody>
-          <a:bodyPr anchorCtr="0" anchor="ctr" bIns="91425" lIns="91425" spcFirstLastPara="1" rIns="91425" wrap="square" tIns="91425">
+          <a:bodyPr spcFirstLastPara="1" wrap="square" lIns="91425" tIns="91425" rIns="91425" bIns="91425" anchor="ctr" anchorCtr="0">
             <a:noAutofit/>
           </a:bodyPr>
           <a:lstStyle>
@@ -4732,7 +5113,7 @@
             </a:lvl9pPr>
           </a:lstStyle>
           <a:p>
-            <a:pPr indent="0" lvl="0" marL="0" rtl="0" algn="r">
+            <a:pPr marL="0" lvl="0" indent="0" algn="r" rtl="0">
               <a:spcBef>
                 <a:spcPts val="0"/>
               </a:spcBef>
@@ -4758,11 +5139,11 @@
 </file>
 
 <file path=ppt/slideLayouts/slideLayout7.xml><?xml version="1.0" encoding="utf-8"?>
-<p:sldLayout xmlns:a="http://schemas.openxmlformats.org/drawingml/2006/main" xmlns:r="http://schemas.openxmlformats.org/officeDocument/2006/relationships" xmlns:mc="http://schemas.openxmlformats.org/markup-compatibility/2006" xmlns:mv="urn:schemas-microsoft-com:mac:vml" xmlns:p="http://schemas.openxmlformats.org/presentationml/2006/main" xmlns:c="http://schemas.openxmlformats.org/drawingml/2006/chart" xmlns:dgm="http://schemas.openxmlformats.org/drawingml/2006/diagram" xmlns:o="urn:schemas-microsoft-com:office:office" xmlns:v="urn:schemas-microsoft-com:vml" xmlns:pvml="urn:schemas-microsoft-com:office:powerpoint" xmlns:com="http://schemas.openxmlformats.org/drawingml/2006/compatibility" xmlns:p14="http://schemas.microsoft.com/office/powerpoint/2010/main" xmlns:p15="http://schemas.microsoft.com/office/powerpoint/2012/main" matchingName="Main point">
+<p:sldLayout xmlns:a="http://schemas.openxmlformats.org/drawingml/2006/main" xmlns:r="http://schemas.openxmlformats.org/officeDocument/2006/relationships" xmlns:p="http://schemas.openxmlformats.org/presentationml/2006/main" matchingName="Main point">
   <p:cSld name="MAIN_POINT">
     <p:spTree>
       <p:nvGrpSpPr>
-        <p:cNvPr id="32" name="Shape 32"/>
+        <p:cNvPr id="1" name="Shape 32"/>
         <p:cNvGrpSpPr/>
         <p:nvPr/>
       </p:nvGrpSpPr>
@@ -4777,7 +5158,9 @@
       <p:sp>
         <p:nvSpPr>
           <p:cNvPr id="33" name="Google Shape;33;p8"/>
-          <p:cNvSpPr txBox="1"/>
+          <p:cNvSpPr txBox="1">
+            <a:spLocks noGrp="1"/>
+          </p:cNvSpPr>
           <p:nvPr>
             <p:ph type="title"/>
           </p:nvPr>
@@ -4792,7 +5175,7 @@
           </a:prstGeom>
         </p:spPr>
         <p:txBody>
-          <a:bodyPr anchorCtr="0" anchor="ctr" bIns="91425" lIns="91425" spcFirstLastPara="1" rIns="91425" wrap="square" tIns="91425">
+          <a:bodyPr spcFirstLastPara="1" wrap="square" lIns="91425" tIns="91425" rIns="91425" bIns="91425" anchor="ctr" anchorCtr="0">
             <a:noAutofit/>
           </a:bodyPr>
           <a:lstStyle>
@@ -4896,15 +5279,19 @@
               <a:defRPr sz="4800"/>
             </a:lvl9pPr>
           </a:lstStyle>
-          <a:p/>
+          <a:p>
+            <a:endParaRPr/>
+          </a:p>
         </p:txBody>
       </p:sp>
       <p:sp>
         <p:nvSpPr>
           <p:cNvPr id="34" name="Google Shape;34;p8"/>
-          <p:cNvSpPr txBox="1"/>
+          <p:cNvSpPr txBox="1">
+            <a:spLocks noGrp="1"/>
+          </p:cNvSpPr>
           <p:nvPr>
-            <p:ph idx="12" type="sldNum"/>
+            <p:ph type="sldNum" idx="12"/>
           </p:nvPr>
         </p:nvSpPr>
         <p:spPr>
@@ -4917,7 +5304,7 @@
           </a:prstGeom>
         </p:spPr>
         <p:txBody>
-          <a:bodyPr anchorCtr="0" anchor="ctr" bIns="91425" lIns="91425" spcFirstLastPara="1" rIns="91425" wrap="square" tIns="91425">
+          <a:bodyPr spcFirstLastPara="1" wrap="square" lIns="91425" tIns="91425" rIns="91425" bIns="91425" anchor="ctr" anchorCtr="0">
             <a:noAutofit/>
           </a:bodyPr>
           <a:lstStyle>
@@ -4959,7 +5346,7 @@
             </a:lvl9pPr>
           </a:lstStyle>
           <a:p>
-            <a:pPr indent="0" lvl="0" marL="0" rtl="0" algn="r">
+            <a:pPr marL="0" lvl="0" indent="0" algn="r" rtl="0">
               <a:spcBef>
                 <a:spcPts val="0"/>
               </a:spcBef>
@@ -4985,11 +5372,11 @@
 </file>
 
 <file path=ppt/slideLayouts/slideLayout8.xml><?xml version="1.0" encoding="utf-8"?>
-<p:sldLayout xmlns:a="http://schemas.openxmlformats.org/drawingml/2006/main" xmlns:r="http://schemas.openxmlformats.org/officeDocument/2006/relationships" xmlns:mc="http://schemas.openxmlformats.org/markup-compatibility/2006" xmlns:mv="urn:schemas-microsoft-com:mac:vml" xmlns:p="http://schemas.openxmlformats.org/presentationml/2006/main" xmlns:c="http://schemas.openxmlformats.org/drawingml/2006/chart" xmlns:dgm="http://schemas.openxmlformats.org/drawingml/2006/diagram" xmlns:o="urn:schemas-microsoft-com:office:office" xmlns:v="urn:schemas-microsoft-com:vml" xmlns:pvml="urn:schemas-microsoft-com:office:powerpoint" xmlns:com="http://schemas.openxmlformats.org/drawingml/2006/compatibility" xmlns:p14="http://schemas.microsoft.com/office/powerpoint/2010/main" xmlns:p15="http://schemas.microsoft.com/office/powerpoint/2012/main" matchingName="Section title and description">
+<p:sldLayout xmlns:a="http://schemas.openxmlformats.org/drawingml/2006/main" xmlns:r="http://schemas.openxmlformats.org/officeDocument/2006/relationships" xmlns:p="http://schemas.openxmlformats.org/presentationml/2006/main" matchingName="Section title and description">
   <p:cSld name="SECTION_TITLE_AND_DESCRIPTION">
     <p:spTree>
       <p:nvGrpSpPr>
-        <p:cNvPr id="35" name="Shape 35"/>
+        <p:cNvPr id="1" name="Shape 35"/>
         <p:cNvGrpSpPr/>
         <p:nvPr/>
       </p:nvGrpSpPr>
@@ -5023,23 +5410,20 @@
           </a:ln>
         </p:spPr>
         <p:txBody>
-          <a:bodyPr anchorCtr="0" anchor="ctr" bIns="91425" lIns="91425" spcFirstLastPara="1" rIns="91425" wrap="square" tIns="91425">
+          <a:bodyPr spcFirstLastPara="1" wrap="square" lIns="91425" tIns="91425" rIns="91425" bIns="91425" anchor="ctr" anchorCtr="0">
             <a:noAutofit/>
           </a:bodyPr>
           <a:lstStyle/>
           <a:p>
-            <a:pPr indent="0" lvl="0" marL="0" rtl="0" algn="l">
-              <a:spcBef>
-                <a:spcPts val="0"/>
-              </a:spcBef>
-              <a:spcAft>
-                <a:spcPts val="0"/>
-              </a:spcAft>
-              <a:buNone/>
-            </a:pPr>
-            <a:r>
-              <a:t/>
-            </a:r>
+            <a:pPr marL="0" lvl="0" indent="0" algn="l" rtl="0">
+              <a:spcBef>
+                <a:spcPts val="0"/>
+              </a:spcBef>
+              <a:spcAft>
+                <a:spcPts val="0"/>
+              </a:spcAft>
+              <a:buNone/>
+            </a:pPr>
             <a:endParaRPr/>
           </a:p>
         </p:txBody>
@@ -5047,7 +5431,9 @@
       <p:sp>
         <p:nvSpPr>
           <p:cNvPr id="37" name="Google Shape;37;p9"/>
-          <p:cNvSpPr txBox="1"/>
+          <p:cNvSpPr txBox="1">
+            <a:spLocks noGrp="1"/>
+          </p:cNvSpPr>
           <p:nvPr>
             <p:ph type="title"/>
           </p:nvPr>
@@ -5062,7 +5448,7 @@
           </a:prstGeom>
         </p:spPr>
         <p:txBody>
-          <a:bodyPr anchorCtr="0" anchor="b" bIns="91425" lIns="91425" spcFirstLastPara="1" rIns="91425" wrap="square" tIns="91425">
+          <a:bodyPr spcFirstLastPara="1" wrap="square" lIns="91425" tIns="91425" rIns="91425" bIns="91425" anchor="b" anchorCtr="0">
             <a:noAutofit/>
           </a:bodyPr>
           <a:lstStyle>
@@ -5166,15 +5552,19 @@
               <a:defRPr sz="4200"/>
             </a:lvl9pPr>
           </a:lstStyle>
-          <a:p/>
+          <a:p>
+            <a:endParaRPr/>
+          </a:p>
         </p:txBody>
       </p:sp>
       <p:sp>
         <p:nvSpPr>
           <p:cNvPr id="38" name="Google Shape;38;p9"/>
-          <p:cNvSpPr txBox="1"/>
+          <p:cNvSpPr txBox="1">
+            <a:spLocks noGrp="1"/>
+          </p:cNvSpPr>
           <p:nvPr>
-            <p:ph idx="1" type="subTitle"/>
+            <p:ph type="subTitle" idx="1"/>
           </p:nvPr>
         </p:nvSpPr>
         <p:spPr>
@@ -5187,7 +5577,7 @@
           </a:prstGeom>
         </p:spPr>
         <p:txBody>
-          <a:bodyPr anchorCtr="0" anchor="t" bIns="91425" lIns="91425" spcFirstLastPara="1" rIns="91425" wrap="square" tIns="91425">
+          <a:bodyPr spcFirstLastPara="1" wrap="square" lIns="91425" tIns="91425" rIns="91425" bIns="91425" anchor="t" anchorCtr="0">
             <a:noAutofit/>
           </a:bodyPr>
           <a:lstStyle>
@@ -5318,15 +5708,19 @@
               <a:defRPr sz="2100"/>
             </a:lvl9pPr>
           </a:lstStyle>
-          <a:p/>
+          <a:p>
+            <a:endParaRPr/>
+          </a:p>
         </p:txBody>
       </p:sp>
       <p:sp>
         <p:nvSpPr>
           <p:cNvPr id="39" name="Google Shape;39;p9"/>
-          <p:cNvSpPr txBox="1"/>
+          <p:cNvSpPr txBox="1">
+            <a:spLocks noGrp="1"/>
+          </p:cNvSpPr>
           <p:nvPr>
-            <p:ph idx="2" type="body"/>
+            <p:ph type="body" idx="2"/>
           </p:nvPr>
         </p:nvSpPr>
         <p:spPr>
@@ -5339,11 +5733,11 @@
           </a:prstGeom>
         </p:spPr>
         <p:txBody>
-          <a:bodyPr anchorCtr="0" anchor="ctr" bIns="91425" lIns="91425" spcFirstLastPara="1" rIns="91425" wrap="square" tIns="91425">
+          <a:bodyPr spcFirstLastPara="1" wrap="square" lIns="91425" tIns="91425" rIns="91425" bIns="91425" anchor="ctr" anchorCtr="0">
             <a:noAutofit/>
           </a:bodyPr>
           <a:lstStyle>
-            <a:lvl1pPr indent="-342900" lvl="0" marL="457200">
+            <a:lvl1pPr marL="457200" lvl="0" indent="-342900">
               <a:spcBef>
                 <a:spcPts val="0"/>
               </a:spcBef>
@@ -5354,7 +5748,7 @@
               <a:buChar char="●"/>
               <a:defRPr/>
             </a:lvl1pPr>
-            <a:lvl2pPr indent="-317500" lvl="1" marL="914400">
+            <a:lvl2pPr marL="914400" lvl="1" indent="-317500">
               <a:spcBef>
                 <a:spcPts val="1600"/>
               </a:spcBef>
@@ -5365,7 +5759,7 @@
               <a:buChar char="○"/>
               <a:defRPr/>
             </a:lvl2pPr>
-            <a:lvl3pPr indent="-317500" lvl="2" marL="1371600">
+            <a:lvl3pPr marL="1371600" lvl="2" indent="-317500">
               <a:spcBef>
                 <a:spcPts val="1600"/>
               </a:spcBef>
@@ -5376,7 +5770,7 @@
               <a:buChar char="■"/>
               <a:defRPr/>
             </a:lvl3pPr>
-            <a:lvl4pPr indent="-317500" lvl="3" marL="1828800">
+            <a:lvl4pPr marL="1828800" lvl="3" indent="-317500">
               <a:spcBef>
                 <a:spcPts val="1600"/>
               </a:spcBef>
@@ -5387,7 +5781,7 @@
               <a:buChar char="●"/>
               <a:defRPr/>
             </a:lvl4pPr>
-            <a:lvl5pPr indent="-317500" lvl="4" marL="2286000">
+            <a:lvl5pPr marL="2286000" lvl="4" indent="-317500">
               <a:spcBef>
                 <a:spcPts val="1600"/>
               </a:spcBef>
@@ -5398,7 +5792,7 @@
               <a:buChar char="○"/>
               <a:defRPr/>
             </a:lvl5pPr>
-            <a:lvl6pPr indent="-317500" lvl="5" marL="2743200">
+            <a:lvl6pPr marL="2743200" lvl="5" indent="-317500">
               <a:spcBef>
                 <a:spcPts val="1600"/>
               </a:spcBef>
@@ -5409,7 +5803,7 @@
               <a:buChar char="■"/>
               <a:defRPr/>
             </a:lvl6pPr>
-            <a:lvl7pPr indent="-317500" lvl="6" marL="3200400">
+            <a:lvl7pPr marL="3200400" lvl="6" indent="-317500">
               <a:spcBef>
                 <a:spcPts val="1600"/>
               </a:spcBef>
@@ -5420,7 +5814,7 @@
               <a:buChar char="●"/>
               <a:defRPr/>
             </a:lvl7pPr>
-            <a:lvl8pPr indent="-317500" lvl="7" marL="3657600">
+            <a:lvl8pPr marL="3657600" lvl="7" indent="-317500">
               <a:spcBef>
                 <a:spcPts val="1600"/>
               </a:spcBef>
@@ -5431,7 +5825,7 @@
               <a:buChar char="○"/>
               <a:defRPr/>
             </a:lvl8pPr>
-            <a:lvl9pPr indent="-317500" lvl="8" marL="4114800">
+            <a:lvl9pPr marL="4114800" lvl="8" indent="-317500">
               <a:spcBef>
                 <a:spcPts val="1600"/>
               </a:spcBef>
@@ -5443,15 +5837,19 @@
               <a:defRPr/>
             </a:lvl9pPr>
           </a:lstStyle>
-          <a:p/>
+          <a:p>
+            <a:endParaRPr/>
+          </a:p>
         </p:txBody>
       </p:sp>
       <p:sp>
         <p:nvSpPr>
           <p:cNvPr id="40" name="Google Shape;40;p9"/>
-          <p:cNvSpPr txBox="1"/>
+          <p:cNvSpPr txBox="1">
+            <a:spLocks noGrp="1"/>
+          </p:cNvSpPr>
           <p:nvPr>
-            <p:ph idx="12" type="sldNum"/>
+            <p:ph type="sldNum" idx="12"/>
           </p:nvPr>
         </p:nvSpPr>
         <p:spPr>
@@ -5464,7 +5862,7 @@
           </a:prstGeom>
         </p:spPr>
         <p:txBody>
-          <a:bodyPr anchorCtr="0" anchor="ctr" bIns="91425" lIns="91425" spcFirstLastPara="1" rIns="91425" wrap="square" tIns="91425">
+          <a:bodyPr spcFirstLastPara="1" wrap="square" lIns="91425" tIns="91425" rIns="91425" bIns="91425" anchor="ctr" anchorCtr="0">
             <a:noAutofit/>
           </a:bodyPr>
           <a:lstStyle>
@@ -5506,7 +5904,7 @@
             </a:lvl9pPr>
           </a:lstStyle>
           <a:p>
-            <a:pPr indent="0" lvl="0" marL="0" rtl="0" algn="r">
+            <a:pPr marL="0" lvl="0" indent="0" algn="r" rtl="0">
               <a:spcBef>
                 <a:spcPts val="0"/>
               </a:spcBef>
@@ -5532,11 +5930,11 @@
 </file>
 
 <file path=ppt/slideLayouts/slideLayout9.xml><?xml version="1.0" encoding="utf-8"?>
-<p:sldLayout xmlns:a="http://schemas.openxmlformats.org/drawingml/2006/main" xmlns:r="http://schemas.openxmlformats.org/officeDocument/2006/relationships" xmlns:mc="http://schemas.openxmlformats.org/markup-compatibility/2006" xmlns:mv="urn:schemas-microsoft-com:mac:vml" xmlns:p="http://schemas.openxmlformats.org/presentationml/2006/main" xmlns:c="http://schemas.openxmlformats.org/drawingml/2006/chart" xmlns:dgm="http://schemas.openxmlformats.org/drawingml/2006/diagram" xmlns:o="urn:schemas-microsoft-com:office:office" xmlns:v="urn:schemas-microsoft-com:vml" xmlns:pvml="urn:schemas-microsoft-com:office:powerpoint" xmlns:com="http://schemas.openxmlformats.org/drawingml/2006/compatibility" xmlns:p14="http://schemas.microsoft.com/office/powerpoint/2010/main" xmlns:p15="http://schemas.microsoft.com/office/powerpoint/2012/main" matchingName="Caption">
+<p:sldLayout xmlns:a="http://schemas.openxmlformats.org/drawingml/2006/main" xmlns:r="http://schemas.openxmlformats.org/officeDocument/2006/relationships" xmlns:p="http://schemas.openxmlformats.org/presentationml/2006/main" matchingName="Caption">
   <p:cSld name="CAPTION_ONLY">
     <p:spTree>
       <p:nvGrpSpPr>
-        <p:cNvPr id="41" name="Shape 41"/>
+        <p:cNvPr id="1" name="Shape 41"/>
         <p:cNvGrpSpPr/>
         <p:nvPr/>
       </p:nvGrpSpPr>
@@ -5551,9 +5949,11 @@
       <p:sp>
         <p:nvSpPr>
           <p:cNvPr id="42" name="Google Shape;42;p10"/>
-          <p:cNvSpPr txBox="1"/>
+          <p:cNvSpPr txBox="1">
+            <a:spLocks noGrp="1"/>
+          </p:cNvSpPr>
           <p:nvPr>
-            <p:ph idx="1" type="body"/>
+            <p:ph type="body" idx="1"/>
           </p:nvPr>
         </p:nvSpPr>
         <p:spPr>
@@ -5566,11 +5966,11 @@
           </a:prstGeom>
         </p:spPr>
         <p:txBody>
-          <a:bodyPr anchorCtr="0" anchor="ctr" bIns="91425" lIns="91425" spcFirstLastPara="1" rIns="91425" wrap="square" tIns="91425">
+          <a:bodyPr spcFirstLastPara="1" wrap="square" lIns="91425" tIns="91425" rIns="91425" bIns="91425" anchor="ctr" anchorCtr="0">
             <a:noAutofit/>
           </a:bodyPr>
           <a:lstStyle>
-            <a:lvl1pPr indent="-228600" lvl="0" marL="457200">
+            <a:lvl1pPr marL="457200" lvl="0" indent="-228600">
               <a:lnSpc>
                 <a:spcPct val="100000"/>
               </a:lnSpc>
@@ -5585,15 +5985,19 @@
               <a:defRPr/>
             </a:lvl1pPr>
           </a:lstStyle>
-          <a:p/>
+          <a:p>
+            <a:endParaRPr/>
+          </a:p>
         </p:txBody>
       </p:sp>
       <p:sp>
         <p:nvSpPr>
           <p:cNvPr id="43" name="Google Shape;43;p10"/>
-          <p:cNvSpPr txBox="1"/>
+          <p:cNvSpPr txBox="1">
+            <a:spLocks noGrp="1"/>
+          </p:cNvSpPr>
           <p:nvPr>
-            <p:ph idx="12" type="sldNum"/>
+            <p:ph type="sldNum" idx="12"/>
           </p:nvPr>
         </p:nvSpPr>
         <p:spPr>
@@ -5606,7 +6010,7 @@
           </a:prstGeom>
         </p:spPr>
         <p:txBody>
-          <a:bodyPr anchorCtr="0" anchor="ctr" bIns="91425" lIns="91425" spcFirstLastPara="1" rIns="91425" wrap="square" tIns="91425">
+          <a:bodyPr spcFirstLastPara="1" wrap="square" lIns="91425" tIns="91425" rIns="91425" bIns="91425" anchor="ctr" anchorCtr="0">
             <a:noAutofit/>
           </a:bodyPr>
           <a:lstStyle>
@@ -5648,7 +6052,7 @@
             </a:lvl9pPr>
           </a:lstStyle>
           <a:p>
-            <a:pPr indent="0" lvl="0" marL="0" rtl="0" algn="r">
+            <a:pPr marL="0" lvl="0" indent="0" algn="r" rtl="0">
               <a:spcBef>
                 <a:spcPts val="0"/>
               </a:spcBef>
@@ -5674,18 +6078,19 @@
 </file>
 
 <file path=ppt/slideMasters/slideMaster1.xml><?xml version="1.0" encoding="utf-8"?>
-<p:sldMaster xmlns:a="http://schemas.openxmlformats.org/drawingml/2006/main" xmlns:r="http://schemas.openxmlformats.org/officeDocument/2006/relationships" xmlns:mc="http://schemas.openxmlformats.org/markup-compatibility/2006" xmlns:mv="urn:schemas-microsoft-com:mac:vml" xmlns:p="http://schemas.openxmlformats.org/presentationml/2006/main" xmlns:c="http://schemas.openxmlformats.org/drawingml/2006/chart" xmlns:dgm="http://schemas.openxmlformats.org/drawingml/2006/diagram" xmlns:o="urn:schemas-microsoft-com:office:office" xmlns:v="urn:schemas-microsoft-com:vml" xmlns:pvml="urn:schemas-microsoft-com:office:powerpoint" xmlns:com="http://schemas.openxmlformats.org/drawingml/2006/compatibility" xmlns:p14="http://schemas.microsoft.com/office/powerpoint/2010/main" xmlns:p15="http://schemas.microsoft.com/office/powerpoint/2012/main">
+<p:sldMaster xmlns:a="http://schemas.openxmlformats.org/drawingml/2006/main" xmlns:r="http://schemas.openxmlformats.org/officeDocument/2006/relationships" xmlns:p="http://schemas.openxmlformats.org/presentationml/2006/main">
   <p:cSld name="simple-light-2">
     <p:bg>
       <p:bgPr>
         <a:solidFill>
           <a:schemeClr val="lt1"/>
         </a:solidFill>
+        <a:effectLst/>
       </p:bgPr>
     </p:bg>
     <p:spTree>
       <p:nvGrpSpPr>
-        <p:cNvPr id="5" name="Shape 5"/>
+        <p:cNvPr id="1" name="Shape 5"/>
         <p:cNvGrpSpPr/>
         <p:nvPr/>
       </p:nvGrpSpPr>
@@ -5700,7 +6105,9 @@
       <p:sp>
         <p:nvSpPr>
           <p:cNvPr id="6" name="Google Shape;6;p1"/>
-          <p:cNvSpPr txBox="1"/>
+          <p:cNvSpPr txBox="1">
+            <a:spLocks noGrp="1"/>
+          </p:cNvSpPr>
           <p:nvPr>
             <p:ph type="title"/>
           </p:nvPr>
@@ -5719,7 +6126,7 @@
           </a:ln>
         </p:spPr>
         <p:txBody>
-          <a:bodyPr anchorCtr="0" anchor="t" bIns="91425" lIns="91425" spcFirstLastPara="1" rIns="91425" wrap="square" tIns="91425">
+          <a:bodyPr spcFirstLastPara="1" wrap="square" lIns="91425" tIns="91425" rIns="91425" bIns="91425" anchor="t" anchorCtr="0">
             <a:noAutofit/>
           </a:bodyPr>
           <a:lstStyle>
@@ -5886,15 +6293,19 @@
               </a:defRPr>
             </a:lvl9pPr>
           </a:lstStyle>
-          <a:p/>
+          <a:p>
+            <a:endParaRPr/>
+          </a:p>
         </p:txBody>
       </p:sp>
       <p:sp>
         <p:nvSpPr>
           <p:cNvPr id="7" name="Google Shape;7;p1"/>
-          <p:cNvSpPr txBox="1"/>
+          <p:cNvSpPr txBox="1">
+            <a:spLocks noGrp="1"/>
+          </p:cNvSpPr>
           <p:nvPr>
-            <p:ph idx="1" type="body"/>
+            <p:ph type="body" idx="1"/>
           </p:nvPr>
         </p:nvSpPr>
         <p:spPr>
@@ -5911,11 +6322,11 @@
           </a:ln>
         </p:spPr>
         <p:txBody>
-          <a:bodyPr anchorCtr="0" anchor="t" bIns="91425" lIns="91425" spcFirstLastPara="1" rIns="91425" wrap="square" tIns="91425">
+          <a:bodyPr spcFirstLastPara="1" wrap="square" lIns="91425" tIns="91425" rIns="91425" bIns="91425" anchor="t" anchorCtr="0">
             <a:noAutofit/>
           </a:bodyPr>
           <a:lstStyle>
-            <a:lvl1pPr indent="-342900" lvl="0" marL="457200">
+            <a:lvl1pPr marL="457200" lvl="0" indent="-342900">
               <a:lnSpc>
                 <a:spcPct val="115000"/>
               </a:lnSpc>
@@ -5936,7 +6347,7 @@
                 </a:solidFill>
               </a:defRPr>
             </a:lvl1pPr>
-            <a:lvl2pPr indent="-317500" lvl="1" marL="914400">
+            <a:lvl2pPr marL="914400" lvl="1" indent="-317500">
               <a:lnSpc>
                 <a:spcPct val="115000"/>
               </a:lnSpc>
@@ -5957,7 +6368,7 @@
                 </a:solidFill>
               </a:defRPr>
             </a:lvl2pPr>
-            <a:lvl3pPr indent="-317500" lvl="2" marL="1371600">
+            <a:lvl3pPr marL="1371600" lvl="2" indent="-317500">
               <a:lnSpc>
                 <a:spcPct val="115000"/>
               </a:lnSpc>
@@ -5978,7 +6389,7 @@
                 </a:solidFill>
               </a:defRPr>
             </a:lvl3pPr>
-            <a:lvl4pPr indent="-317500" lvl="3" marL="1828800">
+            <a:lvl4pPr marL="1828800" lvl="3" indent="-317500">
               <a:lnSpc>
                 <a:spcPct val="115000"/>
               </a:lnSpc>
@@ -5999,7 +6410,7 @@
                 </a:solidFill>
               </a:defRPr>
             </a:lvl4pPr>
-            <a:lvl5pPr indent="-317500" lvl="4" marL="2286000">
+            <a:lvl5pPr marL="2286000" lvl="4" indent="-317500">
               <a:lnSpc>
                 <a:spcPct val="115000"/>
               </a:lnSpc>
@@ -6020,7 +6431,7 @@
                 </a:solidFill>
               </a:defRPr>
             </a:lvl5pPr>
-            <a:lvl6pPr indent="-317500" lvl="5" marL="2743200">
+            <a:lvl6pPr marL="2743200" lvl="5" indent="-317500">
               <a:lnSpc>
                 <a:spcPct val="115000"/>
               </a:lnSpc>
@@ -6041,7 +6452,7 @@
                 </a:solidFill>
               </a:defRPr>
             </a:lvl6pPr>
-            <a:lvl7pPr indent="-317500" lvl="6" marL="3200400">
+            <a:lvl7pPr marL="3200400" lvl="6" indent="-317500">
               <a:lnSpc>
                 <a:spcPct val="115000"/>
               </a:lnSpc>
@@ -6062,7 +6473,7 @@
                 </a:solidFill>
               </a:defRPr>
             </a:lvl7pPr>
-            <a:lvl8pPr indent="-317500" lvl="7" marL="3657600">
+            <a:lvl8pPr marL="3657600" lvl="7" indent="-317500">
               <a:lnSpc>
                 <a:spcPct val="115000"/>
               </a:lnSpc>
@@ -6083,7 +6494,7 @@
                 </a:solidFill>
               </a:defRPr>
             </a:lvl8pPr>
-            <a:lvl9pPr indent="-317500" lvl="8" marL="4114800">
+            <a:lvl9pPr marL="4114800" lvl="8" indent="-317500">
               <a:lnSpc>
                 <a:spcPct val="115000"/>
               </a:lnSpc>
@@ -6105,15 +6516,19 @@
               </a:defRPr>
             </a:lvl9pPr>
           </a:lstStyle>
-          <a:p/>
+          <a:p>
+            <a:endParaRPr/>
+          </a:p>
         </p:txBody>
       </p:sp>
       <p:sp>
         <p:nvSpPr>
           <p:cNvPr id="8" name="Google Shape;8;p1"/>
-          <p:cNvSpPr txBox="1"/>
+          <p:cNvSpPr txBox="1">
+            <a:spLocks noGrp="1"/>
+          </p:cNvSpPr>
           <p:nvPr>
-            <p:ph idx="12" type="sldNum"/>
+            <p:ph type="sldNum" idx="12"/>
           </p:nvPr>
         </p:nvSpPr>
         <p:spPr>
@@ -6130,7 +6545,7 @@
           </a:ln>
         </p:spPr>
         <p:txBody>
-          <a:bodyPr anchorCtr="0" anchor="ctr" bIns="91425" lIns="91425" spcFirstLastPara="1" rIns="91425" wrap="square" tIns="91425">
+          <a:bodyPr spcFirstLastPara="1" wrap="square" lIns="91425" tIns="91425" rIns="91425" bIns="91425" anchor="ctr" anchorCtr="0">
             <a:noAutofit/>
           </a:bodyPr>
           <a:lstStyle>
@@ -6208,7 +6623,7 @@
             </a:lvl9pPr>
           </a:lstStyle>
           <a:p>
-            <a:pPr indent="0" lvl="0" marL="0" rtl="0" algn="r">
+            <a:pPr marL="0" lvl="0" indent="0" algn="r" rtl="0">
               <a:spcBef>
                 <a:spcPts val="0"/>
               </a:spcBef>
@@ -6227,7 +6642,7 @@
       </p:sp>
     </p:spTree>
   </p:cSld>
-  <p:clrMap accent1="accent1" accent2="accent2" accent3="accent3" accent4="accent4" accent5="accent5" accent6="accent6" bg1="lt1" bg2="dk2" tx1="dk1" tx2="lt2" folHlink="folHlink" hlink="hlink"/>
+  <p:clrMap bg1="lt1" tx1="dk1" bg2="dk2" tx2="lt2" accent1="accent1" accent2="accent2" accent3="accent3" accent4="accent4" accent5="accent5" accent6="accent6" hlink="hlink" folHlink="folHlink"/>
   <p:sldLayoutIdLst>
     <p:sldLayoutId id="2147483648" r:id="rId1"/>
     <p:sldLayoutId id="2147483649" r:id="rId2"/>
@@ -6241,10 +6656,10 @@
     <p:sldLayoutId id="2147483657" r:id="rId10"/>
     <p:sldLayoutId id="2147483658" r:id="rId11"/>
   </p:sldLayoutIdLst>
-  <p:hf dt="0" ftr="0" hdr="0" sldNum="0"/>
+  <p:hf sldNum="0" hdr="0" ftr="0" dt="0"/>
   <p:txStyles>
     <p:titleStyle>
-      <a:defPPr lvl="0" marR="0" rtl="0" algn="l">
+      <a:defPPr marR="0" lvl="0" algn="l" rtl="0">
         <a:lnSpc>
           <a:spcPct val="100000"/>
         </a:lnSpc>
@@ -6255,7 +6670,7 @@
           <a:spcPts val="0"/>
         </a:spcAft>
       </a:defPPr>
-      <a:lvl1pPr lvl="0" marR="0" rtl="0" algn="l">
+      <a:lvl1pPr marR="0" lvl="0" algn="l" rtl="0">
         <a:lnSpc>
           <a:spcPct val="100000"/>
         </a:lnSpc>
@@ -6269,7 +6684,7 @@
           <a:srgbClr val="000000"/>
         </a:buClr>
         <a:buFont typeface="Arial"/>
-        <a:defRPr b="0" i="0" sz="1400" u="none" cap="none" strike="noStrike">
+        <a:defRPr sz="1400" b="0" i="0" u="none" strike="noStrike" cap="none">
           <a:solidFill>
             <a:srgbClr val="000000"/>
           </a:solidFill>
@@ -6279,7 +6694,7 @@
           <a:sym typeface="Arial"/>
         </a:defRPr>
       </a:lvl1pPr>
-      <a:lvl2pPr lvl="1" marR="0" rtl="0" algn="l">
+      <a:lvl2pPr marR="0" lvl="1" algn="l" rtl="0">
         <a:lnSpc>
           <a:spcPct val="100000"/>
         </a:lnSpc>
@@ -6293,7 +6708,7 @@
           <a:srgbClr val="000000"/>
         </a:buClr>
         <a:buFont typeface="Arial"/>
-        <a:defRPr b="0" i="0" sz="1400" u="none" cap="none" strike="noStrike">
+        <a:defRPr sz="1400" b="0" i="0" u="none" strike="noStrike" cap="none">
           <a:solidFill>
             <a:srgbClr val="000000"/>
           </a:solidFill>
@@ -6303,7 +6718,7 @@
           <a:sym typeface="Arial"/>
         </a:defRPr>
       </a:lvl2pPr>
-      <a:lvl3pPr lvl="2" marR="0" rtl="0" algn="l">
+      <a:lvl3pPr marR="0" lvl="2" algn="l" rtl="0">
         <a:lnSpc>
           <a:spcPct val="100000"/>
         </a:lnSpc>
@@ -6317,7 +6732,7 @@
           <a:srgbClr val="000000"/>
         </a:buClr>
         <a:buFont typeface="Arial"/>
-        <a:defRPr b="0" i="0" sz="1400" u="none" cap="none" strike="noStrike">
+        <a:defRPr sz="1400" b="0" i="0" u="none" strike="noStrike" cap="none">
           <a:solidFill>
             <a:srgbClr val="000000"/>
           </a:solidFill>
@@ -6327,7 +6742,7 @@
           <a:sym typeface="Arial"/>
         </a:defRPr>
       </a:lvl3pPr>
-      <a:lvl4pPr lvl="3" marR="0" rtl="0" algn="l">
+      <a:lvl4pPr marR="0" lvl="3" algn="l" rtl="0">
         <a:lnSpc>
           <a:spcPct val="100000"/>
         </a:lnSpc>
@@ -6341,7 +6756,7 @@
           <a:srgbClr val="000000"/>
         </a:buClr>
         <a:buFont typeface="Arial"/>
-        <a:defRPr b="0" i="0" sz="1400" u="none" cap="none" strike="noStrike">
+        <a:defRPr sz="1400" b="0" i="0" u="none" strike="noStrike" cap="none">
           <a:solidFill>
             <a:srgbClr val="000000"/>
           </a:solidFill>
@@ -6351,7 +6766,7 @@
           <a:sym typeface="Arial"/>
         </a:defRPr>
       </a:lvl4pPr>
-      <a:lvl5pPr lvl="4" marR="0" rtl="0" algn="l">
+      <a:lvl5pPr marR="0" lvl="4" algn="l" rtl="0">
         <a:lnSpc>
           <a:spcPct val="100000"/>
         </a:lnSpc>
@@ -6365,7 +6780,7 @@
           <a:srgbClr val="000000"/>
         </a:buClr>
         <a:buFont typeface="Arial"/>
-        <a:defRPr b="0" i="0" sz="1400" u="none" cap="none" strike="noStrike">
+        <a:defRPr sz="1400" b="0" i="0" u="none" strike="noStrike" cap="none">
           <a:solidFill>
             <a:srgbClr val="000000"/>
           </a:solidFill>
@@ -6375,7 +6790,7 @@
           <a:sym typeface="Arial"/>
         </a:defRPr>
       </a:lvl5pPr>
-      <a:lvl6pPr lvl="5" marR="0" rtl="0" algn="l">
+      <a:lvl6pPr marR="0" lvl="5" algn="l" rtl="0">
         <a:lnSpc>
           <a:spcPct val="100000"/>
         </a:lnSpc>
@@ -6389,7 +6804,7 @@
           <a:srgbClr val="000000"/>
         </a:buClr>
         <a:buFont typeface="Arial"/>
-        <a:defRPr b="0" i="0" sz="1400" u="none" cap="none" strike="noStrike">
+        <a:defRPr sz="1400" b="0" i="0" u="none" strike="noStrike" cap="none">
           <a:solidFill>
             <a:srgbClr val="000000"/>
           </a:solidFill>
@@ -6399,7 +6814,7 @@
           <a:sym typeface="Arial"/>
         </a:defRPr>
       </a:lvl6pPr>
-      <a:lvl7pPr lvl="6" marR="0" rtl="0" algn="l">
+      <a:lvl7pPr marR="0" lvl="6" algn="l" rtl="0">
         <a:lnSpc>
           <a:spcPct val="100000"/>
         </a:lnSpc>
@@ -6413,7 +6828,7 @@
           <a:srgbClr val="000000"/>
         </a:buClr>
         <a:buFont typeface="Arial"/>
-        <a:defRPr b="0" i="0" sz="1400" u="none" cap="none" strike="noStrike">
+        <a:defRPr sz="1400" b="0" i="0" u="none" strike="noStrike" cap="none">
           <a:solidFill>
             <a:srgbClr val="000000"/>
           </a:solidFill>
@@ -6423,7 +6838,7 @@
           <a:sym typeface="Arial"/>
         </a:defRPr>
       </a:lvl7pPr>
-      <a:lvl8pPr lvl="7" marR="0" rtl="0" algn="l">
+      <a:lvl8pPr marR="0" lvl="7" algn="l" rtl="0">
         <a:lnSpc>
           <a:spcPct val="100000"/>
         </a:lnSpc>
@@ -6437,7 +6852,7 @@
           <a:srgbClr val="000000"/>
         </a:buClr>
         <a:buFont typeface="Arial"/>
-        <a:defRPr b="0" i="0" sz="1400" u="none" cap="none" strike="noStrike">
+        <a:defRPr sz="1400" b="0" i="0" u="none" strike="noStrike" cap="none">
           <a:solidFill>
             <a:srgbClr val="000000"/>
           </a:solidFill>
@@ -6447,7 +6862,7 @@
           <a:sym typeface="Arial"/>
         </a:defRPr>
       </a:lvl8pPr>
-      <a:lvl9pPr lvl="8" marR="0" rtl="0" algn="l">
+      <a:lvl9pPr marR="0" lvl="8" algn="l" rtl="0">
         <a:lnSpc>
           <a:spcPct val="100000"/>
         </a:lnSpc>
@@ -6461,7 +6876,7 @@
           <a:srgbClr val="000000"/>
         </a:buClr>
         <a:buFont typeface="Arial"/>
-        <a:defRPr b="0" i="0" sz="1400" u="none" cap="none" strike="noStrike">
+        <a:defRPr sz="1400" b="0" i="0" u="none" strike="noStrike" cap="none">
           <a:solidFill>
             <a:srgbClr val="000000"/>
           </a:solidFill>
@@ -6473,7 +6888,7 @@
       </a:lvl9pPr>
     </p:titleStyle>
     <p:bodyStyle>
-      <a:defPPr lvl="0" marR="0" rtl="0" algn="l">
+      <a:defPPr marR="0" lvl="0" algn="l" rtl="0">
         <a:lnSpc>
           <a:spcPct val="100000"/>
         </a:lnSpc>
@@ -6484,7 +6899,7 @@
           <a:spcPts val="0"/>
         </a:spcAft>
       </a:defPPr>
-      <a:lvl1pPr lvl="0" marR="0" rtl="0" algn="l">
+      <a:lvl1pPr marR="0" lvl="0" algn="l" rtl="0">
         <a:lnSpc>
           <a:spcPct val="100000"/>
         </a:lnSpc>
@@ -6498,7 +6913,7 @@
           <a:srgbClr val="000000"/>
         </a:buClr>
         <a:buFont typeface="Arial"/>
-        <a:defRPr b="0" i="0" sz="1400" u="none" cap="none" strike="noStrike">
+        <a:defRPr sz="1400" b="0" i="0" u="none" strike="noStrike" cap="none">
           <a:solidFill>
             <a:srgbClr val="000000"/>
           </a:solidFill>
@@ -6508,7 +6923,7 @@
           <a:sym typeface="Arial"/>
         </a:defRPr>
       </a:lvl1pPr>
-      <a:lvl2pPr lvl="1" marR="0" rtl="0" algn="l">
+      <a:lvl2pPr marR="0" lvl="1" algn="l" rtl="0">
         <a:lnSpc>
           <a:spcPct val="100000"/>
         </a:lnSpc>
@@ -6522,7 +6937,7 @@
           <a:srgbClr val="000000"/>
         </a:buClr>
         <a:buFont typeface="Arial"/>
-        <a:defRPr b="0" i="0" sz="1400" u="none" cap="none" strike="noStrike">
+        <a:defRPr sz="1400" b="0" i="0" u="none" strike="noStrike" cap="none">
           <a:solidFill>
             <a:srgbClr val="000000"/>
           </a:solidFill>
@@ -6532,7 +6947,7 @@
           <a:sym typeface="Arial"/>
         </a:defRPr>
       </a:lvl2pPr>
-      <a:lvl3pPr lvl="2" marR="0" rtl="0" algn="l">
+      <a:lvl3pPr marR="0" lvl="2" algn="l" rtl="0">
         <a:lnSpc>
           <a:spcPct val="100000"/>
         </a:lnSpc>
@@ -6546,7 +6961,7 @@
           <a:srgbClr val="000000"/>
         </a:buClr>
         <a:buFont typeface="Arial"/>
-        <a:defRPr b="0" i="0" sz="1400" u="none" cap="none" strike="noStrike">
+        <a:defRPr sz="1400" b="0" i="0" u="none" strike="noStrike" cap="none">
           <a:solidFill>
             <a:srgbClr val="000000"/>
           </a:solidFill>
@@ -6556,7 +6971,7 @@
           <a:sym typeface="Arial"/>
         </a:defRPr>
       </a:lvl3pPr>
-      <a:lvl4pPr lvl="3" marR="0" rtl="0" algn="l">
+      <a:lvl4pPr marR="0" lvl="3" algn="l" rtl="0">
         <a:lnSpc>
           <a:spcPct val="100000"/>
         </a:lnSpc>
@@ -6570,7 +6985,7 @@
           <a:srgbClr val="000000"/>
         </a:buClr>
         <a:buFont typeface="Arial"/>
-        <a:defRPr b="0" i="0" sz="1400" u="none" cap="none" strike="noStrike">
+        <a:defRPr sz="1400" b="0" i="0" u="none" strike="noStrike" cap="none">
           <a:solidFill>
             <a:srgbClr val="000000"/>
           </a:solidFill>
@@ -6580,7 +6995,7 @@
           <a:sym typeface="Arial"/>
         </a:defRPr>
       </a:lvl4pPr>
-      <a:lvl5pPr lvl="4" marR="0" rtl="0" algn="l">
+      <a:lvl5pPr marR="0" lvl="4" algn="l" rtl="0">
         <a:lnSpc>
           <a:spcPct val="100000"/>
         </a:lnSpc>
@@ -6594,7 +7009,7 @@
           <a:srgbClr val="000000"/>
         </a:buClr>
         <a:buFont typeface="Arial"/>
-        <a:defRPr b="0" i="0" sz="1400" u="none" cap="none" strike="noStrike">
+        <a:defRPr sz="1400" b="0" i="0" u="none" strike="noStrike" cap="none">
           <a:solidFill>
             <a:srgbClr val="000000"/>
           </a:solidFill>
@@ -6604,7 +7019,7 @@
           <a:sym typeface="Arial"/>
         </a:defRPr>
       </a:lvl5pPr>
-      <a:lvl6pPr lvl="5" marR="0" rtl="0" algn="l">
+      <a:lvl6pPr marR="0" lvl="5" algn="l" rtl="0">
         <a:lnSpc>
           <a:spcPct val="100000"/>
         </a:lnSpc>
@@ -6618,7 +7033,7 @@
           <a:srgbClr val="000000"/>
         </a:buClr>
         <a:buFont typeface="Arial"/>
-        <a:defRPr b="0" i="0" sz="1400" u="none" cap="none" strike="noStrike">
+        <a:defRPr sz="1400" b="0" i="0" u="none" strike="noStrike" cap="none">
           <a:solidFill>
             <a:srgbClr val="000000"/>
           </a:solidFill>
@@ -6628,7 +7043,7 @@
           <a:sym typeface="Arial"/>
         </a:defRPr>
       </a:lvl6pPr>
-      <a:lvl7pPr lvl="6" marR="0" rtl="0" algn="l">
+      <a:lvl7pPr marR="0" lvl="6" algn="l" rtl="0">
         <a:lnSpc>
           <a:spcPct val="100000"/>
         </a:lnSpc>
@@ -6642,7 +7057,7 @@
           <a:srgbClr val="000000"/>
         </a:buClr>
         <a:buFont typeface="Arial"/>
-        <a:defRPr b="0" i="0" sz="1400" u="none" cap="none" strike="noStrike">
+        <a:defRPr sz="1400" b="0" i="0" u="none" strike="noStrike" cap="none">
           <a:solidFill>
             <a:srgbClr val="000000"/>
           </a:solidFill>
@@ -6652,7 +7067,7 @@
           <a:sym typeface="Arial"/>
         </a:defRPr>
       </a:lvl7pPr>
-      <a:lvl8pPr lvl="7" marR="0" rtl="0" algn="l">
+      <a:lvl8pPr marR="0" lvl="7" algn="l" rtl="0">
         <a:lnSpc>
           <a:spcPct val="100000"/>
         </a:lnSpc>
@@ -6666,7 +7081,7 @@
           <a:srgbClr val="000000"/>
         </a:buClr>
         <a:buFont typeface="Arial"/>
-        <a:defRPr b="0" i="0" sz="1400" u="none" cap="none" strike="noStrike">
+        <a:defRPr sz="1400" b="0" i="0" u="none" strike="noStrike" cap="none">
           <a:solidFill>
             <a:srgbClr val="000000"/>
           </a:solidFill>
@@ -6676,7 +7091,7 @@
           <a:sym typeface="Arial"/>
         </a:defRPr>
       </a:lvl8pPr>
-      <a:lvl9pPr lvl="8" marR="0" rtl="0" algn="l">
+      <a:lvl9pPr marR="0" lvl="8" algn="l" rtl="0">
         <a:lnSpc>
           <a:spcPct val="100000"/>
         </a:lnSpc>
@@ -6690,7 +7105,7 @@
           <a:srgbClr val="000000"/>
         </a:buClr>
         <a:buFont typeface="Arial"/>
-        <a:defRPr b="0" i="0" sz="1400" u="none" cap="none" strike="noStrike">
+        <a:defRPr sz="1400" b="0" i="0" u="none" strike="noStrike" cap="none">
           <a:solidFill>
             <a:srgbClr val="000000"/>
           </a:solidFill>
@@ -6702,7 +7117,7 @@
       </a:lvl9pPr>
     </p:bodyStyle>
     <p:otherStyle>
-      <a:defPPr lvl="0" marR="0" rtl="0" algn="l">
+      <a:defPPr marR="0" lvl="0" algn="l" rtl="0">
         <a:lnSpc>
           <a:spcPct val="100000"/>
         </a:lnSpc>
@@ -6713,7 +7128,7 @@
           <a:spcPts val="0"/>
         </a:spcAft>
       </a:defPPr>
-      <a:lvl1pPr lvl="0" marR="0" rtl="0" algn="l">
+      <a:lvl1pPr marR="0" lvl="0" algn="l" rtl="0">
         <a:lnSpc>
           <a:spcPct val="100000"/>
         </a:lnSpc>
@@ -6727,7 +7142,7 @@
           <a:srgbClr val="000000"/>
         </a:buClr>
         <a:buFont typeface="Arial"/>
-        <a:defRPr b="0" i="0" sz="1400" u="none" cap="none" strike="noStrike">
+        <a:defRPr sz="1400" b="0" i="0" u="none" strike="noStrike" cap="none">
           <a:solidFill>
             <a:srgbClr val="000000"/>
           </a:solidFill>
@@ -6737,7 +7152,7 @@
           <a:sym typeface="Arial"/>
         </a:defRPr>
       </a:lvl1pPr>
-      <a:lvl2pPr lvl="1" marR="0" rtl="0" algn="l">
+      <a:lvl2pPr marR="0" lvl="1" algn="l" rtl="0">
         <a:lnSpc>
           <a:spcPct val="100000"/>
         </a:lnSpc>
@@ -6751,7 +7166,7 @@
           <a:srgbClr val="000000"/>
         </a:buClr>
         <a:buFont typeface="Arial"/>
-        <a:defRPr b="0" i="0" sz="1400" u="none" cap="none" strike="noStrike">
+        <a:defRPr sz="1400" b="0" i="0" u="none" strike="noStrike" cap="none">
           <a:solidFill>
             <a:srgbClr val="000000"/>
           </a:solidFill>
@@ -6761,7 +7176,7 @@
           <a:sym typeface="Arial"/>
         </a:defRPr>
       </a:lvl2pPr>
-      <a:lvl3pPr lvl="2" marR="0" rtl="0" algn="l">
+      <a:lvl3pPr marR="0" lvl="2" algn="l" rtl="0">
         <a:lnSpc>
           <a:spcPct val="100000"/>
         </a:lnSpc>
@@ -6775,7 +7190,7 @@
           <a:srgbClr val="000000"/>
         </a:buClr>
         <a:buFont typeface="Arial"/>
-        <a:defRPr b="0" i="0" sz="1400" u="none" cap="none" strike="noStrike">
+        <a:defRPr sz="1400" b="0" i="0" u="none" strike="noStrike" cap="none">
           <a:solidFill>
             <a:srgbClr val="000000"/>
           </a:solidFill>
@@ -6785,7 +7200,7 @@
           <a:sym typeface="Arial"/>
         </a:defRPr>
       </a:lvl3pPr>
-      <a:lvl4pPr lvl="3" marR="0" rtl="0" algn="l">
+      <a:lvl4pPr marR="0" lvl="3" algn="l" rtl="0">
         <a:lnSpc>
           <a:spcPct val="100000"/>
         </a:lnSpc>
@@ -6799,7 +7214,7 @@
           <a:srgbClr val="000000"/>
         </a:buClr>
         <a:buFont typeface="Arial"/>
-        <a:defRPr b="0" i="0" sz="1400" u="none" cap="none" strike="noStrike">
+        <a:defRPr sz="1400" b="0" i="0" u="none" strike="noStrike" cap="none">
           <a:solidFill>
             <a:srgbClr val="000000"/>
           </a:solidFill>
@@ -6809,7 +7224,7 @@
           <a:sym typeface="Arial"/>
         </a:defRPr>
       </a:lvl4pPr>
-      <a:lvl5pPr lvl="4" marR="0" rtl="0" algn="l">
+      <a:lvl5pPr marR="0" lvl="4" algn="l" rtl="0">
         <a:lnSpc>
           <a:spcPct val="100000"/>
         </a:lnSpc>
@@ -6823,7 +7238,7 @@
           <a:srgbClr val="000000"/>
         </a:buClr>
         <a:buFont typeface="Arial"/>
-        <a:defRPr b="0" i="0" sz="1400" u="none" cap="none" strike="noStrike">
+        <a:defRPr sz="1400" b="0" i="0" u="none" strike="noStrike" cap="none">
           <a:solidFill>
             <a:srgbClr val="000000"/>
           </a:solidFill>
@@ -6833,7 +7248,7 @@
           <a:sym typeface="Arial"/>
         </a:defRPr>
       </a:lvl5pPr>
-      <a:lvl6pPr lvl="5" marR="0" rtl="0" algn="l">
+      <a:lvl6pPr marR="0" lvl="5" algn="l" rtl="0">
         <a:lnSpc>
           <a:spcPct val="100000"/>
         </a:lnSpc>
@@ -6847,7 +7262,7 @@
           <a:srgbClr val="000000"/>
         </a:buClr>
         <a:buFont typeface="Arial"/>
-        <a:defRPr b="0" i="0" sz="1400" u="none" cap="none" strike="noStrike">
+        <a:defRPr sz="1400" b="0" i="0" u="none" strike="noStrike" cap="none">
           <a:solidFill>
             <a:srgbClr val="000000"/>
           </a:solidFill>
@@ -6857,7 +7272,7 @@
           <a:sym typeface="Arial"/>
         </a:defRPr>
       </a:lvl6pPr>
-      <a:lvl7pPr lvl="6" marR="0" rtl="0" algn="l">
+      <a:lvl7pPr marR="0" lvl="6" algn="l" rtl="0">
         <a:lnSpc>
           <a:spcPct val="100000"/>
         </a:lnSpc>
@@ -6871,7 +7286,7 @@
           <a:srgbClr val="000000"/>
         </a:buClr>
         <a:buFont typeface="Arial"/>
-        <a:defRPr b="0" i="0" sz="1400" u="none" cap="none" strike="noStrike">
+        <a:defRPr sz="1400" b="0" i="0" u="none" strike="noStrike" cap="none">
           <a:solidFill>
             <a:srgbClr val="000000"/>
           </a:solidFill>
@@ -6881,7 +7296,7 @@
           <a:sym typeface="Arial"/>
         </a:defRPr>
       </a:lvl7pPr>
-      <a:lvl8pPr lvl="7" marR="0" rtl="0" algn="l">
+      <a:lvl8pPr marR="0" lvl="7" algn="l" rtl="0">
         <a:lnSpc>
           <a:spcPct val="100000"/>
         </a:lnSpc>
@@ -6895,7 +7310,7 @@
           <a:srgbClr val="000000"/>
         </a:buClr>
         <a:buFont typeface="Arial"/>
-        <a:defRPr b="0" i="0" sz="1400" u="none" cap="none" strike="noStrike">
+        <a:defRPr sz="1400" b="0" i="0" u="none" strike="noStrike" cap="none">
           <a:solidFill>
             <a:srgbClr val="000000"/>
           </a:solidFill>
@@ -6905,7 +7320,7 @@
           <a:sym typeface="Arial"/>
         </a:defRPr>
       </a:lvl8pPr>
-      <a:lvl9pPr lvl="8" marR="0" rtl="0" algn="l">
+      <a:lvl9pPr marR="0" lvl="8" algn="l" rtl="0">
         <a:lnSpc>
           <a:spcPct val="100000"/>
         </a:lnSpc>
@@ -6919,7 +7334,7 @@
           <a:srgbClr val="000000"/>
         </a:buClr>
         <a:buFont typeface="Arial"/>
-        <a:defRPr b="0" i="0" sz="1400" u="none" cap="none" strike="noStrike">
+        <a:defRPr sz="1400" b="0" i="0" u="none" strike="noStrike" cap="none">
           <a:solidFill>
             <a:srgbClr val="000000"/>
           </a:solidFill>
@@ -6935,11 +7350,11 @@
 </file>
 
 <file path=ppt/slides/slide1.xml><?xml version="1.0" encoding="utf-8"?>
-<p:sld xmlns:a="http://schemas.openxmlformats.org/drawingml/2006/main" xmlns:r="http://schemas.openxmlformats.org/officeDocument/2006/relationships" xmlns:mc="http://schemas.openxmlformats.org/markup-compatibility/2006" xmlns:mv="urn:schemas-microsoft-com:mac:vml" xmlns:p="http://schemas.openxmlformats.org/presentationml/2006/main" xmlns:c="http://schemas.openxmlformats.org/drawingml/2006/chart" xmlns:dgm="http://schemas.openxmlformats.org/drawingml/2006/diagram" xmlns:o="urn:schemas-microsoft-com:office:office" xmlns:v="urn:schemas-microsoft-com:vml" xmlns:pvml="urn:schemas-microsoft-com:office:powerpoint" xmlns:com="http://schemas.openxmlformats.org/drawingml/2006/compatibility" xmlns:p14="http://schemas.microsoft.com/office/powerpoint/2010/main" xmlns:p15="http://schemas.microsoft.com/office/powerpoint/2012/main">
+<p:sld xmlns:a="http://schemas.openxmlformats.org/drawingml/2006/main" xmlns:r="http://schemas.openxmlformats.org/officeDocument/2006/relationships" xmlns:p="http://schemas.openxmlformats.org/presentationml/2006/main">
   <p:cSld>
     <p:spTree>
       <p:nvGrpSpPr>
-        <p:cNvPr id="53" name="Shape 53"/>
+        <p:cNvPr id="1" name="Shape 53"/>
         <p:cNvGrpSpPr/>
         <p:nvPr/>
       </p:nvGrpSpPr>
@@ -6954,7 +7369,9 @@
       <p:sp>
         <p:nvSpPr>
           <p:cNvPr id="54" name="Google Shape;54;p13"/>
-          <p:cNvSpPr txBox="1"/>
+          <p:cNvSpPr txBox="1">
+            <a:spLocks noGrp="1"/>
+          </p:cNvSpPr>
           <p:nvPr>
             <p:ph type="title"/>
           </p:nvPr>
@@ -6969,12 +7386,12 @@
           </a:prstGeom>
         </p:spPr>
         <p:txBody>
-          <a:bodyPr anchorCtr="0" anchor="t" bIns="91425" lIns="91425" spcFirstLastPara="1" rIns="91425" wrap="square" tIns="91425">
+          <a:bodyPr spcFirstLastPara="1" wrap="square" lIns="91425" tIns="91425" rIns="91425" bIns="91425" anchor="t" anchorCtr="0">
             <a:noAutofit/>
           </a:bodyPr>
           <a:lstStyle/>
           <a:p>
-            <a:pPr indent="0" lvl="0" marL="0" rtl="0" algn="l">
+            <a:pPr marL="0" lvl="0" indent="0" algn="l" rtl="0">
               <a:spcBef>
                 <a:spcPts val="0"/>
               </a:spcBef>
@@ -6994,9 +7411,11 @@
       <p:sp>
         <p:nvSpPr>
           <p:cNvPr id="55" name="Google Shape;55;p13"/>
-          <p:cNvSpPr txBox="1"/>
+          <p:cNvSpPr txBox="1">
+            <a:spLocks noGrp="1"/>
+          </p:cNvSpPr>
           <p:nvPr>
-            <p:ph idx="1" type="body"/>
+            <p:ph type="body" idx="1"/>
           </p:nvPr>
         </p:nvSpPr>
         <p:spPr>
@@ -7009,27 +7428,24 @@
           </a:prstGeom>
         </p:spPr>
         <p:txBody>
-          <a:bodyPr anchorCtr="0" anchor="t" bIns="91425" lIns="91425" spcFirstLastPara="1" rIns="91425" wrap="square" tIns="91425">
+          <a:bodyPr spcFirstLastPara="1" wrap="square" lIns="91425" tIns="91425" rIns="91425" bIns="91425" anchor="t" anchorCtr="0">
             <a:noAutofit/>
           </a:bodyPr>
           <a:lstStyle/>
           <a:p>
-            <a:pPr indent="0" lvl="0" marL="457200" rtl="0" algn="l">
-              <a:spcBef>
-                <a:spcPts val="0"/>
-              </a:spcBef>
-              <a:spcAft>
-                <a:spcPts val="0"/>
-              </a:spcAft>
-              <a:buNone/>
-            </a:pPr>
-            <a:r>
-              <a:t/>
-            </a:r>
+            <a:pPr marL="457200" lvl="0" indent="0" algn="l" rtl="0">
+              <a:spcBef>
+                <a:spcPts val="0"/>
+              </a:spcBef>
+              <a:spcAft>
+                <a:spcPts val="0"/>
+              </a:spcAft>
+              <a:buNone/>
+            </a:pPr>
             <a:endParaRPr/>
           </a:p>
           <a:p>
-            <a:pPr indent="-342900" lvl="0" marL="457200" rtl="0" algn="l">
+            <a:pPr marL="457200" lvl="0" indent="-342900" algn="l" rtl="0">
               <a:spcBef>
                 <a:spcPts val="1600"/>
               </a:spcBef>
@@ -7046,7 +7462,7 @@
             <a:endParaRPr/>
           </a:p>
           <a:p>
-            <a:pPr indent="-342900" lvl="0" marL="457200" rtl="0" algn="l">
+            <a:pPr marL="457200" lvl="0" indent="-342900" algn="l" rtl="0">
               <a:spcBef>
                 <a:spcPts val="0"/>
               </a:spcBef>
@@ -7063,22 +7479,19 @@
             <a:endParaRPr/>
           </a:p>
           <a:p>
-            <a:pPr indent="0" lvl="0" marL="0" rtl="0" algn="l">
-              <a:spcBef>
-                <a:spcPts val="0"/>
-              </a:spcBef>
-              <a:spcAft>
-                <a:spcPts val="0"/>
-              </a:spcAft>
-              <a:buNone/>
-            </a:pPr>
-            <a:r>
-              <a:t/>
-            </a:r>
+            <a:pPr marL="0" lvl="0" indent="0" algn="l" rtl="0">
+              <a:spcBef>
+                <a:spcPts val="0"/>
+              </a:spcBef>
+              <a:spcAft>
+                <a:spcPts val="0"/>
+              </a:spcAft>
+              <a:buNone/>
+            </a:pPr>
             <a:endParaRPr/>
           </a:p>
           <a:p>
-            <a:pPr indent="-342900" lvl="0" marL="457200" rtl="0" algn="l">
+            <a:pPr marL="457200" lvl="0" indent="-342900" algn="l" rtl="0">
               <a:spcBef>
                 <a:spcPts val="0"/>
               </a:spcBef>
@@ -7090,16 +7503,12 @@
             </a:pPr>
             <a:r>
               <a:rPr lang="fr"/>
-              <a:t>Care provider </a:t>
-            </a:r>
-            <a:r>
-              <a:rPr lang="fr"/>
-              <a:t>registration</a:t>
+              <a:t>Care provider registration</a:t>
             </a:r>
             <a:endParaRPr/>
           </a:p>
           <a:p>
-            <a:pPr indent="-342900" lvl="0" marL="457200" rtl="0" algn="l">
+            <a:pPr marL="457200" lvl="0" indent="-342900" algn="l" rtl="0">
               <a:spcBef>
                 <a:spcPts val="0"/>
               </a:spcBef>
@@ -7111,16 +7520,12 @@
             </a:pPr>
             <a:r>
               <a:rPr lang="fr"/>
-              <a:t>Care provider </a:t>
-            </a:r>
-            <a:r>
-              <a:rPr lang="fr"/>
-              <a:t>login</a:t>
+              <a:t>Care provider login</a:t>
             </a:r>
             <a:endParaRPr/>
           </a:p>
           <a:p>
-            <a:pPr indent="-342900" lvl="0" marL="457200" rtl="0" algn="l">
+            <a:pPr marL="457200" lvl="0" indent="-342900" algn="l" rtl="0">
               <a:spcBef>
                 <a:spcPts val="0"/>
               </a:spcBef>
@@ -7137,7 +7542,7 @@
             <a:endParaRPr/>
           </a:p>
           <a:p>
-            <a:pPr indent="-342900" lvl="0" marL="457200" rtl="0" algn="l">
+            <a:pPr marL="457200" lvl="0" indent="-342900" algn="l" rtl="0">
               <a:spcBef>
                 <a:spcPts val="0"/>
               </a:spcBef>
@@ -7154,7 +7559,7 @@
             <a:endParaRPr/>
           </a:p>
           <a:p>
-            <a:pPr indent="-342900" lvl="0" marL="457200" rtl="0" algn="l">
+            <a:pPr marL="457200" lvl="0" indent="-342900" algn="l" rtl="0">
               <a:spcBef>
                 <a:spcPts val="0"/>
               </a:spcBef>
@@ -7171,7 +7576,7 @@
             <a:endParaRPr/>
           </a:p>
           <a:p>
-            <a:pPr indent="0" lvl="0" marL="0" rtl="0" algn="l">
+            <a:pPr marL="0" lvl="0" indent="0" algn="l" rtl="0">
               <a:spcBef>
                 <a:spcPts val="1600"/>
               </a:spcBef>
@@ -7180,9 +7585,6 @@
               </a:spcAft>
               <a:buNone/>
             </a:pPr>
-            <a:r>
-              <a:t/>
-            </a:r>
             <a:endParaRPr/>
           </a:p>
         </p:txBody>
@@ -7196,11 +7598,11 @@
 </file>
 
 <file path=ppt/slides/slide10.xml><?xml version="1.0" encoding="utf-8"?>
-<p:sld xmlns:a="http://schemas.openxmlformats.org/drawingml/2006/main" xmlns:r="http://schemas.openxmlformats.org/officeDocument/2006/relationships" xmlns:mc="http://schemas.openxmlformats.org/markup-compatibility/2006" xmlns:mv="urn:schemas-microsoft-com:mac:vml" xmlns:p="http://schemas.openxmlformats.org/presentationml/2006/main" xmlns:c="http://schemas.openxmlformats.org/drawingml/2006/chart" xmlns:dgm="http://schemas.openxmlformats.org/drawingml/2006/diagram" xmlns:o="urn:schemas-microsoft-com:office:office" xmlns:v="urn:schemas-microsoft-com:vml" xmlns:pvml="urn:schemas-microsoft-com:office:powerpoint" xmlns:com="http://schemas.openxmlformats.org/drawingml/2006/compatibility" xmlns:p14="http://schemas.microsoft.com/office/powerpoint/2010/main" xmlns:p15="http://schemas.microsoft.com/office/powerpoint/2012/main">
+<p:sld xmlns:a="http://schemas.openxmlformats.org/drawingml/2006/main" xmlns:r="http://schemas.openxmlformats.org/officeDocument/2006/relationships" xmlns:p="http://schemas.openxmlformats.org/presentationml/2006/main">
   <p:cSld>
     <p:spTree>
       <p:nvGrpSpPr>
-        <p:cNvPr id="103" name="Shape 103"/>
+        <p:cNvPr id="1" name="Shape 103"/>
         <p:cNvGrpSpPr/>
         <p:nvPr/>
       </p:nvGrpSpPr>
@@ -7215,7 +7617,9 @@
       <p:sp>
         <p:nvSpPr>
           <p:cNvPr id="104" name="Google Shape;104;p22"/>
-          <p:cNvSpPr txBox="1"/>
+          <p:cNvSpPr txBox="1">
+            <a:spLocks noGrp="1"/>
+          </p:cNvSpPr>
           <p:nvPr>
             <p:ph type="title"/>
           </p:nvPr>
@@ -7230,12 +7634,12 @@
           </a:prstGeom>
         </p:spPr>
         <p:txBody>
-          <a:bodyPr anchorCtr="0" anchor="t" bIns="91425" lIns="91425" spcFirstLastPara="1" rIns="91425" wrap="square" tIns="91425">
+          <a:bodyPr spcFirstLastPara="1" wrap="square" lIns="91425" tIns="91425" rIns="91425" bIns="91425" anchor="t" anchorCtr="0">
             <a:noAutofit/>
           </a:bodyPr>
           <a:lstStyle/>
           <a:p>
-            <a:pPr indent="0" lvl="0" marL="0" rtl="0" algn="l">
+            <a:pPr marL="0" lvl="0" indent="0" algn="l" rtl="0">
               <a:spcBef>
                 <a:spcPts val="0"/>
               </a:spcBef>
@@ -7255,9 +7659,11 @@
       <p:sp>
         <p:nvSpPr>
           <p:cNvPr id="105" name="Google Shape;105;p22"/>
-          <p:cNvSpPr txBox="1"/>
+          <p:cNvSpPr txBox="1">
+            <a:spLocks noGrp="1"/>
+          </p:cNvSpPr>
           <p:nvPr>
-            <p:ph idx="1" type="body"/>
+            <p:ph type="body" idx="1"/>
           </p:nvPr>
         </p:nvSpPr>
         <p:spPr>
@@ -7270,28 +7676,28 @@
           </a:prstGeom>
         </p:spPr>
         <p:txBody>
-          <a:bodyPr anchorCtr="0" anchor="t" bIns="91425" lIns="91425" spcFirstLastPara="1" rIns="91425" wrap="square" tIns="91425">
+          <a:bodyPr spcFirstLastPara="1" wrap="square" lIns="91425" tIns="91425" rIns="91425" bIns="91425" anchor="t" anchorCtr="0">
             <a:noAutofit/>
           </a:bodyPr>
           <a:lstStyle/>
           <a:p>
-            <a:pPr indent="0" lvl="0" marL="0" rtl="0" algn="l">
-              <a:spcBef>
-                <a:spcPts val="0"/>
-              </a:spcBef>
-              <a:spcAft>
-                <a:spcPts val="0"/>
-              </a:spcAft>
-              <a:buNone/>
-            </a:pPr>
-            <a:r>
-              <a:rPr b="1" lang="fr" u="sng"/>
+            <a:pPr marL="0" lvl="0" indent="0" algn="l" rtl="0">
+              <a:spcBef>
+                <a:spcPts val="0"/>
+              </a:spcBef>
+              <a:spcAft>
+                <a:spcPts val="0"/>
+              </a:spcAft>
+              <a:buNone/>
+            </a:pPr>
+            <a:r>
+              <a:rPr lang="fr" b="1" u="sng"/>
               <a:t>Task decomposition flow</a:t>
             </a:r>
             <a:endParaRPr b="1" u="sng"/>
           </a:p>
           <a:p>
-            <a:pPr indent="-342900" lvl="0" marL="457200" rtl="0" algn="l">
+            <a:pPr marL="457200" lvl="0" indent="-342900" algn="l" rtl="0">
               <a:spcBef>
                 <a:spcPts val="1600"/>
               </a:spcBef>
@@ -7306,7 +7712,7 @@
               <a:t>Lookup the database to verify whether username exists (based on </a:t>
             </a:r>
             <a:r>
-              <a:rPr b="1" lang="fr"/>
+              <a:rPr lang="fr" b="1"/>
               <a:t>username</a:t>
             </a:r>
             <a:r>
@@ -7316,7 +7722,7 @@
             <a:endParaRPr/>
           </a:p>
           <a:p>
-            <a:pPr indent="-342900" lvl="0" marL="457200" rtl="0" algn="l">
+            <a:pPr marL="457200" lvl="0" indent="-342900" algn="l" rtl="0">
               <a:spcBef>
                 <a:spcPts val="0"/>
               </a:spcBef>
@@ -7331,7 +7737,7 @@
               <a:t>Requires </a:t>
             </a:r>
             <a:r>
-              <a:rPr b="1" lang="fr"/>
+              <a:rPr lang="fr" b="1"/>
               <a:t>username </a:t>
             </a:r>
             <a:r>
@@ -7339,13 +7745,13 @@
               <a:t>/ </a:t>
             </a:r>
             <a:r>
-              <a:rPr b="1" lang="fr"/>
+              <a:rPr lang="fr" b="1"/>
               <a:t>password</a:t>
             </a:r>
             <a:endParaRPr b="1"/>
           </a:p>
           <a:p>
-            <a:pPr indent="-342900" lvl="0" marL="457200" rtl="0" algn="l">
+            <a:pPr marL="457200" lvl="0" indent="-342900" algn="l" rtl="0">
               <a:spcBef>
                 <a:spcPts val="0"/>
               </a:spcBef>
@@ -7362,7 +7768,7 @@
             <a:endParaRPr/>
           </a:p>
           <a:p>
-            <a:pPr indent="-342900" lvl="0" marL="457200" rtl="0" algn="l">
+            <a:pPr marL="457200" lvl="0" indent="-342900" algn="l" rtl="0">
               <a:spcBef>
                 <a:spcPts val="0"/>
               </a:spcBef>
@@ -7379,7 +7785,7 @@
             <a:endParaRPr/>
           </a:p>
           <a:p>
-            <a:pPr indent="-342900" lvl="0" marL="457200" rtl="0" algn="l">
+            <a:pPr marL="457200" lvl="0" indent="-342900" algn="l" rtl="0">
               <a:spcBef>
                 <a:spcPts val="0"/>
               </a:spcBef>
@@ -7396,7 +7802,7 @@
             <a:endParaRPr/>
           </a:p>
           <a:p>
-            <a:pPr indent="-342900" lvl="0" marL="457200" rtl="0" algn="l">
+            <a:pPr marL="457200" lvl="0" indent="-342900" algn="l" rtl="0">
               <a:spcBef>
                 <a:spcPts val="0"/>
               </a:spcBef>
@@ -7413,7 +7819,7 @@
             <a:endParaRPr/>
           </a:p>
           <a:p>
-            <a:pPr indent="0" lvl="0" marL="914400" rtl="0" algn="l">
+            <a:pPr marL="914400" lvl="0" indent="0" algn="l" rtl="0">
               <a:spcBef>
                 <a:spcPts val="1600"/>
               </a:spcBef>
@@ -7422,9 +7828,6 @@
               </a:spcAft>
               <a:buNone/>
             </a:pPr>
-            <a:r>
-              <a:t/>
-            </a:r>
             <a:endParaRPr/>
           </a:p>
         </p:txBody>
@@ -7438,11 +7841,11 @@
 </file>
 
 <file path=ppt/slides/slide11.xml><?xml version="1.0" encoding="utf-8"?>
-<p:sld xmlns:a="http://schemas.openxmlformats.org/drawingml/2006/main" xmlns:r="http://schemas.openxmlformats.org/officeDocument/2006/relationships" xmlns:mc="http://schemas.openxmlformats.org/markup-compatibility/2006" xmlns:mv="urn:schemas-microsoft-com:mac:vml" xmlns:p="http://schemas.openxmlformats.org/presentationml/2006/main" xmlns:c="http://schemas.openxmlformats.org/drawingml/2006/chart" xmlns:dgm="http://schemas.openxmlformats.org/drawingml/2006/diagram" xmlns:o="urn:schemas-microsoft-com:office:office" xmlns:v="urn:schemas-microsoft-com:vml" xmlns:pvml="urn:schemas-microsoft-com:office:powerpoint" xmlns:com="http://schemas.openxmlformats.org/drawingml/2006/compatibility" xmlns:p14="http://schemas.microsoft.com/office/powerpoint/2010/main" xmlns:p15="http://schemas.microsoft.com/office/powerpoint/2012/main">
+<p:sld xmlns:a="http://schemas.openxmlformats.org/drawingml/2006/main" xmlns:r="http://schemas.openxmlformats.org/officeDocument/2006/relationships" xmlns:p="http://schemas.openxmlformats.org/presentationml/2006/main">
   <p:cSld>
     <p:spTree>
       <p:nvGrpSpPr>
-        <p:cNvPr id="109" name="Shape 109"/>
+        <p:cNvPr id="1" name="Shape 109"/>
         <p:cNvGrpSpPr/>
         <p:nvPr/>
       </p:nvGrpSpPr>
@@ -7457,7 +7860,9 @@
       <p:sp>
         <p:nvSpPr>
           <p:cNvPr id="110" name="Google Shape;110;p23"/>
-          <p:cNvSpPr txBox="1"/>
+          <p:cNvSpPr txBox="1">
+            <a:spLocks noGrp="1"/>
+          </p:cNvSpPr>
           <p:nvPr>
             <p:ph type="title"/>
           </p:nvPr>
@@ -7472,12 +7877,12 @@
           </a:prstGeom>
         </p:spPr>
         <p:txBody>
-          <a:bodyPr anchorCtr="0" anchor="t" bIns="91425" lIns="91425" spcFirstLastPara="1" rIns="91425" wrap="square" tIns="91425">
+          <a:bodyPr spcFirstLastPara="1" wrap="square" lIns="91425" tIns="91425" rIns="91425" bIns="91425" anchor="t" anchorCtr="0">
             <a:noAutofit/>
           </a:bodyPr>
           <a:lstStyle/>
           <a:p>
-            <a:pPr indent="0" lvl="0" marL="0" rtl="0" algn="l">
+            <a:pPr marL="0" lvl="0" indent="0" algn="l" rtl="0">
               <a:spcBef>
                 <a:spcPts val="0"/>
               </a:spcBef>
@@ -7493,31 +7898,20 @@
             </a:pPr>
             <a:r>
               <a:rPr lang="fr"/>
-              <a:t>Abstract Code - </a:t>
-            </a:r>
-            <a:r>
-              <a:rPr lang="fr"/>
-              <a:t>Care provider </a:t>
-            </a:r>
-            <a:r>
-              <a:rPr lang="fr"/>
-              <a:t>login</a:t>
+              <a:t>Abstract Code - Care provider login</a:t>
             </a:r>
             <a:endParaRPr/>
           </a:p>
           <a:p>
-            <a:pPr indent="0" lvl="0" marL="0" rtl="0" algn="l">
-              <a:spcBef>
-                <a:spcPts val="0"/>
-              </a:spcBef>
-              <a:spcAft>
-                <a:spcPts val="0"/>
-              </a:spcAft>
-              <a:buNone/>
-            </a:pPr>
-            <a:r>
-              <a:t/>
-            </a:r>
+            <a:pPr marL="0" lvl="0" indent="0" algn="l" rtl="0">
+              <a:spcBef>
+                <a:spcPts val="0"/>
+              </a:spcBef>
+              <a:spcAft>
+                <a:spcPts val="0"/>
+              </a:spcAft>
+              <a:buNone/>
+            </a:pPr>
             <a:endParaRPr/>
           </a:p>
         </p:txBody>
@@ -7525,9 +7919,11 @@
       <p:sp>
         <p:nvSpPr>
           <p:cNvPr id="111" name="Google Shape;111;p23"/>
-          <p:cNvSpPr txBox="1"/>
+          <p:cNvSpPr txBox="1">
+            <a:spLocks noGrp="1"/>
+          </p:cNvSpPr>
           <p:nvPr>
-            <p:ph idx="1" type="body"/>
+            <p:ph type="body" idx="1"/>
           </p:nvPr>
         </p:nvSpPr>
         <p:spPr>
@@ -7540,28 +7936,28 @@
           </a:prstGeom>
         </p:spPr>
         <p:txBody>
-          <a:bodyPr anchorCtr="0" anchor="t" bIns="91425" lIns="91425" spcFirstLastPara="1" rIns="91425" wrap="square" tIns="91425">
+          <a:bodyPr spcFirstLastPara="1" wrap="square" lIns="91425" tIns="91425" rIns="91425" bIns="91425" anchor="t" anchorCtr="0">
             <a:noAutofit/>
           </a:bodyPr>
           <a:lstStyle/>
           <a:p>
-            <a:pPr indent="0" lvl="0" marL="0" rtl="0" algn="l">
-              <a:spcBef>
-                <a:spcPts val="0"/>
-              </a:spcBef>
-              <a:spcAft>
-                <a:spcPts val="0"/>
-              </a:spcAft>
-              <a:buNone/>
-            </a:pPr>
-            <a:r>
-              <a:rPr b="1" lang="fr" u="sng"/>
+            <a:pPr marL="0" lvl="0" indent="0" algn="l" rtl="0">
+              <a:spcBef>
+                <a:spcPts val="0"/>
+              </a:spcBef>
+              <a:spcAft>
+                <a:spcPts val="0"/>
+              </a:spcAft>
+              <a:buNone/>
+            </a:pPr>
+            <a:r>
+              <a:rPr lang="fr" b="1" u="sng"/>
               <a:t>Abstract Code</a:t>
             </a:r>
             <a:endParaRPr b="1" u="sng"/>
           </a:p>
           <a:p>
-            <a:pPr indent="-342900" lvl="0" marL="457200" rtl="0" algn="l">
+            <a:pPr marL="457200" lvl="0" indent="-342900" algn="l" rtl="0">
               <a:spcBef>
                 <a:spcPts val="1600"/>
               </a:spcBef>
@@ -7576,7 +7972,7 @@
               <a:t>User enters </a:t>
             </a:r>
             <a:r>
-              <a:rPr b="1" lang="fr"/>
+              <a:rPr lang="fr" b="1"/>
               <a:t>username </a:t>
             </a:r>
             <a:r>
@@ -7584,7 +7980,7 @@
               <a:t>/ </a:t>
             </a:r>
             <a:r>
-              <a:rPr b="1" lang="fr"/>
+              <a:rPr lang="fr" b="1"/>
               <a:t>password </a:t>
             </a:r>
             <a:r>
@@ -7594,7 +7990,7 @@
             <a:endParaRPr/>
           </a:p>
           <a:p>
-            <a:pPr indent="-342900" lvl="0" marL="457200" rtl="0" algn="l">
+            <a:pPr marL="457200" lvl="0" indent="-342900" algn="l" rtl="0">
               <a:spcBef>
                 <a:spcPts val="0"/>
               </a:spcBef>
@@ -7611,7 +8007,7 @@
             <a:endParaRPr/>
           </a:p>
           <a:p>
-            <a:pPr indent="-342900" lvl="1" marL="914400" rtl="0" algn="l">
+            <a:pPr marL="914400" lvl="1" indent="-342900" algn="l" rtl="0">
               <a:spcBef>
                 <a:spcPts val="0"/>
               </a:spcBef>
@@ -7626,7 +8022,7 @@
               <a:t>When </a:t>
             </a:r>
             <a:r>
-              <a:rPr b="1" lang="fr" sz="1800"/>
+              <a:rPr lang="fr" sz="1800" b="1"/>
               <a:t>LOGIN </a:t>
             </a:r>
             <a:r>
@@ -7636,7 +8032,7 @@
             <a:endParaRPr sz="1800"/>
           </a:p>
           <a:p>
-            <a:pPr indent="-342900" lvl="2" marL="1371600" rtl="0" algn="l">
+            <a:pPr marL="1371600" lvl="2" indent="-342900" algn="l" rtl="0">
               <a:spcBef>
                 <a:spcPts val="0"/>
               </a:spcBef>
@@ -7651,7 +8047,7 @@
               <a:t>IF </a:t>
             </a:r>
             <a:r>
-              <a:rPr b="1" lang="fr" sz="1800"/>
+              <a:rPr lang="fr" sz="1800" b="1"/>
               <a:t>username </a:t>
             </a:r>
             <a:r>
@@ -7659,7 +8055,7 @@
               <a:t>/ hashed </a:t>
             </a:r>
             <a:r>
-              <a:rPr b="1" lang="fr" sz="1800"/>
+              <a:rPr lang="fr" sz="1800" b="1"/>
               <a:t>password </a:t>
             </a:r>
             <a:r>
@@ -7669,7 +8065,7 @@
             <a:endParaRPr sz="1800"/>
           </a:p>
           <a:p>
-            <a:pPr indent="-342900" lvl="3" marL="1828800" rtl="0" algn="l">
+            <a:pPr marL="1828800" lvl="3" indent="-342900" algn="l" rtl="0">
               <a:spcBef>
                 <a:spcPts val="0"/>
               </a:spcBef>
@@ -7684,7 +8080,7 @@
               <a:t>Redirect to </a:t>
             </a:r>
             <a:r>
-              <a:rPr b="1" lang="fr" sz="1800"/>
+              <a:rPr lang="fr" sz="1800" b="1"/>
               <a:t>home </a:t>
             </a:r>
             <a:r>
@@ -7694,7 +8090,7 @@
             <a:endParaRPr sz="1800"/>
           </a:p>
           <a:p>
-            <a:pPr indent="-342900" lvl="2" marL="1371600" rtl="0" algn="l">
+            <a:pPr marL="1371600" lvl="2" indent="-342900" algn="l" rtl="0">
               <a:spcBef>
                 <a:spcPts val="0"/>
               </a:spcBef>
@@ -7711,7 +8107,7 @@
             <a:endParaRPr sz="1800"/>
           </a:p>
           <a:p>
-            <a:pPr indent="-342900" lvl="3" marL="1828800" rtl="0" algn="l">
+            <a:pPr marL="1828800" lvl="3" indent="-342900" algn="l" rtl="0">
               <a:spcBef>
                 <a:spcPts val="0"/>
               </a:spcBef>
@@ -7728,7 +8124,7 @@
             <a:endParaRPr sz="1800"/>
           </a:p>
           <a:p>
-            <a:pPr indent="-342900" lvl="1" marL="914400" rtl="0" algn="l">
+            <a:pPr marL="914400" lvl="1" indent="-342900" algn="l" rtl="0">
               <a:spcBef>
                 <a:spcPts val="0"/>
               </a:spcBef>
@@ -7743,7 +8139,7 @@
               <a:t>Go to </a:t>
             </a:r>
             <a:r>
-              <a:rPr b="1" lang="fr" sz="1800"/>
+              <a:rPr lang="fr" sz="1800" b="1"/>
               <a:t>home </a:t>
             </a:r>
             <a:r>
@@ -7753,7 +8149,7 @@
             <a:endParaRPr sz="1800"/>
           </a:p>
           <a:p>
-            <a:pPr indent="-342900" lvl="0" marL="457200" rtl="0" algn="l">
+            <a:pPr marL="457200" lvl="0" indent="-342900" algn="l" rtl="0">
               <a:spcBef>
                 <a:spcPts val="0"/>
               </a:spcBef>
@@ -7768,7 +8164,7 @@
               <a:t>ELSE field values are invalid, display </a:t>
             </a:r>
             <a:r>
-              <a:rPr b="1" lang="fr"/>
+              <a:rPr lang="fr" b="1"/>
               <a:t>login </a:t>
             </a:r>
             <a:r>
@@ -7778,7 +8174,7 @@
             <a:endParaRPr sz="1800"/>
           </a:p>
           <a:p>
-            <a:pPr indent="0" lvl="0" marL="1371600" rtl="0" algn="l">
+            <a:pPr marL="1371600" lvl="0" indent="0" algn="l" rtl="0">
               <a:spcBef>
                 <a:spcPts val="1600"/>
               </a:spcBef>
@@ -7787,13 +8183,10 @@
               </a:spcAft>
               <a:buNone/>
             </a:pPr>
-            <a:r>
-              <a:t/>
-            </a:r>
             <a:endParaRPr sz="1800"/>
           </a:p>
           <a:p>
-            <a:pPr indent="0" lvl="0" marL="457200" rtl="0" algn="l">
+            <a:pPr marL="457200" lvl="0" indent="0" algn="l" rtl="0">
               <a:spcBef>
                 <a:spcPts val="1600"/>
               </a:spcBef>
@@ -7802,13 +8195,10 @@
               </a:spcAft>
               <a:buNone/>
             </a:pPr>
-            <a:r>
-              <a:t/>
-            </a:r>
             <a:endParaRPr b="1" u="sng"/>
           </a:p>
           <a:p>
-            <a:pPr indent="0" lvl="0" marL="914400" rtl="0" algn="l">
+            <a:pPr marL="914400" lvl="0" indent="0" algn="l" rtl="0">
               <a:spcBef>
                 <a:spcPts val="1600"/>
               </a:spcBef>
@@ -7817,9 +8207,6 @@
               </a:spcAft>
               <a:buNone/>
             </a:pPr>
-            <a:r>
-              <a:t/>
-            </a:r>
             <a:endParaRPr/>
           </a:p>
         </p:txBody>
@@ -7833,11 +8220,11 @@
 </file>
 
 <file path=ppt/slides/slide12.xml><?xml version="1.0" encoding="utf-8"?>
-<p:sld xmlns:a="http://schemas.openxmlformats.org/drawingml/2006/main" xmlns:r="http://schemas.openxmlformats.org/officeDocument/2006/relationships" xmlns:mc="http://schemas.openxmlformats.org/markup-compatibility/2006" xmlns:mv="urn:schemas-microsoft-com:mac:vml" xmlns:p="http://schemas.openxmlformats.org/presentationml/2006/main" xmlns:c="http://schemas.openxmlformats.org/drawingml/2006/chart" xmlns:dgm="http://schemas.openxmlformats.org/drawingml/2006/diagram" xmlns:o="urn:schemas-microsoft-com:office:office" xmlns:v="urn:schemas-microsoft-com:vml" xmlns:pvml="urn:schemas-microsoft-com:office:powerpoint" xmlns:com="http://schemas.openxmlformats.org/drawingml/2006/compatibility" xmlns:p14="http://schemas.microsoft.com/office/powerpoint/2010/main" xmlns:p15="http://schemas.microsoft.com/office/powerpoint/2012/main">
+<p:sld xmlns:a="http://schemas.openxmlformats.org/drawingml/2006/main" xmlns:r="http://schemas.openxmlformats.org/officeDocument/2006/relationships" xmlns:p="http://schemas.openxmlformats.org/presentationml/2006/main">
   <p:cSld>
     <p:spTree>
       <p:nvGrpSpPr>
-        <p:cNvPr id="115" name="Shape 115"/>
+        <p:cNvPr id="1" name="Shape 115"/>
         <p:cNvGrpSpPr/>
         <p:nvPr/>
       </p:nvGrpSpPr>
@@ -7852,9 +8239,11 @@
       <p:sp>
         <p:nvSpPr>
           <p:cNvPr id="116" name="Google Shape;116;p24"/>
-          <p:cNvSpPr txBox="1"/>
+          <p:cNvSpPr txBox="1">
+            <a:spLocks noGrp="1"/>
+          </p:cNvSpPr>
           <p:nvPr>
-            <p:ph idx="1" type="body"/>
+            <p:ph type="body" idx="1"/>
           </p:nvPr>
         </p:nvSpPr>
         <p:spPr>
@@ -7867,12 +8256,12 @@
           </a:prstGeom>
         </p:spPr>
         <p:txBody>
-          <a:bodyPr anchorCtr="0" anchor="ctr" bIns="91425" lIns="91425" spcFirstLastPara="1" rIns="91425" wrap="square" tIns="91425">
+          <a:bodyPr spcFirstLastPara="1" wrap="square" lIns="91425" tIns="91425" rIns="91425" bIns="91425" anchor="ctr" anchorCtr="0">
             <a:noAutofit/>
           </a:bodyPr>
           <a:lstStyle/>
           <a:p>
-            <a:pPr indent="-381000" lvl="0" marL="457200" rtl="0" algn="ctr">
+            <a:pPr marL="457200" lvl="0" indent="-381000" algn="ctr" rtl="0">
               <a:spcBef>
                 <a:spcPts val="0"/>
               </a:spcBef>
@@ -7883,10 +8272,10 @@
               <a:buAutoNum type="arabicPeriod" startAt="5"/>
             </a:pPr>
             <a:r>
-              <a:rPr b="1" lang="fr" sz="2400"/>
+              <a:rPr lang="fr" sz="2400" b="1"/>
               <a:t>Patient profile lookup</a:t>
             </a:r>
-            <a:endParaRPr b="1" sz="2400"/>
+            <a:endParaRPr sz="2400" b="1"/>
           </a:p>
         </p:txBody>
       </p:sp>
@@ -7899,11 +8288,11 @@
 </file>
 
 <file path=ppt/slides/slide13.xml><?xml version="1.0" encoding="utf-8"?>
-<p:sld xmlns:a="http://schemas.openxmlformats.org/drawingml/2006/main" xmlns:r="http://schemas.openxmlformats.org/officeDocument/2006/relationships" xmlns:mc="http://schemas.openxmlformats.org/markup-compatibility/2006" xmlns:mv="urn:schemas-microsoft-com:mac:vml" xmlns:p="http://schemas.openxmlformats.org/presentationml/2006/main" xmlns:c="http://schemas.openxmlformats.org/drawingml/2006/chart" xmlns:dgm="http://schemas.openxmlformats.org/drawingml/2006/diagram" xmlns:o="urn:schemas-microsoft-com:office:office" xmlns:v="urn:schemas-microsoft-com:vml" xmlns:pvml="urn:schemas-microsoft-com:office:powerpoint" xmlns:com="http://schemas.openxmlformats.org/drawingml/2006/compatibility" xmlns:p14="http://schemas.microsoft.com/office/powerpoint/2010/main" xmlns:p15="http://schemas.microsoft.com/office/powerpoint/2012/main">
+<p:sld xmlns:a="http://schemas.openxmlformats.org/drawingml/2006/main" xmlns:r="http://schemas.openxmlformats.org/officeDocument/2006/relationships" xmlns:p="http://schemas.openxmlformats.org/presentationml/2006/main">
   <p:cSld>
     <p:spTree>
       <p:nvGrpSpPr>
-        <p:cNvPr id="120" name="Shape 120"/>
+        <p:cNvPr id="1" name="Shape 120"/>
         <p:cNvGrpSpPr/>
         <p:nvPr/>
       </p:nvGrpSpPr>
@@ -7918,7 +8307,9 @@
       <p:sp>
         <p:nvSpPr>
           <p:cNvPr id="121" name="Google Shape;121;p25"/>
-          <p:cNvSpPr txBox="1"/>
+          <p:cNvSpPr txBox="1">
+            <a:spLocks noGrp="1"/>
+          </p:cNvSpPr>
           <p:nvPr>
             <p:ph type="title"/>
           </p:nvPr>
@@ -7933,12 +8324,12 @@
           </a:prstGeom>
         </p:spPr>
         <p:txBody>
-          <a:bodyPr anchorCtr="0" anchor="t" bIns="91425" lIns="91425" spcFirstLastPara="1" rIns="91425" wrap="square" tIns="91425">
+          <a:bodyPr spcFirstLastPara="1" wrap="square" lIns="91425" tIns="91425" rIns="91425" bIns="91425" anchor="t" anchorCtr="0">
             <a:noAutofit/>
           </a:bodyPr>
           <a:lstStyle/>
           <a:p>
-            <a:pPr indent="0" lvl="0" marL="0" rtl="0" algn="l">
+            <a:pPr marL="0" lvl="0" indent="0" algn="l" rtl="0">
               <a:spcBef>
                 <a:spcPts val="0"/>
               </a:spcBef>
@@ -7949,11 +8340,7 @@
             </a:pPr>
             <a:r>
               <a:rPr lang="fr"/>
-              <a:t>Abstract Code - </a:t>
-            </a:r>
-            <a:r>
-              <a:rPr lang="fr"/>
-              <a:t>Patient profile lookup</a:t>
+              <a:t>Abstract Code - Patient profile lookup</a:t>
             </a:r>
             <a:endParaRPr/>
           </a:p>
@@ -7962,9 +8349,11 @@
       <p:sp>
         <p:nvSpPr>
           <p:cNvPr id="122" name="Google Shape;122;p25"/>
-          <p:cNvSpPr txBox="1"/>
+          <p:cNvSpPr txBox="1">
+            <a:spLocks noGrp="1"/>
+          </p:cNvSpPr>
           <p:nvPr>
-            <p:ph idx="1" type="body"/>
+            <p:ph type="body" idx="1"/>
           </p:nvPr>
         </p:nvSpPr>
         <p:spPr>
@@ -7977,32 +8366,28 @@
           </a:prstGeom>
         </p:spPr>
         <p:txBody>
-          <a:bodyPr anchorCtr="0" anchor="t" bIns="91425" lIns="91425" spcFirstLastPara="1" rIns="91425" wrap="square" tIns="91425">
+          <a:bodyPr spcFirstLastPara="1" wrap="square" lIns="91425" tIns="91425" rIns="91425" bIns="91425" anchor="t" anchorCtr="0">
             <a:noAutofit/>
           </a:bodyPr>
           <a:lstStyle/>
           <a:p>
-            <a:pPr indent="0" lvl="0" marL="0" rtl="0" algn="l">
-              <a:spcBef>
-                <a:spcPts val="0"/>
-              </a:spcBef>
-              <a:spcAft>
-                <a:spcPts val="0"/>
-              </a:spcAft>
-              <a:buNone/>
-            </a:pPr>
-            <a:r>
-              <a:rPr b="1" lang="fr" u="sng"/>
-              <a:t>Task d</a:t>
-            </a:r>
-            <a:r>
-              <a:rPr b="1" lang="fr" u="sng"/>
-              <a:t>ecomposition flow</a:t>
+            <a:pPr marL="0" lvl="0" indent="0" algn="l" rtl="0">
+              <a:spcBef>
+                <a:spcPts val="0"/>
+              </a:spcBef>
+              <a:spcAft>
+                <a:spcPts val="0"/>
+              </a:spcAft>
+              <a:buNone/>
+            </a:pPr>
+            <a:r>
+              <a:rPr lang="fr" b="1" u="sng"/>
+              <a:t>Task decomposition flow</a:t>
             </a:r>
             <a:endParaRPr b="1" u="sng"/>
           </a:p>
           <a:p>
-            <a:pPr indent="-342900" lvl="0" marL="457200" rtl="0" algn="l">
+            <a:pPr marL="457200" lvl="0" indent="-342900" algn="l" rtl="0">
               <a:spcBef>
                 <a:spcPts val="1600"/>
               </a:spcBef>
@@ -8014,20 +8399,12 @@
             </a:pPr>
             <a:r>
               <a:rPr lang="fr"/>
-              <a:t>Lookup the database to verify whether patient exists (based on </a:t>
-            </a:r>
-            <a:r>
-              <a:rPr lang="fr"/>
-              <a:t>HealthCardNr</a:t>
-            </a:r>
-            <a:r>
-              <a:rPr lang="fr"/>
-              <a:t>)</a:t>
+              <a:t>Lookup the database to verify whether patient exists (based on HealthCardNr)</a:t>
             </a:r>
             <a:endParaRPr/>
           </a:p>
           <a:p>
-            <a:pPr indent="-342900" lvl="0" marL="457200" rtl="0" algn="l">
+            <a:pPr marL="457200" lvl="0" indent="-342900" algn="l" rtl="0">
               <a:spcBef>
                 <a:spcPts val="0"/>
               </a:spcBef>
@@ -8044,7 +8421,7 @@
             <a:endParaRPr/>
           </a:p>
           <a:p>
-            <a:pPr indent="-342900" lvl="0" marL="457200" rtl="0" algn="l">
+            <a:pPr marL="457200" lvl="0" indent="-342900" algn="l" rtl="0">
               <a:spcBef>
                 <a:spcPts val="0"/>
               </a:spcBef>
@@ -8061,7 +8438,7 @@
             <a:endParaRPr/>
           </a:p>
           <a:p>
-            <a:pPr indent="-342900" lvl="0" marL="457200" rtl="0" algn="l">
+            <a:pPr marL="457200" lvl="0" indent="-342900" algn="l" rtl="0">
               <a:spcBef>
                 <a:spcPts val="0"/>
               </a:spcBef>
@@ -8078,7 +8455,7 @@
             <a:endParaRPr/>
           </a:p>
           <a:p>
-            <a:pPr indent="-342900" lvl="0" marL="457200" rtl="0" algn="l">
+            <a:pPr marL="457200" lvl="0" indent="-342900" algn="l" rtl="0">
               <a:spcBef>
                 <a:spcPts val="0"/>
               </a:spcBef>
@@ -8095,7 +8472,7 @@
             <a:endParaRPr/>
           </a:p>
           <a:p>
-            <a:pPr indent="-342900" lvl="0" marL="457200" rtl="0" algn="l">
+            <a:pPr marL="457200" lvl="0" indent="-342900" algn="l" rtl="0">
               <a:spcBef>
                 <a:spcPts val="0"/>
               </a:spcBef>
@@ -8112,7 +8489,7 @@
             <a:endParaRPr/>
           </a:p>
           <a:p>
-            <a:pPr indent="0" lvl="0" marL="914400" rtl="0" algn="l">
+            <a:pPr marL="914400" lvl="0" indent="0" algn="l" rtl="0">
               <a:spcBef>
                 <a:spcPts val="1600"/>
               </a:spcBef>
@@ -8121,9 +8498,6 @@
               </a:spcAft>
               <a:buNone/>
             </a:pPr>
-            <a:r>
-              <a:t/>
-            </a:r>
             <a:endParaRPr/>
           </a:p>
         </p:txBody>
@@ -8137,11 +8511,11 @@
 </file>
 
 <file path=ppt/slides/slide14.xml><?xml version="1.0" encoding="utf-8"?>
-<p:sld xmlns:a="http://schemas.openxmlformats.org/drawingml/2006/main" xmlns:r="http://schemas.openxmlformats.org/officeDocument/2006/relationships" xmlns:mc="http://schemas.openxmlformats.org/markup-compatibility/2006" xmlns:mv="urn:schemas-microsoft-com:mac:vml" xmlns:p="http://schemas.openxmlformats.org/presentationml/2006/main" xmlns:c="http://schemas.openxmlformats.org/drawingml/2006/chart" xmlns:dgm="http://schemas.openxmlformats.org/drawingml/2006/diagram" xmlns:o="urn:schemas-microsoft-com:office:office" xmlns:v="urn:schemas-microsoft-com:vml" xmlns:pvml="urn:schemas-microsoft-com:office:powerpoint" xmlns:com="http://schemas.openxmlformats.org/drawingml/2006/compatibility" xmlns:p14="http://schemas.microsoft.com/office/powerpoint/2010/main" xmlns:p15="http://schemas.microsoft.com/office/powerpoint/2012/main">
+<p:sld xmlns:a="http://schemas.openxmlformats.org/drawingml/2006/main" xmlns:r="http://schemas.openxmlformats.org/officeDocument/2006/relationships" xmlns:p="http://schemas.openxmlformats.org/presentationml/2006/main">
   <p:cSld>
     <p:spTree>
       <p:nvGrpSpPr>
-        <p:cNvPr id="126" name="Shape 126"/>
+        <p:cNvPr id="1" name="Shape 126"/>
         <p:cNvGrpSpPr/>
         <p:nvPr/>
       </p:nvGrpSpPr>
@@ -8156,7 +8530,9 @@
       <p:sp>
         <p:nvSpPr>
           <p:cNvPr id="127" name="Google Shape;127;p26"/>
-          <p:cNvSpPr txBox="1"/>
+          <p:cNvSpPr txBox="1">
+            <a:spLocks noGrp="1"/>
+          </p:cNvSpPr>
           <p:nvPr>
             <p:ph type="title"/>
           </p:nvPr>
@@ -8171,12 +8547,12 @@
           </a:prstGeom>
         </p:spPr>
         <p:txBody>
-          <a:bodyPr anchorCtr="0" anchor="t" bIns="91425" lIns="91425" spcFirstLastPara="1" rIns="91425" wrap="square" tIns="91425">
+          <a:bodyPr spcFirstLastPara="1" wrap="square" lIns="91425" tIns="91425" rIns="91425" bIns="91425" anchor="t" anchorCtr="0">
             <a:noAutofit/>
           </a:bodyPr>
           <a:lstStyle/>
           <a:p>
-            <a:pPr indent="0" lvl="0" marL="0" rtl="0" algn="l">
+            <a:pPr marL="0" lvl="0" indent="0" algn="l" rtl="0">
               <a:spcBef>
                 <a:spcPts val="0"/>
               </a:spcBef>
@@ -8197,18 +8573,15 @@
             <a:endParaRPr/>
           </a:p>
           <a:p>
-            <a:pPr indent="0" lvl="0" marL="0" rtl="0" algn="l">
-              <a:spcBef>
-                <a:spcPts val="0"/>
-              </a:spcBef>
-              <a:spcAft>
-                <a:spcPts val="0"/>
-              </a:spcAft>
-              <a:buNone/>
-            </a:pPr>
-            <a:r>
-              <a:t/>
-            </a:r>
+            <a:pPr marL="0" lvl="0" indent="0" algn="l" rtl="0">
+              <a:spcBef>
+                <a:spcPts val="0"/>
+              </a:spcBef>
+              <a:spcAft>
+                <a:spcPts val="0"/>
+              </a:spcAft>
+              <a:buNone/>
+            </a:pPr>
             <a:endParaRPr/>
           </a:p>
         </p:txBody>
@@ -8216,9 +8589,11 @@
       <p:sp>
         <p:nvSpPr>
           <p:cNvPr id="128" name="Google Shape;128;p26"/>
-          <p:cNvSpPr txBox="1"/>
+          <p:cNvSpPr txBox="1">
+            <a:spLocks noGrp="1"/>
+          </p:cNvSpPr>
           <p:nvPr>
-            <p:ph idx="1" type="body"/>
+            <p:ph type="body" idx="1"/>
           </p:nvPr>
         </p:nvSpPr>
         <p:spPr>
@@ -8231,28 +8606,28 @@
           </a:prstGeom>
         </p:spPr>
         <p:txBody>
-          <a:bodyPr anchorCtr="0" anchor="t" bIns="91425" lIns="91425" spcFirstLastPara="1" rIns="91425" wrap="square" tIns="91425">
+          <a:bodyPr spcFirstLastPara="1" wrap="square" lIns="91425" tIns="91425" rIns="91425" bIns="91425" anchor="t" anchorCtr="0">
             <a:noAutofit/>
           </a:bodyPr>
           <a:lstStyle/>
           <a:p>
-            <a:pPr indent="0" lvl="0" marL="0" rtl="0" algn="l">
-              <a:spcBef>
-                <a:spcPts val="0"/>
-              </a:spcBef>
-              <a:spcAft>
-                <a:spcPts val="0"/>
-              </a:spcAft>
-              <a:buNone/>
-            </a:pPr>
-            <a:r>
-              <a:rPr b="1" lang="fr" u="sng"/>
+            <a:pPr marL="0" lvl="0" indent="0" algn="l" rtl="0">
+              <a:spcBef>
+                <a:spcPts val="0"/>
+              </a:spcBef>
+              <a:spcAft>
+                <a:spcPts val="0"/>
+              </a:spcAft>
+              <a:buNone/>
+            </a:pPr>
+            <a:r>
+              <a:rPr lang="fr" b="1" u="sng"/>
               <a:t>Abstract Code</a:t>
             </a:r>
             <a:endParaRPr b="1" u="sng"/>
           </a:p>
           <a:p>
-            <a:pPr indent="-342900" lvl="0" marL="457200" rtl="0" algn="l">
+            <a:pPr marL="457200" lvl="0" indent="-342900" algn="l" rtl="0">
               <a:spcBef>
                 <a:spcPts val="1600"/>
               </a:spcBef>
@@ -8269,7 +8644,7 @@
             <a:endParaRPr/>
           </a:p>
           <a:p>
-            <a:pPr indent="-342900" lvl="0" marL="457200" rtl="0" algn="l">
+            <a:pPr marL="457200" lvl="0" indent="-342900" algn="l" rtl="0">
               <a:spcBef>
                 <a:spcPts val="0"/>
               </a:spcBef>
@@ -8286,7 +8661,7 @@
             <a:endParaRPr/>
           </a:p>
           <a:p>
-            <a:pPr indent="-342900" lvl="1" marL="914400" rtl="0" algn="l">
+            <a:pPr marL="914400" lvl="1" indent="-342900" algn="l" rtl="0">
               <a:spcBef>
                 <a:spcPts val="0"/>
               </a:spcBef>
@@ -8303,7 +8678,7 @@
             <a:endParaRPr sz="1800"/>
           </a:p>
           <a:p>
-            <a:pPr indent="-342900" lvl="2" marL="1371600" rtl="0" algn="l">
+            <a:pPr marL="1371600" lvl="2" indent="-342900" algn="l" rtl="0">
               <a:spcBef>
                 <a:spcPts val="0"/>
               </a:spcBef>
@@ -8320,7 +8695,7 @@
             <a:endParaRPr sz="1800"/>
           </a:p>
           <a:p>
-            <a:pPr indent="-342900" lvl="3" marL="1828800" rtl="0" algn="l">
+            <a:pPr marL="1828800" lvl="3" indent="-342900" algn="l" rtl="0">
               <a:spcBef>
                 <a:spcPts val="0"/>
               </a:spcBef>
@@ -8337,7 +8712,7 @@
             <a:endParaRPr sz="1800"/>
           </a:p>
           <a:p>
-            <a:pPr indent="-342900" lvl="2" marL="1371600" rtl="0" algn="l">
+            <a:pPr marL="1371600" lvl="2" indent="-342900" algn="l" rtl="0">
               <a:spcBef>
                 <a:spcPts val="0"/>
               </a:spcBef>
@@ -8354,7 +8729,7 @@
             <a:endParaRPr sz="1800"/>
           </a:p>
           <a:p>
-            <a:pPr indent="-342900" lvl="3" marL="1828800" rtl="0" algn="l">
+            <a:pPr marL="1828800" lvl="3" indent="-342900" algn="l" rtl="0">
               <a:spcBef>
                 <a:spcPts val="0"/>
               </a:spcBef>
@@ -8366,16 +8741,12 @@
             </a:pPr>
             <a:r>
               <a:rPr lang="fr" sz="1800"/>
-              <a:t>G</a:t>
-            </a:r>
-            <a:r>
-              <a:rPr lang="fr" sz="1800"/>
-              <a:t>o back to search form with error message</a:t>
+              <a:t>Go back to search form with error message</a:t>
             </a:r>
             <a:endParaRPr sz="1800"/>
           </a:p>
           <a:p>
-            <a:pPr indent="-342900" lvl="1" marL="914400" rtl="0" algn="l">
+            <a:pPr marL="914400" lvl="1" indent="-342900" algn="l" rtl="0">
               <a:spcBef>
                 <a:spcPts val="0"/>
               </a:spcBef>
@@ -8392,7 +8763,7 @@
             <a:endParaRPr sz="1800"/>
           </a:p>
           <a:p>
-            <a:pPr indent="-342900" lvl="0" marL="457200" rtl="0" algn="l">
+            <a:pPr marL="457200" lvl="0" indent="-342900" algn="l" rtl="0">
               <a:spcBef>
                 <a:spcPts val="0"/>
               </a:spcBef>
@@ -8409,7 +8780,7 @@
             <a:endParaRPr sz="1800"/>
           </a:p>
           <a:p>
-            <a:pPr indent="0" lvl="0" marL="1371600" rtl="0" algn="l">
+            <a:pPr marL="1371600" lvl="0" indent="0" algn="l" rtl="0">
               <a:spcBef>
                 <a:spcPts val="1600"/>
               </a:spcBef>
@@ -8418,13 +8789,10 @@
               </a:spcAft>
               <a:buNone/>
             </a:pPr>
-            <a:r>
-              <a:t/>
-            </a:r>
             <a:endParaRPr sz="1800"/>
           </a:p>
           <a:p>
-            <a:pPr indent="0" lvl="0" marL="457200" rtl="0" algn="l">
+            <a:pPr marL="457200" lvl="0" indent="0" algn="l" rtl="0">
               <a:spcBef>
                 <a:spcPts val="1600"/>
               </a:spcBef>
@@ -8433,13 +8801,10 @@
               </a:spcAft>
               <a:buNone/>
             </a:pPr>
-            <a:r>
-              <a:t/>
-            </a:r>
             <a:endParaRPr b="1" u="sng"/>
           </a:p>
           <a:p>
-            <a:pPr indent="0" lvl="0" marL="914400" rtl="0" algn="l">
+            <a:pPr marL="914400" lvl="0" indent="0" algn="l" rtl="0">
               <a:spcBef>
                 <a:spcPts val="1600"/>
               </a:spcBef>
@@ -8448,9 +8813,6 @@
               </a:spcAft>
               <a:buNone/>
             </a:pPr>
-            <a:r>
-              <a:t/>
-            </a:r>
             <a:endParaRPr/>
           </a:p>
         </p:txBody>
@@ -8464,11 +8826,11 @@
 </file>
 
 <file path=ppt/slides/slide15.xml><?xml version="1.0" encoding="utf-8"?>
-<p:sld xmlns:a="http://schemas.openxmlformats.org/drawingml/2006/main" xmlns:r="http://schemas.openxmlformats.org/officeDocument/2006/relationships" xmlns:mc="http://schemas.openxmlformats.org/markup-compatibility/2006" xmlns:mv="urn:schemas-microsoft-com:mac:vml" xmlns:p="http://schemas.openxmlformats.org/presentationml/2006/main" xmlns:c="http://schemas.openxmlformats.org/drawingml/2006/chart" xmlns:dgm="http://schemas.openxmlformats.org/drawingml/2006/diagram" xmlns:o="urn:schemas-microsoft-com:office:office" xmlns:v="urn:schemas-microsoft-com:vml" xmlns:pvml="urn:schemas-microsoft-com:office:powerpoint" xmlns:com="http://schemas.openxmlformats.org/drawingml/2006/compatibility" xmlns:p14="http://schemas.microsoft.com/office/powerpoint/2010/main" xmlns:p15="http://schemas.microsoft.com/office/powerpoint/2012/main">
+<p:sld xmlns:a="http://schemas.openxmlformats.org/drawingml/2006/main" xmlns:r="http://schemas.openxmlformats.org/officeDocument/2006/relationships" xmlns:p="http://schemas.openxmlformats.org/presentationml/2006/main">
   <p:cSld>
     <p:spTree>
       <p:nvGrpSpPr>
-        <p:cNvPr id="132" name="Shape 132"/>
+        <p:cNvPr id="1" name="Shape 132"/>
         <p:cNvGrpSpPr/>
         <p:nvPr/>
       </p:nvGrpSpPr>
@@ -8483,9 +8845,11 @@
       <p:sp>
         <p:nvSpPr>
           <p:cNvPr id="133" name="Google Shape;133;p27"/>
-          <p:cNvSpPr txBox="1"/>
+          <p:cNvSpPr txBox="1">
+            <a:spLocks noGrp="1"/>
+          </p:cNvSpPr>
           <p:nvPr>
-            <p:ph idx="1" type="body"/>
+            <p:ph type="body" idx="1"/>
           </p:nvPr>
         </p:nvSpPr>
         <p:spPr>
@@ -8498,12 +8862,12 @@
           </a:prstGeom>
         </p:spPr>
         <p:txBody>
-          <a:bodyPr anchorCtr="0" anchor="ctr" bIns="91425" lIns="91425" spcFirstLastPara="1" rIns="91425" wrap="square" tIns="91425">
+          <a:bodyPr spcFirstLastPara="1" wrap="square" lIns="91425" tIns="91425" rIns="91425" bIns="91425" anchor="ctr" anchorCtr="0">
             <a:noAutofit/>
           </a:bodyPr>
           <a:lstStyle/>
           <a:p>
-            <a:pPr indent="-381000" lvl="0" marL="457200" rtl="0" algn="ctr">
+            <a:pPr marL="457200" lvl="0" indent="-381000" algn="ctr" rtl="0">
               <a:spcBef>
                 <a:spcPts val="0"/>
               </a:spcBef>
@@ -8514,10 +8878,10 @@
               <a:buAutoNum type="arabicPeriod" startAt="6"/>
             </a:pPr>
             <a:r>
-              <a:rPr b="1" lang="fr" sz="2400"/>
+              <a:rPr lang="fr" sz="2400" b="1" dirty="0"/>
               <a:t>Patient detail entry</a:t>
             </a:r>
-            <a:endParaRPr b="1" sz="2400"/>
+            <a:endParaRPr sz="2400" b="1" dirty="0"/>
           </a:p>
         </p:txBody>
       </p:sp>
@@ -8530,11 +8894,394 @@
 </file>
 
 <file path=ppt/slides/slide16.xml><?xml version="1.0" encoding="utf-8"?>
-<p:sld xmlns:a="http://schemas.openxmlformats.org/drawingml/2006/main" xmlns:r="http://schemas.openxmlformats.org/officeDocument/2006/relationships" xmlns:mc="http://schemas.openxmlformats.org/markup-compatibility/2006" xmlns:mv="urn:schemas-microsoft-com:mac:vml" xmlns:p="http://schemas.openxmlformats.org/presentationml/2006/main" xmlns:c="http://schemas.openxmlformats.org/drawingml/2006/chart" xmlns:dgm="http://schemas.openxmlformats.org/drawingml/2006/diagram" xmlns:o="urn:schemas-microsoft-com:office:office" xmlns:v="urn:schemas-microsoft-com:vml" xmlns:pvml="urn:schemas-microsoft-com:office:powerpoint" xmlns:com="http://schemas.openxmlformats.org/drawingml/2006/compatibility" xmlns:p14="http://schemas.microsoft.com/office/powerpoint/2010/main" xmlns:p15="http://schemas.microsoft.com/office/powerpoint/2012/main">
+<p:sld xmlns:a="http://schemas.openxmlformats.org/drawingml/2006/main" xmlns:r="http://schemas.openxmlformats.org/officeDocument/2006/relationships" xmlns:p="http://schemas.openxmlformats.org/presentationml/2006/main">
   <p:cSld>
     <p:spTree>
       <p:nvGrpSpPr>
-        <p:cNvPr id="137" name="Shape 137"/>
+        <p:cNvPr id="1" name="Shape 92"/>
+        <p:cNvGrpSpPr/>
+        <p:nvPr/>
+      </p:nvGrpSpPr>
+      <p:grpSpPr>
+        <a:xfrm>
+          <a:off x="0" y="0"/>
+          <a:ext cx="0" cy="0"/>
+          <a:chOff x="0" y="0"/>
+          <a:chExt cx="0" cy="0"/>
+        </a:xfrm>
+      </p:grpSpPr>
+      <p:sp>
+        <p:nvSpPr>
+          <p:cNvPr id="93" name="Google Shape;93;p20"/>
+          <p:cNvSpPr txBox="1">
+            <a:spLocks noGrp="1"/>
+          </p:cNvSpPr>
+          <p:nvPr>
+            <p:ph type="title"/>
+          </p:nvPr>
+        </p:nvSpPr>
+        <p:spPr>
+          <a:xfrm>
+            <a:off x="311700" y="-88375"/>
+            <a:ext cx="8520600" cy="572700"/>
+          </a:xfrm>
+          <a:prstGeom prst="rect">
+            <a:avLst/>
+          </a:prstGeom>
+        </p:spPr>
+        <p:txBody>
+          <a:bodyPr spcFirstLastPara="1" wrap="square" lIns="91425" tIns="91425" rIns="91425" bIns="91425" anchor="t" anchorCtr="0">
+            <a:noAutofit/>
+          </a:bodyPr>
+          <a:lstStyle/>
+          <a:p>
+            <a:pPr>
+              <a:buSzPts val="1100"/>
+            </a:pPr>
+            <a:r>
+              <a:rPr lang="fr" dirty="0"/>
+              <a:t>Abstract Code - </a:t>
+            </a:r>
+            <a:r>
+              <a:rPr lang="en-CA" b="1" dirty="0"/>
+              <a:t>Patient detail entry</a:t>
+            </a:r>
+            <a:br>
+              <a:rPr lang="en-CA" b="1" dirty="0"/>
+            </a:br>
+            <a:endParaRPr dirty="0"/>
+          </a:p>
+          <a:p>
+            <a:pPr marL="0" lvl="0" indent="0" algn="l" rtl="0">
+              <a:spcBef>
+                <a:spcPts val="0"/>
+              </a:spcBef>
+              <a:spcAft>
+                <a:spcPts val="0"/>
+              </a:spcAft>
+              <a:buNone/>
+            </a:pPr>
+            <a:endParaRPr dirty="0"/>
+          </a:p>
+        </p:txBody>
+      </p:sp>
+      <p:sp>
+        <p:nvSpPr>
+          <p:cNvPr id="94" name="Google Shape;94;p20"/>
+          <p:cNvSpPr txBox="1">
+            <a:spLocks noGrp="1"/>
+          </p:cNvSpPr>
+          <p:nvPr>
+            <p:ph type="body" idx="1"/>
+          </p:nvPr>
+        </p:nvSpPr>
+        <p:spPr>
+          <a:xfrm>
+            <a:off x="311700" y="390475"/>
+            <a:ext cx="8520600" cy="4570200"/>
+          </a:xfrm>
+          <a:prstGeom prst="rect">
+            <a:avLst/>
+          </a:prstGeom>
+        </p:spPr>
+        <p:txBody>
+          <a:bodyPr spcFirstLastPara="1" wrap="square" lIns="91425" tIns="91425" rIns="91425" bIns="91425" anchor="t" anchorCtr="0">
+            <a:noAutofit/>
+          </a:bodyPr>
+          <a:lstStyle/>
+          <a:p>
+            <a:pPr marL="0" lvl="0" indent="0" algn="l" rtl="0">
+              <a:spcBef>
+                <a:spcPts val="0"/>
+              </a:spcBef>
+              <a:spcAft>
+                <a:spcPts val="0"/>
+              </a:spcAft>
+              <a:buNone/>
+            </a:pPr>
+            <a:r>
+              <a:rPr lang="fr" sz="1600" b="1" u="sng" dirty="0"/>
+              <a:t>Abstract Code</a:t>
+            </a:r>
+            <a:endParaRPr sz="1600" b="1" u="sng" dirty="0"/>
+          </a:p>
+          <a:p>
+            <a:pPr>
+              <a:spcBef>
+                <a:spcPts val="1600"/>
+              </a:spcBef>
+            </a:pPr>
+            <a:r>
+              <a:rPr lang="fr" sz="1600" dirty="0"/>
+              <a:t>User enters </a:t>
+            </a:r>
+            <a:r>
+              <a:rPr lang="en-CA" sz="1600" b="1" dirty="0"/>
+              <a:t>first name, last name, health card number, date of birth, gender, email, address, phone</a:t>
+            </a:r>
+          </a:p>
+          <a:p>
+            <a:pPr marL="457200" lvl="0" indent="-342900" algn="l" rtl="0">
+              <a:spcBef>
+                <a:spcPts val="1600"/>
+              </a:spcBef>
+              <a:spcAft>
+                <a:spcPts val="0"/>
+              </a:spcAft>
+              <a:buSzPts val="1800"/>
+              <a:buChar char="●"/>
+            </a:pPr>
+            <a:r>
+              <a:rPr lang="fr" sz="1600" dirty="0"/>
+              <a:t>input fields. </a:t>
+            </a:r>
+            <a:endParaRPr sz="1600" dirty="0"/>
+          </a:p>
+          <a:p>
+            <a:pPr marL="457200" lvl="0" indent="-342900" algn="l" rtl="0">
+              <a:spcBef>
+                <a:spcPts val="0"/>
+              </a:spcBef>
+              <a:spcAft>
+                <a:spcPts val="0"/>
+              </a:spcAft>
+              <a:buSzPts val="1800"/>
+              <a:buChar char="●"/>
+            </a:pPr>
+            <a:r>
+              <a:rPr lang="fr" sz="1600" dirty="0"/>
+              <a:t>IF input field NOT empty AND do not contain any invalid characters THEN:</a:t>
+            </a:r>
+            <a:endParaRPr sz="1600" dirty="0"/>
+          </a:p>
+          <a:p>
+            <a:pPr marL="914400" lvl="1" indent="-342900" algn="l" rtl="0">
+              <a:spcBef>
+                <a:spcPts val="0"/>
+              </a:spcBef>
+              <a:spcAft>
+                <a:spcPts val="0"/>
+              </a:spcAft>
+              <a:buSzPts val="1800"/>
+              <a:buChar char="○"/>
+            </a:pPr>
+            <a:r>
+              <a:rPr lang="fr" sz="1600" dirty="0"/>
+              <a:t>When </a:t>
+            </a:r>
+            <a:r>
+              <a:rPr lang="en-CA" sz="1600" b="1" dirty="0"/>
+              <a:t>Save</a:t>
+            </a:r>
+            <a:r>
+              <a:rPr lang="fr" sz="1600" b="1" dirty="0"/>
+              <a:t> </a:t>
+            </a:r>
+            <a:r>
+              <a:rPr lang="fr" sz="1600" dirty="0"/>
+              <a:t>button is clicked:</a:t>
+            </a:r>
+            <a:endParaRPr sz="1600" dirty="0"/>
+          </a:p>
+          <a:p>
+            <a:pPr lvl="2" indent="-342900">
+              <a:spcBef>
+                <a:spcPts val="0"/>
+              </a:spcBef>
+              <a:buSzPts val="1800"/>
+            </a:pPr>
+            <a:r>
+              <a:rPr lang="en-CA" sz="1600" dirty="0"/>
+              <a:t>add</a:t>
+            </a:r>
+            <a:r>
+              <a:rPr lang="fr" sz="1600" dirty="0"/>
+              <a:t> </a:t>
+            </a:r>
+            <a:r>
+              <a:rPr lang="en-CA" sz="1600" b="1" dirty="0"/>
+              <a:t>first name, last name, health card number, date of birth, gender, email, address, phone </a:t>
+            </a:r>
+            <a:r>
+              <a:rPr lang="fr" sz="1600" dirty="0"/>
+              <a:t>to database then:</a:t>
+            </a:r>
+            <a:endParaRPr sz="1600" dirty="0"/>
+          </a:p>
+          <a:p>
+            <a:pPr marL="1828800" lvl="3" indent="-342900" algn="l" rtl="0">
+              <a:spcBef>
+                <a:spcPts val="0"/>
+              </a:spcBef>
+              <a:spcAft>
+                <a:spcPts val="0"/>
+              </a:spcAft>
+              <a:buSzPts val="1800"/>
+              <a:buChar char="●"/>
+            </a:pPr>
+            <a:r>
+              <a:rPr lang="fr" sz="1600" dirty="0"/>
+              <a:t>Redirect to </a:t>
+            </a:r>
+            <a:r>
+              <a:rPr lang="fr" sz="1600" b="1" dirty="0"/>
+              <a:t>home </a:t>
+            </a:r>
+            <a:r>
+              <a:rPr lang="fr" sz="1600" dirty="0"/>
+              <a:t>page</a:t>
+            </a:r>
+            <a:endParaRPr sz="1600" dirty="0"/>
+          </a:p>
+          <a:p>
+            <a:pPr marL="1371600" lvl="2" indent="-342900" algn="l" rtl="0">
+              <a:spcBef>
+                <a:spcPts val="0"/>
+              </a:spcBef>
+              <a:spcAft>
+                <a:spcPts val="0"/>
+              </a:spcAft>
+              <a:buSzPts val="1800"/>
+              <a:buChar char="■"/>
+            </a:pPr>
+            <a:r>
+              <a:rPr lang="fr" sz="1600" dirty="0"/>
+              <a:t>ELSE </a:t>
+            </a:r>
+            <a:endParaRPr sz="1600" dirty="0"/>
+          </a:p>
+          <a:p>
+            <a:pPr marL="1828800" lvl="3" indent="-342900" algn="l" rtl="0">
+              <a:spcBef>
+                <a:spcPts val="0"/>
+              </a:spcBef>
+              <a:spcAft>
+                <a:spcPts val="0"/>
+              </a:spcAft>
+              <a:buSzPts val="1800"/>
+              <a:buChar char="●"/>
+            </a:pPr>
+            <a:r>
+              <a:rPr lang="fr" sz="1600" dirty="0"/>
+              <a:t>Go back to register form with error message</a:t>
+            </a:r>
+            <a:endParaRPr sz="1600" dirty="0"/>
+          </a:p>
+          <a:p>
+            <a:pPr marL="914400" lvl="1" indent="-342900" algn="l" rtl="0">
+              <a:spcBef>
+                <a:spcPts val="0"/>
+              </a:spcBef>
+              <a:spcAft>
+                <a:spcPts val="0"/>
+              </a:spcAft>
+              <a:buSzPts val="1800"/>
+              <a:buChar char="○"/>
+            </a:pPr>
+            <a:r>
+              <a:rPr lang="fr" sz="1600" dirty="0"/>
+              <a:t>Go to </a:t>
+            </a:r>
+            <a:r>
+              <a:rPr lang="fr" sz="1600" b="1" dirty="0"/>
+              <a:t>register </a:t>
+            </a:r>
+            <a:r>
+              <a:rPr lang="fr" sz="1600" dirty="0"/>
+              <a:t>page</a:t>
+            </a:r>
+            <a:endParaRPr sz="1600" dirty="0"/>
+          </a:p>
+          <a:p>
+            <a:pPr marL="457200" lvl="0" indent="-342900" algn="l" rtl="0">
+              <a:spcBef>
+                <a:spcPts val="0"/>
+              </a:spcBef>
+              <a:spcAft>
+                <a:spcPts val="0"/>
+              </a:spcAft>
+              <a:buSzPts val="1800"/>
+              <a:buChar char="●"/>
+            </a:pPr>
+            <a:r>
+              <a:rPr lang="fr" sz="1600" dirty="0"/>
+              <a:t>ELSE field values are invalid, display </a:t>
+            </a:r>
+            <a:r>
+              <a:rPr lang="en-CA" sz="1600" b="1" dirty="0" err="1"/>
+              <a:t>ptient</a:t>
+            </a:r>
+            <a:r>
+              <a:rPr lang="en-CA" sz="1600" b="1" dirty="0"/>
+              <a:t> detail entry</a:t>
+            </a:r>
+            <a:r>
+              <a:rPr lang="fr" sz="1600" b="1" dirty="0"/>
+              <a:t> </a:t>
+            </a:r>
+            <a:r>
+              <a:rPr lang="fr" sz="1600" dirty="0"/>
+              <a:t>form with error message</a:t>
+            </a:r>
+            <a:endParaRPr sz="1600" dirty="0"/>
+          </a:p>
+          <a:p>
+            <a:pPr marL="1371600" lvl="0" indent="0" algn="l" rtl="0">
+              <a:spcBef>
+                <a:spcPts val="1600"/>
+              </a:spcBef>
+              <a:spcAft>
+                <a:spcPts val="0"/>
+              </a:spcAft>
+              <a:buNone/>
+            </a:pPr>
+            <a:endParaRPr sz="1600" dirty="0"/>
+          </a:p>
+          <a:p>
+            <a:pPr marL="457200" lvl="0" indent="0" algn="l" rtl="0">
+              <a:spcBef>
+                <a:spcPts val="1600"/>
+              </a:spcBef>
+              <a:spcAft>
+                <a:spcPts val="0"/>
+              </a:spcAft>
+              <a:buNone/>
+            </a:pPr>
+            <a:endParaRPr sz="1600" b="1" u="sng" dirty="0"/>
+          </a:p>
+          <a:p>
+            <a:pPr marL="914400" lvl="0" indent="0" algn="l" rtl="0">
+              <a:spcBef>
+                <a:spcPts val="1600"/>
+              </a:spcBef>
+              <a:spcAft>
+                <a:spcPts val="1600"/>
+              </a:spcAft>
+              <a:buNone/>
+            </a:pPr>
+            <a:endParaRPr sz="1600" dirty="0"/>
+          </a:p>
+        </p:txBody>
+      </p:sp>
+    </p:spTree>
+    <p:extLst>
+      <p:ext uri="{BB962C8B-B14F-4D97-AF65-F5344CB8AC3E}">
+        <p14:creationId xmlns:p14="http://schemas.microsoft.com/office/powerpoint/2010/main" val="1567094629"/>
+      </p:ext>
+    </p:extLst>
+  </p:cSld>
+  <p:clrMapOvr>
+    <a:masterClrMapping/>
+  </p:clrMapOvr>
+</p:sld>
+</file>
+
+<file path=ppt/slides/slide17.xml><?xml version="1.0" encoding="utf-8"?>
+<p:sld xmlns:a="http://schemas.openxmlformats.org/drawingml/2006/main" xmlns:r="http://schemas.openxmlformats.org/officeDocument/2006/relationships" xmlns:p="http://schemas.openxmlformats.org/presentationml/2006/main">
+  <p:cSld>
+    <p:spTree>
+      <p:nvGrpSpPr>
+        <p:cNvPr id="1" name="Shape 137"/>
         <p:cNvGrpSpPr/>
         <p:nvPr/>
       </p:nvGrpSpPr>
@@ -8549,9 +9296,11 @@
       <p:sp>
         <p:nvSpPr>
           <p:cNvPr id="138" name="Google Shape;138;p28"/>
-          <p:cNvSpPr txBox="1"/>
+          <p:cNvSpPr txBox="1">
+            <a:spLocks noGrp="1"/>
+          </p:cNvSpPr>
           <p:nvPr>
-            <p:ph idx="1" type="body"/>
+            <p:ph type="body" idx="1"/>
           </p:nvPr>
         </p:nvSpPr>
         <p:spPr>
@@ -8564,12 +9313,12 @@
           </a:prstGeom>
         </p:spPr>
         <p:txBody>
-          <a:bodyPr anchorCtr="0" anchor="ctr" bIns="91425" lIns="91425" spcFirstLastPara="1" rIns="91425" wrap="square" tIns="91425">
+          <a:bodyPr spcFirstLastPara="1" wrap="square" lIns="91425" tIns="91425" rIns="91425" bIns="91425" anchor="ctr" anchorCtr="0">
             <a:noAutofit/>
           </a:bodyPr>
           <a:lstStyle/>
           <a:p>
-            <a:pPr indent="-381000" lvl="0" marL="457200" rtl="0" algn="ctr">
+            <a:pPr marL="457200" lvl="0" indent="-381000" algn="ctr" rtl="0">
               <a:spcBef>
                 <a:spcPts val="0"/>
               </a:spcBef>
@@ -8580,10 +9329,10 @@
               <a:buAutoNum type="arabicPeriod" startAt="7"/>
             </a:pPr>
             <a:r>
-              <a:rPr b="1" lang="fr" sz="2400"/>
+              <a:rPr lang="fr" sz="2400" b="1" dirty="0"/>
               <a:t>Patient revision history</a:t>
             </a:r>
-            <a:endParaRPr b="1" sz="2400"/>
+            <a:endParaRPr sz="2400" b="1" dirty="0"/>
           </a:p>
         </p:txBody>
       </p:sp>
@@ -8595,12 +9344,252 @@
 </p:sld>
 </file>
 
-<file path=ppt/slides/slide2.xml><?xml version="1.0" encoding="utf-8"?>
-<p:sld xmlns:a="http://schemas.openxmlformats.org/drawingml/2006/main" xmlns:r="http://schemas.openxmlformats.org/officeDocument/2006/relationships" xmlns:mc="http://schemas.openxmlformats.org/markup-compatibility/2006" xmlns:mv="urn:schemas-microsoft-com:mac:vml" xmlns:p="http://schemas.openxmlformats.org/presentationml/2006/main" xmlns:c="http://schemas.openxmlformats.org/drawingml/2006/chart" xmlns:dgm="http://schemas.openxmlformats.org/drawingml/2006/diagram" xmlns:o="urn:schemas-microsoft-com:office:office" xmlns:v="urn:schemas-microsoft-com:vml" xmlns:pvml="urn:schemas-microsoft-com:office:powerpoint" xmlns:com="http://schemas.openxmlformats.org/drawingml/2006/compatibility" xmlns:p14="http://schemas.microsoft.com/office/powerpoint/2010/main" xmlns:p15="http://schemas.microsoft.com/office/powerpoint/2012/main">
+<file path=ppt/slides/slide18.xml><?xml version="1.0" encoding="utf-8"?>
+<p:sld xmlns:a="http://schemas.openxmlformats.org/drawingml/2006/main" xmlns:r="http://schemas.openxmlformats.org/officeDocument/2006/relationships" xmlns:p="http://schemas.openxmlformats.org/presentationml/2006/main">
   <p:cSld>
     <p:spTree>
       <p:nvGrpSpPr>
-        <p:cNvPr id="59" name="Shape 59"/>
+        <p:cNvPr id="1" name="Shape 126"/>
+        <p:cNvGrpSpPr/>
+        <p:nvPr/>
+      </p:nvGrpSpPr>
+      <p:grpSpPr>
+        <a:xfrm>
+          <a:off x="0" y="0"/>
+          <a:ext cx="0" cy="0"/>
+          <a:chOff x="0" y="0"/>
+          <a:chExt cx="0" cy="0"/>
+        </a:xfrm>
+      </p:grpSpPr>
+      <p:sp>
+        <p:nvSpPr>
+          <p:cNvPr id="127" name="Google Shape;127;p26"/>
+          <p:cNvSpPr txBox="1">
+            <a:spLocks noGrp="1"/>
+          </p:cNvSpPr>
+          <p:nvPr>
+            <p:ph type="title"/>
+          </p:nvPr>
+        </p:nvSpPr>
+        <p:spPr>
+          <a:xfrm>
+            <a:off x="311700" y="-88375"/>
+            <a:ext cx="8520600" cy="572700"/>
+          </a:xfrm>
+          <a:prstGeom prst="rect">
+            <a:avLst/>
+          </a:prstGeom>
+        </p:spPr>
+        <p:txBody>
+          <a:bodyPr spcFirstLastPara="1" wrap="square" lIns="91425" tIns="91425" rIns="91425" bIns="91425" anchor="t" anchorCtr="0">
+            <a:noAutofit/>
+          </a:bodyPr>
+          <a:lstStyle/>
+          <a:p>
+            <a:pPr>
+              <a:buSzPts val="1100"/>
+            </a:pPr>
+            <a:r>
+              <a:rPr lang="fr" dirty="0"/>
+              <a:t>Abstract Code - Patient </a:t>
+            </a:r>
+            <a:r>
+              <a:rPr lang="en-CA" b="1" dirty="0"/>
+              <a:t>Patient revision history</a:t>
+            </a:r>
+            <a:br>
+              <a:rPr lang="en-CA" b="1" dirty="0"/>
+            </a:br>
+            <a:endParaRPr dirty="0"/>
+          </a:p>
+          <a:p>
+            <a:pPr marL="0" lvl="0" indent="0" algn="l" rtl="0">
+              <a:spcBef>
+                <a:spcPts val="0"/>
+              </a:spcBef>
+              <a:spcAft>
+                <a:spcPts val="0"/>
+              </a:spcAft>
+              <a:buNone/>
+            </a:pPr>
+            <a:endParaRPr dirty="0"/>
+          </a:p>
+        </p:txBody>
+      </p:sp>
+      <p:sp>
+        <p:nvSpPr>
+          <p:cNvPr id="128" name="Google Shape;128;p26"/>
+          <p:cNvSpPr txBox="1">
+            <a:spLocks noGrp="1"/>
+          </p:cNvSpPr>
+          <p:nvPr>
+            <p:ph type="body" idx="1"/>
+          </p:nvPr>
+        </p:nvSpPr>
+        <p:spPr>
+          <a:xfrm>
+            <a:off x="311700" y="390475"/>
+            <a:ext cx="8520600" cy="4570200"/>
+          </a:xfrm>
+          <a:prstGeom prst="rect">
+            <a:avLst/>
+          </a:prstGeom>
+        </p:spPr>
+        <p:txBody>
+          <a:bodyPr spcFirstLastPara="1" wrap="square" lIns="91425" tIns="91425" rIns="91425" bIns="91425" anchor="t" anchorCtr="0">
+            <a:noAutofit/>
+          </a:bodyPr>
+          <a:lstStyle/>
+          <a:p>
+            <a:pPr marL="0" lvl="0" indent="0" algn="l" rtl="0">
+              <a:spcBef>
+                <a:spcPts val="0"/>
+              </a:spcBef>
+              <a:spcAft>
+                <a:spcPts val="0"/>
+              </a:spcAft>
+              <a:buNone/>
+            </a:pPr>
+            <a:r>
+              <a:rPr lang="fr" b="1" u="sng" dirty="0"/>
+              <a:t>Abstract Code</a:t>
+            </a:r>
+            <a:endParaRPr b="1" u="sng" dirty="0"/>
+          </a:p>
+          <a:p>
+            <a:pPr marL="457200" lvl="0" indent="-342900" algn="l" rtl="0">
+              <a:spcBef>
+                <a:spcPts val="1600"/>
+              </a:spcBef>
+              <a:spcAft>
+                <a:spcPts val="0"/>
+              </a:spcAft>
+              <a:buSzPts val="1800"/>
+              <a:buChar char="●"/>
+            </a:pPr>
+            <a:r>
+              <a:rPr lang="fr" dirty="0"/>
+              <a:t>User </a:t>
+            </a:r>
+            <a:r>
+              <a:rPr lang="en-CA" dirty="0"/>
+              <a:t>click on patient revision history</a:t>
+            </a:r>
+            <a:r>
+              <a:rPr lang="fr" dirty="0"/>
+              <a:t>. </a:t>
+            </a:r>
+            <a:endParaRPr dirty="0"/>
+          </a:p>
+          <a:p>
+            <a:pPr marL="457200" lvl="0" indent="-342900" algn="l" rtl="0">
+              <a:spcBef>
+                <a:spcPts val="0"/>
+              </a:spcBef>
+              <a:spcAft>
+                <a:spcPts val="0"/>
+              </a:spcAft>
+              <a:buSzPts val="1800"/>
+              <a:buChar char="●"/>
+            </a:pPr>
+            <a:r>
+              <a:rPr lang="en-CA" dirty="0"/>
+              <a:t>Fetch all history data from database based on patient’s health card number</a:t>
+            </a:r>
+          </a:p>
+          <a:p>
+            <a:pPr marL="457200" lvl="0" indent="-342900" algn="l" rtl="0">
+              <a:spcBef>
+                <a:spcPts val="0"/>
+              </a:spcBef>
+              <a:spcAft>
+                <a:spcPts val="0"/>
+              </a:spcAft>
+              <a:buSzPts val="1800"/>
+              <a:buChar char="●"/>
+            </a:pPr>
+            <a:r>
+              <a:rPr lang="en-CA" dirty="0"/>
+              <a:t>Paginate and fetch first 10 entries</a:t>
+            </a:r>
+          </a:p>
+          <a:p>
+            <a:pPr lvl="1" indent="-342900">
+              <a:spcBef>
+                <a:spcPts val="0"/>
+              </a:spcBef>
+              <a:buSzPts val="1800"/>
+              <a:buChar char="●"/>
+            </a:pPr>
+            <a:r>
+              <a:rPr lang="en-CA" dirty="0"/>
+              <a:t>User can change entries to display</a:t>
+            </a:r>
+          </a:p>
+          <a:p>
+            <a:r>
+              <a:rPr lang="en-CA" dirty="0"/>
+              <a:t>If user click on next, do </a:t>
+            </a:r>
+            <a:r>
+              <a:rPr lang="en-CA" dirty="0" err="1"/>
+              <a:t>db</a:t>
+            </a:r>
+            <a:r>
+              <a:rPr lang="en-CA" dirty="0"/>
+              <a:t> fetch for the </a:t>
+            </a:r>
+            <a:r>
+              <a:rPr lang="en-CA"/>
+              <a:t>next entries</a:t>
+            </a:r>
+            <a:endParaRPr dirty="0"/>
+          </a:p>
+          <a:p>
+            <a:pPr marL="457200" lvl="0" indent="0" algn="l" rtl="0">
+              <a:spcBef>
+                <a:spcPts val="1600"/>
+              </a:spcBef>
+              <a:spcAft>
+                <a:spcPts val="0"/>
+              </a:spcAft>
+              <a:buNone/>
+            </a:pPr>
+            <a:endParaRPr b="1" u="sng" dirty="0"/>
+          </a:p>
+          <a:p>
+            <a:pPr marL="914400" lvl="0" indent="0" algn="l" rtl="0">
+              <a:spcBef>
+                <a:spcPts val="1600"/>
+              </a:spcBef>
+              <a:spcAft>
+                <a:spcPts val="1600"/>
+              </a:spcAft>
+              <a:buNone/>
+            </a:pPr>
+            <a:endParaRPr dirty="0"/>
+          </a:p>
+        </p:txBody>
+      </p:sp>
+    </p:spTree>
+    <p:extLst>
+      <p:ext uri="{BB962C8B-B14F-4D97-AF65-F5344CB8AC3E}">
+        <p14:creationId xmlns:p14="http://schemas.microsoft.com/office/powerpoint/2010/main" val="314381437"/>
+      </p:ext>
+    </p:extLst>
+  </p:cSld>
+  <p:clrMapOvr>
+    <a:masterClrMapping/>
+  </p:clrMapOvr>
+</p:sld>
+</file>
+
+<file path=ppt/slides/slide2.xml><?xml version="1.0" encoding="utf-8"?>
+<p:sld xmlns:a="http://schemas.openxmlformats.org/drawingml/2006/main" xmlns:r="http://schemas.openxmlformats.org/officeDocument/2006/relationships" xmlns:p="http://schemas.openxmlformats.org/presentationml/2006/main">
+  <p:cSld>
+    <p:spTree>
+      <p:nvGrpSpPr>
+        <p:cNvPr id="1" name="Shape 59"/>
         <p:cNvGrpSpPr/>
         <p:nvPr/>
       </p:nvGrpSpPr>
@@ -8615,9 +9604,11 @@
       <p:sp>
         <p:nvSpPr>
           <p:cNvPr id="60" name="Google Shape;60;p14"/>
-          <p:cNvSpPr txBox="1"/>
+          <p:cNvSpPr txBox="1">
+            <a:spLocks noGrp="1"/>
+          </p:cNvSpPr>
           <p:nvPr>
-            <p:ph idx="1" type="body"/>
+            <p:ph type="body" idx="1"/>
           </p:nvPr>
         </p:nvSpPr>
         <p:spPr>
@@ -8630,12 +9621,12 @@
           </a:prstGeom>
         </p:spPr>
         <p:txBody>
-          <a:bodyPr anchorCtr="0" anchor="ctr" bIns="91425" lIns="91425" spcFirstLastPara="1" rIns="91425" wrap="square" tIns="91425">
+          <a:bodyPr spcFirstLastPara="1" wrap="square" lIns="91425" tIns="91425" rIns="91425" bIns="91425" anchor="ctr" anchorCtr="0">
             <a:noAutofit/>
           </a:bodyPr>
           <a:lstStyle/>
           <a:p>
-            <a:pPr indent="-381000" lvl="0" marL="457200" rtl="0" algn="ctr">
+            <a:pPr marL="457200" lvl="0" indent="-381000" algn="ctr" rtl="0">
               <a:spcBef>
                 <a:spcPts val="0"/>
               </a:spcBef>
@@ -8646,10 +9637,10 @@
               <a:buAutoNum type="arabicPeriod"/>
             </a:pPr>
             <a:r>
-              <a:rPr b="1" lang="fr" sz="2400"/>
+              <a:rPr lang="fr" sz="2400" b="1"/>
               <a:t>Superuser login</a:t>
             </a:r>
-            <a:endParaRPr b="1" sz="2400"/>
+            <a:endParaRPr sz="2400" b="1"/>
           </a:p>
         </p:txBody>
       </p:sp>
@@ -8662,11 +9653,11 @@
 </file>
 
 <file path=ppt/slides/slide3.xml><?xml version="1.0" encoding="utf-8"?>
-<p:sld xmlns:a="http://schemas.openxmlformats.org/drawingml/2006/main" xmlns:r="http://schemas.openxmlformats.org/officeDocument/2006/relationships" xmlns:mc="http://schemas.openxmlformats.org/markup-compatibility/2006" xmlns:mv="urn:schemas-microsoft-com:mac:vml" xmlns:p="http://schemas.openxmlformats.org/presentationml/2006/main" xmlns:c="http://schemas.openxmlformats.org/drawingml/2006/chart" xmlns:dgm="http://schemas.openxmlformats.org/drawingml/2006/diagram" xmlns:o="urn:schemas-microsoft-com:office:office" xmlns:v="urn:schemas-microsoft-com:vml" xmlns:pvml="urn:schemas-microsoft-com:office:powerpoint" xmlns:com="http://schemas.openxmlformats.org/drawingml/2006/compatibility" xmlns:p14="http://schemas.microsoft.com/office/powerpoint/2010/main" xmlns:p15="http://schemas.microsoft.com/office/powerpoint/2012/main">
+<p:sld xmlns:a="http://schemas.openxmlformats.org/drawingml/2006/main" xmlns:r="http://schemas.openxmlformats.org/officeDocument/2006/relationships" xmlns:p="http://schemas.openxmlformats.org/presentationml/2006/main">
   <p:cSld>
     <p:spTree>
       <p:nvGrpSpPr>
-        <p:cNvPr id="64" name="Shape 64"/>
+        <p:cNvPr id="1" name="Shape 64"/>
         <p:cNvGrpSpPr/>
         <p:nvPr/>
       </p:nvGrpSpPr>
@@ -8681,7 +9672,9 @@
       <p:sp>
         <p:nvSpPr>
           <p:cNvPr id="65" name="Google Shape;65;p15"/>
-          <p:cNvSpPr txBox="1"/>
+          <p:cNvSpPr txBox="1">
+            <a:spLocks noGrp="1"/>
+          </p:cNvSpPr>
           <p:nvPr>
             <p:ph type="title"/>
           </p:nvPr>
@@ -8696,12 +9689,12 @@
           </a:prstGeom>
         </p:spPr>
         <p:txBody>
-          <a:bodyPr anchorCtr="0" anchor="t" bIns="91425" lIns="91425" spcFirstLastPara="1" rIns="91425" wrap="square" tIns="91425">
+          <a:bodyPr spcFirstLastPara="1" wrap="square" lIns="91425" tIns="91425" rIns="91425" bIns="91425" anchor="t" anchorCtr="0">
             <a:noAutofit/>
           </a:bodyPr>
           <a:lstStyle/>
           <a:p>
-            <a:pPr indent="0" lvl="0" marL="0" rtl="0" algn="l">
+            <a:pPr marL="0" lvl="0" indent="0" algn="l" rtl="0">
               <a:spcBef>
                 <a:spcPts val="0"/>
               </a:spcBef>
@@ -8721,9 +9714,11 @@
       <p:sp>
         <p:nvSpPr>
           <p:cNvPr id="66" name="Google Shape;66;p15"/>
-          <p:cNvSpPr txBox="1"/>
+          <p:cNvSpPr txBox="1">
+            <a:spLocks noGrp="1"/>
+          </p:cNvSpPr>
           <p:nvPr>
-            <p:ph idx="1" type="body"/>
+            <p:ph type="body" idx="1"/>
           </p:nvPr>
         </p:nvSpPr>
         <p:spPr>
@@ -8736,28 +9731,28 @@
           </a:prstGeom>
         </p:spPr>
         <p:txBody>
-          <a:bodyPr anchorCtr="0" anchor="t" bIns="91425" lIns="91425" spcFirstLastPara="1" rIns="91425" wrap="square" tIns="91425">
+          <a:bodyPr spcFirstLastPara="1" wrap="square" lIns="91425" tIns="91425" rIns="91425" bIns="91425" anchor="t" anchorCtr="0">
             <a:noAutofit/>
           </a:bodyPr>
           <a:lstStyle/>
           <a:p>
-            <a:pPr indent="0" lvl="0" marL="0" rtl="0" algn="l">
-              <a:spcBef>
-                <a:spcPts val="0"/>
-              </a:spcBef>
-              <a:spcAft>
-                <a:spcPts val="0"/>
-              </a:spcAft>
-              <a:buNone/>
-            </a:pPr>
-            <a:r>
-              <a:rPr b="1" lang="fr" u="sng"/>
+            <a:pPr marL="0" lvl="0" indent="0" algn="l" rtl="0">
+              <a:spcBef>
+                <a:spcPts val="0"/>
+              </a:spcBef>
+              <a:spcAft>
+                <a:spcPts val="0"/>
+              </a:spcAft>
+              <a:buNone/>
+            </a:pPr>
+            <a:r>
+              <a:rPr lang="fr" b="1" u="sng"/>
               <a:t>Task decomposition flow</a:t>
             </a:r>
             <a:endParaRPr b="1" u="sng"/>
           </a:p>
           <a:p>
-            <a:pPr indent="-342900" lvl="0" marL="457200" rtl="0" algn="l">
+            <a:pPr marL="457200" lvl="0" indent="-342900" algn="l" rtl="0">
               <a:spcBef>
                 <a:spcPts val="1600"/>
               </a:spcBef>
@@ -8772,7 +9767,7 @@
               <a:t>Lookup the database to verify whether username exists (based on </a:t>
             </a:r>
             <a:r>
-              <a:rPr b="1" lang="fr"/>
+              <a:rPr lang="fr" b="1"/>
               <a:t>username</a:t>
             </a:r>
             <a:r>
@@ -8782,7 +9777,7 @@
             <a:endParaRPr/>
           </a:p>
           <a:p>
-            <a:pPr indent="-342900" lvl="0" marL="457200" rtl="0" algn="l">
+            <a:pPr marL="457200" lvl="0" indent="-342900" algn="l" rtl="0">
               <a:spcBef>
                 <a:spcPts val="0"/>
               </a:spcBef>
@@ -8797,7 +9792,7 @@
               <a:t>Requires </a:t>
             </a:r>
             <a:r>
-              <a:rPr b="1" lang="fr"/>
+              <a:rPr lang="fr" b="1"/>
               <a:t>username </a:t>
             </a:r>
             <a:r>
@@ -8805,13 +9800,13 @@
               <a:t>/ </a:t>
             </a:r>
             <a:r>
-              <a:rPr b="1" lang="fr"/>
+              <a:rPr lang="fr" b="1"/>
               <a:t>password</a:t>
             </a:r>
             <a:endParaRPr b="1"/>
           </a:p>
           <a:p>
-            <a:pPr indent="-342900" lvl="0" marL="457200" rtl="0" algn="l">
+            <a:pPr marL="457200" lvl="0" indent="-342900" algn="l" rtl="0">
               <a:spcBef>
                 <a:spcPts val="0"/>
               </a:spcBef>
@@ -8828,7 +9823,7 @@
             <a:endParaRPr/>
           </a:p>
           <a:p>
-            <a:pPr indent="-342900" lvl="0" marL="457200" rtl="0" algn="l">
+            <a:pPr marL="457200" lvl="0" indent="-342900" algn="l" rtl="0">
               <a:spcBef>
                 <a:spcPts val="0"/>
               </a:spcBef>
@@ -8845,7 +9840,7 @@
             <a:endParaRPr/>
           </a:p>
           <a:p>
-            <a:pPr indent="-342900" lvl="0" marL="457200" rtl="0" algn="l">
+            <a:pPr marL="457200" lvl="0" indent="-342900" algn="l" rtl="0">
               <a:spcBef>
                 <a:spcPts val="0"/>
               </a:spcBef>
@@ -8862,7 +9857,7 @@
             <a:endParaRPr/>
           </a:p>
           <a:p>
-            <a:pPr indent="-342900" lvl="0" marL="457200" rtl="0" algn="l">
+            <a:pPr marL="457200" lvl="0" indent="-342900" algn="l" rtl="0">
               <a:spcBef>
                 <a:spcPts val="0"/>
               </a:spcBef>
@@ -8879,7 +9874,7 @@
             <a:endParaRPr/>
           </a:p>
           <a:p>
-            <a:pPr indent="0" lvl="0" marL="914400" rtl="0" algn="l">
+            <a:pPr marL="914400" lvl="0" indent="0" algn="l" rtl="0">
               <a:spcBef>
                 <a:spcPts val="1600"/>
               </a:spcBef>
@@ -8888,9 +9883,6 @@
               </a:spcAft>
               <a:buNone/>
             </a:pPr>
-            <a:r>
-              <a:t/>
-            </a:r>
             <a:endParaRPr/>
           </a:p>
         </p:txBody>
@@ -8904,11 +9896,11 @@
 </file>
 
 <file path=ppt/slides/slide4.xml><?xml version="1.0" encoding="utf-8"?>
-<p:sld xmlns:a="http://schemas.openxmlformats.org/drawingml/2006/main" xmlns:r="http://schemas.openxmlformats.org/officeDocument/2006/relationships" xmlns:mc="http://schemas.openxmlformats.org/markup-compatibility/2006" xmlns:mv="urn:schemas-microsoft-com:mac:vml" xmlns:p="http://schemas.openxmlformats.org/presentationml/2006/main" xmlns:c="http://schemas.openxmlformats.org/drawingml/2006/chart" xmlns:dgm="http://schemas.openxmlformats.org/drawingml/2006/diagram" xmlns:o="urn:schemas-microsoft-com:office:office" xmlns:v="urn:schemas-microsoft-com:vml" xmlns:pvml="urn:schemas-microsoft-com:office:powerpoint" xmlns:com="http://schemas.openxmlformats.org/drawingml/2006/compatibility" xmlns:p14="http://schemas.microsoft.com/office/powerpoint/2010/main" xmlns:p15="http://schemas.microsoft.com/office/powerpoint/2012/main">
+<p:sld xmlns:a="http://schemas.openxmlformats.org/drawingml/2006/main" xmlns:r="http://schemas.openxmlformats.org/officeDocument/2006/relationships" xmlns:p="http://schemas.openxmlformats.org/presentationml/2006/main">
   <p:cSld>
     <p:spTree>
       <p:nvGrpSpPr>
-        <p:cNvPr id="70" name="Shape 70"/>
+        <p:cNvPr id="1" name="Shape 70"/>
         <p:cNvGrpSpPr/>
         <p:nvPr/>
       </p:nvGrpSpPr>
@@ -8923,7 +9915,9 @@
       <p:sp>
         <p:nvSpPr>
           <p:cNvPr id="71" name="Google Shape;71;p16"/>
-          <p:cNvSpPr txBox="1"/>
+          <p:cNvSpPr txBox="1">
+            <a:spLocks noGrp="1"/>
+          </p:cNvSpPr>
           <p:nvPr>
             <p:ph type="title"/>
           </p:nvPr>
@@ -8938,12 +9932,12 @@
           </a:prstGeom>
         </p:spPr>
         <p:txBody>
-          <a:bodyPr anchorCtr="0" anchor="t" bIns="91425" lIns="91425" spcFirstLastPara="1" rIns="91425" wrap="square" tIns="91425">
+          <a:bodyPr spcFirstLastPara="1" wrap="square" lIns="91425" tIns="91425" rIns="91425" bIns="91425" anchor="t" anchorCtr="0">
             <a:noAutofit/>
           </a:bodyPr>
           <a:lstStyle/>
           <a:p>
-            <a:pPr indent="0" lvl="0" marL="0" rtl="0" algn="l">
+            <a:pPr marL="0" lvl="0" indent="0" algn="l" rtl="0">
               <a:spcBef>
                 <a:spcPts val="0"/>
               </a:spcBef>
@@ -8959,27 +9953,20 @@
             </a:pPr>
             <a:r>
               <a:rPr lang="fr"/>
-              <a:t>Abstract Code - </a:t>
-            </a:r>
-            <a:r>
-              <a:rPr lang="fr"/>
-              <a:t>Superuser login</a:t>
+              <a:t>Abstract Code - Superuser login</a:t>
             </a:r>
             <a:endParaRPr/>
           </a:p>
           <a:p>
-            <a:pPr indent="0" lvl="0" marL="0" rtl="0" algn="l">
-              <a:spcBef>
-                <a:spcPts val="0"/>
-              </a:spcBef>
-              <a:spcAft>
-                <a:spcPts val="0"/>
-              </a:spcAft>
-              <a:buNone/>
-            </a:pPr>
-            <a:r>
-              <a:t/>
-            </a:r>
+            <a:pPr marL="0" lvl="0" indent="0" algn="l" rtl="0">
+              <a:spcBef>
+                <a:spcPts val="0"/>
+              </a:spcBef>
+              <a:spcAft>
+                <a:spcPts val="0"/>
+              </a:spcAft>
+              <a:buNone/>
+            </a:pPr>
             <a:endParaRPr/>
           </a:p>
         </p:txBody>
@@ -8987,9 +9974,11 @@
       <p:sp>
         <p:nvSpPr>
           <p:cNvPr id="72" name="Google Shape;72;p16"/>
-          <p:cNvSpPr txBox="1"/>
+          <p:cNvSpPr txBox="1">
+            <a:spLocks noGrp="1"/>
+          </p:cNvSpPr>
           <p:nvPr>
-            <p:ph idx="1" type="body"/>
+            <p:ph type="body" idx="1"/>
           </p:nvPr>
         </p:nvSpPr>
         <p:spPr>
@@ -9002,28 +9991,28 @@
           </a:prstGeom>
         </p:spPr>
         <p:txBody>
-          <a:bodyPr anchorCtr="0" anchor="t" bIns="91425" lIns="91425" spcFirstLastPara="1" rIns="91425" wrap="square" tIns="91425">
+          <a:bodyPr spcFirstLastPara="1" wrap="square" lIns="91425" tIns="91425" rIns="91425" bIns="91425" anchor="t" anchorCtr="0">
             <a:noAutofit/>
           </a:bodyPr>
           <a:lstStyle/>
           <a:p>
-            <a:pPr indent="0" lvl="0" marL="0" rtl="0" algn="l">
-              <a:spcBef>
-                <a:spcPts val="0"/>
-              </a:spcBef>
-              <a:spcAft>
-                <a:spcPts val="0"/>
-              </a:spcAft>
-              <a:buNone/>
-            </a:pPr>
-            <a:r>
-              <a:rPr b="1" lang="fr" u="sng"/>
+            <a:pPr marL="0" lvl="0" indent="0" algn="l" rtl="0">
+              <a:spcBef>
+                <a:spcPts val="0"/>
+              </a:spcBef>
+              <a:spcAft>
+                <a:spcPts val="0"/>
+              </a:spcAft>
+              <a:buNone/>
+            </a:pPr>
+            <a:r>
+              <a:rPr lang="fr" b="1" u="sng"/>
               <a:t>Abstract Code</a:t>
             </a:r>
             <a:endParaRPr b="1" u="sng"/>
           </a:p>
           <a:p>
-            <a:pPr indent="-342900" lvl="0" marL="457200" rtl="0" algn="l">
+            <a:pPr marL="457200" lvl="0" indent="-342900" algn="l" rtl="0">
               <a:spcBef>
                 <a:spcPts val="1600"/>
               </a:spcBef>
@@ -9038,7 +10027,7 @@
               <a:t>User enters </a:t>
             </a:r>
             <a:r>
-              <a:rPr b="1" lang="fr"/>
+              <a:rPr lang="fr" b="1"/>
               <a:t>username </a:t>
             </a:r>
             <a:r>
@@ -9046,7 +10035,7 @@
               <a:t>/ </a:t>
             </a:r>
             <a:r>
-              <a:rPr b="1" lang="fr"/>
+              <a:rPr lang="fr" b="1"/>
               <a:t>password </a:t>
             </a:r>
             <a:r>
@@ -9056,7 +10045,7 @@
             <a:endParaRPr/>
           </a:p>
           <a:p>
-            <a:pPr indent="-342900" lvl="0" marL="457200" rtl="0" algn="l">
+            <a:pPr marL="457200" lvl="0" indent="-342900" algn="l" rtl="0">
               <a:spcBef>
                 <a:spcPts val="0"/>
               </a:spcBef>
@@ -9073,7 +10062,7 @@
             <a:endParaRPr/>
           </a:p>
           <a:p>
-            <a:pPr indent="-342900" lvl="1" marL="914400" rtl="0" algn="l">
+            <a:pPr marL="914400" lvl="1" indent="-342900" algn="l" rtl="0">
               <a:spcBef>
                 <a:spcPts val="0"/>
               </a:spcBef>
@@ -9088,7 +10077,7 @@
               <a:t>When </a:t>
             </a:r>
             <a:r>
-              <a:rPr b="1" lang="fr" sz="1800"/>
+              <a:rPr lang="fr" sz="1800" b="1"/>
               <a:t>LOGIN </a:t>
             </a:r>
             <a:r>
@@ -9098,7 +10087,7 @@
             <a:endParaRPr sz="1800"/>
           </a:p>
           <a:p>
-            <a:pPr indent="-342900" lvl="2" marL="1371600" rtl="0" algn="l">
+            <a:pPr marL="1371600" lvl="2" indent="-342900" algn="l" rtl="0">
               <a:spcBef>
                 <a:spcPts val="0"/>
               </a:spcBef>
@@ -9113,7 +10102,7 @@
               <a:t>IF </a:t>
             </a:r>
             <a:r>
-              <a:rPr b="1" lang="fr" sz="1800"/>
+              <a:rPr lang="fr" sz="1800" b="1"/>
               <a:t>username </a:t>
             </a:r>
             <a:r>
@@ -9121,7 +10110,7 @@
               <a:t>/ hashed </a:t>
             </a:r>
             <a:r>
-              <a:rPr b="1" lang="fr" sz="1800"/>
+              <a:rPr lang="fr" sz="1800" b="1"/>
               <a:t>password </a:t>
             </a:r>
             <a:r>
@@ -9131,7 +10120,7 @@
             <a:endParaRPr sz="1800"/>
           </a:p>
           <a:p>
-            <a:pPr indent="-342900" lvl="3" marL="1828800" rtl="0" algn="l">
+            <a:pPr marL="1828800" lvl="3" indent="-342900" algn="l" rtl="0">
               <a:spcBef>
                 <a:spcPts val="0"/>
               </a:spcBef>
@@ -9146,7 +10135,7 @@
               <a:t>Redirect to </a:t>
             </a:r>
             <a:r>
-              <a:rPr b="1" lang="fr" sz="1800"/>
+              <a:rPr lang="fr" sz="1800" b="1"/>
               <a:t>home </a:t>
             </a:r>
             <a:r>
@@ -9156,7 +10145,7 @@
             <a:endParaRPr sz="1800"/>
           </a:p>
           <a:p>
-            <a:pPr indent="-342900" lvl="2" marL="1371600" rtl="0" algn="l">
+            <a:pPr marL="1371600" lvl="2" indent="-342900" algn="l" rtl="0">
               <a:spcBef>
                 <a:spcPts val="0"/>
               </a:spcBef>
@@ -9173,7 +10162,7 @@
             <a:endParaRPr sz="1800"/>
           </a:p>
           <a:p>
-            <a:pPr indent="-342900" lvl="3" marL="1828800" rtl="0" algn="l">
+            <a:pPr marL="1828800" lvl="3" indent="-342900" algn="l" rtl="0">
               <a:spcBef>
                 <a:spcPts val="0"/>
               </a:spcBef>
@@ -9190,7 +10179,7 @@
             <a:endParaRPr sz="1800"/>
           </a:p>
           <a:p>
-            <a:pPr indent="-342900" lvl="1" marL="914400" rtl="0" algn="l">
+            <a:pPr marL="914400" lvl="1" indent="-342900" algn="l" rtl="0">
               <a:spcBef>
                 <a:spcPts val="0"/>
               </a:spcBef>
@@ -9205,7 +10194,7 @@
               <a:t>Go to </a:t>
             </a:r>
             <a:r>
-              <a:rPr b="1" lang="fr" sz="1800"/>
+              <a:rPr lang="fr" sz="1800" b="1"/>
               <a:t>home </a:t>
             </a:r>
             <a:r>
@@ -9215,7 +10204,7 @@
             <a:endParaRPr sz="1800"/>
           </a:p>
           <a:p>
-            <a:pPr indent="-342900" lvl="0" marL="457200" rtl="0" algn="l">
+            <a:pPr marL="457200" lvl="0" indent="-342900" algn="l" rtl="0">
               <a:spcBef>
                 <a:spcPts val="0"/>
               </a:spcBef>
@@ -9230,7 +10219,7 @@
               <a:t>ELSE field values are invalid, display </a:t>
             </a:r>
             <a:r>
-              <a:rPr b="1" lang="fr"/>
+              <a:rPr lang="fr" b="1"/>
               <a:t>login </a:t>
             </a:r>
             <a:r>
@@ -9240,7 +10229,7 @@
             <a:endParaRPr sz="1800"/>
           </a:p>
           <a:p>
-            <a:pPr indent="0" lvl="0" marL="1371600" rtl="0" algn="l">
+            <a:pPr marL="1371600" lvl="0" indent="0" algn="l" rtl="0">
               <a:spcBef>
                 <a:spcPts val="1600"/>
               </a:spcBef>
@@ -9249,13 +10238,10 @@
               </a:spcAft>
               <a:buNone/>
             </a:pPr>
-            <a:r>
-              <a:t/>
-            </a:r>
             <a:endParaRPr sz="1800"/>
           </a:p>
           <a:p>
-            <a:pPr indent="0" lvl="0" marL="457200" rtl="0" algn="l">
+            <a:pPr marL="457200" lvl="0" indent="0" algn="l" rtl="0">
               <a:spcBef>
                 <a:spcPts val="1600"/>
               </a:spcBef>
@@ -9264,13 +10250,10 @@
               </a:spcAft>
               <a:buNone/>
             </a:pPr>
-            <a:r>
-              <a:t/>
-            </a:r>
             <a:endParaRPr b="1" u="sng"/>
           </a:p>
           <a:p>
-            <a:pPr indent="0" lvl="0" marL="914400" rtl="0" algn="l">
+            <a:pPr marL="914400" lvl="0" indent="0" algn="l" rtl="0">
               <a:spcBef>
                 <a:spcPts val="1600"/>
               </a:spcBef>
@@ -9279,9 +10262,6 @@
               </a:spcAft>
               <a:buNone/>
             </a:pPr>
-            <a:r>
-              <a:t/>
-            </a:r>
             <a:endParaRPr/>
           </a:p>
         </p:txBody>
@@ -9295,11 +10275,11 @@
 </file>
 
 <file path=ppt/slides/slide5.xml><?xml version="1.0" encoding="utf-8"?>
-<p:sld xmlns:a="http://schemas.openxmlformats.org/drawingml/2006/main" xmlns:r="http://schemas.openxmlformats.org/officeDocument/2006/relationships" xmlns:mc="http://schemas.openxmlformats.org/markup-compatibility/2006" xmlns:mv="urn:schemas-microsoft-com:mac:vml" xmlns:p="http://schemas.openxmlformats.org/presentationml/2006/main" xmlns:c="http://schemas.openxmlformats.org/drawingml/2006/chart" xmlns:dgm="http://schemas.openxmlformats.org/drawingml/2006/diagram" xmlns:o="urn:schemas-microsoft-com:office:office" xmlns:v="urn:schemas-microsoft-com:vml" xmlns:pvml="urn:schemas-microsoft-com:office:powerpoint" xmlns:com="http://schemas.openxmlformats.org/drawingml/2006/compatibility" xmlns:p14="http://schemas.microsoft.com/office/powerpoint/2010/main" xmlns:p15="http://schemas.microsoft.com/office/powerpoint/2012/main">
+<p:sld xmlns:a="http://schemas.openxmlformats.org/drawingml/2006/main" xmlns:r="http://schemas.openxmlformats.org/officeDocument/2006/relationships" xmlns:p="http://schemas.openxmlformats.org/presentationml/2006/main">
   <p:cSld>
     <p:spTree>
       <p:nvGrpSpPr>
-        <p:cNvPr id="76" name="Shape 76"/>
+        <p:cNvPr id="1" name="Shape 76"/>
         <p:cNvGrpSpPr/>
         <p:nvPr/>
       </p:nvGrpSpPr>
@@ -9314,9 +10294,11 @@
       <p:sp>
         <p:nvSpPr>
           <p:cNvPr id="77" name="Google Shape;77;p17"/>
-          <p:cNvSpPr txBox="1"/>
+          <p:cNvSpPr txBox="1">
+            <a:spLocks noGrp="1"/>
+          </p:cNvSpPr>
           <p:nvPr>
-            <p:ph idx="1" type="body"/>
+            <p:ph type="body" idx="1"/>
           </p:nvPr>
         </p:nvSpPr>
         <p:spPr>
@@ -9329,12 +10311,12 @@
           </a:prstGeom>
         </p:spPr>
         <p:txBody>
-          <a:bodyPr anchorCtr="0" anchor="ctr" bIns="91425" lIns="91425" spcFirstLastPara="1" rIns="91425" wrap="square" tIns="91425">
+          <a:bodyPr spcFirstLastPara="1" wrap="square" lIns="91425" tIns="91425" rIns="91425" bIns="91425" anchor="ctr" anchorCtr="0">
             <a:noAutofit/>
           </a:bodyPr>
           <a:lstStyle/>
           <a:p>
-            <a:pPr indent="-381000" lvl="0" marL="457200" rtl="0" algn="ctr">
+            <a:pPr marL="457200" lvl="0" indent="-381000" algn="ctr" rtl="0">
               <a:spcBef>
                 <a:spcPts val="0"/>
               </a:spcBef>
@@ -9345,10 +10327,10 @@
               <a:buAutoNum type="arabicPeriod" startAt="2"/>
             </a:pPr>
             <a:r>
-              <a:rPr b="1" lang="fr" sz="2400"/>
+              <a:rPr lang="fr" sz="2400" b="1"/>
               <a:t>Superuser patient / care provider CRUD operation</a:t>
             </a:r>
-            <a:endParaRPr b="1" sz="2400"/>
+            <a:endParaRPr sz="2400" b="1"/>
           </a:p>
         </p:txBody>
       </p:sp>
@@ -9361,11 +10343,11 @@
 </file>
 
 <file path=ppt/slides/slide6.xml><?xml version="1.0" encoding="utf-8"?>
-<p:sld xmlns:a="http://schemas.openxmlformats.org/drawingml/2006/main" xmlns:r="http://schemas.openxmlformats.org/officeDocument/2006/relationships" xmlns:mc="http://schemas.openxmlformats.org/markup-compatibility/2006" xmlns:mv="urn:schemas-microsoft-com:mac:vml" xmlns:p="http://schemas.openxmlformats.org/presentationml/2006/main" xmlns:c="http://schemas.openxmlformats.org/drawingml/2006/chart" xmlns:dgm="http://schemas.openxmlformats.org/drawingml/2006/diagram" xmlns:o="urn:schemas-microsoft-com:office:office" xmlns:v="urn:schemas-microsoft-com:vml" xmlns:pvml="urn:schemas-microsoft-com:office:powerpoint" xmlns:com="http://schemas.openxmlformats.org/drawingml/2006/compatibility" xmlns:p14="http://schemas.microsoft.com/office/powerpoint/2010/main" xmlns:p15="http://schemas.microsoft.com/office/powerpoint/2012/main">
+<p:sld xmlns:a="http://schemas.openxmlformats.org/drawingml/2006/main" xmlns:r="http://schemas.openxmlformats.org/officeDocument/2006/relationships" xmlns:p="http://schemas.openxmlformats.org/presentationml/2006/main">
   <p:cSld>
     <p:spTree>
       <p:nvGrpSpPr>
-        <p:cNvPr id="81" name="Shape 81"/>
+        <p:cNvPr id="1" name="Shape 81"/>
         <p:cNvGrpSpPr/>
         <p:nvPr/>
       </p:nvGrpSpPr>
@@ -9380,9 +10362,11 @@
       <p:sp>
         <p:nvSpPr>
           <p:cNvPr id="82" name="Google Shape;82;p18"/>
-          <p:cNvSpPr txBox="1"/>
+          <p:cNvSpPr txBox="1">
+            <a:spLocks noGrp="1"/>
+          </p:cNvSpPr>
           <p:nvPr>
-            <p:ph idx="1" type="body"/>
+            <p:ph type="body" idx="1"/>
           </p:nvPr>
         </p:nvSpPr>
         <p:spPr>
@@ -9395,12 +10379,12 @@
           </a:prstGeom>
         </p:spPr>
         <p:txBody>
-          <a:bodyPr anchorCtr="0" anchor="ctr" bIns="91425" lIns="91425" spcFirstLastPara="1" rIns="91425" wrap="square" tIns="91425">
+          <a:bodyPr spcFirstLastPara="1" wrap="square" lIns="91425" tIns="91425" rIns="91425" bIns="91425" anchor="ctr" anchorCtr="0">
             <a:noAutofit/>
           </a:bodyPr>
           <a:lstStyle/>
           <a:p>
-            <a:pPr indent="-381000" lvl="0" marL="457200" rtl="0" algn="ctr">
+            <a:pPr marL="457200" lvl="0" indent="-381000" algn="ctr" rtl="0">
               <a:spcBef>
                 <a:spcPts val="0"/>
               </a:spcBef>
@@ -9411,10 +10395,10 @@
               <a:buAutoNum type="arabicPeriod" startAt="3"/>
             </a:pPr>
             <a:r>
-              <a:rPr b="1" lang="fr" sz="2400"/>
+              <a:rPr lang="fr" sz="2400" b="1"/>
               <a:t>Care provider registration</a:t>
             </a:r>
-            <a:endParaRPr b="1" sz="2400"/>
+            <a:endParaRPr sz="2400" b="1"/>
           </a:p>
         </p:txBody>
       </p:sp>
@@ -9427,11 +10411,11 @@
 </file>
 
 <file path=ppt/slides/slide7.xml><?xml version="1.0" encoding="utf-8"?>
-<p:sld xmlns:a="http://schemas.openxmlformats.org/drawingml/2006/main" xmlns:r="http://schemas.openxmlformats.org/officeDocument/2006/relationships" xmlns:mc="http://schemas.openxmlformats.org/markup-compatibility/2006" xmlns:mv="urn:schemas-microsoft-com:mac:vml" xmlns:p="http://schemas.openxmlformats.org/presentationml/2006/main" xmlns:c="http://schemas.openxmlformats.org/drawingml/2006/chart" xmlns:dgm="http://schemas.openxmlformats.org/drawingml/2006/diagram" xmlns:o="urn:schemas-microsoft-com:office:office" xmlns:v="urn:schemas-microsoft-com:vml" xmlns:pvml="urn:schemas-microsoft-com:office:powerpoint" xmlns:com="http://schemas.openxmlformats.org/drawingml/2006/compatibility" xmlns:p14="http://schemas.microsoft.com/office/powerpoint/2010/main" xmlns:p15="http://schemas.microsoft.com/office/powerpoint/2012/main">
+<p:sld xmlns:a="http://schemas.openxmlformats.org/drawingml/2006/main" xmlns:r="http://schemas.openxmlformats.org/officeDocument/2006/relationships" xmlns:p="http://schemas.openxmlformats.org/presentationml/2006/main">
   <p:cSld>
     <p:spTree>
       <p:nvGrpSpPr>
-        <p:cNvPr id="86" name="Shape 86"/>
+        <p:cNvPr id="1" name="Shape 86"/>
         <p:cNvGrpSpPr/>
         <p:nvPr/>
       </p:nvGrpSpPr>
@@ -9446,7 +10430,9 @@
       <p:sp>
         <p:nvSpPr>
           <p:cNvPr id="87" name="Google Shape;87;p19"/>
-          <p:cNvSpPr txBox="1"/>
+          <p:cNvSpPr txBox="1">
+            <a:spLocks noGrp="1"/>
+          </p:cNvSpPr>
           <p:nvPr>
             <p:ph type="title"/>
           </p:nvPr>
@@ -9461,12 +10447,12 @@
           </a:prstGeom>
         </p:spPr>
         <p:txBody>
-          <a:bodyPr anchorCtr="0" anchor="t" bIns="91425" lIns="91425" spcFirstLastPara="1" rIns="91425" wrap="square" tIns="91425">
+          <a:bodyPr spcFirstLastPara="1" wrap="square" lIns="91425" tIns="91425" rIns="91425" bIns="91425" anchor="t" anchorCtr="0">
             <a:noAutofit/>
           </a:bodyPr>
           <a:lstStyle/>
           <a:p>
-            <a:pPr indent="0" lvl="0" marL="0" rtl="0" algn="l">
+            <a:pPr marL="0" lvl="0" indent="0" algn="l" rtl="0">
               <a:spcBef>
                 <a:spcPts val="0"/>
               </a:spcBef>
@@ -9477,15 +10463,7 @@
             </a:pPr>
             <a:r>
               <a:rPr lang="fr"/>
-              <a:t>Abstract Code - </a:t>
-            </a:r>
-            <a:r>
-              <a:rPr lang="fr"/>
-              <a:t>Care provider </a:t>
-            </a:r>
-            <a:r>
-              <a:rPr lang="fr"/>
-              <a:t>registration</a:t>
+              <a:t>Abstract Code - Care provider registration</a:t>
             </a:r>
             <a:endParaRPr/>
           </a:p>
@@ -9494,9 +10472,11 @@
       <p:sp>
         <p:nvSpPr>
           <p:cNvPr id="88" name="Google Shape;88;p19"/>
-          <p:cNvSpPr txBox="1"/>
+          <p:cNvSpPr txBox="1">
+            <a:spLocks noGrp="1"/>
+          </p:cNvSpPr>
           <p:nvPr>
-            <p:ph idx="1" type="body"/>
+            <p:ph type="body" idx="1"/>
           </p:nvPr>
         </p:nvSpPr>
         <p:spPr>
@@ -9509,28 +10489,28 @@
           </a:prstGeom>
         </p:spPr>
         <p:txBody>
-          <a:bodyPr anchorCtr="0" anchor="t" bIns="91425" lIns="91425" spcFirstLastPara="1" rIns="91425" wrap="square" tIns="91425">
+          <a:bodyPr spcFirstLastPara="1" wrap="square" lIns="91425" tIns="91425" rIns="91425" bIns="91425" anchor="t" anchorCtr="0">
             <a:noAutofit/>
           </a:bodyPr>
           <a:lstStyle/>
           <a:p>
-            <a:pPr indent="0" lvl="0" marL="0" rtl="0" algn="l">
-              <a:spcBef>
-                <a:spcPts val="0"/>
-              </a:spcBef>
-              <a:spcAft>
-                <a:spcPts val="0"/>
-              </a:spcAft>
-              <a:buNone/>
-            </a:pPr>
-            <a:r>
-              <a:rPr b="1" lang="fr" u="sng"/>
+            <a:pPr marL="0" lvl="0" indent="0" algn="l" rtl="0">
+              <a:spcBef>
+                <a:spcPts val="0"/>
+              </a:spcBef>
+              <a:spcAft>
+                <a:spcPts val="0"/>
+              </a:spcAft>
+              <a:buNone/>
+            </a:pPr>
+            <a:r>
+              <a:rPr lang="fr" b="1" u="sng"/>
               <a:t>Task decomposition flow</a:t>
             </a:r>
             <a:endParaRPr b="1" u="sng"/>
           </a:p>
           <a:p>
-            <a:pPr indent="-342900" lvl="0" marL="457200" rtl="0" algn="l">
+            <a:pPr marL="457200" lvl="0" indent="-342900" algn="l" rtl="0">
               <a:spcBef>
                 <a:spcPts val="1600"/>
               </a:spcBef>
@@ -9545,19 +10525,15 @@
               <a:t>Lookup the database to verify whether </a:t>
             </a:r>
             <a:r>
-              <a:rPr b="1" lang="fr"/>
+              <a:rPr lang="fr" b="1"/>
               <a:t>username </a:t>
             </a:r>
             <a:r>
               <a:rPr lang="fr"/>
-              <a:t>(care provider) </a:t>
-            </a:r>
-            <a:r>
-              <a:rPr lang="fr"/>
-              <a:t>exists (based on </a:t>
-            </a:r>
-            <a:r>
-              <a:rPr b="1" lang="fr"/>
+              <a:t>(care provider) exists (based on </a:t>
+            </a:r>
+            <a:r>
+              <a:rPr lang="fr" b="1"/>
               <a:t>username</a:t>
             </a:r>
             <a:r>
@@ -9567,7 +10543,7 @@
             <a:endParaRPr/>
           </a:p>
           <a:p>
-            <a:pPr indent="-342900" lvl="0" marL="457200" rtl="0" algn="l">
+            <a:pPr marL="457200" lvl="0" indent="-342900" algn="l" rtl="0">
               <a:spcBef>
                 <a:spcPts val="0"/>
               </a:spcBef>
@@ -9582,7 +10558,7 @@
               <a:t>Requires </a:t>
             </a:r>
             <a:r>
-              <a:rPr b="1" lang="fr"/>
+              <a:rPr lang="fr" b="1"/>
               <a:t>username </a:t>
             </a:r>
             <a:r>
@@ -9590,13 +10566,13 @@
               <a:t>/ </a:t>
             </a:r>
             <a:r>
-              <a:rPr b="1" lang="fr"/>
+              <a:rPr lang="fr" b="1"/>
               <a:t>password</a:t>
             </a:r>
             <a:endParaRPr b="1"/>
           </a:p>
           <a:p>
-            <a:pPr indent="-342900" lvl="0" marL="457200" rtl="0" algn="l">
+            <a:pPr marL="457200" lvl="0" indent="-342900" algn="l" rtl="0">
               <a:spcBef>
                 <a:spcPts val="0"/>
               </a:spcBef>
@@ -9613,7 +10589,7 @@
             <a:endParaRPr/>
           </a:p>
           <a:p>
-            <a:pPr indent="-342900" lvl="0" marL="457200" rtl="0" algn="l">
+            <a:pPr marL="457200" lvl="0" indent="-342900" algn="l" rtl="0">
               <a:spcBef>
                 <a:spcPts val="0"/>
               </a:spcBef>
@@ -9630,7 +10606,7 @@
             <a:endParaRPr/>
           </a:p>
           <a:p>
-            <a:pPr indent="-342900" lvl="0" marL="457200" rtl="0" algn="l">
+            <a:pPr marL="457200" lvl="0" indent="-342900" algn="l" rtl="0">
               <a:spcBef>
                 <a:spcPts val="0"/>
               </a:spcBef>
@@ -9647,7 +10623,7 @@
             <a:endParaRPr/>
           </a:p>
           <a:p>
-            <a:pPr indent="-342900" lvl="0" marL="457200" rtl="0" algn="l">
+            <a:pPr marL="457200" lvl="0" indent="-342900" algn="l" rtl="0">
               <a:spcBef>
                 <a:spcPts val="0"/>
               </a:spcBef>
@@ -9664,7 +10640,7 @@
             <a:endParaRPr/>
           </a:p>
           <a:p>
-            <a:pPr indent="0" lvl="0" marL="914400" rtl="0" algn="l">
+            <a:pPr marL="914400" lvl="0" indent="0" algn="l" rtl="0">
               <a:spcBef>
                 <a:spcPts val="1600"/>
               </a:spcBef>
@@ -9673,9 +10649,6 @@
               </a:spcAft>
               <a:buNone/>
             </a:pPr>
-            <a:r>
-              <a:t/>
-            </a:r>
             <a:endParaRPr/>
           </a:p>
         </p:txBody>
@@ -9689,11 +10662,11 @@
 </file>
 
 <file path=ppt/slides/slide8.xml><?xml version="1.0" encoding="utf-8"?>
-<p:sld xmlns:a="http://schemas.openxmlformats.org/drawingml/2006/main" xmlns:r="http://schemas.openxmlformats.org/officeDocument/2006/relationships" xmlns:mc="http://schemas.openxmlformats.org/markup-compatibility/2006" xmlns:mv="urn:schemas-microsoft-com:mac:vml" xmlns:p="http://schemas.openxmlformats.org/presentationml/2006/main" xmlns:c="http://schemas.openxmlformats.org/drawingml/2006/chart" xmlns:dgm="http://schemas.openxmlformats.org/drawingml/2006/diagram" xmlns:o="urn:schemas-microsoft-com:office:office" xmlns:v="urn:schemas-microsoft-com:vml" xmlns:pvml="urn:schemas-microsoft-com:office:powerpoint" xmlns:com="http://schemas.openxmlformats.org/drawingml/2006/compatibility" xmlns:p14="http://schemas.microsoft.com/office/powerpoint/2010/main" xmlns:p15="http://schemas.microsoft.com/office/powerpoint/2012/main">
+<p:sld xmlns:a="http://schemas.openxmlformats.org/drawingml/2006/main" xmlns:r="http://schemas.openxmlformats.org/officeDocument/2006/relationships" xmlns:p="http://schemas.openxmlformats.org/presentationml/2006/main">
   <p:cSld>
     <p:spTree>
       <p:nvGrpSpPr>
-        <p:cNvPr id="92" name="Shape 92"/>
+        <p:cNvPr id="1" name="Shape 92"/>
         <p:cNvGrpSpPr/>
         <p:nvPr/>
       </p:nvGrpSpPr>
@@ -9708,7 +10681,9 @@
       <p:sp>
         <p:nvSpPr>
           <p:cNvPr id="93" name="Google Shape;93;p20"/>
-          <p:cNvSpPr txBox="1"/>
+          <p:cNvSpPr txBox="1">
+            <a:spLocks noGrp="1"/>
+          </p:cNvSpPr>
           <p:nvPr>
             <p:ph type="title"/>
           </p:nvPr>
@@ -9723,12 +10698,12 @@
           </a:prstGeom>
         </p:spPr>
         <p:txBody>
-          <a:bodyPr anchorCtr="0" anchor="t" bIns="91425" lIns="91425" spcFirstLastPara="1" rIns="91425" wrap="square" tIns="91425">
+          <a:bodyPr spcFirstLastPara="1" wrap="square" lIns="91425" tIns="91425" rIns="91425" bIns="91425" anchor="t" anchorCtr="0">
             <a:noAutofit/>
           </a:bodyPr>
           <a:lstStyle/>
           <a:p>
-            <a:pPr indent="0" lvl="0" marL="0" rtl="0" algn="l">
+            <a:pPr marL="0" lvl="0" indent="0" algn="l" rtl="0">
               <a:spcBef>
                 <a:spcPts val="0"/>
               </a:spcBef>
@@ -9749,18 +10724,15 @@
             <a:endParaRPr/>
           </a:p>
           <a:p>
-            <a:pPr indent="0" lvl="0" marL="0" rtl="0" algn="l">
-              <a:spcBef>
-                <a:spcPts val="0"/>
-              </a:spcBef>
-              <a:spcAft>
-                <a:spcPts val="0"/>
-              </a:spcAft>
-              <a:buNone/>
-            </a:pPr>
-            <a:r>
-              <a:t/>
-            </a:r>
+            <a:pPr marL="0" lvl="0" indent="0" algn="l" rtl="0">
+              <a:spcBef>
+                <a:spcPts val="0"/>
+              </a:spcBef>
+              <a:spcAft>
+                <a:spcPts val="0"/>
+              </a:spcAft>
+              <a:buNone/>
+            </a:pPr>
             <a:endParaRPr/>
           </a:p>
         </p:txBody>
@@ -9768,9 +10740,11 @@
       <p:sp>
         <p:nvSpPr>
           <p:cNvPr id="94" name="Google Shape;94;p20"/>
-          <p:cNvSpPr txBox="1"/>
+          <p:cNvSpPr txBox="1">
+            <a:spLocks noGrp="1"/>
+          </p:cNvSpPr>
           <p:nvPr>
-            <p:ph idx="1" type="body"/>
+            <p:ph type="body" idx="1"/>
           </p:nvPr>
         </p:nvSpPr>
         <p:spPr>
@@ -9783,28 +10757,28 @@
           </a:prstGeom>
         </p:spPr>
         <p:txBody>
-          <a:bodyPr anchorCtr="0" anchor="t" bIns="91425" lIns="91425" spcFirstLastPara="1" rIns="91425" wrap="square" tIns="91425">
+          <a:bodyPr spcFirstLastPara="1" wrap="square" lIns="91425" tIns="91425" rIns="91425" bIns="91425" anchor="t" anchorCtr="0">
             <a:noAutofit/>
           </a:bodyPr>
           <a:lstStyle/>
           <a:p>
-            <a:pPr indent="0" lvl="0" marL="0" rtl="0" algn="l">
-              <a:spcBef>
-                <a:spcPts val="0"/>
-              </a:spcBef>
-              <a:spcAft>
-                <a:spcPts val="0"/>
-              </a:spcAft>
-              <a:buNone/>
-            </a:pPr>
-            <a:r>
-              <a:rPr b="1" lang="fr" u="sng"/>
+            <a:pPr marL="0" lvl="0" indent="0" algn="l" rtl="0">
+              <a:spcBef>
+                <a:spcPts val="0"/>
+              </a:spcBef>
+              <a:spcAft>
+                <a:spcPts val="0"/>
+              </a:spcAft>
+              <a:buNone/>
+            </a:pPr>
+            <a:r>
+              <a:rPr lang="fr" b="1" u="sng"/>
               <a:t>Abstract Code</a:t>
             </a:r>
             <a:endParaRPr b="1" u="sng"/>
           </a:p>
           <a:p>
-            <a:pPr indent="-342900" lvl="0" marL="457200" rtl="0" algn="l">
+            <a:pPr marL="457200" lvl="0" indent="-342900" algn="l" rtl="0">
               <a:spcBef>
                 <a:spcPts val="1600"/>
               </a:spcBef>
@@ -9819,7 +10793,7 @@
               <a:t>User enters </a:t>
             </a:r>
             <a:r>
-              <a:rPr b="1" lang="fr"/>
+              <a:rPr lang="fr" b="1"/>
               <a:t>username </a:t>
             </a:r>
             <a:r>
@@ -9827,7 +10801,7 @@
               <a:t>/ </a:t>
             </a:r>
             <a:r>
-              <a:rPr b="1" lang="fr"/>
+              <a:rPr lang="fr" b="1"/>
               <a:t>password </a:t>
             </a:r>
             <a:r>
@@ -9837,7 +10811,7 @@
             <a:endParaRPr/>
           </a:p>
           <a:p>
-            <a:pPr indent="-342900" lvl="0" marL="457200" rtl="0" algn="l">
+            <a:pPr marL="457200" lvl="0" indent="-342900" algn="l" rtl="0">
               <a:spcBef>
                 <a:spcPts val="0"/>
               </a:spcBef>
@@ -9854,7 +10828,7 @@
             <a:endParaRPr/>
           </a:p>
           <a:p>
-            <a:pPr indent="-342900" lvl="1" marL="914400" rtl="0" algn="l">
+            <a:pPr marL="914400" lvl="1" indent="-342900" algn="l" rtl="0">
               <a:spcBef>
                 <a:spcPts val="0"/>
               </a:spcBef>
@@ -9869,7 +10843,7 @@
               <a:t>When </a:t>
             </a:r>
             <a:r>
-              <a:rPr b="1" lang="fr" sz="1800"/>
+              <a:rPr lang="fr" sz="1800" b="1"/>
               <a:t>REGISTER </a:t>
             </a:r>
             <a:r>
@@ -9879,7 +10853,7 @@
             <a:endParaRPr sz="1800"/>
           </a:p>
           <a:p>
-            <a:pPr indent="-342900" lvl="2" marL="1371600" rtl="0" algn="l">
+            <a:pPr marL="1371600" lvl="2" indent="-342900" algn="l" rtl="0">
               <a:spcBef>
                 <a:spcPts val="0"/>
               </a:spcBef>
@@ -9894,7 +10868,7 @@
               <a:t>IF </a:t>
             </a:r>
             <a:r>
-              <a:rPr b="1" lang="fr" sz="1800"/>
+              <a:rPr lang="fr" sz="1800" b="1"/>
               <a:t>username </a:t>
             </a:r>
             <a:r>
@@ -9902,21 +10876,17 @@
               <a:t>/ hashed </a:t>
             </a:r>
             <a:r>
-              <a:rPr b="1" lang="fr" sz="1800"/>
+              <a:rPr lang="fr" sz="1800" b="1"/>
               <a:t>password </a:t>
             </a:r>
             <a:r>
               <a:rPr lang="fr" sz="1800"/>
-              <a:t>added to database </a:t>
-            </a:r>
-            <a:r>
-              <a:rPr lang="fr" sz="1800"/>
-              <a:t>then:</a:t>
+              <a:t>added to database then:</a:t>
             </a:r>
             <a:endParaRPr sz="1800"/>
           </a:p>
           <a:p>
-            <a:pPr indent="-342900" lvl="3" marL="1828800" rtl="0" algn="l">
+            <a:pPr marL="1828800" lvl="3" indent="-342900" algn="l" rtl="0">
               <a:spcBef>
                 <a:spcPts val="0"/>
               </a:spcBef>
@@ -9931,7 +10901,7 @@
               <a:t>Redirect to </a:t>
             </a:r>
             <a:r>
-              <a:rPr b="1" lang="fr" sz="1800"/>
+              <a:rPr lang="fr" sz="1800" b="1"/>
               <a:t>login </a:t>
             </a:r>
             <a:r>
@@ -9941,7 +10911,7 @@
             <a:endParaRPr sz="1800"/>
           </a:p>
           <a:p>
-            <a:pPr indent="-342900" lvl="2" marL="1371600" rtl="0" algn="l">
+            <a:pPr marL="1371600" lvl="2" indent="-342900" algn="l" rtl="0">
               <a:spcBef>
                 <a:spcPts val="0"/>
               </a:spcBef>
@@ -9958,7 +10928,7 @@
             <a:endParaRPr sz="1800"/>
           </a:p>
           <a:p>
-            <a:pPr indent="-342900" lvl="3" marL="1828800" rtl="0" algn="l">
+            <a:pPr marL="1828800" lvl="3" indent="-342900" algn="l" rtl="0">
               <a:spcBef>
                 <a:spcPts val="0"/>
               </a:spcBef>
@@ -9975,7 +10945,7 @@
             <a:endParaRPr sz="1800"/>
           </a:p>
           <a:p>
-            <a:pPr indent="-342900" lvl="1" marL="914400" rtl="0" algn="l">
+            <a:pPr marL="914400" lvl="1" indent="-342900" algn="l" rtl="0">
               <a:spcBef>
                 <a:spcPts val="0"/>
               </a:spcBef>
@@ -9990,7 +10960,7 @@
               <a:t>Go to </a:t>
             </a:r>
             <a:r>
-              <a:rPr b="1" lang="fr" sz="1800"/>
+              <a:rPr lang="fr" sz="1800" b="1"/>
               <a:t>register </a:t>
             </a:r>
             <a:r>
@@ -10000,7 +10970,7 @@
             <a:endParaRPr sz="1800"/>
           </a:p>
           <a:p>
-            <a:pPr indent="-342900" lvl="0" marL="457200" rtl="0" algn="l">
+            <a:pPr marL="457200" lvl="0" indent="-342900" algn="l" rtl="0">
               <a:spcBef>
                 <a:spcPts val="0"/>
               </a:spcBef>
@@ -10015,7 +10985,7 @@
               <a:t>ELSE field values are invalid, display </a:t>
             </a:r>
             <a:r>
-              <a:rPr b="1" lang="fr"/>
+              <a:rPr lang="fr" b="1"/>
               <a:t>register </a:t>
             </a:r>
             <a:r>
@@ -10025,7 +10995,7 @@
             <a:endParaRPr sz="1800"/>
           </a:p>
           <a:p>
-            <a:pPr indent="0" lvl="0" marL="1371600" rtl="0" algn="l">
+            <a:pPr marL="1371600" lvl="0" indent="0" algn="l" rtl="0">
               <a:spcBef>
                 <a:spcPts val="1600"/>
               </a:spcBef>
@@ -10034,13 +11004,10 @@
               </a:spcAft>
               <a:buNone/>
             </a:pPr>
-            <a:r>
-              <a:t/>
-            </a:r>
             <a:endParaRPr sz="1800"/>
           </a:p>
           <a:p>
-            <a:pPr indent="0" lvl="0" marL="457200" rtl="0" algn="l">
+            <a:pPr marL="457200" lvl="0" indent="0" algn="l" rtl="0">
               <a:spcBef>
                 <a:spcPts val="1600"/>
               </a:spcBef>
@@ -10049,13 +11016,10 @@
               </a:spcAft>
               <a:buNone/>
             </a:pPr>
-            <a:r>
-              <a:t/>
-            </a:r>
             <a:endParaRPr b="1" u="sng"/>
           </a:p>
           <a:p>
-            <a:pPr indent="0" lvl="0" marL="914400" rtl="0" algn="l">
+            <a:pPr marL="914400" lvl="0" indent="0" algn="l" rtl="0">
               <a:spcBef>
                 <a:spcPts val="1600"/>
               </a:spcBef>
@@ -10064,9 +11028,6 @@
               </a:spcAft>
               <a:buNone/>
             </a:pPr>
-            <a:r>
-              <a:t/>
-            </a:r>
             <a:endParaRPr/>
           </a:p>
         </p:txBody>
@@ -10080,11 +11041,11 @@
 </file>
 
 <file path=ppt/slides/slide9.xml><?xml version="1.0" encoding="utf-8"?>
-<p:sld xmlns:a="http://schemas.openxmlformats.org/drawingml/2006/main" xmlns:r="http://schemas.openxmlformats.org/officeDocument/2006/relationships" xmlns:mc="http://schemas.openxmlformats.org/markup-compatibility/2006" xmlns:mv="urn:schemas-microsoft-com:mac:vml" xmlns:p="http://schemas.openxmlformats.org/presentationml/2006/main" xmlns:c="http://schemas.openxmlformats.org/drawingml/2006/chart" xmlns:dgm="http://schemas.openxmlformats.org/drawingml/2006/diagram" xmlns:o="urn:schemas-microsoft-com:office:office" xmlns:v="urn:schemas-microsoft-com:vml" xmlns:pvml="urn:schemas-microsoft-com:office:powerpoint" xmlns:com="http://schemas.openxmlformats.org/drawingml/2006/compatibility" xmlns:p14="http://schemas.microsoft.com/office/powerpoint/2010/main" xmlns:p15="http://schemas.microsoft.com/office/powerpoint/2012/main">
+<p:sld xmlns:a="http://schemas.openxmlformats.org/drawingml/2006/main" xmlns:r="http://schemas.openxmlformats.org/officeDocument/2006/relationships" xmlns:p="http://schemas.openxmlformats.org/presentationml/2006/main">
   <p:cSld>
     <p:spTree>
       <p:nvGrpSpPr>
-        <p:cNvPr id="98" name="Shape 98"/>
+        <p:cNvPr id="1" name="Shape 98"/>
         <p:cNvGrpSpPr/>
         <p:nvPr/>
       </p:nvGrpSpPr>
@@ -10099,9 +11060,11 @@
       <p:sp>
         <p:nvSpPr>
           <p:cNvPr id="99" name="Google Shape;99;p21"/>
-          <p:cNvSpPr txBox="1"/>
+          <p:cNvSpPr txBox="1">
+            <a:spLocks noGrp="1"/>
+          </p:cNvSpPr>
           <p:nvPr>
-            <p:ph idx="1" type="body"/>
+            <p:ph type="body" idx="1"/>
           </p:nvPr>
         </p:nvSpPr>
         <p:spPr>
@@ -10114,12 +11077,12 @@
           </a:prstGeom>
         </p:spPr>
         <p:txBody>
-          <a:bodyPr anchorCtr="0" anchor="ctr" bIns="91425" lIns="91425" spcFirstLastPara="1" rIns="91425" wrap="square" tIns="91425">
+          <a:bodyPr spcFirstLastPara="1" wrap="square" lIns="91425" tIns="91425" rIns="91425" bIns="91425" anchor="ctr" anchorCtr="0">
             <a:noAutofit/>
           </a:bodyPr>
           <a:lstStyle/>
           <a:p>
-            <a:pPr indent="-381000" lvl="0" marL="457200" rtl="0" algn="ctr">
+            <a:pPr marL="457200" lvl="0" indent="-381000" algn="ctr" rtl="0">
               <a:spcBef>
                 <a:spcPts val="0"/>
               </a:spcBef>
@@ -10130,10 +11093,10 @@
               <a:buAutoNum type="arabicPeriod" startAt="4"/>
             </a:pPr>
             <a:r>
-              <a:rPr b="1" lang="fr" sz="2400"/>
+              <a:rPr lang="fr" sz="2400" b="1"/>
               <a:t>Care provider login</a:t>
             </a:r>
-            <a:endParaRPr b="1" sz="2400"/>
+            <a:endParaRPr sz="2400" b="1"/>
           </a:p>
         </p:txBody>
       </p:sp>
@@ -10146,7 +11109,288 @@
 </file>
 
 <file path=ppt/theme/theme1.xml><?xml version="1.0" encoding="utf-8"?>
-<a:theme xmlns:a="http://schemas.openxmlformats.org/drawingml/2006/main" xmlns:r="http://schemas.openxmlformats.org/officeDocument/2006/relationships">
+<a:theme xmlns:a="http://schemas.openxmlformats.org/drawingml/2006/main" name="Simple Light">
+  <a:themeElements>
+    <a:clrScheme name="Simple Light">
+      <a:dk1>
+        <a:srgbClr val="000000"/>
+      </a:dk1>
+      <a:lt1>
+        <a:srgbClr val="FFFFFF"/>
+      </a:lt1>
+      <a:dk2>
+        <a:srgbClr val="595959"/>
+      </a:dk2>
+      <a:lt2>
+        <a:srgbClr val="EEEEEE"/>
+      </a:lt2>
+      <a:accent1>
+        <a:srgbClr val="FFAB40"/>
+      </a:accent1>
+      <a:accent2>
+        <a:srgbClr val="212121"/>
+      </a:accent2>
+      <a:accent3>
+        <a:srgbClr val="78909C"/>
+      </a:accent3>
+      <a:accent4>
+        <a:srgbClr val="FFAB40"/>
+      </a:accent4>
+      <a:accent5>
+        <a:srgbClr val="0097A7"/>
+      </a:accent5>
+      <a:accent6>
+        <a:srgbClr val="EEFF41"/>
+      </a:accent6>
+      <a:hlink>
+        <a:srgbClr val="0097A7"/>
+      </a:hlink>
+      <a:folHlink>
+        <a:srgbClr val="0097A7"/>
+      </a:folHlink>
+    </a:clrScheme>
+    <a:fontScheme name="Office">
+      <a:majorFont>
+        <a:latin typeface="Arial"/>
+        <a:ea typeface=""/>
+        <a:cs typeface=""/>
+        <a:font script="Jpan" typeface="ＭＳ Ｐゴシック"/>
+        <a:font script="Hang" typeface="맑은 고딕"/>
+        <a:font script="Hans" typeface="宋体"/>
+        <a:font script="Hant" typeface="新細明體"/>
+        <a:font script="Arab" typeface="Times New Roman"/>
+        <a:font script="Hebr" typeface="Times New Roman"/>
+        <a:font script="Thai" typeface="Angsana New"/>
+        <a:font script="Ethi" typeface="Nyala"/>
+        <a:font script="Beng" typeface="Vrinda"/>
+        <a:font script="Gujr" typeface="Shruti"/>
+        <a:font script="Khmr" typeface="MoolBoran"/>
+        <a:font script="Knda" typeface="Tunga"/>
+        <a:font script="Guru" typeface="Raavi"/>
+        <a:font script="Cans" typeface="Euphemia"/>
+        <a:font script="Cher" typeface="Plantagenet Cherokee"/>
+        <a:font script="Yiii" typeface="Microsoft Yi Baiti"/>
+        <a:font script="Tibt" typeface="Microsoft Himalaya"/>
+        <a:font script="Thaa" typeface="MV Boli"/>
+        <a:font script="Deva" typeface="Mangal"/>
+        <a:font script="Telu" typeface="Gautami"/>
+        <a:font script="Taml" typeface="Latha"/>
+        <a:font script="Syrc" typeface="Estrangelo Edessa"/>
+        <a:font script="Orya" typeface="Kalinga"/>
+        <a:font script="Mlym" typeface="Kartika"/>
+        <a:font script="Laoo" typeface="DokChampa"/>
+        <a:font script="Sinh" typeface="Iskoola Pota"/>
+        <a:font script="Mong" typeface="Mongolian Baiti"/>
+        <a:font script="Viet" typeface="Times New Roman"/>
+        <a:font script="Uigh" typeface="Microsoft Uighur"/>
+        <a:font script="Geor" typeface="Sylfaen"/>
+      </a:majorFont>
+      <a:minorFont>
+        <a:latin typeface="Arial"/>
+        <a:ea typeface=""/>
+        <a:cs typeface=""/>
+        <a:font script="Jpan" typeface="ＭＳ Ｐゴシック"/>
+        <a:font script="Hang" typeface="맑은 고딕"/>
+        <a:font script="Hans" typeface="宋体"/>
+        <a:font script="Hant" typeface="新細明體"/>
+        <a:font script="Arab" typeface="Arial"/>
+        <a:font script="Hebr" typeface="Arial"/>
+        <a:font script="Thai" typeface="Cordia New"/>
+        <a:font script="Ethi" typeface="Nyala"/>
+        <a:font script="Beng" typeface="Vrinda"/>
+        <a:font script="Gujr" typeface="Shruti"/>
+        <a:font script="Khmr" typeface="DaunPenh"/>
+        <a:font script="Knda" typeface="Tunga"/>
+        <a:font script="Guru" typeface="Raavi"/>
+        <a:font script="Cans" typeface="Euphemia"/>
+        <a:font script="Cher" typeface="Plantagenet Cherokee"/>
+        <a:font script="Yiii" typeface="Microsoft Yi Baiti"/>
+        <a:font script="Tibt" typeface="Microsoft Himalaya"/>
+        <a:font script="Thaa" typeface="MV Boli"/>
+        <a:font script="Deva" typeface="Mangal"/>
+        <a:font script="Telu" typeface="Gautami"/>
+        <a:font script="Taml" typeface="Latha"/>
+        <a:font script="Syrc" typeface="Estrangelo Edessa"/>
+        <a:font script="Orya" typeface="Kalinga"/>
+        <a:font script="Mlym" typeface="Kartika"/>
+        <a:font script="Laoo" typeface="DokChampa"/>
+        <a:font script="Sinh" typeface="Iskoola Pota"/>
+        <a:font script="Mong" typeface="Mongolian Baiti"/>
+        <a:font script="Viet" typeface="Arial"/>
+        <a:font script="Uigh" typeface="Microsoft Uighur"/>
+        <a:font script="Geor" typeface="Sylfaen"/>
+      </a:minorFont>
+    </a:fontScheme>
+    <a:fmtScheme name="Office">
+      <a:fillStyleLst>
+        <a:solidFill>
+          <a:schemeClr val="phClr"/>
+        </a:solidFill>
+        <a:gradFill rotWithShape="1">
+          <a:gsLst>
+            <a:gs pos="0">
+              <a:schemeClr val="phClr">
+                <a:tint val="50000"/>
+                <a:satMod val="300000"/>
+              </a:schemeClr>
+            </a:gs>
+            <a:gs pos="35000">
+              <a:schemeClr val="phClr">
+                <a:tint val="37000"/>
+                <a:satMod val="300000"/>
+              </a:schemeClr>
+            </a:gs>
+            <a:gs pos="100000">
+              <a:schemeClr val="phClr">
+                <a:tint val="15000"/>
+                <a:satMod val="350000"/>
+              </a:schemeClr>
+            </a:gs>
+          </a:gsLst>
+          <a:lin ang="16200000" scaled="1"/>
+        </a:gradFill>
+        <a:gradFill rotWithShape="1">
+          <a:gsLst>
+            <a:gs pos="0">
+              <a:schemeClr val="phClr">
+                <a:tint val="100000"/>
+                <a:shade val="100000"/>
+                <a:satMod val="130000"/>
+              </a:schemeClr>
+            </a:gs>
+            <a:gs pos="100000">
+              <a:schemeClr val="phClr">
+                <a:tint val="50000"/>
+                <a:shade val="100000"/>
+                <a:satMod val="350000"/>
+              </a:schemeClr>
+            </a:gs>
+          </a:gsLst>
+          <a:lin ang="16200000" scaled="0"/>
+        </a:gradFill>
+      </a:fillStyleLst>
+      <a:lnStyleLst>
+        <a:ln w="9525" cap="flat" cmpd="sng" algn="ctr">
+          <a:solidFill>
+            <a:schemeClr val="phClr">
+              <a:shade val="95000"/>
+              <a:satMod val="105000"/>
+            </a:schemeClr>
+          </a:solidFill>
+          <a:prstDash val="solid"/>
+        </a:ln>
+        <a:ln w="25400" cap="flat" cmpd="sng" algn="ctr">
+          <a:solidFill>
+            <a:schemeClr val="phClr"/>
+          </a:solidFill>
+          <a:prstDash val="solid"/>
+        </a:ln>
+        <a:ln w="38100" cap="flat" cmpd="sng" algn="ctr">
+          <a:solidFill>
+            <a:schemeClr val="phClr"/>
+          </a:solidFill>
+          <a:prstDash val="solid"/>
+        </a:ln>
+      </a:lnStyleLst>
+      <a:effectStyleLst>
+        <a:effectStyle>
+          <a:effectLst>
+            <a:outerShdw blurRad="40000" dist="20000" dir="5400000" rotWithShape="0">
+              <a:srgbClr val="000000">
+                <a:alpha val="38000"/>
+              </a:srgbClr>
+            </a:outerShdw>
+          </a:effectLst>
+        </a:effectStyle>
+        <a:effectStyle>
+          <a:effectLst>
+            <a:outerShdw blurRad="40000" dist="23000" dir="5400000" rotWithShape="0">
+              <a:srgbClr val="000000">
+                <a:alpha val="35000"/>
+              </a:srgbClr>
+            </a:outerShdw>
+          </a:effectLst>
+        </a:effectStyle>
+        <a:effectStyle>
+          <a:effectLst>
+            <a:outerShdw blurRad="40000" dist="23000" dir="5400000" rotWithShape="0">
+              <a:srgbClr val="000000">
+                <a:alpha val="35000"/>
+              </a:srgbClr>
+            </a:outerShdw>
+          </a:effectLst>
+          <a:scene3d>
+            <a:camera prst="orthographicFront">
+              <a:rot lat="0" lon="0" rev="0"/>
+            </a:camera>
+            <a:lightRig rig="threePt" dir="t">
+              <a:rot lat="0" lon="0" rev="1200000"/>
+            </a:lightRig>
+          </a:scene3d>
+          <a:sp3d>
+            <a:bevelT w="63500" h="25400"/>
+          </a:sp3d>
+        </a:effectStyle>
+      </a:effectStyleLst>
+      <a:bgFillStyleLst>
+        <a:solidFill>
+          <a:schemeClr val="phClr"/>
+        </a:solidFill>
+        <a:gradFill rotWithShape="1">
+          <a:gsLst>
+            <a:gs pos="0">
+              <a:schemeClr val="phClr">
+                <a:tint val="40000"/>
+                <a:satMod val="350000"/>
+              </a:schemeClr>
+            </a:gs>
+            <a:gs pos="40000">
+              <a:schemeClr val="phClr">
+                <a:tint val="45000"/>
+                <a:shade val="99000"/>
+                <a:satMod val="350000"/>
+              </a:schemeClr>
+            </a:gs>
+            <a:gs pos="100000">
+              <a:schemeClr val="phClr">
+                <a:shade val="20000"/>
+                <a:satMod val="255000"/>
+              </a:schemeClr>
+            </a:gs>
+          </a:gsLst>
+          <a:path path="circle">
+            <a:fillToRect l="50000" t="-80000" r="50000" b="180000"/>
+          </a:path>
+        </a:gradFill>
+        <a:gradFill rotWithShape="1">
+          <a:gsLst>
+            <a:gs pos="0">
+              <a:schemeClr val="phClr">
+                <a:tint val="80000"/>
+                <a:satMod val="300000"/>
+              </a:schemeClr>
+            </a:gs>
+            <a:gs pos="100000">
+              <a:schemeClr val="phClr">
+                <a:shade val="30000"/>
+                <a:satMod val="200000"/>
+              </a:schemeClr>
+            </a:gs>
+          </a:gsLst>
+          <a:path path="circle">
+            <a:fillToRect l="50000" t="50000" r="50000" b="50000"/>
+          </a:path>
+        </a:gradFill>
+      </a:bgFillStyleLst>
+    </a:fmtScheme>
+  </a:themeElements>
+  <a:objectDefaults/>
+  <a:extraClrSchemeLst/>
+</a:theme>
+</file>
+
+<file path=ppt/theme/theme2.xml><?xml version="1.0" encoding="utf-8"?>
+<a:theme xmlns:a="http://schemas.openxmlformats.org/drawingml/2006/main">
   <a:themeElements>
     <a:clrScheme name="Default">
       <a:dk1>
@@ -10421,284 +11665,7 @@
       </a:bgFillStyleLst>
     </a:fmtScheme>
   </a:themeElements>
-</a:theme>
-</file>
-
-<file path=ppt/theme/theme2.xml><?xml version="1.0" encoding="utf-8"?>
-<a:theme xmlns:a="http://schemas.openxmlformats.org/drawingml/2006/main" xmlns:r="http://schemas.openxmlformats.org/officeDocument/2006/relationships" name="Simple Light">
-  <a:themeElements>
-    <a:clrScheme name="Simple Light">
-      <a:dk1>
-        <a:srgbClr val="000000"/>
-      </a:dk1>
-      <a:lt1>
-        <a:srgbClr val="FFFFFF"/>
-      </a:lt1>
-      <a:dk2>
-        <a:srgbClr val="595959"/>
-      </a:dk2>
-      <a:lt2>
-        <a:srgbClr val="EEEEEE"/>
-      </a:lt2>
-      <a:accent1>
-        <a:srgbClr val="FFAB40"/>
-      </a:accent1>
-      <a:accent2>
-        <a:srgbClr val="212121"/>
-      </a:accent2>
-      <a:accent3>
-        <a:srgbClr val="78909C"/>
-      </a:accent3>
-      <a:accent4>
-        <a:srgbClr val="FFAB40"/>
-      </a:accent4>
-      <a:accent5>
-        <a:srgbClr val="0097A7"/>
-      </a:accent5>
-      <a:accent6>
-        <a:srgbClr val="EEFF41"/>
-      </a:accent6>
-      <a:hlink>
-        <a:srgbClr val="0097A7"/>
-      </a:hlink>
-      <a:folHlink>
-        <a:srgbClr val="0097A7"/>
-      </a:folHlink>
-    </a:clrScheme>
-    <a:fontScheme name="Office">
-      <a:majorFont>
-        <a:latin typeface="Arial"/>
-        <a:ea typeface=""/>
-        <a:cs typeface=""/>
-        <a:font script="Jpan" typeface="ＭＳ Ｐゴシック"/>
-        <a:font script="Hang" typeface="맑은 고딕"/>
-        <a:font script="Hans" typeface="宋体"/>
-        <a:font script="Hant" typeface="新細明體"/>
-        <a:font script="Arab" typeface="Times New Roman"/>
-        <a:font script="Hebr" typeface="Times New Roman"/>
-        <a:font script="Thai" typeface="Angsana New"/>
-        <a:font script="Ethi" typeface="Nyala"/>
-        <a:font script="Beng" typeface="Vrinda"/>
-        <a:font script="Gujr" typeface="Shruti"/>
-        <a:font script="Khmr" typeface="MoolBoran"/>
-        <a:font script="Knda" typeface="Tunga"/>
-        <a:font script="Guru" typeface="Raavi"/>
-        <a:font script="Cans" typeface="Euphemia"/>
-        <a:font script="Cher" typeface="Plantagenet Cherokee"/>
-        <a:font script="Yiii" typeface="Microsoft Yi Baiti"/>
-        <a:font script="Tibt" typeface="Microsoft Himalaya"/>
-        <a:font script="Thaa" typeface="MV Boli"/>
-        <a:font script="Deva" typeface="Mangal"/>
-        <a:font script="Telu" typeface="Gautami"/>
-        <a:font script="Taml" typeface="Latha"/>
-        <a:font script="Syrc" typeface="Estrangelo Edessa"/>
-        <a:font script="Orya" typeface="Kalinga"/>
-        <a:font script="Mlym" typeface="Kartika"/>
-        <a:font script="Laoo" typeface="DokChampa"/>
-        <a:font script="Sinh" typeface="Iskoola Pota"/>
-        <a:font script="Mong" typeface="Mongolian Baiti"/>
-        <a:font script="Viet" typeface="Times New Roman"/>
-        <a:font script="Uigh" typeface="Microsoft Uighur"/>
-        <a:font script="Geor" typeface="Sylfaen"/>
-      </a:majorFont>
-      <a:minorFont>
-        <a:latin typeface="Arial"/>
-        <a:ea typeface=""/>
-        <a:cs typeface=""/>
-        <a:font script="Jpan" typeface="ＭＳ Ｐゴシック"/>
-        <a:font script="Hang" typeface="맑은 고딕"/>
-        <a:font script="Hans" typeface="宋体"/>
-        <a:font script="Hant" typeface="新細明體"/>
-        <a:font script="Arab" typeface="Arial"/>
-        <a:font script="Hebr" typeface="Arial"/>
-        <a:font script="Thai" typeface="Cordia New"/>
-        <a:font script="Ethi" typeface="Nyala"/>
-        <a:font script="Beng" typeface="Vrinda"/>
-        <a:font script="Gujr" typeface="Shruti"/>
-        <a:font script="Khmr" typeface="DaunPenh"/>
-        <a:font script="Knda" typeface="Tunga"/>
-        <a:font script="Guru" typeface="Raavi"/>
-        <a:font script="Cans" typeface="Euphemia"/>
-        <a:font script="Cher" typeface="Plantagenet Cherokee"/>
-        <a:font script="Yiii" typeface="Microsoft Yi Baiti"/>
-        <a:font script="Tibt" typeface="Microsoft Himalaya"/>
-        <a:font script="Thaa" typeface="MV Boli"/>
-        <a:font script="Deva" typeface="Mangal"/>
-        <a:font script="Telu" typeface="Gautami"/>
-        <a:font script="Taml" typeface="Latha"/>
-        <a:font script="Syrc" typeface="Estrangelo Edessa"/>
-        <a:font script="Orya" typeface="Kalinga"/>
-        <a:font script="Mlym" typeface="Kartika"/>
-        <a:font script="Laoo" typeface="DokChampa"/>
-        <a:font script="Sinh" typeface="Iskoola Pota"/>
-        <a:font script="Mong" typeface="Mongolian Baiti"/>
-        <a:font script="Viet" typeface="Arial"/>
-        <a:font script="Uigh" typeface="Microsoft Uighur"/>
-        <a:font script="Geor" typeface="Sylfaen"/>
-      </a:minorFont>
-    </a:fontScheme>
-    <a:fmtScheme name="Office">
-      <a:fillStyleLst>
-        <a:solidFill>
-          <a:schemeClr val="phClr"/>
-        </a:solidFill>
-        <a:gradFill rotWithShape="1">
-          <a:gsLst>
-            <a:gs pos="0">
-              <a:schemeClr val="phClr">
-                <a:tint val="50000"/>
-                <a:satMod val="300000"/>
-              </a:schemeClr>
-            </a:gs>
-            <a:gs pos="35000">
-              <a:schemeClr val="phClr">
-                <a:tint val="37000"/>
-                <a:satMod val="300000"/>
-              </a:schemeClr>
-            </a:gs>
-            <a:gs pos="100000">
-              <a:schemeClr val="phClr">
-                <a:tint val="15000"/>
-                <a:satMod val="350000"/>
-              </a:schemeClr>
-            </a:gs>
-          </a:gsLst>
-          <a:lin ang="16200000" scaled="1"/>
-        </a:gradFill>
-        <a:gradFill rotWithShape="1">
-          <a:gsLst>
-            <a:gs pos="0">
-              <a:schemeClr val="phClr">
-                <a:tint val="100000"/>
-                <a:shade val="100000"/>
-                <a:satMod val="130000"/>
-              </a:schemeClr>
-            </a:gs>
-            <a:gs pos="100000">
-              <a:schemeClr val="phClr">
-                <a:tint val="50000"/>
-                <a:shade val="100000"/>
-                <a:satMod val="350000"/>
-              </a:schemeClr>
-            </a:gs>
-          </a:gsLst>
-          <a:lin ang="16200000" scaled="0"/>
-        </a:gradFill>
-      </a:fillStyleLst>
-      <a:lnStyleLst>
-        <a:ln w="9525" cap="flat" cmpd="sng" algn="ctr">
-          <a:solidFill>
-            <a:schemeClr val="phClr">
-              <a:shade val="95000"/>
-              <a:satMod val="105000"/>
-            </a:schemeClr>
-          </a:solidFill>
-          <a:prstDash val="solid"/>
-        </a:ln>
-        <a:ln w="25400" cap="flat" cmpd="sng" algn="ctr">
-          <a:solidFill>
-            <a:schemeClr val="phClr"/>
-          </a:solidFill>
-          <a:prstDash val="solid"/>
-        </a:ln>
-        <a:ln w="38100" cap="flat" cmpd="sng" algn="ctr">
-          <a:solidFill>
-            <a:schemeClr val="phClr"/>
-          </a:solidFill>
-          <a:prstDash val="solid"/>
-        </a:ln>
-      </a:lnStyleLst>
-      <a:effectStyleLst>
-        <a:effectStyle>
-          <a:effectLst>
-            <a:outerShdw blurRad="40000" dist="20000" dir="5400000" rotWithShape="0">
-              <a:srgbClr val="000000">
-                <a:alpha val="38000"/>
-              </a:srgbClr>
-            </a:outerShdw>
-          </a:effectLst>
-        </a:effectStyle>
-        <a:effectStyle>
-          <a:effectLst>
-            <a:outerShdw blurRad="40000" dist="23000" dir="5400000" rotWithShape="0">
-              <a:srgbClr val="000000">
-                <a:alpha val="35000"/>
-              </a:srgbClr>
-            </a:outerShdw>
-          </a:effectLst>
-        </a:effectStyle>
-        <a:effectStyle>
-          <a:effectLst>
-            <a:outerShdw blurRad="40000" dist="23000" dir="5400000" rotWithShape="0">
-              <a:srgbClr val="000000">
-                <a:alpha val="35000"/>
-              </a:srgbClr>
-            </a:outerShdw>
-          </a:effectLst>
-          <a:scene3d>
-            <a:camera prst="orthographicFront">
-              <a:rot lat="0" lon="0" rev="0"/>
-            </a:camera>
-            <a:lightRig rig="threePt" dir="t">
-              <a:rot lat="0" lon="0" rev="1200000"/>
-            </a:lightRig>
-          </a:scene3d>
-          <a:sp3d>
-            <a:bevelT w="63500" h="25400"/>
-          </a:sp3d>
-        </a:effectStyle>
-      </a:effectStyleLst>
-      <a:bgFillStyleLst>
-        <a:solidFill>
-          <a:schemeClr val="phClr"/>
-        </a:solidFill>
-        <a:gradFill rotWithShape="1">
-          <a:gsLst>
-            <a:gs pos="0">
-              <a:schemeClr val="phClr">
-                <a:tint val="40000"/>
-                <a:satMod val="350000"/>
-              </a:schemeClr>
-            </a:gs>
-            <a:gs pos="40000">
-              <a:schemeClr val="phClr">
-                <a:tint val="45000"/>
-                <a:shade val="99000"/>
-                <a:satMod val="350000"/>
-              </a:schemeClr>
-            </a:gs>
-            <a:gs pos="100000">
-              <a:schemeClr val="phClr">
-                <a:shade val="20000"/>
-                <a:satMod val="255000"/>
-              </a:schemeClr>
-            </a:gs>
-          </a:gsLst>
-          <a:path path="circle">
-            <a:fillToRect l="50000" t="-80000" r="50000" b="180000"/>
-          </a:path>
-        </a:gradFill>
-        <a:gradFill rotWithShape="1">
-          <a:gsLst>
-            <a:gs pos="0">
-              <a:schemeClr val="phClr">
-                <a:tint val="80000"/>
-                <a:satMod val="300000"/>
-              </a:schemeClr>
-            </a:gs>
-            <a:gs pos="100000">
-              <a:schemeClr val="phClr">
-                <a:shade val="30000"/>
-                <a:satMod val="200000"/>
-              </a:schemeClr>
-            </a:gs>
-          </a:gsLst>
-          <a:path path="circle">
-            <a:fillToRect l="50000" t="50000" r="50000" b="50000"/>
-          </a:path>
-        </a:gradFill>
-      </a:bgFillStyleLst>
-    </a:fmtScheme>
-  </a:themeElements>
+  <a:objectDefaults/>
+  <a:extraClrSchemeLst/>
 </a:theme>
 </file>